--- a/PowerShell From The Trenches - Workflows.pptx
+++ b/PowerShell From The Trenches - Workflows.pptx
@@ -5,7 +5,7 @@
     <p:sldMasterId id="2147483648" r:id="rId1"/>
   </p:sldMasterIdLst>
   <p:notesMasterIdLst>
-    <p:notesMasterId r:id="rId11"/>
+    <p:notesMasterId r:id="rId15"/>
   </p:notesMasterIdLst>
   <p:sldIdLst>
     <p:sldId id="256" r:id="rId2"/>
@@ -17,6 +17,10 @@
     <p:sldId id="262" r:id="rId8"/>
     <p:sldId id="263" r:id="rId9"/>
     <p:sldId id="264" r:id="rId10"/>
+    <p:sldId id="265" r:id="rId11"/>
+    <p:sldId id="266" r:id="rId12"/>
+    <p:sldId id="267" r:id="rId13"/>
+    <p:sldId id="268" r:id="rId14"/>
   </p:sldIdLst>
   <p:sldSz cx="9144000" cy="6858000" type="screen4x3"/>
   <p:notesSz cx="6858000" cy="9144000"/>
@@ -200,7 +204,7 @@
           <a:p>
             <a:fld id="{C66C0B3E-3E85-4B94-9602-250875DB9BDA}" type="datetimeFigureOut">
               <a:rPr lang="en-US" smtClean="0"/>
-              <a:t>1/21/2020</a:t>
+              <a:t>1/22/2020</a:t>
             </a:fld>
             <a:endParaRPr lang="en-US"/>
           </a:p>
@@ -552,6 +556,294 @@
 </p:notes>
 </file>
 
+<file path=ppt/notesSlides/notesSlide2.xml><?xml version="1.0" encoding="utf-8"?>
+<p:notes xmlns:a="http://schemas.openxmlformats.org/drawingml/2006/main" xmlns:r="http://schemas.openxmlformats.org/officeDocument/2006/relationships" xmlns:p="http://schemas.openxmlformats.org/presentationml/2006/main">
+  <p:cSld>
+    <p:spTree>
+      <p:nvGrpSpPr>
+        <p:cNvPr id="1" name=""/>
+        <p:cNvGrpSpPr/>
+        <p:nvPr/>
+      </p:nvGrpSpPr>
+      <p:grpSpPr>
+        <a:xfrm>
+          <a:off x="0" y="0"/>
+          <a:ext cx="0" cy="0"/>
+          <a:chOff x="0" y="0"/>
+          <a:chExt cx="0" cy="0"/>
+        </a:xfrm>
+      </p:grpSpPr>
+      <p:sp>
+        <p:nvSpPr>
+          <p:cNvPr id="2" name="Slide Image Placeholder 1"/>
+          <p:cNvSpPr>
+            <a:spLocks noGrp="1" noRot="1" noChangeAspect="1"/>
+          </p:cNvSpPr>
+          <p:nvPr>
+            <p:ph type="sldImg"/>
+          </p:nvPr>
+        </p:nvSpPr>
+        <p:spPr/>
+      </p:sp>
+      <p:sp>
+        <p:nvSpPr>
+          <p:cNvPr id="3" name="Notes Placeholder 2"/>
+          <p:cNvSpPr>
+            <a:spLocks noGrp="1"/>
+          </p:cNvSpPr>
+          <p:nvPr>
+            <p:ph type="body" idx="1"/>
+          </p:nvPr>
+        </p:nvSpPr>
+        <p:spPr/>
+        <p:txBody>
+          <a:bodyPr/>
+          <a:lstStyle/>
+          <a:p>
+            <a:r>
+              <a:rPr lang="en-US" dirty="0" smtClean="0"/>
+              <a:t>We can pass values</a:t>
+            </a:r>
+            <a:r>
+              <a:rPr lang="en-US" baseline="0" dirty="0" smtClean="0"/>
+              <a:t> to </a:t>
+            </a:r>
+            <a:r>
+              <a:rPr lang="en-US" baseline="0" dirty="0" err="1" smtClean="0"/>
+              <a:t>InlineScripts</a:t>
+            </a:r>
+            <a:r>
+              <a:rPr lang="en-US" baseline="0" dirty="0" smtClean="0"/>
+              <a:t>, just remember the $using </a:t>
+            </a:r>
+            <a:endParaRPr lang="en-US" dirty="0"/>
+          </a:p>
+        </p:txBody>
+      </p:sp>
+      <p:sp>
+        <p:nvSpPr>
+          <p:cNvPr id="4" name="Slide Number Placeholder 3"/>
+          <p:cNvSpPr>
+            <a:spLocks noGrp="1"/>
+          </p:cNvSpPr>
+          <p:nvPr>
+            <p:ph type="sldNum" sz="quarter" idx="10"/>
+          </p:nvPr>
+        </p:nvSpPr>
+        <p:spPr/>
+        <p:txBody>
+          <a:bodyPr/>
+          <a:lstStyle/>
+          <a:p>
+            <a:fld id="{0E10FAA0-75B7-40A2-9294-DA73526A0D78}" type="slidenum">
+              <a:rPr lang="en-US" smtClean="0"/>
+              <a:t>11</a:t>
+            </a:fld>
+            <a:endParaRPr lang="en-US"/>
+          </a:p>
+        </p:txBody>
+      </p:sp>
+    </p:spTree>
+    <p:extLst>
+      <p:ext uri="{BB962C8B-B14F-4D97-AF65-F5344CB8AC3E}">
+        <p14:creationId xmlns:p14="http://schemas.microsoft.com/office/powerpoint/2010/main" val="3224307919"/>
+      </p:ext>
+    </p:extLst>
+  </p:cSld>
+  <p:clrMapOvr>
+    <a:masterClrMapping/>
+  </p:clrMapOvr>
+</p:notes>
+</file>
+
+<file path=ppt/notesSlides/notesSlide3.xml><?xml version="1.0" encoding="utf-8"?>
+<p:notes xmlns:a="http://schemas.openxmlformats.org/drawingml/2006/main" xmlns:r="http://schemas.openxmlformats.org/officeDocument/2006/relationships" xmlns:p="http://schemas.openxmlformats.org/presentationml/2006/main">
+  <p:cSld>
+    <p:spTree>
+      <p:nvGrpSpPr>
+        <p:cNvPr id="1" name=""/>
+        <p:cNvGrpSpPr/>
+        <p:nvPr/>
+      </p:nvGrpSpPr>
+      <p:grpSpPr>
+        <a:xfrm>
+          <a:off x="0" y="0"/>
+          <a:ext cx="0" cy="0"/>
+          <a:chOff x="0" y="0"/>
+          <a:chExt cx="0" cy="0"/>
+        </a:xfrm>
+      </p:grpSpPr>
+      <p:sp>
+        <p:nvSpPr>
+          <p:cNvPr id="2" name="Slide Image Placeholder 1"/>
+          <p:cNvSpPr>
+            <a:spLocks noGrp="1" noRot="1" noChangeAspect="1"/>
+          </p:cNvSpPr>
+          <p:nvPr>
+            <p:ph type="sldImg"/>
+          </p:nvPr>
+        </p:nvSpPr>
+        <p:spPr/>
+      </p:sp>
+      <p:sp>
+        <p:nvSpPr>
+          <p:cNvPr id="3" name="Notes Placeholder 2"/>
+          <p:cNvSpPr>
+            <a:spLocks noGrp="1"/>
+          </p:cNvSpPr>
+          <p:nvPr>
+            <p:ph type="body" idx="1"/>
+          </p:nvPr>
+        </p:nvSpPr>
+        <p:spPr/>
+        <p:txBody>
+          <a:bodyPr/>
+          <a:lstStyle/>
+          <a:p>
+            <a:r>
+              <a:rPr lang="en-US" dirty="0" smtClean="0"/>
+              <a:t>Ok now we just</a:t>
+            </a:r>
+            <a:r>
+              <a:rPr lang="en-US" baseline="0" dirty="0" smtClean="0"/>
+              <a:t> need to add a little thing before we continue</a:t>
+            </a:r>
+            <a:endParaRPr lang="en-US" dirty="0"/>
+          </a:p>
+        </p:txBody>
+      </p:sp>
+      <p:sp>
+        <p:nvSpPr>
+          <p:cNvPr id="4" name="Slide Number Placeholder 3"/>
+          <p:cNvSpPr>
+            <a:spLocks noGrp="1"/>
+          </p:cNvSpPr>
+          <p:nvPr>
+            <p:ph type="sldNum" sz="quarter" idx="10"/>
+          </p:nvPr>
+        </p:nvSpPr>
+        <p:spPr/>
+        <p:txBody>
+          <a:bodyPr/>
+          <a:lstStyle/>
+          <a:p>
+            <a:fld id="{0E10FAA0-75B7-40A2-9294-DA73526A0D78}" type="slidenum">
+              <a:rPr lang="en-US" smtClean="0"/>
+              <a:t>12</a:t>
+            </a:fld>
+            <a:endParaRPr lang="en-US"/>
+          </a:p>
+        </p:txBody>
+      </p:sp>
+    </p:spTree>
+    <p:extLst>
+      <p:ext uri="{BB962C8B-B14F-4D97-AF65-F5344CB8AC3E}">
+        <p14:creationId xmlns:p14="http://schemas.microsoft.com/office/powerpoint/2010/main" val="2228760575"/>
+      </p:ext>
+    </p:extLst>
+  </p:cSld>
+  <p:clrMapOvr>
+    <a:masterClrMapping/>
+  </p:clrMapOvr>
+</p:notes>
+</file>
+
+<file path=ppt/notesSlides/notesSlide4.xml><?xml version="1.0" encoding="utf-8"?>
+<p:notes xmlns:a="http://schemas.openxmlformats.org/drawingml/2006/main" xmlns:r="http://schemas.openxmlformats.org/officeDocument/2006/relationships" xmlns:p="http://schemas.openxmlformats.org/presentationml/2006/main">
+  <p:cSld>
+    <p:spTree>
+      <p:nvGrpSpPr>
+        <p:cNvPr id="1" name=""/>
+        <p:cNvGrpSpPr/>
+        <p:nvPr/>
+      </p:nvGrpSpPr>
+      <p:grpSpPr>
+        <a:xfrm>
+          <a:off x="0" y="0"/>
+          <a:ext cx="0" cy="0"/>
+          <a:chOff x="0" y="0"/>
+          <a:chExt cx="0" cy="0"/>
+        </a:xfrm>
+      </p:grpSpPr>
+      <p:sp>
+        <p:nvSpPr>
+          <p:cNvPr id="2" name="Slide Image Placeholder 1"/>
+          <p:cNvSpPr>
+            <a:spLocks noGrp="1" noRot="1" noChangeAspect="1"/>
+          </p:cNvSpPr>
+          <p:nvPr>
+            <p:ph type="sldImg"/>
+          </p:nvPr>
+        </p:nvSpPr>
+        <p:spPr/>
+      </p:sp>
+      <p:sp>
+        <p:nvSpPr>
+          <p:cNvPr id="3" name="Notes Placeholder 2"/>
+          <p:cNvSpPr>
+            <a:spLocks noGrp="1"/>
+          </p:cNvSpPr>
+          <p:nvPr>
+            <p:ph type="body" idx="1"/>
+          </p:nvPr>
+        </p:nvSpPr>
+        <p:spPr/>
+        <p:txBody>
+          <a:bodyPr/>
+          <a:lstStyle/>
+          <a:p>
+            <a:r>
+              <a:rPr lang="en-US" dirty="0" smtClean="0"/>
+              <a:t>Yes they work</a:t>
+            </a:r>
+            <a:r>
+              <a:rPr lang="en-US" baseline="0" dirty="0" smtClean="0"/>
+              <a:t> fine but get in the habit of using script blocks </a:t>
+            </a:r>
+            <a:r>
+              <a:rPr lang="en-US" baseline="0" smtClean="0"/>
+              <a:t>for everything</a:t>
+            </a:r>
+            <a:endParaRPr lang="en-US"/>
+          </a:p>
+        </p:txBody>
+      </p:sp>
+      <p:sp>
+        <p:nvSpPr>
+          <p:cNvPr id="4" name="Slide Number Placeholder 3"/>
+          <p:cNvSpPr>
+            <a:spLocks noGrp="1"/>
+          </p:cNvSpPr>
+          <p:nvPr>
+            <p:ph type="sldNum" sz="quarter" idx="10"/>
+          </p:nvPr>
+        </p:nvSpPr>
+        <p:spPr/>
+        <p:txBody>
+          <a:bodyPr/>
+          <a:lstStyle/>
+          <a:p>
+            <a:fld id="{0E10FAA0-75B7-40A2-9294-DA73526A0D78}" type="slidenum">
+              <a:rPr lang="en-US" smtClean="0"/>
+              <a:t>13</a:t>
+            </a:fld>
+            <a:endParaRPr lang="en-US"/>
+          </a:p>
+        </p:txBody>
+      </p:sp>
+    </p:spTree>
+    <p:extLst>
+      <p:ext uri="{BB962C8B-B14F-4D97-AF65-F5344CB8AC3E}">
+        <p14:creationId xmlns:p14="http://schemas.microsoft.com/office/powerpoint/2010/main" val="3995268486"/>
+      </p:ext>
+    </p:extLst>
+  </p:cSld>
+  <p:clrMapOvr>
+    <a:masterClrMapping/>
+  </p:clrMapOvr>
+</p:notes>
+</file>
+
 <file path=ppt/slideLayouts/slideLayout1.xml><?xml version="1.0" encoding="utf-8"?>
 <p:sldLayout xmlns:a="http://schemas.openxmlformats.org/drawingml/2006/main" xmlns:r="http://schemas.openxmlformats.org/officeDocument/2006/relationships" xmlns:p="http://schemas.openxmlformats.org/presentationml/2006/main" type="title" preserve="1">
   <p:cSld name="Title Slide">
@@ -733,7 +1025,7 @@
           <a:p>
             <a:fld id="{DC02A34C-238D-4AF7-9F57-849B59FCF5ED}" type="datetimeFigureOut">
               <a:rPr lang="en-US" smtClean="0"/>
-              <a:t>1/16/2020</a:t>
+              <a:t>1/22/2020</a:t>
             </a:fld>
             <a:endParaRPr lang="en-US"/>
           </a:p>
@@ -903,7 +1195,7 @@
           <a:p>
             <a:fld id="{DC02A34C-238D-4AF7-9F57-849B59FCF5ED}" type="datetimeFigureOut">
               <a:rPr lang="en-US" smtClean="0"/>
-              <a:t>1/16/2020</a:t>
+              <a:t>1/22/2020</a:t>
             </a:fld>
             <a:endParaRPr lang="en-US"/>
           </a:p>
@@ -1083,7 +1375,7 @@
           <a:p>
             <a:fld id="{DC02A34C-238D-4AF7-9F57-849B59FCF5ED}" type="datetimeFigureOut">
               <a:rPr lang="en-US" smtClean="0"/>
-              <a:t>1/16/2020</a:t>
+              <a:t>1/22/2020</a:t>
             </a:fld>
             <a:endParaRPr lang="en-US"/>
           </a:p>
@@ -1253,7 +1545,7 @@
           <a:p>
             <a:fld id="{DC02A34C-238D-4AF7-9F57-849B59FCF5ED}" type="datetimeFigureOut">
               <a:rPr lang="en-US" smtClean="0"/>
-              <a:t>1/16/2020</a:t>
+              <a:t>1/22/2020</a:t>
             </a:fld>
             <a:endParaRPr lang="en-US"/>
           </a:p>
@@ -1499,7 +1791,7 @@
           <a:p>
             <a:fld id="{DC02A34C-238D-4AF7-9F57-849B59FCF5ED}" type="datetimeFigureOut">
               <a:rPr lang="en-US" smtClean="0"/>
-              <a:t>1/16/2020</a:t>
+              <a:t>1/22/2020</a:t>
             </a:fld>
             <a:endParaRPr lang="en-US"/>
           </a:p>
@@ -1787,7 +2079,7 @@
           <a:p>
             <a:fld id="{DC02A34C-238D-4AF7-9F57-849B59FCF5ED}" type="datetimeFigureOut">
               <a:rPr lang="en-US" smtClean="0"/>
-              <a:t>1/16/2020</a:t>
+              <a:t>1/22/2020</a:t>
             </a:fld>
             <a:endParaRPr lang="en-US"/>
           </a:p>
@@ -2209,7 +2501,7 @@
           <a:p>
             <a:fld id="{DC02A34C-238D-4AF7-9F57-849B59FCF5ED}" type="datetimeFigureOut">
               <a:rPr lang="en-US" smtClean="0"/>
-              <a:t>1/16/2020</a:t>
+              <a:t>1/22/2020</a:t>
             </a:fld>
             <a:endParaRPr lang="en-US"/>
           </a:p>
@@ -2327,7 +2619,7 @@
           <a:p>
             <a:fld id="{DC02A34C-238D-4AF7-9F57-849B59FCF5ED}" type="datetimeFigureOut">
               <a:rPr lang="en-US" smtClean="0"/>
-              <a:t>1/16/2020</a:t>
+              <a:t>1/22/2020</a:t>
             </a:fld>
             <a:endParaRPr lang="en-US"/>
           </a:p>
@@ -2422,7 +2714,7 @@
           <a:p>
             <a:fld id="{DC02A34C-238D-4AF7-9F57-849B59FCF5ED}" type="datetimeFigureOut">
               <a:rPr lang="en-US" smtClean="0"/>
-              <a:t>1/16/2020</a:t>
+              <a:t>1/22/2020</a:t>
             </a:fld>
             <a:endParaRPr lang="en-US"/>
           </a:p>
@@ -2699,7 +2991,7 @@
           <a:p>
             <a:fld id="{DC02A34C-238D-4AF7-9F57-849B59FCF5ED}" type="datetimeFigureOut">
               <a:rPr lang="en-US" smtClean="0"/>
-              <a:t>1/16/2020</a:t>
+              <a:t>1/22/2020</a:t>
             </a:fld>
             <a:endParaRPr lang="en-US"/>
           </a:p>
@@ -2952,7 +3244,7 @@
           <a:p>
             <a:fld id="{DC02A34C-238D-4AF7-9F57-849B59FCF5ED}" type="datetimeFigureOut">
               <a:rPr lang="en-US" smtClean="0"/>
-              <a:t>1/16/2020</a:t>
+              <a:t>1/22/2020</a:t>
             </a:fld>
             <a:endParaRPr lang="en-US"/>
           </a:p>
@@ -3165,7 +3457,7 @@
           <a:p>
             <a:fld id="{DC02A34C-238D-4AF7-9F57-849B59FCF5ED}" type="datetimeFigureOut">
               <a:rPr lang="en-US" smtClean="0"/>
-              <a:t>1/16/2020</a:t>
+              <a:t>1/22/2020</a:t>
             </a:fld>
             <a:endParaRPr lang="en-US"/>
           </a:p>
@@ -3619,7 +3911,7 @@
           <p:cNvPr id="6" name="Text Placeholder 2">
             <a:extLst>
               <a:ext uri="{FF2B5EF4-FFF2-40B4-BE49-F238E27FC236}">
-                <a16:creationId xmlns="" xmlns:a16="http://schemas.microsoft.com/office/drawing/2014/main" id="{5A7296E9-8CA3-934E-A079-3869DD5ADBBD}"/>
+                <a16:creationId xmlns:a16="http://schemas.microsoft.com/office/drawing/2014/main" xmlns="" id="{5A7296E9-8CA3-934E-A079-3869DD5ADBBD}"/>
               </a:ext>
             </a:extLst>
           </p:cNvPr>
@@ -3800,6 +4092,4078 @@
     <p:extLst>
       <p:ext uri="{BB962C8B-B14F-4D97-AF65-F5344CB8AC3E}">
         <p14:creationId xmlns:p14="http://schemas.microsoft.com/office/powerpoint/2010/main" val="3649567443"/>
+      </p:ext>
+    </p:extLst>
+  </p:cSld>
+  <p:clrMapOvr>
+    <a:masterClrMapping/>
+  </p:clrMapOvr>
+</p:sld>
+</file>
+
+<file path=ppt/slides/slide10.xml><?xml version="1.0" encoding="utf-8"?>
+<p:sld xmlns:a="http://schemas.openxmlformats.org/drawingml/2006/main" xmlns:r="http://schemas.openxmlformats.org/officeDocument/2006/relationships" xmlns:p="http://schemas.openxmlformats.org/presentationml/2006/main">
+  <p:cSld>
+    <p:spTree>
+      <p:nvGrpSpPr>
+        <p:cNvPr id="1" name=""/>
+        <p:cNvGrpSpPr/>
+        <p:nvPr/>
+      </p:nvGrpSpPr>
+      <p:grpSpPr>
+        <a:xfrm>
+          <a:off x="0" y="0"/>
+          <a:ext cx="0" cy="0"/>
+          <a:chOff x="0" y="0"/>
+          <a:chExt cx="0" cy="0"/>
+        </a:xfrm>
+      </p:grpSpPr>
+      <p:sp>
+        <p:nvSpPr>
+          <p:cNvPr id="2" name="Title 1"/>
+          <p:cNvSpPr>
+            <a:spLocks noGrp="1"/>
+          </p:cNvSpPr>
+          <p:nvPr>
+            <p:ph type="ctrTitle"/>
+          </p:nvPr>
+        </p:nvSpPr>
+        <p:spPr>
+          <a:xfrm>
+            <a:off x="609600" y="4572001"/>
+            <a:ext cx="7772400" cy="685800"/>
+          </a:xfrm>
+        </p:spPr>
+        <p:txBody>
+          <a:bodyPr>
+            <a:normAutofit/>
+          </a:bodyPr>
+          <a:lstStyle/>
+          <a:p>
+            <a:r>
+              <a:rPr lang="en-US" sz="1600" dirty="0" smtClean="0"/>
+              <a:t>Good to know</a:t>
+            </a:r>
+            <a:br>
+              <a:rPr lang="en-US" sz="1600" dirty="0" smtClean="0"/>
+            </a:br>
+            <a:r>
+              <a:rPr lang="en-US" sz="1600" dirty="0" smtClean="0"/>
+              <a:t>you can return stuff from the </a:t>
+            </a:r>
+            <a:r>
+              <a:rPr lang="en-US" sz="1600" dirty="0" err="1" smtClean="0"/>
+              <a:t>InlineScript</a:t>
+            </a:r>
+            <a:endParaRPr lang="en-US" sz="1600" dirty="0"/>
+          </a:p>
+        </p:txBody>
+      </p:sp>
+      <p:sp>
+        <p:nvSpPr>
+          <p:cNvPr id="3" name="Subtitle 2"/>
+          <p:cNvSpPr>
+            <a:spLocks noGrp="1"/>
+          </p:cNvSpPr>
+          <p:nvPr>
+            <p:ph type="subTitle" idx="1"/>
+          </p:nvPr>
+        </p:nvSpPr>
+        <p:spPr>
+          <a:xfrm>
+            <a:off x="1219200" y="228600"/>
+            <a:ext cx="6400800" cy="609600"/>
+          </a:xfrm>
+        </p:spPr>
+        <p:txBody>
+          <a:bodyPr>
+            <a:normAutofit lnSpcReduction="10000"/>
+          </a:bodyPr>
+          <a:lstStyle/>
+          <a:p>
+            <a:r>
+              <a:rPr lang="en-US" sz="1600" b="1" dirty="0" smtClean="0"/>
+              <a:t>Good to know</a:t>
+            </a:r>
+          </a:p>
+          <a:p>
+            <a:r>
+              <a:rPr lang="en-US" sz="1600" b="1" dirty="0" smtClean="0"/>
+              <a:t>you can pass stuff to the </a:t>
+            </a:r>
+            <a:r>
+              <a:rPr lang="en-US" sz="1600" b="1" dirty="0" err="1" smtClean="0"/>
+              <a:t>InlineScript</a:t>
+            </a:r>
+            <a:endParaRPr lang="en-US" sz="1600" b="1" dirty="0" smtClean="0"/>
+          </a:p>
+          <a:p>
+            <a:endParaRPr lang="en-US" sz="1600" dirty="0"/>
+          </a:p>
+        </p:txBody>
+      </p:sp>
+      <p:sp>
+        <p:nvSpPr>
+          <p:cNvPr id="4" name="Subtitle 2"/>
+          <p:cNvSpPr txBox="1">
+            <a:spLocks/>
+          </p:cNvSpPr>
+          <p:nvPr/>
+        </p:nvSpPr>
+        <p:spPr>
+          <a:xfrm>
+            <a:off x="1287294" y="1447800"/>
+            <a:ext cx="6400800" cy="2819400"/>
+          </a:xfrm>
+          <a:prstGeom prst="rect">
+            <a:avLst/>
+          </a:prstGeom>
+        </p:spPr>
+        <p:txBody>
+          <a:bodyPr vert="horz" lIns="91440" tIns="45720" rIns="91440" bIns="45720" rtlCol="0">
+            <a:normAutofit fontScale="92500" lnSpcReduction="20000"/>
+          </a:bodyPr>
+          <a:lstStyle>
+            <a:lvl1pPr marL="0" indent="0" algn="ctr" defTabSz="914400" rtl="0" eaLnBrk="1" latinLnBrk="0" hangingPunct="1">
+              <a:spcBef>
+                <a:spcPct val="20000"/>
+              </a:spcBef>
+              <a:buFont typeface="Arial" panose="020B0604020202020204" pitchFamily="34" charset="0"/>
+              <a:buNone/>
+              <a:defRPr sz="3200" kern="1200">
+                <a:solidFill>
+                  <a:schemeClr val="tx1">
+                    <a:tint val="75000"/>
+                  </a:schemeClr>
+                </a:solidFill>
+                <a:latin typeface="+mn-lt"/>
+                <a:ea typeface="+mn-ea"/>
+                <a:cs typeface="+mn-cs"/>
+              </a:defRPr>
+            </a:lvl1pPr>
+            <a:lvl2pPr marL="457200" indent="0" algn="ctr" defTabSz="914400" rtl="0" eaLnBrk="1" latinLnBrk="0" hangingPunct="1">
+              <a:spcBef>
+                <a:spcPct val="20000"/>
+              </a:spcBef>
+              <a:buFont typeface="Arial" panose="020B0604020202020204" pitchFamily="34" charset="0"/>
+              <a:buNone/>
+              <a:defRPr sz="2800" kern="1200">
+                <a:solidFill>
+                  <a:schemeClr val="tx1">
+                    <a:tint val="75000"/>
+                  </a:schemeClr>
+                </a:solidFill>
+                <a:latin typeface="+mn-lt"/>
+                <a:ea typeface="+mn-ea"/>
+                <a:cs typeface="+mn-cs"/>
+              </a:defRPr>
+            </a:lvl2pPr>
+            <a:lvl3pPr marL="914400" indent="0" algn="ctr" defTabSz="914400" rtl="0" eaLnBrk="1" latinLnBrk="0" hangingPunct="1">
+              <a:spcBef>
+                <a:spcPct val="20000"/>
+              </a:spcBef>
+              <a:buFont typeface="Arial" panose="020B0604020202020204" pitchFamily="34" charset="0"/>
+              <a:buNone/>
+              <a:defRPr sz="2400" kern="1200">
+                <a:solidFill>
+                  <a:schemeClr val="tx1">
+                    <a:tint val="75000"/>
+                  </a:schemeClr>
+                </a:solidFill>
+                <a:latin typeface="+mn-lt"/>
+                <a:ea typeface="+mn-ea"/>
+                <a:cs typeface="+mn-cs"/>
+              </a:defRPr>
+            </a:lvl3pPr>
+            <a:lvl4pPr marL="1371600" indent="0" algn="ctr" defTabSz="914400" rtl="0" eaLnBrk="1" latinLnBrk="0" hangingPunct="1">
+              <a:spcBef>
+                <a:spcPct val="20000"/>
+              </a:spcBef>
+              <a:buFont typeface="Arial" panose="020B0604020202020204" pitchFamily="34" charset="0"/>
+              <a:buNone/>
+              <a:defRPr sz="2000" kern="1200">
+                <a:solidFill>
+                  <a:schemeClr val="tx1">
+                    <a:tint val="75000"/>
+                  </a:schemeClr>
+                </a:solidFill>
+                <a:latin typeface="+mn-lt"/>
+                <a:ea typeface="+mn-ea"/>
+                <a:cs typeface="+mn-cs"/>
+              </a:defRPr>
+            </a:lvl4pPr>
+            <a:lvl5pPr marL="1828800" indent="0" algn="ctr" defTabSz="914400" rtl="0" eaLnBrk="1" latinLnBrk="0" hangingPunct="1">
+              <a:spcBef>
+                <a:spcPct val="20000"/>
+              </a:spcBef>
+              <a:buFont typeface="Arial" panose="020B0604020202020204" pitchFamily="34" charset="0"/>
+              <a:buNone/>
+              <a:defRPr sz="2000" kern="1200">
+                <a:solidFill>
+                  <a:schemeClr val="tx1">
+                    <a:tint val="75000"/>
+                  </a:schemeClr>
+                </a:solidFill>
+                <a:latin typeface="+mn-lt"/>
+                <a:ea typeface="+mn-ea"/>
+                <a:cs typeface="+mn-cs"/>
+              </a:defRPr>
+            </a:lvl5pPr>
+            <a:lvl6pPr marL="2286000" indent="0" algn="ctr" defTabSz="914400" rtl="0" eaLnBrk="1" latinLnBrk="0" hangingPunct="1">
+              <a:spcBef>
+                <a:spcPct val="20000"/>
+              </a:spcBef>
+              <a:buFont typeface="Arial" panose="020B0604020202020204" pitchFamily="34" charset="0"/>
+              <a:buNone/>
+              <a:defRPr sz="2000" kern="1200">
+                <a:solidFill>
+                  <a:schemeClr val="tx1">
+                    <a:tint val="75000"/>
+                  </a:schemeClr>
+                </a:solidFill>
+                <a:latin typeface="+mn-lt"/>
+                <a:ea typeface="+mn-ea"/>
+                <a:cs typeface="+mn-cs"/>
+              </a:defRPr>
+            </a:lvl6pPr>
+            <a:lvl7pPr marL="2743200" indent="0" algn="ctr" defTabSz="914400" rtl="0" eaLnBrk="1" latinLnBrk="0" hangingPunct="1">
+              <a:spcBef>
+                <a:spcPct val="20000"/>
+              </a:spcBef>
+              <a:buFont typeface="Arial" panose="020B0604020202020204" pitchFamily="34" charset="0"/>
+              <a:buNone/>
+              <a:defRPr sz="2000" kern="1200">
+                <a:solidFill>
+                  <a:schemeClr val="tx1">
+                    <a:tint val="75000"/>
+                  </a:schemeClr>
+                </a:solidFill>
+                <a:latin typeface="+mn-lt"/>
+                <a:ea typeface="+mn-ea"/>
+                <a:cs typeface="+mn-cs"/>
+              </a:defRPr>
+            </a:lvl7pPr>
+            <a:lvl8pPr marL="3200400" indent="0" algn="ctr" defTabSz="914400" rtl="0" eaLnBrk="1" latinLnBrk="0" hangingPunct="1">
+              <a:spcBef>
+                <a:spcPct val="20000"/>
+              </a:spcBef>
+              <a:buFont typeface="Arial" panose="020B0604020202020204" pitchFamily="34" charset="0"/>
+              <a:buNone/>
+              <a:defRPr sz="2000" kern="1200">
+                <a:solidFill>
+                  <a:schemeClr val="tx1">
+                    <a:tint val="75000"/>
+                  </a:schemeClr>
+                </a:solidFill>
+                <a:latin typeface="+mn-lt"/>
+                <a:ea typeface="+mn-ea"/>
+                <a:cs typeface="+mn-cs"/>
+              </a:defRPr>
+            </a:lvl8pPr>
+            <a:lvl9pPr marL="3657600" indent="0" algn="ctr" defTabSz="914400" rtl="0" eaLnBrk="1" latinLnBrk="0" hangingPunct="1">
+              <a:spcBef>
+                <a:spcPct val="20000"/>
+              </a:spcBef>
+              <a:buFont typeface="Arial" panose="020B0604020202020204" pitchFamily="34" charset="0"/>
+              <a:buNone/>
+              <a:defRPr sz="2000" kern="1200">
+                <a:solidFill>
+                  <a:schemeClr val="tx1">
+                    <a:tint val="75000"/>
+                  </a:schemeClr>
+                </a:solidFill>
+                <a:latin typeface="+mn-lt"/>
+                <a:ea typeface="+mn-ea"/>
+                <a:cs typeface="+mn-cs"/>
+              </a:defRPr>
+            </a:lvl9pPr>
+          </a:lstStyle>
+          <a:p>
+            <a:r>
+              <a:rPr lang="en-US" sz="1600" b="1" dirty="0" smtClean="0"/>
+              <a:t>FROM THE BOOK</a:t>
+            </a:r>
+          </a:p>
+          <a:p>
+            <a:endParaRPr lang="en-US" sz="1600" b="1" dirty="0" smtClean="0"/>
+          </a:p>
+          <a:p>
+            <a:r>
+              <a:rPr lang="en-US" sz="1600" b="1" dirty="0" err="1" smtClean="0"/>
+              <a:t>InlineScript</a:t>
+            </a:r>
+            <a:r>
+              <a:rPr lang="en-US" sz="1600" b="1" dirty="0" smtClean="0"/>
+              <a:t> </a:t>
+            </a:r>
+            <a:r>
+              <a:rPr lang="en-US" sz="1600" b="1" dirty="0"/>
+              <a:t>Variables</a:t>
+            </a:r>
+            <a:endParaRPr lang="en-US" sz="1600" dirty="0"/>
+          </a:p>
+          <a:p>
+            <a:r>
+              <a:rPr lang="en-US" sz="1600" dirty="0"/>
+              <a:t>By default, the variables that are defined in a workflow aren't visible to the commands in the</a:t>
+            </a:r>
+            <a:r>
+              <a:rPr lang="en-US" sz="1600" b="1" dirty="0"/>
+              <a:t> </a:t>
+            </a:r>
+            <a:r>
+              <a:rPr lang="en-US" sz="1600" b="1" dirty="0" err="1"/>
+              <a:t>InlineScript</a:t>
+            </a:r>
+            <a:r>
+              <a:rPr lang="en-US" sz="1600" dirty="0"/>
+              <a:t> script block. To make workflow variables visible to the </a:t>
+            </a:r>
+            <a:r>
+              <a:rPr lang="en-US" sz="1600" b="1" dirty="0" err="1"/>
+              <a:t>InlineScript</a:t>
+            </a:r>
+            <a:r>
+              <a:rPr lang="en-US" sz="1600" dirty="0"/>
+              <a:t>, use the </a:t>
+            </a:r>
+            <a:r>
+              <a:rPr lang="en-US" sz="1600" b="1" dirty="0">
+                <a:solidFill>
+                  <a:srgbClr val="0070C0"/>
+                </a:solidFill>
+              </a:rPr>
+              <a:t>$Using</a:t>
+            </a:r>
+            <a:r>
+              <a:rPr lang="en-US" sz="1600" dirty="0"/>
+              <a:t> scope modifier. The </a:t>
+            </a:r>
+            <a:r>
+              <a:rPr lang="en-US" sz="1600" b="1" dirty="0">
+                <a:solidFill>
+                  <a:srgbClr val="0070C0"/>
+                </a:solidFill>
+              </a:rPr>
+              <a:t>$Using</a:t>
+            </a:r>
+            <a:r>
+              <a:rPr lang="en-US" sz="1600" dirty="0"/>
+              <a:t> scope modifier is required only once for each variable in the </a:t>
+            </a:r>
+            <a:r>
+              <a:rPr lang="en-US" sz="1600" b="1" dirty="0" err="1"/>
+              <a:t>InlineScript</a:t>
+            </a:r>
+            <a:r>
+              <a:rPr lang="en-US" sz="1600" dirty="0"/>
+              <a:t>.</a:t>
+            </a:r>
+          </a:p>
+          <a:p>
+            <a:endParaRPr lang="en-US" sz="1600" dirty="0" smtClean="0"/>
+          </a:p>
+          <a:p>
+            <a:r>
+              <a:rPr lang="en-US" sz="1600" b="1" dirty="0"/>
+              <a:t>Returning variables in </a:t>
+            </a:r>
+            <a:r>
+              <a:rPr lang="en-US" sz="1600" b="1" dirty="0" err="1"/>
+              <a:t>InlineScript</a:t>
+            </a:r>
+            <a:endParaRPr lang="en-US" sz="1600" dirty="0"/>
+          </a:p>
+          <a:p>
+            <a:r>
+              <a:rPr lang="en-US" sz="1600" b="1" dirty="0" err="1"/>
+              <a:t>InlineScript</a:t>
+            </a:r>
+            <a:r>
+              <a:rPr lang="en-US" sz="1600" b="1" dirty="0"/>
+              <a:t> </a:t>
+            </a:r>
+            <a:r>
+              <a:rPr lang="en-US" sz="1600" dirty="0"/>
+              <a:t>commands can change the value of the variable that was imported from workflow scope, but the changes aren't visible in workflow scope. To make them visible, return the changed value to the workflow scope</a:t>
+            </a:r>
+            <a:endParaRPr lang="en-US" sz="1600" dirty="0"/>
+          </a:p>
+        </p:txBody>
+      </p:sp>
+    </p:spTree>
+    <p:extLst>
+      <p:ext uri="{BB962C8B-B14F-4D97-AF65-F5344CB8AC3E}">
+        <p14:creationId xmlns:p14="http://schemas.microsoft.com/office/powerpoint/2010/main" val="1483455764"/>
+      </p:ext>
+    </p:extLst>
+  </p:cSld>
+  <p:clrMapOvr>
+    <a:masterClrMapping/>
+  </p:clrMapOvr>
+</p:sld>
+</file>
+
+<file path=ppt/slides/slide11.xml><?xml version="1.0" encoding="utf-8"?>
+<p:sld xmlns:a="http://schemas.openxmlformats.org/drawingml/2006/main" xmlns:r="http://schemas.openxmlformats.org/officeDocument/2006/relationships" xmlns:p="http://schemas.openxmlformats.org/presentationml/2006/main">
+  <p:cSld>
+    <p:bg>
+      <p:bgPr>
+        <a:solidFill>
+          <a:schemeClr val="tx1"/>
+        </a:solidFill>
+        <a:effectLst/>
+      </p:bgPr>
+    </p:bg>
+    <p:spTree>
+      <p:nvGrpSpPr>
+        <p:cNvPr id="1" name=""/>
+        <p:cNvGrpSpPr/>
+        <p:nvPr/>
+      </p:nvGrpSpPr>
+      <p:grpSpPr>
+        <a:xfrm>
+          <a:off x="0" y="0"/>
+          <a:ext cx="0" cy="0"/>
+          <a:chOff x="0" y="0"/>
+          <a:chExt cx="0" cy="0"/>
+        </a:xfrm>
+      </p:grpSpPr>
+      <p:sp>
+        <p:nvSpPr>
+          <p:cNvPr id="2" name="Title 1"/>
+          <p:cNvSpPr>
+            <a:spLocks noGrp="1"/>
+          </p:cNvSpPr>
+          <p:nvPr>
+            <p:ph type="ctrTitle"/>
+          </p:nvPr>
+        </p:nvSpPr>
+        <p:spPr>
+          <a:xfrm>
+            <a:off x="533400" y="1"/>
+            <a:ext cx="7772400" cy="304800"/>
+          </a:xfrm>
+        </p:spPr>
+        <p:txBody>
+          <a:bodyPr>
+            <a:normAutofit fontScale="90000"/>
+          </a:bodyPr>
+          <a:lstStyle/>
+          <a:p>
+            <a:r>
+              <a:rPr lang="en-US" sz="1600" b="1" dirty="0" err="1" smtClean="0">
+                <a:solidFill>
+                  <a:srgbClr val="00B050"/>
+                </a:solidFill>
+              </a:rPr>
+              <a:t>InlineScript</a:t>
+            </a:r>
+            <a:r>
+              <a:rPr lang="en-US" sz="1600" b="1" dirty="0" smtClean="0">
+                <a:solidFill>
+                  <a:srgbClr val="00B050"/>
+                </a:solidFill>
+              </a:rPr>
+              <a:t> : pass and receive values </a:t>
+            </a:r>
+            <a:endParaRPr lang="en-US" sz="1600" b="1" dirty="0">
+              <a:solidFill>
+                <a:srgbClr val="00B050"/>
+              </a:solidFill>
+            </a:endParaRPr>
+          </a:p>
+        </p:txBody>
+      </p:sp>
+      <p:sp>
+        <p:nvSpPr>
+          <p:cNvPr id="3" name="Subtitle 2"/>
+          <p:cNvSpPr>
+            <a:spLocks noGrp="1"/>
+          </p:cNvSpPr>
+          <p:nvPr>
+            <p:ph type="subTitle" idx="1"/>
+          </p:nvPr>
+        </p:nvSpPr>
+        <p:spPr>
+          <a:xfrm>
+            <a:off x="1447800" y="6324600"/>
+            <a:ext cx="6400800" cy="304800"/>
+          </a:xfrm>
+        </p:spPr>
+        <p:txBody>
+          <a:bodyPr>
+            <a:normAutofit fontScale="92500" lnSpcReduction="10000"/>
+          </a:bodyPr>
+          <a:lstStyle/>
+          <a:p>
+            <a:endParaRPr lang="en-US" sz="1600" dirty="0"/>
+          </a:p>
+        </p:txBody>
+      </p:sp>
+      <p:sp>
+        <p:nvSpPr>
+          <p:cNvPr id="6" name="Rectangle 5"/>
+          <p:cNvSpPr/>
+          <p:nvPr/>
+        </p:nvSpPr>
+        <p:spPr>
+          <a:xfrm>
+            <a:off x="116732" y="457200"/>
+            <a:ext cx="8839200" cy="6709529"/>
+          </a:xfrm>
+          <a:prstGeom prst="rect">
+            <a:avLst/>
+          </a:prstGeom>
+        </p:spPr>
+        <p:txBody>
+          <a:bodyPr wrap="square">
+            <a:spAutoFit/>
+          </a:bodyPr>
+          <a:lstStyle/>
+          <a:p>
+            <a:r>
+              <a:rPr lang="en-US" sz="1000" dirty="0">
+                <a:solidFill>
+                  <a:srgbClr val="569CD6"/>
+                </a:solidFill>
+                <a:latin typeface="Consolas"/>
+              </a:rPr>
+              <a:t>workflow</a:t>
+            </a:r>
+            <a:r>
+              <a:rPr lang="en-US" sz="1000" dirty="0">
+                <a:solidFill>
+                  <a:srgbClr val="FFFFFF"/>
+                </a:solidFill>
+                <a:latin typeface="Consolas"/>
+              </a:rPr>
+              <a:t> </a:t>
+            </a:r>
+            <a:r>
+              <a:rPr lang="en-US" sz="1000" dirty="0">
+                <a:solidFill>
+                  <a:srgbClr val="DCDCAA"/>
+                </a:solidFill>
+                <a:latin typeface="Consolas"/>
+              </a:rPr>
+              <a:t>HelloWorld</a:t>
+            </a:r>
+            <a:endParaRPr lang="en-US" sz="1000" dirty="0">
+              <a:solidFill>
+                <a:srgbClr val="FFFFFF"/>
+              </a:solidFill>
+              <a:latin typeface="Consolas"/>
+            </a:endParaRPr>
+          </a:p>
+          <a:p>
+            <a:r>
+              <a:rPr lang="en-US" sz="1000" dirty="0">
+                <a:solidFill>
+                  <a:srgbClr val="FFFFFF"/>
+                </a:solidFill>
+                <a:latin typeface="Consolas"/>
+              </a:rPr>
+              <a:t>{    </a:t>
+            </a:r>
+          </a:p>
+          <a:p>
+            <a:r>
+              <a:rPr lang="en-US" sz="1000" dirty="0">
+                <a:solidFill>
+                  <a:srgbClr val="FFFFFF"/>
+                </a:solidFill>
+                <a:latin typeface="Consolas"/>
+              </a:rPr>
+              <a:t>    </a:t>
+            </a:r>
+            <a:r>
+              <a:rPr lang="en-US" sz="1000" dirty="0">
+                <a:solidFill>
+                  <a:srgbClr val="CE9178"/>
+                </a:solidFill>
+                <a:latin typeface="Consolas"/>
+              </a:rPr>
+              <a:t>"This will used as parameter in below </a:t>
+            </a:r>
+            <a:r>
+              <a:rPr lang="en-US" sz="1000" dirty="0" err="1">
+                <a:solidFill>
+                  <a:srgbClr val="CE9178"/>
+                </a:solidFill>
+                <a:latin typeface="Consolas"/>
+              </a:rPr>
+              <a:t>inlinescript</a:t>
+            </a:r>
+            <a:r>
+              <a:rPr lang="en-US" sz="1000" dirty="0">
+                <a:solidFill>
+                  <a:srgbClr val="CE9178"/>
+                </a:solidFill>
+                <a:latin typeface="Consolas"/>
+              </a:rPr>
+              <a:t>"</a:t>
+            </a:r>
+            <a:endParaRPr lang="en-US" sz="1000" dirty="0">
+              <a:solidFill>
+                <a:srgbClr val="FFFFFF"/>
+              </a:solidFill>
+              <a:latin typeface="Consolas"/>
+            </a:endParaRPr>
+          </a:p>
+          <a:p>
+            <a:r>
+              <a:rPr lang="en-US" sz="1000" dirty="0">
+                <a:solidFill>
+                  <a:srgbClr val="FFFFFF"/>
+                </a:solidFill>
+                <a:latin typeface="Consolas"/>
+              </a:rPr>
+              <a:t>    </a:t>
+            </a:r>
+            <a:r>
+              <a:rPr lang="en-US" sz="1000" dirty="0">
+                <a:solidFill>
+                  <a:srgbClr val="9CDCFE"/>
+                </a:solidFill>
+                <a:latin typeface="Consolas"/>
+              </a:rPr>
+              <a:t>$p1</a:t>
+            </a:r>
+            <a:r>
+              <a:rPr lang="en-US" sz="1000" dirty="0">
+                <a:solidFill>
+                  <a:srgbClr val="FFFFFF"/>
+                </a:solidFill>
+                <a:latin typeface="Consolas"/>
+              </a:rPr>
+              <a:t> </a:t>
+            </a:r>
+            <a:r>
+              <a:rPr lang="en-US" sz="1000" dirty="0">
+                <a:solidFill>
+                  <a:srgbClr val="D4D4D4"/>
+                </a:solidFill>
+                <a:latin typeface="Consolas"/>
+              </a:rPr>
+              <a:t>=</a:t>
+            </a:r>
+            <a:r>
+              <a:rPr lang="en-US" sz="1000" dirty="0">
+                <a:solidFill>
+                  <a:srgbClr val="FFFFFF"/>
+                </a:solidFill>
+                <a:latin typeface="Consolas"/>
+              </a:rPr>
+              <a:t> </a:t>
+            </a:r>
+            <a:r>
+              <a:rPr lang="en-US" sz="1000" dirty="0">
+                <a:solidFill>
+                  <a:srgbClr val="CE9178"/>
+                </a:solidFill>
+                <a:latin typeface="Consolas"/>
+              </a:rPr>
+              <a:t>"</a:t>
+            </a:r>
+            <a:r>
+              <a:rPr lang="en-US" sz="1000" dirty="0" err="1">
+                <a:solidFill>
+                  <a:srgbClr val="CE9178"/>
+                </a:solidFill>
+                <a:latin typeface="Consolas"/>
+              </a:rPr>
+              <a:t>a|b|c|d|e</a:t>
+            </a:r>
+            <a:r>
+              <a:rPr lang="en-US" sz="1000" dirty="0">
+                <a:solidFill>
+                  <a:srgbClr val="CE9178"/>
+                </a:solidFill>
+                <a:latin typeface="Consolas"/>
+              </a:rPr>
+              <a:t>"</a:t>
+            </a:r>
+            <a:endParaRPr lang="en-US" sz="1000" dirty="0">
+              <a:solidFill>
+                <a:srgbClr val="FFFFFF"/>
+              </a:solidFill>
+              <a:latin typeface="Consolas"/>
+            </a:endParaRPr>
+          </a:p>
+          <a:p>
+            <a:r>
+              <a:rPr lang="en-US" sz="1000" dirty="0">
+                <a:solidFill>
+                  <a:srgbClr val="FFFFFF"/>
+                </a:solidFill>
+                <a:latin typeface="Consolas"/>
+              </a:rPr>
+              <a:t>    </a:t>
+            </a:r>
+            <a:r>
+              <a:rPr lang="en-US" sz="1000" dirty="0">
+                <a:solidFill>
+                  <a:srgbClr val="9CDCFE"/>
+                </a:solidFill>
+                <a:latin typeface="Consolas"/>
+              </a:rPr>
+              <a:t>$p1</a:t>
+            </a:r>
+            <a:endParaRPr lang="en-US" sz="1000" dirty="0">
+              <a:solidFill>
+                <a:srgbClr val="FFFFFF"/>
+              </a:solidFill>
+              <a:latin typeface="Consolas"/>
+            </a:endParaRPr>
+          </a:p>
+          <a:p>
+            <a:r>
+              <a:rPr lang="en-US" sz="1000" dirty="0">
+                <a:solidFill>
+                  <a:srgbClr val="FFFFFF"/>
+                </a:solidFill>
+                <a:latin typeface="Consolas"/>
+              </a:rPr>
+              <a:t>    </a:t>
+            </a:r>
+            <a:r>
+              <a:rPr lang="en-US" sz="1000" dirty="0">
+                <a:solidFill>
+                  <a:srgbClr val="7CA668"/>
+                </a:solidFill>
+                <a:latin typeface="Consolas"/>
+              </a:rPr>
+              <a:t># This DOES NOT WORK - </a:t>
+            </a:r>
+            <a:r>
+              <a:rPr lang="en-US" sz="1000" dirty="0" err="1">
+                <a:solidFill>
+                  <a:srgbClr val="7CA668"/>
+                </a:solidFill>
+                <a:latin typeface="Consolas"/>
+              </a:rPr>
+              <a:t>InlineScript</a:t>
+            </a:r>
+            <a:r>
+              <a:rPr lang="en-US" sz="1000" dirty="0">
+                <a:solidFill>
+                  <a:srgbClr val="7CA668"/>
+                </a:solidFill>
+                <a:latin typeface="Consolas"/>
+              </a:rPr>
+              <a:t> is not a Script Block:</a:t>
+            </a:r>
+            <a:endParaRPr lang="en-US" sz="1000" dirty="0">
+              <a:solidFill>
+                <a:srgbClr val="FFFFFF"/>
+              </a:solidFill>
+              <a:latin typeface="Consolas"/>
+            </a:endParaRPr>
+          </a:p>
+          <a:p>
+            <a:r>
+              <a:rPr lang="en-US" sz="1000" dirty="0">
+                <a:solidFill>
+                  <a:srgbClr val="FFFFFF"/>
+                </a:solidFill>
+                <a:latin typeface="Consolas"/>
+              </a:rPr>
+              <a:t>    </a:t>
+            </a:r>
+            <a:r>
+              <a:rPr lang="en-US" sz="1000" dirty="0">
+                <a:solidFill>
+                  <a:srgbClr val="7CA668"/>
+                </a:solidFill>
+                <a:latin typeface="Consolas"/>
+              </a:rPr>
+              <a:t># </a:t>
+            </a:r>
+            <a:r>
+              <a:rPr lang="en-US" sz="1000" dirty="0" err="1">
+                <a:solidFill>
+                  <a:srgbClr val="7CA668"/>
+                </a:solidFill>
+                <a:latin typeface="Consolas"/>
+              </a:rPr>
+              <a:t>InlineScript</a:t>
+            </a:r>
+            <a:r>
+              <a:rPr lang="en-US" sz="1000" dirty="0">
+                <a:solidFill>
+                  <a:srgbClr val="7CA668"/>
+                </a:solidFill>
+                <a:latin typeface="Consolas"/>
+              </a:rPr>
+              <a:t> ($p1) </a:t>
+            </a:r>
+            <a:r>
+              <a:rPr lang="en-US" sz="1000" dirty="0" err="1">
+                <a:solidFill>
+                  <a:srgbClr val="7CA668"/>
+                </a:solidFill>
+                <a:latin typeface="Consolas"/>
+              </a:rPr>
+              <a:t>orInlineScript</a:t>
+            </a:r>
+            <a:r>
+              <a:rPr lang="en-US" sz="1000" dirty="0">
+                <a:solidFill>
+                  <a:srgbClr val="7CA668"/>
+                </a:solidFill>
+                <a:latin typeface="Consolas"/>
+              </a:rPr>
+              <a:t> { </a:t>
+            </a:r>
+            <a:r>
+              <a:rPr lang="en-US" sz="1000" dirty="0" err="1">
+                <a:solidFill>
+                  <a:srgbClr val="7CA668"/>
+                </a:solidFill>
+                <a:latin typeface="Consolas"/>
+              </a:rPr>
+              <a:t>param</a:t>
+            </a:r>
+            <a:r>
+              <a:rPr lang="en-US" sz="1000" dirty="0">
+                <a:solidFill>
+                  <a:srgbClr val="7CA668"/>
+                </a:solidFill>
+                <a:latin typeface="Consolas"/>
+              </a:rPr>
+              <a:t> ($p1) ... }</a:t>
+            </a:r>
+            <a:endParaRPr lang="en-US" sz="1000" dirty="0">
+              <a:solidFill>
+                <a:srgbClr val="FFFFFF"/>
+              </a:solidFill>
+              <a:latin typeface="Consolas"/>
+            </a:endParaRPr>
+          </a:p>
+          <a:p>
+            <a:r>
+              <a:rPr lang="en-US" sz="1000" dirty="0">
+                <a:solidFill>
+                  <a:srgbClr val="FFFFFF"/>
+                </a:solidFill>
+                <a:latin typeface="Consolas"/>
+              </a:rPr>
+              <a:t>    </a:t>
+            </a:r>
+            <a:r>
+              <a:rPr lang="en-US" sz="1000" dirty="0">
+                <a:solidFill>
+                  <a:srgbClr val="CE9178"/>
+                </a:solidFill>
+                <a:latin typeface="Consolas"/>
+              </a:rPr>
+              <a:t>"--------------------------------------------------------"</a:t>
+            </a:r>
+            <a:endParaRPr lang="en-US" sz="1000" dirty="0">
+              <a:solidFill>
+                <a:srgbClr val="FFFFFF"/>
+              </a:solidFill>
+              <a:latin typeface="Consolas"/>
+            </a:endParaRPr>
+          </a:p>
+          <a:p>
+            <a:r>
+              <a:rPr lang="en-US" sz="1000" dirty="0">
+                <a:solidFill>
+                  <a:srgbClr val="FFFFFF"/>
+                </a:solidFill>
+                <a:latin typeface="Consolas"/>
+              </a:rPr>
+              <a:t>    </a:t>
+            </a:r>
+            <a:r>
+              <a:rPr lang="en-US" sz="1000" dirty="0" err="1">
+                <a:solidFill>
+                  <a:srgbClr val="C586C0"/>
+                </a:solidFill>
+                <a:latin typeface="Consolas"/>
+              </a:rPr>
+              <a:t>InlineScript</a:t>
+            </a:r>
+            <a:r>
+              <a:rPr lang="en-US" sz="1000" dirty="0">
+                <a:solidFill>
+                  <a:srgbClr val="FFFFFF"/>
+                </a:solidFill>
+                <a:latin typeface="Consolas"/>
+              </a:rPr>
+              <a:t> </a:t>
+            </a:r>
+            <a:r>
+              <a:rPr lang="en-US" sz="1000" dirty="0">
+                <a:solidFill>
+                  <a:srgbClr val="7CA668"/>
+                </a:solidFill>
+                <a:latin typeface="Consolas"/>
+              </a:rPr>
+              <a:t>#Showing use of a parameter (AKA external value)</a:t>
+            </a:r>
+            <a:endParaRPr lang="en-US" sz="1000" dirty="0">
+              <a:solidFill>
+                <a:srgbClr val="FFFFFF"/>
+              </a:solidFill>
+              <a:latin typeface="Consolas"/>
+            </a:endParaRPr>
+          </a:p>
+          <a:p>
+            <a:r>
+              <a:rPr lang="en-US" sz="1000" dirty="0">
+                <a:solidFill>
+                  <a:srgbClr val="FFFFFF"/>
+                </a:solidFill>
+                <a:latin typeface="Consolas"/>
+              </a:rPr>
+              <a:t>    {</a:t>
+            </a:r>
+          </a:p>
+          <a:p>
+            <a:r>
+              <a:rPr lang="en-US" sz="1000" dirty="0">
+                <a:solidFill>
+                  <a:srgbClr val="FFFFFF"/>
+                </a:solidFill>
+                <a:latin typeface="Consolas"/>
+              </a:rPr>
+              <a:t>        </a:t>
+            </a:r>
+            <a:r>
+              <a:rPr lang="en-US" sz="1000" dirty="0">
+                <a:solidFill>
+                  <a:srgbClr val="7CA668"/>
+                </a:solidFill>
+                <a:latin typeface="Consolas"/>
+              </a:rPr>
+              <a:t># DON'T DO THIS (in case you did not read above note): </a:t>
+            </a:r>
+            <a:r>
+              <a:rPr lang="en-US" sz="1000" dirty="0" err="1">
+                <a:solidFill>
+                  <a:srgbClr val="7CA668"/>
+                </a:solidFill>
+                <a:latin typeface="Consolas"/>
+              </a:rPr>
+              <a:t>param</a:t>
+            </a:r>
+            <a:r>
+              <a:rPr lang="en-US" sz="1000" dirty="0">
+                <a:solidFill>
+                  <a:srgbClr val="7CA668"/>
+                </a:solidFill>
+                <a:latin typeface="Consolas"/>
+              </a:rPr>
+              <a:t>($using:p1)</a:t>
+            </a:r>
+            <a:endParaRPr lang="en-US" sz="1000" dirty="0">
+              <a:solidFill>
+                <a:srgbClr val="FFFFFF"/>
+              </a:solidFill>
+              <a:latin typeface="Consolas"/>
+            </a:endParaRPr>
+          </a:p>
+          <a:p>
+            <a:r>
+              <a:rPr lang="en-US" sz="1000" dirty="0">
+                <a:solidFill>
+                  <a:srgbClr val="FFFFFF"/>
+                </a:solidFill>
+                <a:latin typeface="Consolas"/>
+              </a:rPr>
+              <a:t>        </a:t>
+            </a:r>
+            <a:r>
+              <a:rPr lang="en-US" sz="1000" dirty="0">
+                <a:solidFill>
+                  <a:srgbClr val="CE9178"/>
+                </a:solidFill>
+                <a:latin typeface="Consolas"/>
+              </a:rPr>
+              <a:t>"received a parameter"</a:t>
+            </a:r>
+            <a:endParaRPr lang="en-US" sz="1000" dirty="0">
+              <a:solidFill>
+                <a:srgbClr val="FFFFFF"/>
+              </a:solidFill>
+              <a:latin typeface="Consolas"/>
+            </a:endParaRPr>
+          </a:p>
+          <a:p>
+            <a:r>
+              <a:rPr lang="en-US" sz="1000" dirty="0">
+                <a:solidFill>
+                  <a:srgbClr val="FFFFFF"/>
+                </a:solidFill>
+                <a:latin typeface="Consolas"/>
+              </a:rPr>
+              <a:t>        </a:t>
+            </a:r>
+            <a:r>
+              <a:rPr lang="en-US" sz="1000" dirty="0">
+                <a:solidFill>
+                  <a:srgbClr val="9CDCFE"/>
+                </a:solidFill>
+                <a:latin typeface="Consolas"/>
+              </a:rPr>
+              <a:t>$</a:t>
+            </a:r>
+            <a:r>
+              <a:rPr lang="en-US" sz="1000" dirty="0">
+                <a:solidFill>
+                  <a:srgbClr val="569CD6"/>
+                </a:solidFill>
+                <a:latin typeface="Consolas"/>
+              </a:rPr>
+              <a:t>using</a:t>
+            </a:r>
+            <a:r>
+              <a:rPr lang="en-US" sz="1000" dirty="0">
+                <a:solidFill>
+                  <a:srgbClr val="9CDCFE"/>
+                </a:solidFill>
+                <a:latin typeface="Consolas"/>
+              </a:rPr>
+              <a:t>:p1</a:t>
+            </a:r>
+            <a:endParaRPr lang="en-US" sz="1000" dirty="0">
+              <a:solidFill>
+                <a:srgbClr val="FFFFFF"/>
+              </a:solidFill>
+              <a:latin typeface="Consolas"/>
+            </a:endParaRPr>
+          </a:p>
+          <a:p>
+            <a:r>
+              <a:rPr lang="en-US" sz="1000" dirty="0">
+                <a:solidFill>
+                  <a:srgbClr val="FFFFFF"/>
+                </a:solidFill>
+                <a:latin typeface="Consolas"/>
+              </a:rPr>
+              <a:t>        </a:t>
+            </a:r>
+            <a:r>
+              <a:rPr lang="en-US" sz="1000" dirty="0">
+                <a:solidFill>
+                  <a:srgbClr val="CE9178"/>
+                </a:solidFill>
+                <a:latin typeface="Consolas"/>
+              </a:rPr>
+              <a:t>"doing something to it"</a:t>
+            </a:r>
+            <a:endParaRPr lang="en-US" sz="1000" dirty="0">
+              <a:solidFill>
+                <a:srgbClr val="FFFFFF"/>
+              </a:solidFill>
+              <a:latin typeface="Consolas"/>
+            </a:endParaRPr>
+          </a:p>
+          <a:p>
+            <a:r>
+              <a:rPr lang="en-US" sz="1000" dirty="0">
+                <a:solidFill>
+                  <a:srgbClr val="FFFFFF"/>
+                </a:solidFill>
+                <a:latin typeface="Consolas"/>
+              </a:rPr>
+              <a:t>        </a:t>
+            </a:r>
+            <a:r>
+              <a:rPr lang="en-US" sz="1000" dirty="0">
+                <a:solidFill>
+                  <a:srgbClr val="9CDCFE"/>
+                </a:solidFill>
+                <a:latin typeface="Consolas"/>
+              </a:rPr>
+              <a:t>$r1</a:t>
+            </a:r>
+            <a:r>
+              <a:rPr lang="en-US" sz="1000" dirty="0">
+                <a:solidFill>
+                  <a:srgbClr val="FFFFFF"/>
+                </a:solidFill>
+                <a:latin typeface="Consolas"/>
+              </a:rPr>
+              <a:t> </a:t>
+            </a:r>
+            <a:r>
+              <a:rPr lang="en-US" sz="1000" dirty="0">
+                <a:solidFill>
+                  <a:srgbClr val="D4D4D4"/>
+                </a:solidFill>
+                <a:latin typeface="Consolas"/>
+              </a:rPr>
+              <a:t>=</a:t>
+            </a:r>
+            <a:r>
+              <a:rPr lang="en-US" sz="1000" dirty="0">
+                <a:solidFill>
+                  <a:srgbClr val="FFFFFF"/>
+                </a:solidFill>
+                <a:latin typeface="Consolas"/>
+              </a:rPr>
+              <a:t> (</a:t>
+            </a:r>
+            <a:r>
+              <a:rPr lang="en-US" sz="1000" dirty="0">
+                <a:solidFill>
+                  <a:srgbClr val="9CDCFE"/>
+                </a:solidFill>
+                <a:latin typeface="Consolas"/>
+              </a:rPr>
+              <a:t>$</a:t>
+            </a:r>
+            <a:r>
+              <a:rPr lang="en-US" sz="1000" dirty="0">
+                <a:solidFill>
+                  <a:srgbClr val="569CD6"/>
+                </a:solidFill>
+                <a:latin typeface="Consolas"/>
+              </a:rPr>
+              <a:t>using</a:t>
+            </a:r>
+            <a:r>
+              <a:rPr lang="en-US" sz="1000" dirty="0">
+                <a:solidFill>
+                  <a:srgbClr val="9CDCFE"/>
+                </a:solidFill>
+                <a:latin typeface="Consolas"/>
+              </a:rPr>
+              <a:t>:p1</a:t>
+            </a:r>
+            <a:r>
+              <a:rPr lang="en-US" sz="1000" dirty="0">
+                <a:solidFill>
+                  <a:srgbClr val="FFFFFF"/>
+                </a:solidFill>
+                <a:latin typeface="Consolas"/>
+              </a:rPr>
+              <a:t>).Split(</a:t>
+            </a:r>
+            <a:r>
+              <a:rPr lang="en-US" sz="1000" dirty="0">
+                <a:solidFill>
+                  <a:srgbClr val="CE9178"/>
+                </a:solidFill>
+                <a:latin typeface="Consolas"/>
+              </a:rPr>
+              <a:t>'|'</a:t>
+            </a:r>
+            <a:r>
+              <a:rPr lang="en-US" sz="1000" dirty="0">
+                <a:solidFill>
+                  <a:srgbClr val="FFFFFF"/>
+                </a:solidFill>
+                <a:latin typeface="Consolas"/>
+              </a:rPr>
+              <a:t>)        </a:t>
+            </a:r>
+          </a:p>
+          <a:p>
+            <a:r>
+              <a:rPr lang="en-US" sz="1000" dirty="0">
+                <a:solidFill>
+                  <a:srgbClr val="FFFFFF"/>
+                </a:solidFill>
+                <a:latin typeface="Consolas"/>
+              </a:rPr>
+              <a:t>        </a:t>
+            </a:r>
+            <a:r>
+              <a:rPr lang="en-US" sz="1000" dirty="0">
+                <a:solidFill>
+                  <a:srgbClr val="9CDCFE"/>
+                </a:solidFill>
+                <a:latin typeface="Consolas"/>
+              </a:rPr>
+              <a:t>$r1</a:t>
+            </a:r>
+            <a:endParaRPr lang="en-US" sz="1000" dirty="0">
+              <a:solidFill>
+                <a:srgbClr val="FFFFFF"/>
+              </a:solidFill>
+              <a:latin typeface="Consolas"/>
+            </a:endParaRPr>
+          </a:p>
+          <a:p>
+            <a:r>
+              <a:rPr lang="en-US" sz="1000" dirty="0">
+                <a:solidFill>
+                  <a:srgbClr val="FFFFFF"/>
+                </a:solidFill>
+                <a:latin typeface="Consolas"/>
+              </a:rPr>
+              <a:t>    } </a:t>
+            </a:r>
+          </a:p>
+          <a:p>
+            <a:r>
+              <a:rPr lang="en-US" sz="1000" dirty="0">
+                <a:solidFill>
+                  <a:srgbClr val="FFFFFF"/>
+                </a:solidFill>
+                <a:latin typeface="Consolas"/>
+              </a:rPr>
+              <a:t>    </a:t>
+            </a:r>
+            <a:r>
+              <a:rPr lang="en-US" sz="1000" dirty="0">
+                <a:solidFill>
+                  <a:srgbClr val="CE9178"/>
+                </a:solidFill>
+                <a:latin typeface="Consolas"/>
+              </a:rPr>
+              <a:t>"--------------------------------------------------------"</a:t>
+            </a:r>
+            <a:endParaRPr lang="en-US" sz="1000" dirty="0">
+              <a:solidFill>
+                <a:srgbClr val="FFFFFF"/>
+              </a:solidFill>
+              <a:latin typeface="Consolas"/>
+            </a:endParaRPr>
+          </a:p>
+          <a:p>
+            <a:r>
+              <a:rPr lang="en-US" sz="1000" dirty="0">
+                <a:solidFill>
+                  <a:srgbClr val="FFFFFF"/>
+                </a:solidFill>
+                <a:latin typeface="Consolas"/>
+              </a:rPr>
+              <a:t>    </a:t>
+            </a:r>
+            <a:r>
+              <a:rPr lang="en-US" sz="1000" dirty="0">
+                <a:solidFill>
+                  <a:srgbClr val="9CDCFE"/>
+                </a:solidFill>
+                <a:latin typeface="Consolas"/>
+              </a:rPr>
+              <a:t>$</a:t>
+            </a:r>
+            <a:r>
+              <a:rPr lang="en-US" sz="1000" dirty="0" err="1">
+                <a:solidFill>
+                  <a:srgbClr val="9CDCFE"/>
+                </a:solidFill>
+                <a:latin typeface="Consolas"/>
+              </a:rPr>
+              <a:t>retval</a:t>
+            </a:r>
+            <a:r>
+              <a:rPr lang="en-US" sz="1000" dirty="0">
+                <a:solidFill>
+                  <a:srgbClr val="FFFFFF"/>
+                </a:solidFill>
+                <a:latin typeface="Consolas"/>
+              </a:rPr>
+              <a:t> </a:t>
+            </a:r>
+            <a:r>
+              <a:rPr lang="en-US" sz="1000" dirty="0">
+                <a:solidFill>
+                  <a:srgbClr val="D4D4D4"/>
+                </a:solidFill>
+                <a:latin typeface="Consolas"/>
+              </a:rPr>
+              <a:t>=</a:t>
+            </a:r>
+            <a:r>
+              <a:rPr lang="en-US" sz="1000" dirty="0">
+                <a:solidFill>
+                  <a:srgbClr val="FFFFFF"/>
+                </a:solidFill>
+                <a:latin typeface="Consolas"/>
+              </a:rPr>
+              <a:t> </a:t>
+            </a:r>
+            <a:r>
+              <a:rPr lang="en-US" sz="1000" dirty="0" err="1">
+                <a:solidFill>
+                  <a:srgbClr val="C586C0"/>
+                </a:solidFill>
+                <a:latin typeface="Consolas"/>
+              </a:rPr>
+              <a:t>InlineScript</a:t>
+            </a:r>
+            <a:r>
+              <a:rPr lang="en-US" sz="1000" dirty="0">
+                <a:solidFill>
+                  <a:srgbClr val="FFFFFF"/>
+                </a:solidFill>
+                <a:latin typeface="Consolas"/>
+              </a:rPr>
+              <a:t> </a:t>
+            </a:r>
+            <a:r>
+              <a:rPr lang="en-US" sz="1000" dirty="0">
+                <a:solidFill>
+                  <a:srgbClr val="7CA668"/>
+                </a:solidFill>
+                <a:latin typeface="Consolas"/>
+              </a:rPr>
+              <a:t>#Showing how to return something from the </a:t>
+            </a:r>
+            <a:r>
+              <a:rPr lang="en-US" sz="1000" dirty="0" err="1">
+                <a:solidFill>
+                  <a:srgbClr val="7CA668"/>
+                </a:solidFill>
+                <a:latin typeface="Consolas"/>
+              </a:rPr>
+              <a:t>inlinescript</a:t>
+            </a:r>
+            <a:endParaRPr lang="en-US" sz="1000" dirty="0">
+              <a:solidFill>
+                <a:srgbClr val="FFFFFF"/>
+              </a:solidFill>
+              <a:latin typeface="Consolas"/>
+            </a:endParaRPr>
+          </a:p>
+          <a:p>
+            <a:r>
+              <a:rPr lang="en-US" sz="1000" dirty="0">
+                <a:solidFill>
+                  <a:srgbClr val="FFFFFF"/>
+                </a:solidFill>
+                <a:latin typeface="Consolas"/>
+              </a:rPr>
+              <a:t>    {       </a:t>
+            </a:r>
+          </a:p>
+          <a:p>
+            <a:r>
+              <a:rPr lang="en-US" sz="1000" dirty="0">
+                <a:solidFill>
+                  <a:srgbClr val="FFFFFF"/>
+                </a:solidFill>
+                <a:latin typeface="Consolas"/>
+              </a:rPr>
+              <a:t>        </a:t>
+            </a:r>
+            <a:r>
+              <a:rPr lang="en-US" sz="1000" dirty="0">
+                <a:solidFill>
+                  <a:srgbClr val="9CDCFE"/>
+                </a:solidFill>
+                <a:latin typeface="Consolas"/>
+              </a:rPr>
+              <a:t>$s1</a:t>
+            </a:r>
+            <a:r>
+              <a:rPr lang="en-US" sz="1000" dirty="0">
+                <a:solidFill>
+                  <a:srgbClr val="FFFFFF"/>
+                </a:solidFill>
+                <a:latin typeface="Consolas"/>
+              </a:rPr>
+              <a:t> </a:t>
+            </a:r>
+            <a:r>
+              <a:rPr lang="en-US" sz="1000" dirty="0">
+                <a:solidFill>
+                  <a:srgbClr val="D4D4D4"/>
+                </a:solidFill>
+                <a:latin typeface="Consolas"/>
+              </a:rPr>
+              <a:t>=</a:t>
+            </a:r>
+            <a:r>
+              <a:rPr lang="en-US" sz="1000" dirty="0">
+                <a:solidFill>
+                  <a:srgbClr val="FFFFFF"/>
+                </a:solidFill>
+                <a:latin typeface="Consolas"/>
+              </a:rPr>
+              <a:t> </a:t>
+            </a:r>
+            <a:r>
+              <a:rPr lang="en-US" sz="1000" dirty="0">
+                <a:solidFill>
+                  <a:srgbClr val="CE9178"/>
+                </a:solidFill>
+                <a:latin typeface="Consolas"/>
+              </a:rPr>
+              <a:t>"some internal value generated within"</a:t>
+            </a:r>
+            <a:r>
+              <a:rPr lang="en-US" sz="1000" dirty="0">
+                <a:solidFill>
+                  <a:srgbClr val="FFFFFF"/>
+                </a:solidFill>
+                <a:latin typeface="Consolas"/>
+              </a:rPr>
+              <a:t>       </a:t>
+            </a:r>
+          </a:p>
+          <a:p>
+            <a:r>
+              <a:rPr lang="en-US" sz="1000" dirty="0">
+                <a:solidFill>
+                  <a:srgbClr val="FFFFFF"/>
+                </a:solidFill>
+                <a:latin typeface="Consolas"/>
+              </a:rPr>
+              <a:t>        </a:t>
+            </a:r>
+            <a:r>
+              <a:rPr lang="en-US" sz="1000" dirty="0">
+                <a:solidFill>
+                  <a:srgbClr val="C586C0"/>
+                </a:solidFill>
+                <a:latin typeface="Consolas"/>
+              </a:rPr>
+              <a:t>return</a:t>
+            </a:r>
+            <a:r>
+              <a:rPr lang="en-US" sz="1000" dirty="0">
+                <a:solidFill>
+                  <a:srgbClr val="FFFFFF"/>
+                </a:solidFill>
+                <a:latin typeface="Consolas"/>
+              </a:rPr>
+              <a:t> </a:t>
+            </a:r>
+            <a:r>
+              <a:rPr lang="en-US" sz="1000" dirty="0">
+                <a:solidFill>
+                  <a:srgbClr val="9CDCFE"/>
+                </a:solidFill>
+                <a:latin typeface="Consolas"/>
+              </a:rPr>
+              <a:t>$s1</a:t>
+            </a:r>
+            <a:endParaRPr lang="en-US" sz="1000" dirty="0">
+              <a:solidFill>
+                <a:srgbClr val="FFFFFF"/>
+              </a:solidFill>
+              <a:latin typeface="Consolas"/>
+            </a:endParaRPr>
+          </a:p>
+          <a:p>
+            <a:r>
+              <a:rPr lang="en-US" sz="1000" dirty="0">
+                <a:solidFill>
+                  <a:srgbClr val="FFFFFF"/>
+                </a:solidFill>
+                <a:latin typeface="Consolas"/>
+              </a:rPr>
+              <a:t>    } </a:t>
+            </a:r>
+          </a:p>
+          <a:p>
+            <a:r>
+              <a:rPr lang="en-US" sz="1000" dirty="0">
+                <a:solidFill>
+                  <a:srgbClr val="FFFFFF"/>
+                </a:solidFill>
+                <a:latin typeface="Consolas"/>
+              </a:rPr>
+              <a:t>    </a:t>
+            </a:r>
+            <a:r>
+              <a:rPr lang="en-US" sz="1000" dirty="0">
+                <a:solidFill>
+                  <a:srgbClr val="CE9178"/>
+                </a:solidFill>
+                <a:latin typeface="Consolas"/>
+              </a:rPr>
+              <a:t>" A return value:"</a:t>
+            </a:r>
+            <a:endParaRPr lang="en-US" sz="1000" dirty="0">
+              <a:solidFill>
+                <a:srgbClr val="FFFFFF"/>
+              </a:solidFill>
+              <a:latin typeface="Consolas"/>
+            </a:endParaRPr>
+          </a:p>
+          <a:p>
+            <a:r>
+              <a:rPr lang="en-US" sz="1000" dirty="0">
+                <a:solidFill>
+                  <a:srgbClr val="FFFFFF"/>
+                </a:solidFill>
+                <a:latin typeface="Consolas"/>
+              </a:rPr>
+              <a:t>    </a:t>
+            </a:r>
+            <a:r>
+              <a:rPr lang="en-US" sz="1000" dirty="0">
+                <a:solidFill>
+                  <a:srgbClr val="9CDCFE"/>
+                </a:solidFill>
+                <a:latin typeface="Consolas"/>
+              </a:rPr>
+              <a:t>$</a:t>
+            </a:r>
+            <a:r>
+              <a:rPr lang="en-US" sz="1000" dirty="0" err="1">
+                <a:solidFill>
+                  <a:srgbClr val="9CDCFE"/>
+                </a:solidFill>
+                <a:latin typeface="Consolas"/>
+              </a:rPr>
+              <a:t>retval</a:t>
+            </a:r>
+            <a:endParaRPr lang="en-US" sz="1000" dirty="0">
+              <a:solidFill>
+                <a:srgbClr val="FFFFFF"/>
+              </a:solidFill>
+              <a:latin typeface="Consolas"/>
+            </a:endParaRPr>
+          </a:p>
+          <a:p>
+            <a:r>
+              <a:rPr lang="en-US" sz="1000" dirty="0">
+                <a:solidFill>
+                  <a:srgbClr val="FFFFFF"/>
+                </a:solidFill>
+                <a:latin typeface="Consolas"/>
+              </a:rPr>
+              <a:t>    </a:t>
+            </a:r>
+            <a:r>
+              <a:rPr lang="en-US" sz="1000" dirty="0">
+                <a:solidFill>
+                  <a:srgbClr val="CE9178"/>
+                </a:solidFill>
+                <a:latin typeface="Consolas"/>
+              </a:rPr>
+              <a:t>"--------------------------------------------------------"</a:t>
+            </a:r>
+            <a:r>
+              <a:rPr lang="en-US" sz="1000" dirty="0">
+                <a:solidFill>
+                  <a:srgbClr val="FFFFFF"/>
+                </a:solidFill>
+                <a:latin typeface="Consolas"/>
+              </a:rPr>
+              <a:t>    </a:t>
+            </a:r>
+          </a:p>
+          <a:p>
+            <a:r>
+              <a:rPr lang="en-US" sz="1000" dirty="0">
+                <a:solidFill>
+                  <a:srgbClr val="FFFFFF"/>
+                </a:solidFill>
+                <a:latin typeface="Consolas"/>
+              </a:rPr>
+              <a:t>    </a:t>
+            </a:r>
+            <a:r>
+              <a:rPr lang="en-US" sz="1000" dirty="0">
+                <a:solidFill>
+                  <a:srgbClr val="9CDCFE"/>
+                </a:solidFill>
+                <a:latin typeface="Consolas"/>
+              </a:rPr>
+              <a:t>$retval2</a:t>
+            </a:r>
+            <a:r>
+              <a:rPr lang="en-US" sz="1000" dirty="0">
+                <a:solidFill>
+                  <a:srgbClr val="FFFFFF"/>
+                </a:solidFill>
+                <a:latin typeface="Consolas"/>
+              </a:rPr>
+              <a:t> </a:t>
+            </a:r>
+            <a:r>
+              <a:rPr lang="en-US" sz="1000" dirty="0">
+                <a:solidFill>
+                  <a:srgbClr val="D4D4D4"/>
+                </a:solidFill>
+                <a:latin typeface="Consolas"/>
+              </a:rPr>
+              <a:t>=</a:t>
+            </a:r>
+            <a:r>
+              <a:rPr lang="en-US" sz="1000" dirty="0">
+                <a:solidFill>
+                  <a:srgbClr val="FFFFFF"/>
+                </a:solidFill>
+                <a:latin typeface="Consolas"/>
+              </a:rPr>
+              <a:t> </a:t>
+            </a:r>
+            <a:r>
+              <a:rPr lang="en-US" sz="1000" dirty="0" err="1">
+                <a:solidFill>
+                  <a:srgbClr val="C586C0"/>
+                </a:solidFill>
+                <a:latin typeface="Consolas"/>
+              </a:rPr>
+              <a:t>InlineScript</a:t>
+            </a:r>
+            <a:r>
+              <a:rPr lang="en-US" sz="1000" dirty="0">
+                <a:solidFill>
+                  <a:srgbClr val="FFFFFF"/>
+                </a:solidFill>
+                <a:latin typeface="Consolas"/>
+              </a:rPr>
+              <a:t> </a:t>
+            </a:r>
+            <a:r>
+              <a:rPr lang="en-US" sz="1000" dirty="0">
+                <a:solidFill>
+                  <a:srgbClr val="7CA668"/>
+                </a:solidFill>
+                <a:latin typeface="Consolas"/>
+              </a:rPr>
+              <a:t>#Combining both: use parameter, return value</a:t>
+            </a:r>
+            <a:endParaRPr lang="en-US" sz="1000" dirty="0">
+              <a:solidFill>
+                <a:srgbClr val="FFFFFF"/>
+              </a:solidFill>
+              <a:latin typeface="Consolas"/>
+            </a:endParaRPr>
+          </a:p>
+          <a:p>
+            <a:r>
+              <a:rPr lang="en-US" sz="1000" dirty="0">
+                <a:solidFill>
+                  <a:srgbClr val="FFFFFF"/>
+                </a:solidFill>
+                <a:latin typeface="Consolas"/>
+              </a:rPr>
+              <a:t>    {</a:t>
+            </a:r>
+          </a:p>
+          <a:p>
+            <a:r>
+              <a:rPr lang="en-US" sz="1000" dirty="0">
+                <a:solidFill>
+                  <a:srgbClr val="FFFFFF"/>
+                </a:solidFill>
+                <a:latin typeface="Consolas"/>
+              </a:rPr>
+              <a:t>        </a:t>
+            </a:r>
+            <a:r>
+              <a:rPr lang="en-US" sz="1000" dirty="0">
+                <a:solidFill>
+                  <a:srgbClr val="CE9178"/>
+                </a:solidFill>
+                <a:latin typeface="Consolas"/>
+              </a:rPr>
+              <a:t>"received a parameter"</a:t>
+            </a:r>
+            <a:endParaRPr lang="en-US" sz="1000" dirty="0">
+              <a:solidFill>
+                <a:srgbClr val="FFFFFF"/>
+              </a:solidFill>
+              <a:latin typeface="Consolas"/>
+            </a:endParaRPr>
+          </a:p>
+          <a:p>
+            <a:r>
+              <a:rPr lang="en-US" sz="1000" dirty="0">
+                <a:solidFill>
+                  <a:srgbClr val="FFFFFF"/>
+                </a:solidFill>
+                <a:latin typeface="Consolas"/>
+              </a:rPr>
+              <a:t>        </a:t>
+            </a:r>
+            <a:r>
+              <a:rPr lang="en-US" sz="1000" dirty="0">
+                <a:solidFill>
+                  <a:srgbClr val="9CDCFE"/>
+                </a:solidFill>
+                <a:latin typeface="Consolas"/>
+              </a:rPr>
+              <a:t>$</a:t>
+            </a:r>
+            <a:r>
+              <a:rPr lang="en-US" sz="1000" dirty="0">
+                <a:solidFill>
+                  <a:srgbClr val="569CD6"/>
+                </a:solidFill>
+                <a:latin typeface="Consolas"/>
+              </a:rPr>
+              <a:t>using</a:t>
+            </a:r>
+            <a:r>
+              <a:rPr lang="en-US" sz="1000" dirty="0">
+                <a:solidFill>
+                  <a:srgbClr val="9CDCFE"/>
+                </a:solidFill>
+                <a:latin typeface="Consolas"/>
+              </a:rPr>
+              <a:t>:p1</a:t>
+            </a:r>
+            <a:endParaRPr lang="en-US" sz="1000" dirty="0">
+              <a:solidFill>
+                <a:srgbClr val="FFFFFF"/>
+              </a:solidFill>
+              <a:latin typeface="Consolas"/>
+            </a:endParaRPr>
+          </a:p>
+          <a:p>
+            <a:r>
+              <a:rPr lang="en-US" sz="1000" dirty="0">
+                <a:solidFill>
+                  <a:srgbClr val="FFFFFF"/>
+                </a:solidFill>
+                <a:latin typeface="Consolas"/>
+              </a:rPr>
+              <a:t>        </a:t>
+            </a:r>
+            <a:r>
+              <a:rPr lang="en-US" sz="1000" dirty="0">
+                <a:solidFill>
+                  <a:srgbClr val="CE9178"/>
+                </a:solidFill>
+                <a:latin typeface="Consolas"/>
+              </a:rPr>
+              <a:t>"doing something to it"</a:t>
+            </a:r>
+            <a:endParaRPr lang="en-US" sz="1000" dirty="0">
+              <a:solidFill>
+                <a:srgbClr val="FFFFFF"/>
+              </a:solidFill>
+              <a:latin typeface="Consolas"/>
+            </a:endParaRPr>
+          </a:p>
+          <a:p>
+            <a:r>
+              <a:rPr lang="en-US" sz="1000" dirty="0">
+                <a:solidFill>
+                  <a:srgbClr val="FFFFFF"/>
+                </a:solidFill>
+                <a:latin typeface="Consolas"/>
+              </a:rPr>
+              <a:t>        </a:t>
+            </a:r>
+            <a:r>
+              <a:rPr lang="en-US" sz="1000" dirty="0">
+                <a:solidFill>
+                  <a:srgbClr val="9CDCFE"/>
+                </a:solidFill>
+                <a:latin typeface="Consolas"/>
+              </a:rPr>
+              <a:t>$r1</a:t>
+            </a:r>
+            <a:r>
+              <a:rPr lang="en-US" sz="1000" dirty="0">
+                <a:solidFill>
+                  <a:srgbClr val="FFFFFF"/>
+                </a:solidFill>
+                <a:latin typeface="Consolas"/>
+              </a:rPr>
+              <a:t> </a:t>
+            </a:r>
+            <a:r>
+              <a:rPr lang="en-US" sz="1000" dirty="0">
+                <a:solidFill>
+                  <a:srgbClr val="D4D4D4"/>
+                </a:solidFill>
+                <a:latin typeface="Consolas"/>
+              </a:rPr>
+              <a:t>=</a:t>
+            </a:r>
+            <a:r>
+              <a:rPr lang="en-US" sz="1000" dirty="0">
+                <a:solidFill>
+                  <a:srgbClr val="FFFFFF"/>
+                </a:solidFill>
+                <a:latin typeface="Consolas"/>
+              </a:rPr>
+              <a:t> (</a:t>
+            </a:r>
+            <a:r>
+              <a:rPr lang="en-US" sz="1000" dirty="0">
+                <a:solidFill>
+                  <a:srgbClr val="9CDCFE"/>
+                </a:solidFill>
+                <a:latin typeface="Consolas"/>
+              </a:rPr>
+              <a:t>$</a:t>
+            </a:r>
+            <a:r>
+              <a:rPr lang="en-US" sz="1000" dirty="0">
+                <a:solidFill>
+                  <a:srgbClr val="569CD6"/>
+                </a:solidFill>
+                <a:latin typeface="Consolas"/>
+              </a:rPr>
+              <a:t>using</a:t>
+            </a:r>
+            <a:r>
+              <a:rPr lang="en-US" sz="1000" dirty="0">
+                <a:solidFill>
+                  <a:srgbClr val="9CDCFE"/>
+                </a:solidFill>
+                <a:latin typeface="Consolas"/>
+              </a:rPr>
+              <a:t>:p1</a:t>
+            </a:r>
+            <a:r>
+              <a:rPr lang="en-US" sz="1000" dirty="0">
+                <a:solidFill>
+                  <a:srgbClr val="FFFFFF"/>
+                </a:solidFill>
+                <a:latin typeface="Consolas"/>
+              </a:rPr>
+              <a:t>).Split(</a:t>
+            </a:r>
+            <a:r>
+              <a:rPr lang="en-US" sz="1000" dirty="0">
+                <a:solidFill>
+                  <a:srgbClr val="CE9178"/>
+                </a:solidFill>
+                <a:latin typeface="Consolas"/>
+              </a:rPr>
+              <a:t>'|'</a:t>
+            </a:r>
+            <a:r>
+              <a:rPr lang="en-US" sz="1000" dirty="0">
+                <a:solidFill>
+                  <a:srgbClr val="FFFFFF"/>
+                </a:solidFill>
+                <a:latin typeface="Consolas"/>
+              </a:rPr>
+              <a:t>)       </a:t>
+            </a:r>
+          </a:p>
+          <a:p>
+            <a:r>
+              <a:rPr lang="en-US" sz="1000" dirty="0">
+                <a:solidFill>
+                  <a:srgbClr val="FFFFFF"/>
+                </a:solidFill>
+                <a:latin typeface="Consolas"/>
+              </a:rPr>
+              <a:t>        </a:t>
+            </a:r>
+            <a:r>
+              <a:rPr lang="en-US" sz="1000" dirty="0">
+                <a:solidFill>
+                  <a:srgbClr val="C586C0"/>
+                </a:solidFill>
+                <a:latin typeface="Consolas"/>
+              </a:rPr>
+              <a:t>return</a:t>
+            </a:r>
+            <a:r>
+              <a:rPr lang="en-US" sz="1000" dirty="0">
+                <a:solidFill>
+                  <a:srgbClr val="FFFFFF"/>
+                </a:solidFill>
+                <a:latin typeface="Consolas"/>
+              </a:rPr>
+              <a:t> </a:t>
+            </a:r>
+            <a:r>
+              <a:rPr lang="en-US" sz="1000" dirty="0">
+                <a:solidFill>
+                  <a:srgbClr val="9CDCFE"/>
+                </a:solidFill>
+                <a:latin typeface="Consolas"/>
+              </a:rPr>
+              <a:t>$r1</a:t>
+            </a:r>
+            <a:endParaRPr lang="en-US" sz="1000" dirty="0">
+              <a:solidFill>
+                <a:srgbClr val="FFFFFF"/>
+              </a:solidFill>
+              <a:latin typeface="Consolas"/>
+            </a:endParaRPr>
+          </a:p>
+          <a:p>
+            <a:r>
+              <a:rPr lang="en-US" sz="1000" dirty="0">
+                <a:solidFill>
+                  <a:srgbClr val="FFFFFF"/>
+                </a:solidFill>
+                <a:latin typeface="Consolas"/>
+              </a:rPr>
+              <a:t>    } </a:t>
+            </a:r>
+          </a:p>
+          <a:p>
+            <a:r>
+              <a:rPr lang="en-US" sz="1000" dirty="0">
+                <a:solidFill>
+                  <a:srgbClr val="FFFFFF"/>
+                </a:solidFill>
+                <a:latin typeface="Consolas"/>
+              </a:rPr>
+              <a:t>    </a:t>
+            </a:r>
+            <a:r>
+              <a:rPr lang="en-US" sz="1000" dirty="0">
+                <a:solidFill>
+                  <a:srgbClr val="CE9178"/>
+                </a:solidFill>
+                <a:latin typeface="Consolas"/>
+              </a:rPr>
+              <a:t>"Return value:"</a:t>
+            </a:r>
+            <a:endParaRPr lang="en-US" sz="1000" dirty="0">
+              <a:solidFill>
+                <a:srgbClr val="FFFFFF"/>
+              </a:solidFill>
+              <a:latin typeface="Consolas"/>
+            </a:endParaRPr>
+          </a:p>
+          <a:p>
+            <a:r>
+              <a:rPr lang="en-US" sz="1000" dirty="0">
+                <a:solidFill>
+                  <a:srgbClr val="FFFFFF"/>
+                </a:solidFill>
+                <a:latin typeface="Consolas"/>
+              </a:rPr>
+              <a:t>    </a:t>
+            </a:r>
+            <a:r>
+              <a:rPr lang="en-US" sz="1000" dirty="0">
+                <a:solidFill>
+                  <a:srgbClr val="9CDCFE"/>
+                </a:solidFill>
+                <a:latin typeface="Consolas"/>
+              </a:rPr>
+              <a:t>$retval2</a:t>
+            </a:r>
+            <a:endParaRPr lang="en-US" sz="1000" dirty="0">
+              <a:solidFill>
+                <a:srgbClr val="FFFFFF"/>
+              </a:solidFill>
+              <a:latin typeface="Consolas"/>
+            </a:endParaRPr>
+          </a:p>
+          <a:p>
+            <a:r>
+              <a:rPr lang="en-US" sz="1000" dirty="0">
+                <a:solidFill>
+                  <a:srgbClr val="FFFFFF"/>
+                </a:solidFill>
+                <a:latin typeface="Consolas"/>
+              </a:rPr>
+              <a:t>    </a:t>
+            </a:r>
+            <a:r>
+              <a:rPr lang="en-US" sz="1000" dirty="0" err="1">
+                <a:solidFill>
+                  <a:srgbClr val="C586C0"/>
+                </a:solidFill>
+                <a:latin typeface="Consolas"/>
+              </a:rPr>
+              <a:t>InlineScript</a:t>
+            </a:r>
+            <a:endParaRPr lang="en-US" sz="1000" dirty="0">
+              <a:solidFill>
+                <a:srgbClr val="FFFFFF"/>
+              </a:solidFill>
+              <a:latin typeface="Consolas"/>
+            </a:endParaRPr>
+          </a:p>
+          <a:p>
+            <a:r>
+              <a:rPr lang="en-US" sz="1000" dirty="0">
+                <a:solidFill>
+                  <a:srgbClr val="FFFFFF"/>
+                </a:solidFill>
+                <a:latin typeface="Consolas"/>
+              </a:rPr>
+              <a:t>    {</a:t>
+            </a:r>
+          </a:p>
+          <a:p>
+            <a:r>
+              <a:rPr lang="en-US" sz="1000" dirty="0">
+                <a:solidFill>
+                  <a:srgbClr val="FFFFFF"/>
+                </a:solidFill>
+                <a:latin typeface="Consolas"/>
+              </a:rPr>
+              <a:t>        </a:t>
+            </a:r>
+            <a:r>
+              <a:rPr lang="en-US" sz="1000" dirty="0">
+                <a:solidFill>
+                  <a:srgbClr val="CE9178"/>
+                </a:solidFill>
+                <a:latin typeface="Consolas"/>
+              </a:rPr>
+              <a:t>"After completing parallel process"</a:t>
+            </a:r>
+            <a:endParaRPr lang="en-US" sz="1000" dirty="0">
+              <a:solidFill>
+                <a:srgbClr val="FFFFFF"/>
+              </a:solidFill>
+              <a:latin typeface="Consolas"/>
+            </a:endParaRPr>
+          </a:p>
+          <a:p>
+            <a:r>
+              <a:rPr lang="en-US" sz="1000" dirty="0">
+                <a:solidFill>
+                  <a:srgbClr val="FFFFFF"/>
+                </a:solidFill>
+                <a:latin typeface="Consolas"/>
+              </a:rPr>
+              <a:t>        </a:t>
+            </a:r>
+            <a:r>
+              <a:rPr lang="en-US" sz="1000" dirty="0">
+                <a:solidFill>
+                  <a:srgbClr val="DCDCAA"/>
+                </a:solidFill>
+                <a:latin typeface="Consolas"/>
+              </a:rPr>
+              <a:t>Get-Date</a:t>
+            </a:r>
+            <a:r>
+              <a:rPr lang="en-US" sz="1000" dirty="0">
+                <a:solidFill>
+                  <a:srgbClr val="FFFFFF"/>
+                </a:solidFill>
+                <a:latin typeface="Consolas"/>
+              </a:rPr>
+              <a:t>       </a:t>
+            </a:r>
+          </a:p>
+          <a:p>
+            <a:r>
+              <a:rPr lang="en-US" sz="1000" dirty="0">
+                <a:solidFill>
+                  <a:srgbClr val="FFFFFF"/>
+                </a:solidFill>
+                <a:latin typeface="Consolas"/>
+              </a:rPr>
+              <a:t>    }</a:t>
+            </a:r>
+          </a:p>
+          <a:p>
+            <a:r>
+              <a:rPr lang="en-US" sz="1000" dirty="0">
+                <a:solidFill>
+                  <a:srgbClr val="FFFFFF"/>
+                </a:solidFill>
+                <a:latin typeface="Consolas"/>
+              </a:rPr>
+              <a:t>}</a:t>
+            </a:r>
+          </a:p>
+          <a:p>
+            <a:r>
+              <a:rPr lang="en-US" sz="1000" dirty="0">
+                <a:solidFill>
+                  <a:srgbClr val="FFFFFF"/>
+                </a:solidFill>
+                <a:latin typeface="Consolas"/>
+              </a:rPr>
+              <a:t>HelloWorld  </a:t>
+            </a:r>
+            <a:r>
+              <a:rPr lang="en-US" sz="1000" dirty="0">
+                <a:solidFill>
+                  <a:srgbClr val="7CA668"/>
+                </a:solidFill>
+                <a:latin typeface="Consolas"/>
+              </a:rPr>
+              <a:t># and we execute the workflow</a:t>
+            </a:r>
+            <a:endParaRPr lang="en-US" sz="1000" b="0" dirty="0">
+              <a:solidFill>
+                <a:srgbClr val="FFFFFF"/>
+              </a:solidFill>
+              <a:effectLst/>
+              <a:latin typeface="Consolas"/>
+            </a:endParaRPr>
+          </a:p>
+        </p:txBody>
+      </p:sp>
+    </p:spTree>
+    <p:extLst>
+      <p:ext uri="{BB962C8B-B14F-4D97-AF65-F5344CB8AC3E}">
+        <p14:creationId xmlns:p14="http://schemas.microsoft.com/office/powerpoint/2010/main" val="312089221"/>
+      </p:ext>
+    </p:extLst>
+  </p:cSld>
+  <p:clrMapOvr>
+    <a:masterClrMapping/>
+  </p:clrMapOvr>
+</p:sld>
+</file>
+
+<file path=ppt/slides/slide12.xml><?xml version="1.0" encoding="utf-8"?>
+<p:sld xmlns:a="http://schemas.openxmlformats.org/drawingml/2006/main" xmlns:r="http://schemas.openxmlformats.org/officeDocument/2006/relationships" xmlns:p="http://schemas.openxmlformats.org/presentationml/2006/main">
+  <p:cSld>
+    <p:bg>
+      <p:bgPr>
+        <a:solidFill>
+          <a:schemeClr val="tx1"/>
+        </a:solidFill>
+        <a:effectLst/>
+      </p:bgPr>
+    </p:bg>
+    <p:spTree>
+      <p:nvGrpSpPr>
+        <p:cNvPr id="1" name=""/>
+        <p:cNvGrpSpPr/>
+        <p:nvPr/>
+      </p:nvGrpSpPr>
+      <p:grpSpPr>
+        <a:xfrm>
+          <a:off x="0" y="0"/>
+          <a:ext cx="0" cy="0"/>
+          <a:chOff x="0" y="0"/>
+          <a:chExt cx="0" cy="0"/>
+        </a:xfrm>
+      </p:grpSpPr>
+      <p:sp>
+        <p:nvSpPr>
+          <p:cNvPr id="2" name="Title 1"/>
+          <p:cNvSpPr>
+            <a:spLocks noGrp="1"/>
+          </p:cNvSpPr>
+          <p:nvPr>
+            <p:ph type="ctrTitle"/>
+          </p:nvPr>
+        </p:nvSpPr>
+        <p:spPr>
+          <a:xfrm>
+            <a:off x="381000" y="152400"/>
+            <a:ext cx="7772400" cy="307975"/>
+          </a:xfrm>
+        </p:spPr>
+        <p:txBody>
+          <a:bodyPr>
+            <a:noAutofit/>
+          </a:bodyPr>
+          <a:lstStyle/>
+          <a:p>
+            <a:r>
+              <a:rPr lang="en-US" sz="1600" b="1" dirty="0" smtClean="0">
+                <a:solidFill>
+                  <a:srgbClr val="00B050"/>
+                </a:solidFill>
+              </a:rPr>
+              <a:t>And here we see the output</a:t>
+            </a:r>
+            <a:endParaRPr lang="en-US" sz="1600" b="1" dirty="0">
+              <a:solidFill>
+                <a:srgbClr val="00B050"/>
+              </a:solidFill>
+            </a:endParaRPr>
+          </a:p>
+        </p:txBody>
+      </p:sp>
+      <p:sp>
+        <p:nvSpPr>
+          <p:cNvPr id="3" name="Subtitle 2"/>
+          <p:cNvSpPr>
+            <a:spLocks noGrp="1"/>
+          </p:cNvSpPr>
+          <p:nvPr>
+            <p:ph type="subTitle" idx="1"/>
+          </p:nvPr>
+        </p:nvSpPr>
+        <p:spPr>
+          <a:xfrm>
+            <a:off x="1524000" y="6400800"/>
+            <a:ext cx="6400800" cy="304800"/>
+          </a:xfrm>
+        </p:spPr>
+        <p:txBody>
+          <a:bodyPr>
+            <a:normAutofit fontScale="92500" lnSpcReduction="10000"/>
+          </a:bodyPr>
+          <a:lstStyle/>
+          <a:p>
+            <a:endParaRPr lang="en-US" sz="1600" dirty="0"/>
+          </a:p>
+        </p:txBody>
+      </p:sp>
+      <p:pic>
+        <p:nvPicPr>
+          <p:cNvPr id="1026" name="Picture 2"/>
+          <p:cNvPicPr>
+            <a:picLocks noChangeAspect="1" noChangeArrowheads="1"/>
+          </p:cNvPicPr>
+          <p:nvPr/>
+        </p:nvPicPr>
+        <p:blipFill>
+          <a:blip r:embed="rId3">
+            <a:extLst>
+              <a:ext uri="{28A0092B-C50C-407E-A947-70E740481C1C}">
+                <a14:useLocalDpi xmlns:a14="http://schemas.microsoft.com/office/drawing/2010/main" val="0"/>
+              </a:ext>
+            </a:extLst>
+          </a:blip>
+          <a:srcRect/>
+          <a:stretch>
+            <a:fillRect/>
+          </a:stretch>
+        </p:blipFill>
+        <p:spPr bwMode="auto">
+          <a:xfrm>
+            <a:off x="2071688" y="652463"/>
+            <a:ext cx="5000625" cy="5553075"/>
+          </a:xfrm>
+          <a:prstGeom prst="rect">
+            <a:avLst/>
+          </a:prstGeom>
+          <a:noFill/>
+          <a:ln>
+            <a:noFill/>
+          </a:ln>
+          <a:extLst>
+            <a:ext uri="{909E8E84-426E-40DD-AFC4-6F175D3DCCD1}">
+              <a14:hiddenFill xmlns:a14="http://schemas.microsoft.com/office/drawing/2010/main">
+                <a:solidFill>
+                  <a:schemeClr val="accent1"/>
+                </a:solidFill>
+              </a14:hiddenFill>
+            </a:ext>
+            <a:ext uri="{91240B29-F687-4F45-9708-019B960494DF}">
+              <a14:hiddenLine xmlns:a14="http://schemas.microsoft.com/office/drawing/2010/main" w="9525">
+                <a:solidFill>
+                  <a:schemeClr val="tx1"/>
+                </a:solidFill>
+                <a:miter lim="800000"/>
+                <a:headEnd/>
+                <a:tailEnd/>
+              </a14:hiddenLine>
+            </a:ext>
+          </a:extLst>
+        </p:spPr>
+      </p:pic>
+    </p:spTree>
+    <p:extLst>
+      <p:ext uri="{BB962C8B-B14F-4D97-AF65-F5344CB8AC3E}">
+        <p14:creationId xmlns:p14="http://schemas.microsoft.com/office/powerpoint/2010/main" val="3111208728"/>
+      </p:ext>
+    </p:extLst>
+  </p:cSld>
+  <p:clrMapOvr>
+    <a:masterClrMapping/>
+  </p:clrMapOvr>
+</p:sld>
+</file>
+
+<file path=ppt/slides/slide13.xml><?xml version="1.0" encoding="utf-8"?>
+<p:sld xmlns:a="http://schemas.openxmlformats.org/drawingml/2006/main" xmlns:r="http://schemas.openxmlformats.org/officeDocument/2006/relationships" xmlns:p="http://schemas.openxmlformats.org/presentationml/2006/main">
+  <p:cSld>
+    <p:spTree>
+      <p:nvGrpSpPr>
+        <p:cNvPr id="1" name=""/>
+        <p:cNvGrpSpPr/>
+        <p:nvPr/>
+      </p:nvGrpSpPr>
+      <p:grpSpPr>
+        <a:xfrm>
+          <a:off x="0" y="0"/>
+          <a:ext cx="0" cy="0"/>
+          <a:chOff x="0" y="0"/>
+          <a:chExt cx="0" cy="0"/>
+        </a:xfrm>
+      </p:grpSpPr>
+      <p:sp>
+        <p:nvSpPr>
+          <p:cNvPr id="2" name="Title 1"/>
+          <p:cNvSpPr>
+            <a:spLocks noGrp="1"/>
+          </p:cNvSpPr>
+          <p:nvPr>
+            <p:ph type="title"/>
+          </p:nvPr>
+        </p:nvSpPr>
+        <p:spPr>
+          <a:xfrm>
+            <a:off x="457200" y="0"/>
+            <a:ext cx="8229600" cy="381000"/>
+          </a:xfrm>
+        </p:spPr>
+        <p:txBody>
+          <a:bodyPr>
+            <a:normAutofit/>
+          </a:bodyPr>
+          <a:lstStyle/>
+          <a:p>
+            <a:r>
+              <a:rPr lang="en-US" sz="1600" dirty="0" smtClean="0"/>
+              <a:t>Functions in </a:t>
+            </a:r>
+            <a:r>
+              <a:rPr lang="en-US" sz="1600" dirty="0" err="1" smtClean="0"/>
+              <a:t>powershell</a:t>
+            </a:r>
+            <a:r>
+              <a:rPr lang="en-US" sz="1600" dirty="0" smtClean="0"/>
+              <a:t> work fine …</a:t>
+            </a:r>
+            <a:endParaRPr lang="en-US" sz="1600" dirty="0"/>
+          </a:p>
+        </p:txBody>
+      </p:sp>
+      <p:sp>
+        <p:nvSpPr>
+          <p:cNvPr id="3" name="Content Placeholder 2"/>
+          <p:cNvSpPr>
+            <a:spLocks noGrp="1"/>
+          </p:cNvSpPr>
+          <p:nvPr>
+            <p:ph idx="1"/>
+          </p:nvPr>
+        </p:nvSpPr>
+        <p:spPr>
+          <a:xfrm>
+            <a:off x="152400" y="381000"/>
+            <a:ext cx="8686800" cy="5105400"/>
+          </a:xfrm>
+          <a:solidFill>
+            <a:schemeClr val="tx1"/>
+          </a:solidFill>
+        </p:spPr>
+        <p:txBody>
+          <a:bodyPr>
+            <a:normAutofit fontScale="25000" lnSpcReduction="20000"/>
+          </a:bodyPr>
+          <a:lstStyle/>
+          <a:p>
+            <a:r>
+              <a:rPr lang="en-US" sz="4800" dirty="0">
+                <a:solidFill>
+                  <a:srgbClr val="7CA668"/>
+                </a:solidFill>
+                <a:latin typeface="Consolas"/>
+              </a:rPr>
+              <a:t># Script_Blocks_are_a_good_thing_A.ps1</a:t>
+            </a:r>
+            <a:endParaRPr lang="en-US" sz="4800" dirty="0">
+              <a:solidFill>
+                <a:srgbClr val="FFFFFF"/>
+              </a:solidFill>
+              <a:latin typeface="Consolas"/>
+            </a:endParaRPr>
+          </a:p>
+          <a:p>
+            <a:r>
+              <a:rPr lang="en-US" sz="4800" dirty="0">
+                <a:solidFill>
+                  <a:srgbClr val="7CA668"/>
+                </a:solidFill>
+                <a:latin typeface="Consolas"/>
+              </a:rPr>
+              <a:t># using a function</a:t>
+            </a:r>
+            <a:endParaRPr lang="en-US" sz="4800" dirty="0">
+              <a:solidFill>
+                <a:srgbClr val="FFFFFF"/>
+              </a:solidFill>
+              <a:latin typeface="Consolas"/>
+            </a:endParaRPr>
+          </a:p>
+          <a:p>
+            <a:r>
+              <a:rPr lang="en-US" sz="4800" dirty="0">
+                <a:solidFill>
+                  <a:srgbClr val="569CD6"/>
+                </a:solidFill>
+                <a:latin typeface="Consolas"/>
+              </a:rPr>
+              <a:t>function</a:t>
+            </a:r>
+            <a:r>
+              <a:rPr lang="en-US" sz="4800" dirty="0">
+                <a:solidFill>
+                  <a:srgbClr val="FFFFFF"/>
+                </a:solidFill>
+                <a:latin typeface="Consolas"/>
+              </a:rPr>
+              <a:t> </a:t>
+            </a:r>
+            <a:r>
+              <a:rPr lang="en-US" sz="4800" dirty="0">
+                <a:solidFill>
+                  <a:srgbClr val="DCDCAA"/>
+                </a:solidFill>
+                <a:latin typeface="Consolas"/>
+              </a:rPr>
+              <a:t>Invoke-Sqlcmd3_db</a:t>
+            </a:r>
+            <a:r>
+              <a:rPr lang="en-US" sz="4800" dirty="0">
+                <a:solidFill>
+                  <a:srgbClr val="FFFFFF"/>
+                </a:solidFill>
+                <a:latin typeface="Consolas"/>
+              </a:rPr>
+              <a:t> (</a:t>
+            </a:r>
+            <a:r>
+              <a:rPr lang="en-US" sz="4800" dirty="0">
+                <a:solidFill>
+                  <a:srgbClr val="9CDCFE"/>
+                </a:solidFill>
+                <a:latin typeface="Consolas"/>
+              </a:rPr>
+              <a:t>$</a:t>
+            </a:r>
+            <a:r>
+              <a:rPr lang="en-US" sz="4800" dirty="0" err="1">
+                <a:solidFill>
+                  <a:srgbClr val="9CDCFE"/>
+                </a:solidFill>
+                <a:latin typeface="Consolas"/>
+              </a:rPr>
+              <a:t>ServerInstance</a:t>
+            </a:r>
+            <a:r>
+              <a:rPr lang="en-US" sz="4800" dirty="0">
+                <a:solidFill>
+                  <a:srgbClr val="D4D4D4"/>
+                </a:solidFill>
+                <a:latin typeface="Consolas"/>
+              </a:rPr>
+              <a:t>,</a:t>
+            </a:r>
+            <a:r>
+              <a:rPr lang="en-US" sz="4800" dirty="0">
+                <a:solidFill>
+                  <a:srgbClr val="9CDCFE"/>
+                </a:solidFill>
+                <a:latin typeface="Consolas"/>
+              </a:rPr>
+              <a:t>$Query</a:t>
+            </a:r>
+            <a:r>
+              <a:rPr lang="en-US" sz="4800" dirty="0">
+                <a:solidFill>
+                  <a:srgbClr val="D4D4D4"/>
+                </a:solidFill>
+                <a:latin typeface="Consolas"/>
+              </a:rPr>
+              <a:t>,</a:t>
+            </a:r>
+            <a:r>
+              <a:rPr lang="en-US" sz="4800" dirty="0">
+                <a:solidFill>
+                  <a:srgbClr val="FFFFFF"/>
+                </a:solidFill>
+                <a:latin typeface="Consolas"/>
+              </a:rPr>
+              <a:t> </a:t>
+            </a:r>
+            <a:r>
+              <a:rPr lang="en-US" sz="4800" dirty="0">
+                <a:solidFill>
+                  <a:srgbClr val="9CDCFE"/>
+                </a:solidFill>
+                <a:latin typeface="Consolas"/>
+              </a:rPr>
+              <a:t>$Database</a:t>
+            </a:r>
+            <a:r>
+              <a:rPr lang="en-US" sz="4800" dirty="0">
+                <a:solidFill>
+                  <a:srgbClr val="FFFFFF"/>
+                </a:solidFill>
+                <a:latin typeface="Consolas"/>
+              </a:rPr>
+              <a:t>)</a:t>
+            </a:r>
+          </a:p>
+          <a:p>
+            <a:r>
+              <a:rPr lang="en-US" sz="4800" dirty="0">
+                <a:solidFill>
+                  <a:srgbClr val="7CA668"/>
+                </a:solidFill>
+                <a:latin typeface="Consolas"/>
+              </a:rPr>
+              <a:t># Based on Chad Millers Invoke-Sqlcmd3</a:t>
+            </a:r>
+            <a:endParaRPr lang="en-US" sz="4800" dirty="0">
+              <a:solidFill>
+                <a:srgbClr val="FFFFFF"/>
+              </a:solidFill>
+              <a:latin typeface="Consolas"/>
+            </a:endParaRPr>
+          </a:p>
+          <a:p>
+            <a:r>
+              <a:rPr lang="en-US" sz="4800" dirty="0">
+                <a:solidFill>
+                  <a:srgbClr val="FFFFFF"/>
+                </a:solidFill>
+                <a:latin typeface="Consolas"/>
+              </a:rPr>
+              <a:t>{</a:t>
+            </a:r>
+          </a:p>
+          <a:p>
+            <a:r>
+              <a:rPr lang="en-US" sz="4800" dirty="0">
+                <a:solidFill>
+                  <a:srgbClr val="FFFFFF"/>
+                </a:solidFill>
+                <a:latin typeface="Consolas"/>
+              </a:rPr>
+              <a:t>    </a:t>
+            </a:r>
+            <a:r>
+              <a:rPr lang="en-US" sz="4800" dirty="0">
+                <a:solidFill>
+                  <a:srgbClr val="9CDCFE"/>
+                </a:solidFill>
+                <a:latin typeface="Consolas"/>
+              </a:rPr>
+              <a:t>$</a:t>
+            </a:r>
+            <a:r>
+              <a:rPr lang="en-US" sz="4800" dirty="0" err="1">
+                <a:solidFill>
+                  <a:srgbClr val="9CDCFE"/>
+                </a:solidFill>
+                <a:latin typeface="Consolas"/>
+              </a:rPr>
+              <a:t>QueryTimeout</a:t>
+            </a:r>
+            <a:r>
+              <a:rPr lang="en-US" sz="4800" dirty="0">
+                <a:solidFill>
+                  <a:srgbClr val="D4D4D4"/>
+                </a:solidFill>
+                <a:latin typeface="Consolas"/>
+              </a:rPr>
+              <a:t>=</a:t>
+            </a:r>
+            <a:r>
+              <a:rPr lang="en-US" sz="4800" dirty="0">
+                <a:solidFill>
+                  <a:srgbClr val="B5CEA8"/>
+                </a:solidFill>
+                <a:latin typeface="Consolas"/>
+              </a:rPr>
+              <a:t>600</a:t>
+            </a:r>
+            <a:endParaRPr lang="en-US" sz="4800" dirty="0">
+              <a:solidFill>
+                <a:srgbClr val="FFFFFF"/>
+              </a:solidFill>
+              <a:latin typeface="Consolas"/>
+            </a:endParaRPr>
+          </a:p>
+          <a:p>
+            <a:r>
+              <a:rPr lang="en-US" sz="4800" dirty="0">
+                <a:solidFill>
+                  <a:srgbClr val="FFFFFF"/>
+                </a:solidFill>
+                <a:latin typeface="Consolas"/>
+              </a:rPr>
+              <a:t>    </a:t>
+            </a:r>
+            <a:r>
+              <a:rPr lang="en-US" sz="4800" dirty="0">
+                <a:solidFill>
+                  <a:srgbClr val="9CDCFE"/>
+                </a:solidFill>
+                <a:latin typeface="Consolas"/>
+              </a:rPr>
+              <a:t>$conn</a:t>
+            </a:r>
+            <a:r>
+              <a:rPr lang="en-US" sz="4800" dirty="0">
+                <a:solidFill>
+                  <a:srgbClr val="D4D4D4"/>
+                </a:solidFill>
+                <a:latin typeface="Consolas"/>
+              </a:rPr>
+              <a:t>=</a:t>
+            </a:r>
+            <a:r>
+              <a:rPr lang="en-US" sz="4800" dirty="0">
+                <a:solidFill>
+                  <a:srgbClr val="DCDCAA"/>
+                </a:solidFill>
+                <a:latin typeface="Consolas"/>
+              </a:rPr>
+              <a:t>new-object</a:t>
+            </a:r>
+            <a:r>
+              <a:rPr lang="en-US" sz="4800" dirty="0">
+                <a:solidFill>
+                  <a:srgbClr val="FFFFFF"/>
+                </a:solidFill>
+                <a:latin typeface="Consolas"/>
+              </a:rPr>
+              <a:t> </a:t>
+            </a:r>
+            <a:r>
+              <a:rPr lang="en-US" sz="4800" dirty="0" err="1">
+                <a:solidFill>
+                  <a:srgbClr val="FFFFFF"/>
+                </a:solidFill>
+                <a:latin typeface="Consolas"/>
+              </a:rPr>
+              <a:t>System.Data.SqlClient.SQLConnection</a:t>
+            </a:r>
+            <a:endParaRPr lang="en-US" sz="4800" dirty="0">
+              <a:solidFill>
+                <a:srgbClr val="FFFFFF"/>
+              </a:solidFill>
+              <a:latin typeface="Consolas"/>
+            </a:endParaRPr>
+          </a:p>
+          <a:p>
+            <a:r>
+              <a:rPr lang="en-US" sz="4800" dirty="0">
+                <a:solidFill>
+                  <a:srgbClr val="FFFFFF"/>
+                </a:solidFill>
+                <a:latin typeface="Consolas"/>
+              </a:rPr>
+              <a:t>    </a:t>
+            </a:r>
+            <a:r>
+              <a:rPr lang="en-US" sz="4800" dirty="0">
+                <a:solidFill>
+                  <a:srgbClr val="9CDCFE"/>
+                </a:solidFill>
+                <a:latin typeface="Consolas"/>
+              </a:rPr>
+              <a:t>$</a:t>
+            </a:r>
+            <a:r>
+              <a:rPr lang="en-US" sz="4800" dirty="0" err="1">
+                <a:solidFill>
+                  <a:srgbClr val="9CDCFE"/>
+                </a:solidFill>
+                <a:latin typeface="Consolas"/>
+              </a:rPr>
+              <a:t>constring</a:t>
+            </a:r>
+            <a:r>
+              <a:rPr lang="en-US" sz="4800" dirty="0">
+                <a:solidFill>
+                  <a:srgbClr val="FFFFFF"/>
+                </a:solidFill>
+                <a:latin typeface="Consolas"/>
+              </a:rPr>
+              <a:t> </a:t>
+            </a:r>
+            <a:r>
+              <a:rPr lang="en-US" sz="4800" dirty="0">
+                <a:solidFill>
+                  <a:srgbClr val="D4D4D4"/>
+                </a:solidFill>
+                <a:latin typeface="Consolas"/>
+              </a:rPr>
+              <a:t>=</a:t>
+            </a:r>
+            <a:r>
+              <a:rPr lang="en-US" sz="4800" dirty="0">
+                <a:solidFill>
+                  <a:srgbClr val="FFFFFF"/>
+                </a:solidFill>
+                <a:latin typeface="Consolas"/>
+              </a:rPr>
+              <a:t> </a:t>
+            </a:r>
+            <a:r>
+              <a:rPr lang="en-US" sz="4800" dirty="0">
+                <a:solidFill>
+                  <a:srgbClr val="CE9178"/>
+                </a:solidFill>
+                <a:latin typeface="Consolas"/>
+              </a:rPr>
+              <a:t>"Server="</a:t>
+            </a:r>
+            <a:r>
+              <a:rPr lang="en-US" sz="4800" dirty="0">
+                <a:solidFill>
+                  <a:srgbClr val="FFFFFF"/>
+                </a:solidFill>
+                <a:latin typeface="Consolas"/>
+              </a:rPr>
+              <a:t> </a:t>
+            </a:r>
+            <a:r>
+              <a:rPr lang="en-US" sz="4800" dirty="0">
+                <a:solidFill>
+                  <a:srgbClr val="D4D4D4"/>
+                </a:solidFill>
+                <a:latin typeface="Consolas"/>
+              </a:rPr>
+              <a:t>+</a:t>
+            </a:r>
+            <a:r>
+              <a:rPr lang="en-US" sz="4800" dirty="0">
+                <a:solidFill>
+                  <a:srgbClr val="FFFFFF"/>
+                </a:solidFill>
+                <a:latin typeface="Consolas"/>
+              </a:rPr>
+              <a:t> </a:t>
+            </a:r>
+            <a:r>
+              <a:rPr lang="en-US" sz="4800" dirty="0">
+                <a:solidFill>
+                  <a:srgbClr val="9CDCFE"/>
+                </a:solidFill>
+                <a:latin typeface="Consolas"/>
+              </a:rPr>
+              <a:t>$</a:t>
+            </a:r>
+            <a:r>
+              <a:rPr lang="en-US" sz="4800" dirty="0" err="1">
+                <a:solidFill>
+                  <a:srgbClr val="9CDCFE"/>
+                </a:solidFill>
+                <a:latin typeface="Consolas"/>
+              </a:rPr>
+              <a:t>ServerInstance</a:t>
+            </a:r>
+            <a:r>
+              <a:rPr lang="en-US" sz="4800" dirty="0">
+                <a:solidFill>
+                  <a:srgbClr val="FFFFFF"/>
+                </a:solidFill>
+                <a:latin typeface="Consolas"/>
+              </a:rPr>
+              <a:t> </a:t>
+            </a:r>
+            <a:r>
+              <a:rPr lang="en-US" sz="4800" dirty="0">
+                <a:solidFill>
+                  <a:srgbClr val="D4D4D4"/>
+                </a:solidFill>
+                <a:latin typeface="Consolas"/>
+              </a:rPr>
+              <a:t>+</a:t>
+            </a:r>
+            <a:r>
+              <a:rPr lang="en-US" sz="4800" dirty="0">
+                <a:solidFill>
+                  <a:srgbClr val="FFFFFF"/>
+                </a:solidFill>
+                <a:latin typeface="Consolas"/>
+              </a:rPr>
+              <a:t> </a:t>
+            </a:r>
+            <a:r>
+              <a:rPr lang="en-US" sz="4800" dirty="0">
+                <a:solidFill>
+                  <a:srgbClr val="CE9178"/>
+                </a:solidFill>
+                <a:latin typeface="Consolas"/>
+              </a:rPr>
+              <a:t>";</a:t>
+            </a:r>
+            <a:r>
+              <a:rPr lang="en-US" sz="4800" dirty="0" err="1">
+                <a:solidFill>
+                  <a:srgbClr val="CE9178"/>
+                </a:solidFill>
+                <a:latin typeface="Consolas"/>
+              </a:rPr>
+              <a:t>Trusted_Connection</a:t>
+            </a:r>
+            <a:r>
+              <a:rPr lang="en-US" sz="4800" dirty="0">
+                <a:solidFill>
+                  <a:srgbClr val="CE9178"/>
+                </a:solidFill>
+                <a:latin typeface="Consolas"/>
+              </a:rPr>
+              <a:t>=</a:t>
+            </a:r>
+            <a:r>
+              <a:rPr lang="en-US" sz="4800" dirty="0" err="1">
+                <a:solidFill>
+                  <a:srgbClr val="CE9178"/>
+                </a:solidFill>
+                <a:latin typeface="Consolas"/>
+              </a:rPr>
+              <a:t>True;database</a:t>
+            </a:r>
+            <a:r>
+              <a:rPr lang="en-US" sz="4800" dirty="0">
+                <a:solidFill>
+                  <a:srgbClr val="CE9178"/>
+                </a:solidFill>
+                <a:latin typeface="Consolas"/>
+              </a:rPr>
+              <a:t>="</a:t>
+            </a:r>
+            <a:r>
+              <a:rPr lang="en-US" sz="4800" dirty="0">
+                <a:solidFill>
+                  <a:srgbClr val="FFFFFF"/>
+                </a:solidFill>
+                <a:latin typeface="Consolas"/>
+              </a:rPr>
+              <a:t> </a:t>
+            </a:r>
+            <a:r>
+              <a:rPr lang="en-US" sz="4800" dirty="0">
+                <a:solidFill>
+                  <a:srgbClr val="D4D4D4"/>
+                </a:solidFill>
+                <a:latin typeface="Consolas"/>
+              </a:rPr>
+              <a:t>+</a:t>
+            </a:r>
+            <a:r>
+              <a:rPr lang="en-US" sz="4800" dirty="0">
+                <a:solidFill>
+                  <a:srgbClr val="FFFFFF"/>
+                </a:solidFill>
+                <a:latin typeface="Consolas"/>
+              </a:rPr>
+              <a:t> </a:t>
+            </a:r>
+            <a:r>
+              <a:rPr lang="en-US" sz="4800" dirty="0">
+                <a:solidFill>
+                  <a:srgbClr val="9CDCFE"/>
+                </a:solidFill>
+                <a:latin typeface="Consolas"/>
+              </a:rPr>
+              <a:t>$Database</a:t>
+            </a:r>
+            <a:endParaRPr lang="en-US" sz="4800" dirty="0">
+              <a:solidFill>
+                <a:srgbClr val="FFFFFF"/>
+              </a:solidFill>
+              <a:latin typeface="Consolas"/>
+            </a:endParaRPr>
+          </a:p>
+          <a:p>
+            <a:r>
+              <a:rPr lang="en-US" sz="4800" dirty="0">
+                <a:solidFill>
+                  <a:srgbClr val="FFFFFF"/>
+                </a:solidFill>
+                <a:latin typeface="Consolas"/>
+              </a:rPr>
+              <a:t>    </a:t>
+            </a:r>
+            <a:r>
+              <a:rPr lang="en-US" sz="4800" dirty="0">
+                <a:solidFill>
+                  <a:srgbClr val="9CDCFE"/>
+                </a:solidFill>
+                <a:latin typeface="Consolas"/>
+              </a:rPr>
+              <a:t>$</a:t>
+            </a:r>
+            <a:r>
+              <a:rPr lang="en-US" sz="4800" dirty="0" err="1">
+                <a:solidFill>
+                  <a:srgbClr val="9CDCFE"/>
+                </a:solidFill>
+                <a:latin typeface="Consolas"/>
+              </a:rPr>
+              <a:t>conn</a:t>
+            </a:r>
+            <a:r>
+              <a:rPr lang="en-US" sz="4800" dirty="0" err="1">
+                <a:solidFill>
+                  <a:srgbClr val="DCDCAA"/>
+                </a:solidFill>
+                <a:latin typeface="Consolas"/>
+              </a:rPr>
+              <a:t>.ConnectionString</a:t>
+            </a:r>
+            <a:r>
+              <a:rPr lang="en-US" sz="4800" dirty="0">
+                <a:solidFill>
+                  <a:srgbClr val="D4D4D4"/>
+                </a:solidFill>
+                <a:latin typeface="Consolas"/>
+              </a:rPr>
+              <a:t>=</a:t>
+            </a:r>
+            <a:r>
+              <a:rPr lang="en-US" sz="4800" dirty="0">
+                <a:solidFill>
+                  <a:srgbClr val="9CDCFE"/>
+                </a:solidFill>
+                <a:latin typeface="Consolas"/>
+              </a:rPr>
+              <a:t>$</a:t>
+            </a:r>
+            <a:r>
+              <a:rPr lang="en-US" sz="4800" dirty="0" err="1">
+                <a:solidFill>
+                  <a:srgbClr val="9CDCFE"/>
+                </a:solidFill>
+                <a:latin typeface="Consolas"/>
+              </a:rPr>
+              <a:t>constring</a:t>
+            </a:r>
+            <a:endParaRPr lang="en-US" sz="4800" dirty="0">
+              <a:solidFill>
+                <a:srgbClr val="FFFFFF"/>
+              </a:solidFill>
+              <a:latin typeface="Consolas"/>
+            </a:endParaRPr>
+          </a:p>
+          <a:p>
+            <a:r>
+              <a:rPr lang="en-US" sz="4800" dirty="0">
+                <a:solidFill>
+                  <a:srgbClr val="FFFFFF"/>
+                </a:solidFill>
+                <a:latin typeface="Consolas"/>
+              </a:rPr>
+              <a:t>    </a:t>
+            </a:r>
+            <a:r>
+              <a:rPr lang="en-US" sz="4800" dirty="0">
+                <a:solidFill>
+                  <a:srgbClr val="9CDCFE"/>
+                </a:solidFill>
+                <a:latin typeface="Consolas"/>
+              </a:rPr>
+              <a:t>$</a:t>
+            </a:r>
+            <a:r>
+              <a:rPr lang="en-US" sz="4800" dirty="0" err="1">
+                <a:solidFill>
+                  <a:srgbClr val="9CDCFE"/>
+                </a:solidFill>
+                <a:latin typeface="Consolas"/>
+              </a:rPr>
+              <a:t>conn</a:t>
+            </a:r>
+            <a:r>
+              <a:rPr lang="en-US" sz="4800" dirty="0" err="1">
+                <a:solidFill>
+                  <a:srgbClr val="DCDCAA"/>
+                </a:solidFill>
+                <a:latin typeface="Consolas"/>
+              </a:rPr>
+              <a:t>.Open</a:t>
+            </a:r>
+            <a:r>
+              <a:rPr lang="en-US" sz="4800" dirty="0">
+                <a:solidFill>
+                  <a:srgbClr val="FFFFFF"/>
+                </a:solidFill>
+                <a:latin typeface="Consolas"/>
+              </a:rPr>
+              <a:t>()</a:t>
+            </a:r>
+          </a:p>
+          <a:p>
+            <a:r>
+              <a:rPr lang="en-US" sz="4800" dirty="0">
+                <a:solidFill>
+                  <a:srgbClr val="FFFFFF"/>
+                </a:solidFill>
+                <a:latin typeface="Consolas"/>
+              </a:rPr>
+              <a:t>    </a:t>
+            </a:r>
+            <a:r>
+              <a:rPr lang="en-US" sz="4800" dirty="0">
+                <a:solidFill>
+                  <a:srgbClr val="C586C0"/>
+                </a:solidFill>
+                <a:latin typeface="Consolas"/>
+              </a:rPr>
+              <a:t>if</a:t>
+            </a:r>
+            <a:r>
+              <a:rPr lang="en-US" sz="4800" dirty="0">
+                <a:solidFill>
+                  <a:srgbClr val="FFFFFF"/>
+                </a:solidFill>
+                <a:latin typeface="Consolas"/>
+              </a:rPr>
+              <a:t>(</a:t>
+            </a:r>
+            <a:r>
+              <a:rPr lang="en-US" sz="4800" dirty="0">
+                <a:solidFill>
+                  <a:srgbClr val="9CDCFE"/>
+                </a:solidFill>
+                <a:latin typeface="Consolas"/>
+              </a:rPr>
+              <a:t>$conn</a:t>
+            </a:r>
+            <a:r>
+              <a:rPr lang="en-US" sz="4800" dirty="0">
+                <a:solidFill>
+                  <a:srgbClr val="FFFFFF"/>
+                </a:solidFill>
+                <a:latin typeface="Consolas"/>
+              </a:rPr>
+              <a:t>)</a:t>
+            </a:r>
+          </a:p>
+          <a:p>
+            <a:r>
+              <a:rPr lang="en-US" sz="4800" dirty="0">
+                <a:solidFill>
+                  <a:srgbClr val="FFFFFF"/>
+                </a:solidFill>
+                <a:latin typeface="Consolas"/>
+              </a:rPr>
+              <a:t>    {</a:t>
+            </a:r>
+          </a:p>
+          <a:p>
+            <a:r>
+              <a:rPr lang="en-US" sz="4800" dirty="0">
+                <a:solidFill>
+                  <a:srgbClr val="FFFFFF"/>
+                </a:solidFill>
+                <a:latin typeface="Consolas"/>
+              </a:rPr>
+              <a:t>        </a:t>
+            </a:r>
+            <a:r>
+              <a:rPr lang="en-US" sz="4800" dirty="0">
+                <a:solidFill>
+                  <a:srgbClr val="9CDCFE"/>
+                </a:solidFill>
+                <a:latin typeface="Consolas"/>
+              </a:rPr>
+              <a:t>$</a:t>
+            </a:r>
+            <a:r>
+              <a:rPr lang="en-US" sz="4800" dirty="0" err="1">
+                <a:solidFill>
+                  <a:srgbClr val="9CDCFE"/>
+                </a:solidFill>
+                <a:latin typeface="Consolas"/>
+              </a:rPr>
+              <a:t>cmd</a:t>
+            </a:r>
+            <a:r>
+              <a:rPr lang="en-US" sz="4800" dirty="0">
+                <a:solidFill>
+                  <a:srgbClr val="D4D4D4"/>
+                </a:solidFill>
+                <a:latin typeface="Consolas"/>
+              </a:rPr>
+              <a:t>=</a:t>
+            </a:r>
+            <a:r>
+              <a:rPr lang="en-US" sz="4800" dirty="0">
+                <a:solidFill>
+                  <a:srgbClr val="DCDCAA"/>
+                </a:solidFill>
+                <a:latin typeface="Consolas"/>
+              </a:rPr>
+              <a:t>new-object</a:t>
+            </a:r>
+            <a:r>
+              <a:rPr lang="en-US" sz="4800" dirty="0">
+                <a:solidFill>
+                  <a:srgbClr val="FFFFFF"/>
+                </a:solidFill>
+                <a:latin typeface="Consolas"/>
+              </a:rPr>
+              <a:t> </a:t>
+            </a:r>
+            <a:r>
+              <a:rPr lang="en-US" sz="4800" dirty="0" err="1">
+                <a:solidFill>
+                  <a:srgbClr val="FFFFFF"/>
+                </a:solidFill>
+                <a:latin typeface="Consolas"/>
+              </a:rPr>
+              <a:t>System.Data.SqlClient.SqlCommand</a:t>
+            </a:r>
+            <a:r>
+              <a:rPr lang="en-US" sz="4800" dirty="0">
+                <a:solidFill>
+                  <a:srgbClr val="FFFFFF"/>
+                </a:solidFill>
+                <a:latin typeface="Consolas"/>
+              </a:rPr>
+              <a:t>(</a:t>
+            </a:r>
+            <a:r>
+              <a:rPr lang="en-US" sz="4800" dirty="0">
+                <a:solidFill>
+                  <a:srgbClr val="9CDCFE"/>
+                </a:solidFill>
+                <a:latin typeface="Consolas"/>
+              </a:rPr>
+              <a:t>$</a:t>
+            </a:r>
+            <a:r>
+              <a:rPr lang="en-US" sz="4800" dirty="0" err="1">
+                <a:solidFill>
+                  <a:srgbClr val="9CDCFE"/>
+                </a:solidFill>
+                <a:latin typeface="Consolas"/>
+              </a:rPr>
+              <a:t>Query</a:t>
+            </a:r>
+            <a:r>
+              <a:rPr lang="en-US" sz="4800" dirty="0" err="1">
+                <a:solidFill>
+                  <a:srgbClr val="D4D4D4"/>
+                </a:solidFill>
+                <a:latin typeface="Consolas"/>
+              </a:rPr>
+              <a:t>,</a:t>
+            </a:r>
+            <a:r>
+              <a:rPr lang="en-US" sz="4800" dirty="0" err="1">
+                <a:solidFill>
+                  <a:srgbClr val="9CDCFE"/>
+                </a:solidFill>
+                <a:latin typeface="Consolas"/>
+              </a:rPr>
+              <a:t>$conn</a:t>
+            </a:r>
+            <a:r>
+              <a:rPr lang="en-US" sz="4800" dirty="0">
+                <a:solidFill>
+                  <a:srgbClr val="FFFFFF"/>
+                </a:solidFill>
+                <a:latin typeface="Consolas"/>
+              </a:rPr>
+              <a:t>)</a:t>
+            </a:r>
+          </a:p>
+          <a:p>
+            <a:r>
+              <a:rPr lang="en-US" sz="4800" dirty="0">
+                <a:solidFill>
+                  <a:srgbClr val="FFFFFF"/>
+                </a:solidFill>
+                <a:latin typeface="Consolas"/>
+              </a:rPr>
+              <a:t>        </a:t>
+            </a:r>
+            <a:r>
+              <a:rPr lang="en-US" sz="4800" dirty="0">
+                <a:solidFill>
+                  <a:srgbClr val="9CDCFE"/>
+                </a:solidFill>
+                <a:latin typeface="Consolas"/>
+              </a:rPr>
+              <a:t>$</a:t>
+            </a:r>
+            <a:r>
+              <a:rPr lang="en-US" sz="4800" dirty="0" err="1">
+                <a:solidFill>
+                  <a:srgbClr val="9CDCFE"/>
+                </a:solidFill>
+                <a:latin typeface="Consolas"/>
+              </a:rPr>
+              <a:t>cmd</a:t>
+            </a:r>
+            <a:r>
+              <a:rPr lang="en-US" sz="4800" dirty="0" err="1">
+                <a:solidFill>
+                  <a:srgbClr val="DCDCAA"/>
+                </a:solidFill>
+                <a:latin typeface="Consolas"/>
+              </a:rPr>
+              <a:t>.CommandTimeout</a:t>
+            </a:r>
+            <a:r>
+              <a:rPr lang="en-US" sz="4800" dirty="0">
+                <a:solidFill>
+                  <a:srgbClr val="D4D4D4"/>
+                </a:solidFill>
+                <a:latin typeface="Consolas"/>
+              </a:rPr>
+              <a:t>=</a:t>
+            </a:r>
+            <a:r>
+              <a:rPr lang="en-US" sz="4800" dirty="0">
+                <a:solidFill>
+                  <a:srgbClr val="9CDCFE"/>
+                </a:solidFill>
+                <a:latin typeface="Consolas"/>
+              </a:rPr>
+              <a:t>$</a:t>
+            </a:r>
+            <a:r>
+              <a:rPr lang="en-US" sz="4800" dirty="0" err="1">
+                <a:solidFill>
+                  <a:srgbClr val="9CDCFE"/>
+                </a:solidFill>
+                <a:latin typeface="Consolas"/>
+              </a:rPr>
+              <a:t>QueryTimeout</a:t>
+            </a:r>
+            <a:endParaRPr lang="en-US" sz="4800" dirty="0">
+              <a:solidFill>
+                <a:srgbClr val="FFFFFF"/>
+              </a:solidFill>
+              <a:latin typeface="Consolas"/>
+            </a:endParaRPr>
+          </a:p>
+          <a:p>
+            <a:r>
+              <a:rPr lang="en-US" sz="4800" dirty="0">
+                <a:solidFill>
+                  <a:srgbClr val="FFFFFF"/>
+                </a:solidFill>
+                <a:latin typeface="Consolas"/>
+              </a:rPr>
+              <a:t>        </a:t>
+            </a:r>
+            <a:r>
+              <a:rPr lang="en-US" sz="4800" dirty="0">
+                <a:solidFill>
+                  <a:srgbClr val="9CDCFE"/>
+                </a:solidFill>
+                <a:latin typeface="Consolas"/>
+              </a:rPr>
+              <a:t>$ds</a:t>
+            </a:r>
+            <a:r>
+              <a:rPr lang="en-US" sz="4800" dirty="0">
+                <a:solidFill>
+                  <a:srgbClr val="D4D4D4"/>
+                </a:solidFill>
+                <a:latin typeface="Consolas"/>
+              </a:rPr>
+              <a:t>=</a:t>
+            </a:r>
+            <a:r>
+              <a:rPr lang="en-US" sz="4800" dirty="0">
+                <a:solidFill>
+                  <a:srgbClr val="DCDCAA"/>
+                </a:solidFill>
+                <a:latin typeface="Consolas"/>
+              </a:rPr>
+              <a:t>New-Object</a:t>
+            </a:r>
+            <a:r>
+              <a:rPr lang="en-US" sz="4800" dirty="0">
+                <a:solidFill>
+                  <a:srgbClr val="FFFFFF"/>
+                </a:solidFill>
+                <a:latin typeface="Consolas"/>
+              </a:rPr>
+              <a:t> </a:t>
+            </a:r>
+            <a:r>
+              <a:rPr lang="en-US" sz="4800" dirty="0" err="1">
+                <a:solidFill>
+                  <a:srgbClr val="FFFFFF"/>
+                </a:solidFill>
+                <a:latin typeface="Consolas"/>
+              </a:rPr>
+              <a:t>System.Data.DataSet</a:t>
+            </a:r>
+            <a:endParaRPr lang="en-US" sz="4800" dirty="0">
+              <a:solidFill>
+                <a:srgbClr val="FFFFFF"/>
+              </a:solidFill>
+              <a:latin typeface="Consolas"/>
+            </a:endParaRPr>
+          </a:p>
+          <a:p>
+            <a:r>
+              <a:rPr lang="en-US" sz="4800" dirty="0">
+                <a:solidFill>
+                  <a:srgbClr val="FFFFFF"/>
+                </a:solidFill>
+                <a:latin typeface="Consolas"/>
+              </a:rPr>
+              <a:t>        </a:t>
+            </a:r>
+            <a:r>
+              <a:rPr lang="en-US" sz="4800" dirty="0">
+                <a:solidFill>
+                  <a:srgbClr val="9CDCFE"/>
+                </a:solidFill>
+                <a:latin typeface="Consolas"/>
+              </a:rPr>
+              <a:t>$ds</a:t>
+            </a:r>
+            <a:endParaRPr lang="en-US" sz="4800" dirty="0">
+              <a:solidFill>
+                <a:srgbClr val="FFFFFF"/>
+              </a:solidFill>
+              <a:latin typeface="Consolas"/>
+            </a:endParaRPr>
+          </a:p>
+          <a:p>
+            <a:r>
+              <a:rPr lang="en-US" sz="4800" dirty="0">
+                <a:solidFill>
+                  <a:srgbClr val="FFFFFF"/>
+                </a:solidFill>
+                <a:latin typeface="Consolas"/>
+              </a:rPr>
+              <a:t>        </a:t>
+            </a:r>
+            <a:r>
+              <a:rPr lang="en-US" sz="4800" dirty="0">
+                <a:solidFill>
+                  <a:srgbClr val="9CDCFE"/>
+                </a:solidFill>
+                <a:latin typeface="Consolas"/>
+              </a:rPr>
+              <a:t>$da</a:t>
+            </a:r>
+            <a:r>
+              <a:rPr lang="en-US" sz="4800" dirty="0">
+                <a:solidFill>
+                  <a:srgbClr val="D4D4D4"/>
+                </a:solidFill>
+                <a:latin typeface="Consolas"/>
+              </a:rPr>
+              <a:t>=</a:t>
+            </a:r>
+            <a:r>
+              <a:rPr lang="en-US" sz="4800" dirty="0">
+                <a:solidFill>
+                  <a:srgbClr val="DCDCAA"/>
+                </a:solidFill>
+                <a:latin typeface="Consolas"/>
+              </a:rPr>
+              <a:t>New-Object</a:t>
+            </a:r>
+            <a:r>
+              <a:rPr lang="en-US" sz="4800" dirty="0">
+                <a:solidFill>
+                  <a:srgbClr val="FFFFFF"/>
+                </a:solidFill>
+                <a:latin typeface="Consolas"/>
+              </a:rPr>
+              <a:t> </a:t>
+            </a:r>
+            <a:r>
+              <a:rPr lang="en-US" sz="4800" dirty="0" err="1">
+                <a:solidFill>
+                  <a:srgbClr val="FFFFFF"/>
+                </a:solidFill>
+                <a:latin typeface="Consolas"/>
+              </a:rPr>
+              <a:t>System.Data.SqlClient.SqlDataAdapter</a:t>
+            </a:r>
+            <a:r>
+              <a:rPr lang="en-US" sz="4800" dirty="0">
+                <a:solidFill>
+                  <a:srgbClr val="FFFFFF"/>
+                </a:solidFill>
+                <a:latin typeface="Consolas"/>
+              </a:rPr>
+              <a:t>(</a:t>
+            </a:r>
+            <a:r>
+              <a:rPr lang="en-US" sz="4800" dirty="0">
+                <a:solidFill>
+                  <a:srgbClr val="9CDCFE"/>
+                </a:solidFill>
+                <a:latin typeface="Consolas"/>
+              </a:rPr>
+              <a:t>$</a:t>
+            </a:r>
+            <a:r>
+              <a:rPr lang="en-US" sz="4800" dirty="0" err="1">
+                <a:solidFill>
+                  <a:srgbClr val="9CDCFE"/>
+                </a:solidFill>
+                <a:latin typeface="Consolas"/>
+              </a:rPr>
+              <a:t>cmd</a:t>
+            </a:r>
+            <a:r>
+              <a:rPr lang="en-US" sz="4800" dirty="0">
+                <a:solidFill>
+                  <a:srgbClr val="FFFFFF"/>
+                </a:solidFill>
+                <a:latin typeface="Consolas"/>
+              </a:rPr>
+              <a:t>)</a:t>
+            </a:r>
+          </a:p>
+          <a:p>
+            <a:r>
+              <a:rPr lang="en-US" sz="4800" dirty="0">
+                <a:solidFill>
+                  <a:srgbClr val="FFFFFF"/>
+                </a:solidFill>
+                <a:latin typeface="Consolas"/>
+              </a:rPr>
+              <a:t>        [</a:t>
+            </a:r>
+            <a:r>
+              <a:rPr lang="en-US" sz="4800" dirty="0">
+                <a:solidFill>
+                  <a:srgbClr val="569CD6"/>
+                </a:solidFill>
+                <a:latin typeface="Consolas"/>
+              </a:rPr>
+              <a:t>void</a:t>
+            </a:r>
+            <a:r>
+              <a:rPr lang="en-US" sz="4800" dirty="0">
+                <a:solidFill>
+                  <a:srgbClr val="FFFFFF"/>
+                </a:solidFill>
+                <a:latin typeface="Consolas"/>
+              </a:rPr>
+              <a:t>]</a:t>
+            </a:r>
+            <a:r>
+              <a:rPr lang="en-US" sz="4800" dirty="0">
+                <a:solidFill>
+                  <a:srgbClr val="9CDCFE"/>
+                </a:solidFill>
+                <a:latin typeface="Consolas"/>
+              </a:rPr>
+              <a:t>$</a:t>
+            </a:r>
+            <a:r>
+              <a:rPr lang="en-US" sz="4800" dirty="0" err="1">
+                <a:solidFill>
+                  <a:srgbClr val="9CDCFE"/>
+                </a:solidFill>
+                <a:latin typeface="Consolas"/>
+              </a:rPr>
+              <a:t>da</a:t>
+            </a:r>
+            <a:r>
+              <a:rPr lang="en-US" sz="4800" dirty="0" err="1">
+                <a:solidFill>
+                  <a:srgbClr val="DCDCAA"/>
+                </a:solidFill>
+                <a:latin typeface="Consolas"/>
+              </a:rPr>
+              <a:t>.fill</a:t>
+            </a:r>
+            <a:r>
+              <a:rPr lang="en-US" sz="4800" dirty="0">
+                <a:solidFill>
+                  <a:srgbClr val="FFFFFF"/>
+                </a:solidFill>
+                <a:latin typeface="Consolas"/>
+              </a:rPr>
+              <a:t>(</a:t>
+            </a:r>
+            <a:r>
+              <a:rPr lang="en-US" sz="4800" dirty="0">
+                <a:solidFill>
+                  <a:srgbClr val="9CDCFE"/>
+                </a:solidFill>
+                <a:latin typeface="Consolas"/>
+              </a:rPr>
+              <a:t>$ds</a:t>
+            </a:r>
+            <a:r>
+              <a:rPr lang="en-US" sz="4800" dirty="0">
+                <a:solidFill>
+                  <a:srgbClr val="FFFFFF"/>
+                </a:solidFill>
+                <a:latin typeface="Consolas"/>
+              </a:rPr>
+              <a:t>)</a:t>
+            </a:r>
+          </a:p>
+          <a:p>
+            <a:r>
+              <a:rPr lang="en-US" sz="4800" dirty="0">
+                <a:solidFill>
+                  <a:srgbClr val="FFFFFF"/>
+                </a:solidFill>
+                <a:latin typeface="Consolas"/>
+              </a:rPr>
+              <a:t>        </a:t>
+            </a:r>
+            <a:r>
+              <a:rPr lang="en-US" sz="4800" dirty="0">
+                <a:solidFill>
+                  <a:srgbClr val="9CDCFE"/>
+                </a:solidFill>
+                <a:latin typeface="Consolas"/>
+              </a:rPr>
+              <a:t>$</a:t>
+            </a:r>
+            <a:r>
+              <a:rPr lang="en-US" sz="4800" dirty="0" err="1">
+                <a:solidFill>
+                  <a:srgbClr val="9CDCFE"/>
+                </a:solidFill>
+                <a:latin typeface="Consolas"/>
+              </a:rPr>
+              <a:t>conn</a:t>
+            </a:r>
+            <a:r>
+              <a:rPr lang="en-US" sz="4800" dirty="0" err="1">
+                <a:solidFill>
+                  <a:srgbClr val="DCDCAA"/>
+                </a:solidFill>
+                <a:latin typeface="Consolas"/>
+              </a:rPr>
+              <a:t>.Close</a:t>
+            </a:r>
+            <a:r>
+              <a:rPr lang="en-US" sz="4800" dirty="0">
+                <a:solidFill>
+                  <a:srgbClr val="FFFFFF"/>
+                </a:solidFill>
+                <a:latin typeface="Consolas"/>
+              </a:rPr>
+              <a:t>()</a:t>
+            </a:r>
+          </a:p>
+          <a:p>
+            <a:r>
+              <a:rPr lang="en-US" sz="4800" dirty="0">
+                <a:solidFill>
+                  <a:srgbClr val="FFFFFF"/>
+                </a:solidFill>
+                <a:latin typeface="Consolas"/>
+              </a:rPr>
+              <a:t>        </a:t>
+            </a:r>
+            <a:r>
+              <a:rPr lang="en-US" sz="4800" dirty="0">
+                <a:solidFill>
+                  <a:srgbClr val="9CDCFE"/>
+                </a:solidFill>
+                <a:latin typeface="Consolas"/>
+              </a:rPr>
+              <a:t>$</a:t>
+            </a:r>
+            <a:r>
+              <a:rPr lang="en-US" sz="4800" dirty="0" err="1">
+                <a:solidFill>
+                  <a:srgbClr val="9CDCFE"/>
+                </a:solidFill>
+                <a:latin typeface="Consolas"/>
+              </a:rPr>
+              <a:t>ds</a:t>
+            </a:r>
+            <a:r>
+              <a:rPr lang="en-US" sz="4800" dirty="0" err="1">
+                <a:solidFill>
+                  <a:srgbClr val="DCDCAA"/>
+                </a:solidFill>
+                <a:latin typeface="Consolas"/>
+              </a:rPr>
+              <a:t>.Tables</a:t>
+            </a:r>
+            <a:r>
+              <a:rPr lang="en-US" sz="4800" dirty="0">
+                <a:solidFill>
+                  <a:srgbClr val="FFFFFF"/>
+                </a:solidFill>
+                <a:latin typeface="Consolas"/>
+              </a:rPr>
+              <a:t>[</a:t>
+            </a:r>
+            <a:r>
+              <a:rPr lang="en-US" sz="4800" dirty="0">
+                <a:solidFill>
+                  <a:srgbClr val="B5CEA8"/>
+                </a:solidFill>
+                <a:latin typeface="Consolas"/>
+              </a:rPr>
+              <a:t>0</a:t>
+            </a:r>
+            <a:r>
+              <a:rPr lang="en-US" sz="4800" dirty="0">
+                <a:solidFill>
+                  <a:srgbClr val="FFFFFF"/>
+                </a:solidFill>
+                <a:latin typeface="Consolas"/>
+              </a:rPr>
+              <a:t>]</a:t>
+            </a:r>
+          </a:p>
+          <a:p>
+            <a:r>
+              <a:rPr lang="en-US" sz="4800" dirty="0">
+                <a:solidFill>
+                  <a:srgbClr val="FFFFFF"/>
+                </a:solidFill>
+                <a:latin typeface="Consolas"/>
+              </a:rPr>
+              <a:t>    }</a:t>
+            </a:r>
+          </a:p>
+          <a:p>
+            <a:r>
+              <a:rPr lang="en-US" sz="4800" dirty="0">
+                <a:solidFill>
+                  <a:srgbClr val="FFFFFF"/>
+                </a:solidFill>
+                <a:latin typeface="Consolas"/>
+              </a:rPr>
+              <a:t>}</a:t>
+            </a:r>
+          </a:p>
+          <a:p>
+            <a:r>
+              <a:rPr lang="en-US" sz="4800" dirty="0">
+                <a:solidFill>
+                  <a:srgbClr val="7CA668"/>
+                </a:solidFill>
+                <a:latin typeface="Consolas"/>
+              </a:rPr>
+              <a:t>#Sample use:</a:t>
+            </a:r>
+            <a:endParaRPr lang="en-US" sz="4800" dirty="0">
+              <a:solidFill>
+                <a:srgbClr val="FFFFFF"/>
+              </a:solidFill>
+              <a:latin typeface="Consolas"/>
+            </a:endParaRPr>
+          </a:p>
+          <a:p>
+            <a:r>
+              <a:rPr lang="en-US" sz="4800" dirty="0">
+                <a:solidFill>
+                  <a:srgbClr val="9CDCFE"/>
+                </a:solidFill>
+                <a:latin typeface="Consolas"/>
+              </a:rPr>
+              <a:t>$server</a:t>
+            </a:r>
+            <a:r>
+              <a:rPr lang="en-US" sz="4800" dirty="0">
+                <a:solidFill>
+                  <a:srgbClr val="FFFFFF"/>
+                </a:solidFill>
+                <a:latin typeface="Consolas"/>
+              </a:rPr>
+              <a:t> </a:t>
+            </a:r>
+            <a:r>
+              <a:rPr lang="en-US" sz="4800" dirty="0">
+                <a:solidFill>
+                  <a:srgbClr val="D4D4D4"/>
+                </a:solidFill>
+                <a:latin typeface="Consolas"/>
+              </a:rPr>
+              <a:t>=</a:t>
+            </a:r>
+            <a:r>
+              <a:rPr lang="en-US" sz="4800" dirty="0">
+                <a:solidFill>
+                  <a:srgbClr val="FFFFFF"/>
+                </a:solidFill>
+                <a:latin typeface="Consolas"/>
+              </a:rPr>
+              <a:t> </a:t>
+            </a:r>
+            <a:r>
+              <a:rPr lang="en-US" sz="4800" dirty="0">
+                <a:solidFill>
+                  <a:srgbClr val="CE9178"/>
+                </a:solidFill>
+                <a:latin typeface="Consolas"/>
+              </a:rPr>
+              <a:t>"WORKSTATION\</a:t>
+            </a:r>
+            <a:r>
+              <a:rPr lang="en-US" sz="4800" dirty="0" err="1">
+                <a:solidFill>
+                  <a:srgbClr val="CE9178"/>
+                </a:solidFill>
+                <a:latin typeface="Consolas"/>
+              </a:rPr>
+              <a:t>Sqlexpress</a:t>
+            </a:r>
+            <a:r>
+              <a:rPr lang="en-US" sz="4800" dirty="0">
+                <a:solidFill>
+                  <a:srgbClr val="CE9178"/>
+                </a:solidFill>
+                <a:latin typeface="Consolas"/>
+              </a:rPr>
+              <a:t>"</a:t>
+            </a:r>
+            <a:endParaRPr lang="en-US" sz="4800" dirty="0">
+              <a:solidFill>
+                <a:srgbClr val="FFFFFF"/>
+              </a:solidFill>
+              <a:latin typeface="Consolas"/>
+            </a:endParaRPr>
+          </a:p>
+          <a:p>
+            <a:r>
+              <a:rPr lang="en-US" sz="4800" dirty="0">
+                <a:solidFill>
+                  <a:srgbClr val="9CDCFE"/>
+                </a:solidFill>
+                <a:latin typeface="Consolas"/>
+              </a:rPr>
+              <a:t>$database</a:t>
+            </a:r>
+            <a:r>
+              <a:rPr lang="en-US" sz="4800" dirty="0">
+                <a:solidFill>
+                  <a:srgbClr val="FFFFFF"/>
+                </a:solidFill>
+                <a:latin typeface="Consolas"/>
+              </a:rPr>
+              <a:t> </a:t>
+            </a:r>
+            <a:r>
+              <a:rPr lang="en-US" sz="4800" dirty="0">
+                <a:solidFill>
+                  <a:srgbClr val="D4D4D4"/>
+                </a:solidFill>
+                <a:latin typeface="Consolas"/>
+              </a:rPr>
+              <a:t>=</a:t>
+            </a:r>
+            <a:r>
+              <a:rPr lang="en-US" sz="4800" dirty="0">
+                <a:solidFill>
+                  <a:srgbClr val="FFFFFF"/>
+                </a:solidFill>
+                <a:latin typeface="Consolas"/>
+              </a:rPr>
+              <a:t> </a:t>
+            </a:r>
+            <a:r>
+              <a:rPr lang="en-US" sz="4800" dirty="0">
+                <a:solidFill>
+                  <a:srgbClr val="CE9178"/>
+                </a:solidFill>
+                <a:latin typeface="Consolas"/>
+              </a:rPr>
+              <a:t>"AdventureWorks2017"</a:t>
+            </a:r>
+            <a:endParaRPr lang="en-US" sz="4800" dirty="0">
+              <a:solidFill>
+                <a:srgbClr val="FFFFFF"/>
+              </a:solidFill>
+              <a:latin typeface="Consolas"/>
+            </a:endParaRPr>
+          </a:p>
+          <a:p>
+            <a:r>
+              <a:rPr lang="en-US" sz="4800" dirty="0">
+                <a:solidFill>
+                  <a:srgbClr val="9CDCFE"/>
+                </a:solidFill>
+                <a:latin typeface="Consolas"/>
+              </a:rPr>
+              <a:t>$query</a:t>
+            </a:r>
+            <a:r>
+              <a:rPr lang="en-US" sz="4800" dirty="0">
+                <a:solidFill>
+                  <a:srgbClr val="FFFFFF"/>
+                </a:solidFill>
+                <a:latin typeface="Consolas"/>
+              </a:rPr>
+              <a:t> </a:t>
+            </a:r>
+            <a:r>
+              <a:rPr lang="en-US" sz="4800" dirty="0">
+                <a:solidFill>
+                  <a:srgbClr val="D4D4D4"/>
+                </a:solidFill>
+                <a:latin typeface="Consolas"/>
+              </a:rPr>
+              <a:t>=</a:t>
+            </a:r>
+            <a:r>
+              <a:rPr lang="en-US" sz="4800" dirty="0">
+                <a:solidFill>
+                  <a:srgbClr val="FFFFFF"/>
+                </a:solidFill>
+                <a:latin typeface="Consolas"/>
+              </a:rPr>
+              <a:t> </a:t>
+            </a:r>
+            <a:r>
+              <a:rPr lang="en-US" sz="4800" dirty="0">
+                <a:solidFill>
+                  <a:srgbClr val="CE9178"/>
+                </a:solidFill>
+                <a:latin typeface="Consolas"/>
+              </a:rPr>
+              <a:t>'select top 5 [</a:t>
+            </a:r>
+            <a:r>
+              <a:rPr lang="en-US" sz="4800" dirty="0" err="1">
+                <a:solidFill>
+                  <a:srgbClr val="CE9178"/>
+                </a:solidFill>
+                <a:latin typeface="Consolas"/>
+              </a:rPr>
+              <a:t>FirstName</a:t>
+            </a:r>
+            <a:r>
+              <a:rPr lang="en-US" sz="4800" dirty="0">
+                <a:solidFill>
+                  <a:srgbClr val="CE9178"/>
+                </a:solidFill>
+                <a:latin typeface="Consolas"/>
+              </a:rPr>
+              <a:t>],[</a:t>
+            </a:r>
+            <a:r>
+              <a:rPr lang="en-US" sz="4800" dirty="0" err="1">
+                <a:solidFill>
+                  <a:srgbClr val="CE9178"/>
+                </a:solidFill>
+                <a:latin typeface="Consolas"/>
+              </a:rPr>
+              <a:t>LastName</a:t>
+            </a:r>
+            <a:r>
+              <a:rPr lang="en-US" sz="4800" dirty="0">
+                <a:solidFill>
+                  <a:srgbClr val="CE9178"/>
+                </a:solidFill>
+                <a:latin typeface="Consolas"/>
+              </a:rPr>
+              <a:t>],[</a:t>
+            </a:r>
+            <a:r>
+              <a:rPr lang="en-US" sz="4800" dirty="0" err="1">
+                <a:solidFill>
+                  <a:srgbClr val="CE9178"/>
+                </a:solidFill>
+                <a:latin typeface="Consolas"/>
+              </a:rPr>
+              <a:t>EmailPromotion</a:t>
+            </a:r>
+            <a:r>
+              <a:rPr lang="en-US" sz="4800" dirty="0">
+                <a:solidFill>
+                  <a:srgbClr val="CE9178"/>
+                </a:solidFill>
+                <a:latin typeface="Consolas"/>
+              </a:rPr>
+              <a:t>] from </a:t>
+            </a:r>
+            <a:r>
+              <a:rPr lang="en-US" sz="4800" dirty="0" err="1">
+                <a:solidFill>
+                  <a:srgbClr val="CE9178"/>
+                </a:solidFill>
+                <a:latin typeface="Consolas"/>
+              </a:rPr>
+              <a:t>Person.Person</a:t>
+            </a:r>
+            <a:r>
+              <a:rPr lang="en-US" sz="4800" dirty="0">
+                <a:solidFill>
+                  <a:srgbClr val="CE9178"/>
+                </a:solidFill>
+                <a:latin typeface="Consolas"/>
+              </a:rPr>
+              <a:t>'</a:t>
+            </a:r>
+            <a:endParaRPr lang="en-US" sz="4800" dirty="0">
+              <a:solidFill>
+                <a:srgbClr val="FFFFFF"/>
+              </a:solidFill>
+              <a:latin typeface="Consolas"/>
+            </a:endParaRPr>
+          </a:p>
+          <a:p>
+            <a:r>
+              <a:rPr lang="en-US" sz="4800" dirty="0">
+                <a:solidFill>
+                  <a:srgbClr val="9CDCFE"/>
+                </a:solidFill>
+                <a:latin typeface="Consolas"/>
+              </a:rPr>
+              <a:t>$r</a:t>
+            </a:r>
+            <a:r>
+              <a:rPr lang="en-US" sz="4800" dirty="0">
+                <a:solidFill>
+                  <a:srgbClr val="FFFFFF"/>
+                </a:solidFill>
+                <a:latin typeface="Consolas"/>
+              </a:rPr>
+              <a:t> </a:t>
+            </a:r>
+            <a:r>
+              <a:rPr lang="en-US" sz="4800" dirty="0">
+                <a:solidFill>
+                  <a:srgbClr val="D4D4D4"/>
+                </a:solidFill>
+                <a:latin typeface="Consolas"/>
+              </a:rPr>
+              <a:t>=</a:t>
+            </a:r>
+            <a:r>
+              <a:rPr lang="en-US" sz="4800" dirty="0">
+                <a:solidFill>
+                  <a:srgbClr val="FFFFFF"/>
+                </a:solidFill>
+                <a:latin typeface="Consolas"/>
+              </a:rPr>
+              <a:t> </a:t>
+            </a:r>
+            <a:r>
+              <a:rPr lang="en-US" sz="4800" dirty="0">
+                <a:solidFill>
+                  <a:srgbClr val="DCDCAA"/>
+                </a:solidFill>
+                <a:latin typeface="Consolas"/>
+              </a:rPr>
+              <a:t>Invoke-Sqlcmd3_db</a:t>
+            </a:r>
+            <a:r>
+              <a:rPr lang="en-US" sz="4800" dirty="0">
+                <a:solidFill>
+                  <a:srgbClr val="FFFFFF"/>
+                </a:solidFill>
+                <a:latin typeface="Consolas"/>
+              </a:rPr>
+              <a:t> </a:t>
+            </a:r>
+            <a:r>
+              <a:rPr lang="en-US" sz="4800" dirty="0">
+                <a:solidFill>
+                  <a:srgbClr val="9CDCFE"/>
+                </a:solidFill>
+                <a:latin typeface="Consolas"/>
+              </a:rPr>
+              <a:t>$server</a:t>
+            </a:r>
+            <a:r>
+              <a:rPr lang="en-US" sz="4800" dirty="0">
+                <a:solidFill>
+                  <a:srgbClr val="FFFFFF"/>
+                </a:solidFill>
+                <a:latin typeface="Consolas"/>
+              </a:rPr>
+              <a:t> </a:t>
+            </a:r>
+            <a:r>
+              <a:rPr lang="en-US" sz="4800" dirty="0">
+                <a:solidFill>
+                  <a:srgbClr val="9CDCFE"/>
+                </a:solidFill>
+                <a:latin typeface="Consolas"/>
+              </a:rPr>
+              <a:t>$query</a:t>
+            </a:r>
+            <a:r>
+              <a:rPr lang="en-US" sz="4800" dirty="0">
+                <a:solidFill>
+                  <a:srgbClr val="FFFFFF"/>
+                </a:solidFill>
+                <a:latin typeface="Consolas"/>
+              </a:rPr>
+              <a:t> </a:t>
+            </a:r>
+            <a:r>
+              <a:rPr lang="en-US" sz="4800" dirty="0">
+                <a:solidFill>
+                  <a:srgbClr val="9CDCFE"/>
+                </a:solidFill>
+                <a:latin typeface="Consolas"/>
+              </a:rPr>
+              <a:t>$database</a:t>
+            </a:r>
+            <a:r>
+              <a:rPr lang="en-US" sz="4800" dirty="0">
+                <a:solidFill>
+                  <a:srgbClr val="FFFFFF"/>
+                </a:solidFill>
+                <a:latin typeface="Consolas"/>
+              </a:rPr>
+              <a:t> </a:t>
+            </a:r>
+          </a:p>
+          <a:p>
+            <a:r>
+              <a:rPr lang="en-US" sz="4800" dirty="0">
+                <a:solidFill>
+                  <a:srgbClr val="9CDCFE"/>
+                </a:solidFill>
+                <a:latin typeface="Consolas"/>
+              </a:rPr>
+              <a:t>$r</a:t>
+            </a:r>
+            <a:r>
+              <a:rPr lang="en-US" sz="4800" dirty="0">
+                <a:solidFill>
+                  <a:srgbClr val="FFFFFF"/>
+                </a:solidFill>
+                <a:latin typeface="Consolas"/>
+              </a:rPr>
+              <a:t> </a:t>
+            </a:r>
+          </a:p>
+          <a:p>
+            <a:endParaRPr lang="en-US" dirty="0"/>
+          </a:p>
+        </p:txBody>
+      </p:sp>
+      <p:pic>
+        <p:nvPicPr>
+          <p:cNvPr id="2051" name="Picture 3"/>
+          <p:cNvPicPr>
+            <a:picLocks noChangeAspect="1" noChangeArrowheads="1"/>
+          </p:cNvPicPr>
+          <p:nvPr/>
+        </p:nvPicPr>
+        <p:blipFill>
+          <a:blip r:embed="rId3">
+            <a:extLst>
+              <a:ext uri="{28A0092B-C50C-407E-A947-70E740481C1C}">
+                <a14:useLocalDpi xmlns:a14="http://schemas.microsoft.com/office/drawing/2010/main" val="0"/>
+              </a:ext>
+            </a:extLst>
+          </a:blip>
+          <a:srcRect/>
+          <a:stretch>
+            <a:fillRect/>
+          </a:stretch>
+        </p:blipFill>
+        <p:spPr bwMode="auto">
+          <a:xfrm>
+            <a:off x="3124200" y="5562600"/>
+            <a:ext cx="2371725" cy="1295400"/>
+          </a:xfrm>
+          <a:prstGeom prst="rect">
+            <a:avLst/>
+          </a:prstGeom>
+          <a:noFill/>
+          <a:ln>
+            <a:noFill/>
+          </a:ln>
+          <a:extLst>
+            <a:ext uri="{909E8E84-426E-40DD-AFC4-6F175D3DCCD1}">
+              <a14:hiddenFill xmlns:a14="http://schemas.microsoft.com/office/drawing/2010/main">
+                <a:solidFill>
+                  <a:schemeClr val="accent1"/>
+                </a:solidFill>
+              </a14:hiddenFill>
+            </a:ext>
+            <a:ext uri="{91240B29-F687-4F45-9708-019B960494DF}">
+              <a14:hiddenLine xmlns:a14="http://schemas.microsoft.com/office/drawing/2010/main" w="9525">
+                <a:solidFill>
+                  <a:schemeClr val="tx1"/>
+                </a:solidFill>
+                <a:miter lim="800000"/>
+                <a:headEnd/>
+                <a:tailEnd/>
+              </a14:hiddenLine>
+            </a:ext>
+          </a:extLst>
+        </p:spPr>
+      </p:pic>
+    </p:spTree>
+    <p:extLst>
+      <p:ext uri="{BB962C8B-B14F-4D97-AF65-F5344CB8AC3E}">
+        <p14:creationId xmlns:p14="http://schemas.microsoft.com/office/powerpoint/2010/main" val="2283636300"/>
       </p:ext>
     </p:extLst>
   </p:cSld>
@@ -5768,7 +10132,7 @@
         <p:spPr>
           <a:xfrm>
             <a:off x="4953000" y="4572000"/>
-            <a:ext cx="4191000" cy="2133600"/>
+            <a:ext cx="4191000" cy="2283944"/>
           </a:xfrm>
           <a:scene3d>
             <a:camera prst="orthographicFront">
@@ -5785,17 +10149,32 @@
           <a:p>
             <a:r>
               <a:rPr lang="en-US" sz="1600" b="1" dirty="0" smtClean="0"/>
-              <a:t>So this are the suggestions:</a:t>
+              <a:t>So </a:t>
+            </a:r>
+            <a:r>
+              <a:rPr lang="en-US" sz="1600" b="1" dirty="0" smtClean="0"/>
+              <a:t>these </a:t>
+            </a:r>
+            <a:r>
+              <a:rPr lang="en-US" sz="1600" b="1" dirty="0" smtClean="0"/>
+              <a:t>are the suggestions:</a:t>
             </a:r>
           </a:p>
           <a:p>
             <a:endParaRPr lang="en-US" sz="1600" b="1" dirty="0" smtClean="0"/>
           </a:p>
           <a:p>
-            <a:pPr algn="l"/>
+            <a:pPr marL="285750" indent="-285750" algn="l">
+              <a:buFont typeface="Arial" panose="020B0604020202020204" pitchFamily="34" charset="0"/>
+              <a:buChar char="•"/>
+            </a:pPr>
             <a:r>
               <a:rPr lang="en-US" sz="1600" dirty="0" smtClean="0"/>
-              <a:t>In case of errors: use </a:t>
+              <a:t>In </a:t>
+            </a:r>
+            <a:r>
+              <a:rPr lang="en-US" sz="1600" dirty="0" smtClean="0"/>
+              <a:t>case of errors: use </a:t>
             </a:r>
             <a:r>
               <a:rPr lang="en-US" sz="1600" dirty="0" err="1" smtClean="0"/>
@@ -5807,10 +10186,17 @@
             </a:r>
           </a:p>
           <a:p>
-            <a:pPr algn="l"/>
+            <a:pPr marL="285750" indent="-285750" algn="l">
+              <a:buFont typeface="Arial" panose="020B0604020202020204" pitchFamily="34" charset="0"/>
+              <a:buChar char="•"/>
+            </a:pPr>
             <a:r>
               <a:rPr lang="en-US" sz="1600" dirty="0" smtClean="0"/>
-              <a:t>In case of doubt: use </a:t>
+              <a:t>In </a:t>
+            </a:r>
+            <a:r>
+              <a:rPr lang="en-US" sz="1600" dirty="0" smtClean="0"/>
+              <a:t>case of doubt: use </a:t>
             </a:r>
             <a:r>
               <a:rPr lang="en-US" sz="1600" dirty="0" err="1" smtClean="0"/>
@@ -5819,7 +10205,10 @@
             <a:endParaRPr lang="en-US" sz="1600" dirty="0" smtClean="0"/>
           </a:p>
           <a:p>
-            <a:pPr algn="l"/>
+            <a:pPr marL="285750" indent="-285750" algn="l">
+              <a:buFont typeface="Arial" panose="020B0604020202020204" pitchFamily="34" charset="0"/>
+              <a:buChar char="•"/>
+            </a:pPr>
             <a:r>
               <a:rPr lang="en-US" sz="1600" dirty="0" smtClean="0"/>
               <a:t>When inside Workflow: the error messages are quite detailed </a:t>
@@ -5828,16 +10217,10 @@
               <a:rPr lang="en-US" sz="1600" dirty="0" smtClean="0">
                 <a:sym typeface="Wingdings" panose="05000000000000000000" pitchFamily="2" charset="2"/>
               </a:rPr>
-              <a:t></a:t>
-            </a:r>
-            <a:r>
-              <a:rPr lang="en-US" sz="1600" smtClean="0">
-                <a:sym typeface="Wingdings" panose="05000000000000000000" pitchFamily="2" charset="2"/>
-              </a:rPr>
-              <a:t>, learn from them</a:t>
-            </a:r>
-            <a:r>
-              <a:rPr lang="en-US" sz="1600" smtClean="0"/>
+              <a:t>, learn from them</a:t>
+            </a:r>
+            <a:r>
+              <a:rPr lang="en-US" sz="1600" dirty="0" smtClean="0"/>
               <a:t> </a:t>
             </a:r>
             <a:endParaRPr lang="en-US" sz="1600" dirty="0"/>
@@ -6150,6 +10533,12 @@
             <a:tailEnd/>
           </a:ln>
           <a:effectLst>
+            <a:glow rad="228600">
+              <a:schemeClr val="accent3">
+                <a:satMod val="175000"/>
+                <a:alpha val="40000"/>
+              </a:schemeClr>
+            </a:glow>
             <a:outerShdw dist="107763" dir="2700000" algn="ctr" rotWithShape="0">
               <a:srgbClr val="808080"/>
             </a:outerShdw>

--- a/PowerShell From The Trenches - Workflows.pptx
+++ b/PowerShell From The Trenches - Workflows.pptx
@@ -5,7 +5,7 @@
     <p:sldMasterId id="2147483648" r:id="rId1"/>
   </p:sldMasterIdLst>
   <p:notesMasterIdLst>
-    <p:notesMasterId r:id="rId15"/>
+    <p:notesMasterId r:id="rId18"/>
   </p:notesMasterIdLst>
   <p:sldIdLst>
     <p:sldId id="256" r:id="rId2"/>
@@ -21,6 +21,9 @@
     <p:sldId id="266" r:id="rId12"/>
     <p:sldId id="267" r:id="rId13"/>
     <p:sldId id="268" r:id="rId14"/>
+    <p:sldId id="269" r:id="rId15"/>
+    <p:sldId id="270" r:id="rId16"/>
+    <p:sldId id="271" r:id="rId17"/>
   </p:sldIdLst>
   <p:sldSz cx="9144000" cy="6858000" type="screen4x3"/>
   <p:notesSz cx="6858000" cy="9144000"/>
@@ -204,7 +207,7 @@
           <a:p>
             <a:fld id="{C66C0B3E-3E85-4B94-9602-250875DB9BDA}" type="datetimeFigureOut">
               <a:rPr lang="en-US" smtClean="0"/>
-              <a:t>1/22/2020</a:t>
+              <a:t>1/29/2020</a:t>
             </a:fld>
             <a:endParaRPr lang="en-US"/>
           </a:p>
@@ -798,13 +801,9 @@
             </a:r>
             <a:r>
               <a:rPr lang="en-US" baseline="0" dirty="0" smtClean="0"/>
-              <a:t> fine but get in the habit of using script blocks </a:t>
-            </a:r>
-            <a:r>
-              <a:rPr lang="en-US" baseline="0" smtClean="0"/>
-              <a:t>for everything</a:t>
-            </a:r>
-            <a:endParaRPr lang="en-US"/>
+              <a:t> fine but get in the habit of using script blocks for everything for workflows</a:t>
+            </a:r>
+            <a:endParaRPr lang="en-US" dirty="0"/>
           </a:p>
         </p:txBody>
       </p:sp>
@@ -835,6 +834,198 @@
     <p:extLst>
       <p:ext uri="{BB962C8B-B14F-4D97-AF65-F5344CB8AC3E}">
         <p14:creationId xmlns:p14="http://schemas.microsoft.com/office/powerpoint/2010/main" val="3995268486"/>
+      </p:ext>
+    </p:extLst>
+  </p:cSld>
+  <p:clrMapOvr>
+    <a:masterClrMapping/>
+  </p:clrMapOvr>
+</p:notes>
+</file>
+
+<file path=ppt/notesSlides/notesSlide5.xml><?xml version="1.0" encoding="utf-8"?>
+<p:notes xmlns:a="http://schemas.openxmlformats.org/drawingml/2006/main" xmlns:r="http://schemas.openxmlformats.org/officeDocument/2006/relationships" xmlns:p="http://schemas.openxmlformats.org/presentationml/2006/main">
+  <p:cSld>
+    <p:spTree>
+      <p:nvGrpSpPr>
+        <p:cNvPr id="1" name=""/>
+        <p:cNvGrpSpPr/>
+        <p:nvPr/>
+      </p:nvGrpSpPr>
+      <p:grpSpPr>
+        <a:xfrm>
+          <a:off x="0" y="0"/>
+          <a:ext cx="0" cy="0"/>
+          <a:chOff x="0" y="0"/>
+          <a:chExt cx="0" cy="0"/>
+        </a:xfrm>
+      </p:grpSpPr>
+      <p:sp>
+        <p:nvSpPr>
+          <p:cNvPr id="2" name="Slide Image Placeholder 1"/>
+          <p:cNvSpPr>
+            <a:spLocks noGrp="1" noRot="1" noChangeAspect="1"/>
+          </p:cNvSpPr>
+          <p:nvPr>
+            <p:ph type="sldImg"/>
+          </p:nvPr>
+        </p:nvSpPr>
+        <p:spPr/>
+      </p:sp>
+      <p:sp>
+        <p:nvSpPr>
+          <p:cNvPr id="3" name="Notes Placeholder 2"/>
+          <p:cNvSpPr>
+            <a:spLocks noGrp="1"/>
+          </p:cNvSpPr>
+          <p:nvPr>
+            <p:ph type="body" idx="1"/>
+          </p:nvPr>
+        </p:nvSpPr>
+        <p:spPr/>
+        <p:txBody>
+          <a:bodyPr/>
+          <a:lstStyle/>
+          <a:p>
+            <a:r>
+              <a:rPr lang="en-US" dirty="0" smtClean="0"/>
+              <a:t>Good practice for the </a:t>
+            </a:r>
+            <a:r>
+              <a:rPr lang="en-US" dirty="0" err="1" smtClean="0"/>
+              <a:t>workflower</a:t>
+            </a:r>
+            <a:r>
+              <a:rPr lang="en-US" dirty="0" smtClean="0"/>
+              <a:t>: use script</a:t>
+            </a:r>
+            <a:r>
+              <a:rPr lang="en-US" baseline="0" dirty="0" smtClean="0"/>
+              <a:t> blocks and save yourself aggravations</a:t>
+            </a:r>
+            <a:endParaRPr lang="en-US" dirty="0"/>
+          </a:p>
+        </p:txBody>
+      </p:sp>
+      <p:sp>
+        <p:nvSpPr>
+          <p:cNvPr id="4" name="Slide Number Placeholder 3"/>
+          <p:cNvSpPr>
+            <a:spLocks noGrp="1"/>
+          </p:cNvSpPr>
+          <p:nvPr>
+            <p:ph type="sldNum" sz="quarter" idx="10"/>
+          </p:nvPr>
+        </p:nvSpPr>
+        <p:spPr/>
+        <p:txBody>
+          <a:bodyPr/>
+          <a:lstStyle/>
+          <a:p>
+            <a:fld id="{0E10FAA0-75B7-40A2-9294-DA73526A0D78}" type="slidenum">
+              <a:rPr lang="en-US" smtClean="0"/>
+              <a:t>14</a:t>
+            </a:fld>
+            <a:endParaRPr lang="en-US"/>
+          </a:p>
+        </p:txBody>
+      </p:sp>
+    </p:spTree>
+    <p:extLst>
+      <p:ext uri="{BB962C8B-B14F-4D97-AF65-F5344CB8AC3E}">
+        <p14:creationId xmlns:p14="http://schemas.microsoft.com/office/powerpoint/2010/main" val="2118852583"/>
+      </p:ext>
+    </p:extLst>
+  </p:cSld>
+  <p:clrMapOvr>
+    <a:masterClrMapping/>
+  </p:clrMapOvr>
+</p:notes>
+</file>
+
+<file path=ppt/notesSlides/notesSlide6.xml><?xml version="1.0" encoding="utf-8"?>
+<p:notes xmlns:a="http://schemas.openxmlformats.org/drawingml/2006/main" xmlns:r="http://schemas.openxmlformats.org/officeDocument/2006/relationships" xmlns:p="http://schemas.openxmlformats.org/presentationml/2006/main">
+  <p:cSld>
+    <p:spTree>
+      <p:nvGrpSpPr>
+        <p:cNvPr id="1" name=""/>
+        <p:cNvGrpSpPr/>
+        <p:nvPr/>
+      </p:nvGrpSpPr>
+      <p:grpSpPr>
+        <a:xfrm>
+          <a:off x="0" y="0"/>
+          <a:ext cx="0" cy="0"/>
+          <a:chOff x="0" y="0"/>
+          <a:chExt cx="0" cy="0"/>
+        </a:xfrm>
+      </p:grpSpPr>
+      <p:sp>
+        <p:nvSpPr>
+          <p:cNvPr id="2" name="Slide Image Placeholder 1"/>
+          <p:cNvSpPr>
+            <a:spLocks noGrp="1" noRot="1" noChangeAspect="1"/>
+          </p:cNvSpPr>
+          <p:nvPr>
+            <p:ph type="sldImg"/>
+          </p:nvPr>
+        </p:nvSpPr>
+        <p:spPr/>
+      </p:sp>
+      <p:sp>
+        <p:nvSpPr>
+          <p:cNvPr id="3" name="Notes Placeholder 2"/>
+          <p:cNvSpPr>
+            <a:spLocks noGrp="1"/>
+          </p:cNvSpPr>
+          <p:nvPr>
+            <p:ph type="body" idx="1"/>
+          </p:nvPr>
+        </p:nvSpPr>
+        <p:spPr/>
+        <p:txBody>
+          <a:bodyPr/>
+          <a:lstStyle/>
+          <a:p>
+            <a:r>
+              <a:rPr lang="en-US" dirty="0" smtClean="0"/>
+              <a:t>Sample</a:t>
+            </a:r>
+            <a:r>
+              <a:rPr lang="en-US" baseline="0" dirty="0" smtClean="0"/>
+              <a:t> module containing a single script block</a:t>
+            </a:r>
+            <a:endParaRPr lang="en-US" dirty="0"/>
+          </a:p>
+        </p:txBody>
+      </p:sp>
+      <p:sp>
+        <p:nvSpPr>
+          <p:cNvPr id="4" name="Slide Number Placeholder 3"/>
+          <p:cNvSpPr>
+            <a:spLocks noGrp="1"/>
+          </p:cNvSpPr>
+          <p:nvPr>
+            <p:ph type="sldNum" sz="quarter" idx="10"/>
+          </p:nvPr>
+        </p:nvSpPr>
+        <p:spPr/>
+        <p:txBody>
+          <a:bodyPr/>
+          <a:lstStyle/>
+          <a:p>
+            <a:fld id="{0E10FAA0-75B7-40A2-9294-DA73526A0D78}" type="slidenum">
+              <a:rPr lang="en-US" smtClean="0"/>
+              <a:t>15</a:t>
+            </a:fld>
+            <a:endParaRPr lang="en-US"/>
+          </a:p>
+        </p:txBody>
+      </p:sp>
+    </p:spTree>
+    <p:extLst>
+      <p:ext uri="{BB962C8B-B14F-4D97-AF65-F5344CB8AC3E}">
+        <p14:creationId xmlns:p14="http://schemas.microsoft.com/office/powerpoint/2010/main" val="3733324473"/>
       </p:ext>
     </p:extLst>
   </p:cSld>
@@ -1025,7 +1216,7 @@
           <a:p>
             <a:fld id="{DC02A34C-238D-4AF7-9F57-849B59FCF5ED}" type="datetimeFigureOut">
               <a:rPr lang="en-US" smtClean="0"/>
-              <a:t>1/22/2020</a:t>
+              <a:t>1/29/2020</a:t>
             </a:fld>
             <a:endParaRPr lang="en-US"/>
           </a:p>
@@ -1195,7 +1386,7 @@
           <a:p>
             <a:fld id="{DC02A34C-238D-4AF7-9F57-849B59FCF5ED}" type="datetimeFigureOut">
               <a:rPr lang="en-US" smtClean="0"/>
-              <a:t>1/22/2020</a:t>
+              <a:t>1/29/2020</a:t>
             </a:fld>
             <a:endParaRPr lang="en-US"/>
           </a:p>
@@ -1375,7 +1566,7 @@
           <a:p>
             <a:fld id="{DC02A34C-238D-4AF7-9F57-849B59FCF5ED}" type="datetimeFigureOut">
               <a:rPr lang="en-US" smtClean="0"/>
-              <a:t>1/22/2020</a:t>
+              <a:t>1/29/2020</a:t>
             </a:fld>
             <a:endParaRPr lang="en-US"/>
           </a:p>
@@ -1545,7 +1736,7 @@
           <a:p>
             <a:fld id="{DC02A34C-238D-4AF7-9F57-849B59FCF5ED}" type="datetimeFigureOut">
               <a:rPr lang="en-US" smtClean="0"/>
-              <a:t>1/22/2020</a:t>
+              <a:t>1/29/2020</a:t>
             </a:fld>
             <a:endParaRPr lang="en-US"/>
           </a:p>
@@ -1791,7 +1982,7 @@
           <a:p>
             <a:fld id="{DC02A34C-238D-4AF7-9F57-849B59FCF5ED}" type="datetimeFigureOut">
               <a:rPr lang="en-US" smtClean="0"/>
-              <a:t>1/22/2020</a:t>
+              <a:t>1/29/2020</a:t>
             </a:fld>
             <a:endParaRPr lang="en-US"/>
           </a:p>
@@ -2079,7 +2270,7 @@
           <a:p>
             <a:fld id="{DC02A34C-238D-4AF7-9F57-849B59FCF5ED}" type="datetimeFigureOut">
               <a:rPr lang="en-US" smtClean="0"/>
-              <a:t>1/22/2020</a:t>
+              <a:t>1/29/2020</a:t>
             </a:fld>
             <a:endParaRPr lang="en-US"/>
           </a:p>
@@ -2501,7 +2692,7 @@
           <a:p>
             <a:fld id="{DC02A34C-238D-4AF7-9F57-849B59FCF5ED}" type="datetimeFigureOut">
               <a:rPr lang="en-US" smtClean="0"/>
-              <a:t>1/22/2020</a:t>
+              <a:t>1/29/2020</a:t>
             </a:fld>
             <a:endParaRPr lang="en-US"/>
           </a:p>
@@ -2619,7 +2810,7 @@
           <a:p>
             <a:fld id="{DC02A34C-238D-4AF7-9F57-849B59FCF5ED}" type="datetimeFigureOut">
               <a:rPr lang="en-US" smtClean="0"/>
-              <a:t>1/22/2020</a:t>
+              <a:t>1/29/2020</a:t>
             </a:fld>
             <a:endParaRPr lang="en-US"/>
           </a:p>
@@ -2714,7 +2905,7 @@
           <a:p>
             <a:fld id="{DC02A34C-238D-4AF7-9F57-849B59FCF5ED}" type="datetimeFigureOut">
               <a:rPr lang="en-US" smtClean="0"/>
-              <a:t>1/22/2020</a:t>
+              <a:t>1/29/2020</a:t>
             </a:fld>
             <a:endParaRPr lang="en-US"/>
           </a:p>
@@ -2991,7 +3182,7 @@
           <a:p>
             <a:fld id="{DC02A34C-238D-4AF7-9F57-849B59FCF5ED}" type="datetimeFigureOut">
               <a:rPr lang="en-US" smtClean="0"/>
-              <a:t>1/22/2020</a:t>
+              <a:t>1/29/2020</a:t>
             </a:fld>
             <a:endParaRPr lang="en-US"/>
           </a:p>
@@ -3244,7 +3435,7 @@
           <a:p>
             <a:fld id="{DC02A34C-238D-4AF7-9F57-849B59FCF5ED}" type="datetimeFigureOut">
               <a:rPr lang="en-US" smtClean="0"/>
-              <a:t>1/22/2020</a:t>
+              <a:t>1/29/2020</a:t>
             </a:fld>
             <a:endParaRPr lang="en-US"/>
           </a:p>
@@ -3457,7 +3648,7 @@
           <a:p>
             <a:fld id="{DC02A34C-238D-4AF7-9F57-849B59FCF5ED}" type="datetimeFigureOut">
               <a:rPr lang="en-US" smtClean="0"/>
-              <a:t>1/22/2020</a:t>
+              <a:t>1/29/2020</a:t>
             </a:fld>
             <a:endParaRPr lang="en-US"/>
           </a:p>
@@ -3911,7 +4102,7 @@
           <p:cNvPr id="6" name="Text Placeholder 2">
             <a:extLst>
               <a:ext uri="{FF2B5EF4-FFF2-40B4-BE49-F238E27FC236}">
-                <a16:creationId xmlns:a16="http://schemas.microsoft.com/office/drawing/2014/main" xmlns="" id="{5A7296E9-8CA3-934E-A079-3869DD5ADBBD}"/>
+                <a16:creationId xmlns="" xmlns:a16="http://schemas.microsoft.com/office/drawing/2014/main" id="{5A7296E9-8CA3-934E-A079-3869DD5ADBBD}"/>
               </a:ext>
             </a:extLst>
           </p:cNvPr>
@@ -4487,7 +4678,6 @@
               <a:rPr lang="en-US" sz="1600" dirty="0"/>
               <a:t>commands can change the value of the variable that was imported from workflow scope, but the changes aren't visible in workflow scope. To make them visible, return the changed value to the workflow scope</a:t>
             </a:r>
-            <a:endParaRPr lang="en-US" sz="1600" dirty="0"/>
           </a:p>
         </p:txBody>
       </p:sp>
@@ -8164,6 +8354,546 @@
     <p:extLst>
       <p:ext uri="{BB962C8B-B14F-4D97-AF65-F5344CB8AC3E}">
         <p14:creationId xmlns:p14="http://schemas.microsoft.com/office/powerpoint/2010/main" val="2283636300"/>
+      </p:ext>
+    </p:extLst>
+  </p:cSld>
+  <p:clrMapOvr>
+    <a:masterClrMapping/>
+  </p:clrMapOvr>
+</p:sld>
+</file>
+
+<file path=ppt/slides/slide14.xml><?xml version="1.0" encoding="utf-8"?>
+<p:sld xmlns:a="http://schemas.openxmlformats.org/drawingml/2006/main" xmlns:r="http://schemas.openxmlformats.org/officeDocument/2006/relationships" xmlns:p="http://schemas.openxmlformats.org/presentationml/2006/main">
+  <p:cSld>
+    <p:spTree>
+      <p:nvGrpSpPr>
+        <p:cNvPr id="1" name=""/>
+        <p:cNvGrpSpPr/>
+        <p:nvPr/>
+      </p:nvGrpSpPr>
+      <p:grpSpPr>
+        <a:xfrm>
+          <a:off x="0" y="0"/>
+          <a:ext cx="0" cy="0"/>
+          <a:chOff x="0" y="0"/>
+          <a:chExt cx="0" cy="0"/>
+        </a:xfrm>
+      </p:grpSpPr>
+      <p:sp>
+        <p:nvSpPr>
+          <p:cNvPr id="2" name="Title 1"/>
+          <p:cNvSpPr>
+            <a:spLocks noGrp="1"/>
+          </p:cNvSpPr>
+          <p:nvPr>
+            <p:ph type="title"/>
+          </p:nvPr>
+        </p:nvSpPr>
+        <p:spPr>
+          <a:xfrm>
+            <a:off x="457200" y="274638"/>
+            <a:ext cx="8229600" cy="411162"/>
+          </a:xfrm>
+        </p:spPr>
+        <p:txBody>
+          <a:bodyPr>
+            <a:normAutofit/>
+          </a:bodyPr>
+          <a:lstStyle/>
+          <a:p>
+            <a:r>
+              <a:rPr lang="en-US" sz="1600" b="1" dirty="0" smtClean="0"/>
+              <a:t>Script Blocks are your friends </a:t>
+            </a:r>
+            <a:endParaRPr lang="en-US" sz="1600" b="1" dirty="0"/>
+          </a:p>
+        </p:txBody>
+      </p:sp>
+      <p:pic>
+        <p:nvPicPr>
+          <p:cNvPr id="3074" name="Picture 2"/>
+          <p:cNvPicPr>
+            <a:picLocks noChangeAspect="1" noChangeArrowheads="1"/>
+          </p:cNvPicPr>
+          <p:nvPr/>
+        </p:nvPicPr>
+        <p:blipFill>
+          <a:blip r:embed="rId3">
+            <a:extLst>
+              <a:ext uri="{28A0092B-C50C-407E-A947-70E740481C1C}">
+                <a14:useLocalDpi xmlns:a14="http://schemas.microsoft.com/office/drawing/2010/main" val="0"/>
+              </a:ext>
+            </a:extLst>
+          </a:blip>
+          <a:srcRect/>
+          <a:stretch>
+            <a:fillRect/>
+          </a:stretch>
+        </p:blipFill>
+        <p:spPr bwMode="auto">
+          <a:xfrm>
+            <a:off x="233363" y="5638800"/>
+            <a:ext cx="8677275" cy="1066800"/>
+          </a:xfrm>
+          <a:prstGeom prst="rect">
+            <a:avLst/>
+          </a:prstGeom>
+          <a:noFill/>
+          <a:ln>
+            <a:noFill/>
+          </a:ln>
+          <a:extLst>
+            <a:ext uri="{909E8E84-426E-40DD-AFC4-6F175D3DCCD1}">
+              <a14:hiddenFill xmlns:a14="http://schemas.microsoft.com/office/drawing/2010/main">
+                <a:solidFill>
+                  <a:schemeClr val="accent1"/>
+                </a:solidFill>
+              </a14:hiddenFill>
+            </a:ext>
+            <a:ext uri="{91240B29-F687-4F45-9708-019B960494DF}">
+              <a14:hiddenLine xmlns:a14="http://schemas.microsoft.com/office/drawing/2010/main" w="9525">
+                <a:solidFill>
+                  <a:schemeClr val="tx1"/>
+                </a:solidFill>
+                <a:miter lim="800000"/>
+                <a:headEnd/>
+                <a:tailEnd/>
+              </a14:hiddenLine>
+            </a:ext>
+          </a:extLst>
+        </p:spPr>
+      </p:pic>
+      <p:pic>
+        <p:nvPicPr>
+          <p:cNvPr id="3075" name="Picture 3"/>
+          <p:cNvPicPr>
+            <a:picLocks noGrp="1" noChangeAspect="1" noChangeArrowheads="1"/>
+          </p:cNvPicPr>
+          <p:nvPr>
+            <p:ph idx="1"/>
+          </p:nvPr>
+        </p:nvPicPr>
+        <p:blipFill>
+          <a:blip r:embed="rId4">
+            <a:extLst>
+              <a:ext uri="{28A0092B-C50C-407E-A947-70E740481C1C}">
+                <a14:useLocalDpi xmlns:a14="http://schemas.microsoft.com/office/drawing/2010/main" val="0"/>
+              </a:ext>
+            </a:extLst>
+          </a:blip>
+          <a:srcRect/>
+          <a:stretch>
+            <a:fillRect/>
+          </a:stretch>
+        </p:blipFill>
+        <p:spPr bwMode="auto">
+          <a:xfrm>
+            <a:off x="457200" y="685800"/>
+            <a:ext cx="8229600" cy="4876800"/>
+          </a:xfrm>
+          <a:prstGeom prst="rect">
+            <a:avLst/>
+          </a:prstGeom>
+          <a:noFill/>
+          <a:ln>
+            <a:noFill/>
+          </a:ln>
+          <a:extLst>
+            <a:ext uri="{909E8E84-426E-40DD-AFC4-6F175D3DCCD1}">
+              <a14:hiddenFill xmlns:a14="http://schemas.microsoft.com/office/drawing/2010/main">
+                <a:solidFill>
+                  <a:schemeClr val="accent1"/>
+                </a:solidFill>
+              </a14:hiddenFill>
+            </a:ext>
+            <a:ext uri="{91240B29-F687-4F45-9708-019B960494DF}">
+              <a14:hiddenLine xmlns:a14="http://schemas.microsoft.com/office/drawing/2010/main" w="9525">
+                <a:solidFill>
+                  <a:schemeClr val="tx1"/>
+                </a:solidFill>
+                <a:miter lim="800000"/>
+                <a:headEnd/>
+                <a:tailEnd/>
+              </a14:hiddenLine>
+            </a:ext>
+          </a:extLst>
+        </p:spPr>
+      </p:pic>
+    </p:spTree>
+    <p:extLst>
+      <p:ext uri="{BB962C8B-B14F-4D97-AF65-F5344CB8AC3E}">
+        <p14:creationId xmlns:p14="http://schemas.microsoft.com/office/powerpoint/2010/main" val="576391913"/>
+      </p:ext>
+    </p:extLst>
+  </p:cSld>
+  <p:clrMapOvr>
+    <a:masterClrMapping/>
+  </p:clrMapOvr>
+</p:sld>
+</file>
+
+<file path=ppt/slides/slide15.xml><?xml version="1.0" encoding="utf-8"?>
+<p:sld xmlns:a="http://schemas.openxmlformats.org/drawingml/2006/main" xmlns:r="http://schemas.openxmlformats.org/officeDocument/2006/relationships" xmlns:p="http://schemas.openxmlformats.org/presentationml/2006/main">
+  <p:cSld>
+    <p:spTree>
+      <p:nvGrpSpPr>
+        <p:cNvPr id="1" name=""/>
+        <p:cNvGrpSpPr/>
+        <p:nvPr/>
+      </p:nvGrpSpPr>
+      <p:grpSpPr>
+        <a:xfrm>
+          <a:off x="0" y="0"/>
+          <a:ext cx="0" cy="0"/>
+          <a:chOff x="0" y="0"/>
+          <a:chExt cx="0" cy="0"/>
+        </a:xfrm>
+      </p:grpSpPr>
+      <p:sp>
+        <p:nvSpPr>
+          <p:cNvPr id="2" name="Title 1"/>
+          <p:cNvSpPr>
+            <a:spLocks noGrp="1"/>
+          </p:cNvSpPr>
+          <p:nvPr>
+            <p:ph type="title"/>
+          </p:nvPr>
+        </p:nvSpPr>
+        <p:spPr>
+          <a:xfrm>
+            <a:off x="457200" y="274638"/>
+            <a:ext cx="8229600" cy="334962"/>
+          </a:xfrm>
+        </p:spPr>
+        <p:txBody>
+          <a:bodyPr>
+            <a:normAutofit fontScale="90000"/>
+          </a:bodyPr>
+          <a:lstStyle/>
+          <a:p>
+            <a:r>
+              <a:rPr lang="en-US" sz="1600" dirty="0" smtClean="0"/>
+              <a:t>Notes on scope and organizing the code</a:t>
+            </a:r>
+            <a:endParaRPr lang="en-US" sz="1600" dirty="0"/>
+          </a:p>
+        </p:txBody>
+      </p:sp>
+      <p:pic>
+        <p:nvPicPr>
+          <p:cNvPr id="1026" name="Picture 2"/>
+          <p:cNvPicPr>
+            <a:picLocks noGrp="1" noChangeAspect="1" noChangeArrowheads="1"/>
+          </p:cNvPicPr>
+          <p:nvPr>
+            <p:ph idx="1"/>
+          </p:nvPr>
+        </p:nvPicPr>
+        <p:blipFill>
+          <a:blip r:embed="rId3">
+            <a:extLst>
+              <a:ext uri="{28A0092B-C50C-407E-A947-70E740481C1C}">
+                <a14:useLocalDpi xmlns:a14="http://schemas.microsoft.com/office/drawing/2010/main" val="0"/>
+              </a:ext>
+            </a:extLst>
+          </a:blip>
+          <a:srcRect/>
+          <a:stretch>
+            <a:fillRect/>
+          </a:stretch>
+        </p:blipFill>
+        <p:spPr bwMode="auto">
+          <a:xfrm>
+            <a:off x="446954" y="609600"/>
+            <a:ext cx="8250091" cy="4834731"/>
+          </a:xfrm>
+          <a:prstGeom prst="rect">
+            <a:avLst/>
+          </a:prstGeom>
+          <a:noFill/>
+          <a:ln>
+            <a:noFill/>
+          </a:ln>
+          <a:extLst>
+            <a:ext uri="{909E8E84-426E-40DD-AFC4-6F175D3DCCD1}">
+              <a14:hiddenFill xmlns:a14="http://schemas.microsoft.com/office/drawing/2010/main">
+                <a:solidFill>
+                  <a:schemeClr val="accent1"/>
+                </a:solidFill>
+              </a14:hiddenFill>
+            </a:ext>
+            <a:ext uri="{91240B29-F687-4F45-9708-019B960494DF}">
+              <a14:hiddenLine xmlns:a14="http://schemas.microsoft.com/office/drawing/2010/main" w="9525">
+                <a:solidFill>
+                  <a:schemeClr val="tx1"/>
+                </a:solidFill>
+                <a:miter lim="800000"/>
+                <a:headEnd/>
+                <a:tailEnd/>
+              </a14:hiddenLine>
+            </a:ext>
+          </a:extLst>
+        </p:spPr>
+      </p:pic>
+      <p:pic>
+        <p:nvPicPr>
+          <p:cNvPr id="1027" name="Picture 3"/>
+          <p:cNvPicPr>
+            <a:picLocks noChangeAspect="1" noChangeArrowheads="1"/>
+          </p:cNvPicPr>
+          <p:nvPr/>
+        </p:nvPicPr>
+        <p:blipFill>
+          <a:blip r:embed="rId4">
+            <a:extLst>
+              <a:ext uri="{28A0092B-C50C-407E-A947-70E740481C1C}">
+                <a14:useLocalDpi xmlns:a14="http://schemas.microsoft.com/office/drawing/2010/main" val="0"/>
+              </a:ext>
+            </a:extLst>
+          </a:blip>
+          <a:srcRect/>
+          <a:stretch>
+            <a:fillRect/>
+          </a:stretch>
+        </p:blipFill>
+        <p:spPr bwMode="auto">
+          <a:xfrm>
+            <a:off x="2471738" y="5638800"/>
+            <a:ext cx="4200525" cy="1133475"/>
+          </a:xfrm>
+          <a:prstGeom prst="rect">
+            <a:avLst/>
+          </a:prstGeom>
+          <a:noFill/>
+          <a:ln>
+            <a:noFill/>
+          </a:ln>
+          <a:extLst>
+            <a:ext uri="{909E8E84-426E-40DD-AFC4-6F175D3DCCD1}">
+              <a14:hiddenFill xmlns:a14="http://schemas.microsoft.com/office/drawing/2010/main">
+                <a:solidFill>
+                  <a:schemeClr val="accent1"/>
+                </a:solidFill>
+              </a14:hiddenFill>
+            </a:ext>
+            <a:ext uri="{91240B29-F687-4F45-9708-019B960494DF}">
+              <a14:hiddenLine xmlns:a14="http://schemas.microsoft.com/office/drawing/2010/main" w="9525">
+                <a:solidFill>
+                  <a:schemeClr val="tx1"/>
+                </a:solidFill>
+                <a:miter lim="800000"/>
+                <a:headEnd/>
+                <a:tailEnd/>
+              </a14:hiddenLine>
+            </a:ext>
+          </a:extLst>
+        </p:spPr>
+      </p:pic>
+    </p:spTree>
+    <p:extLst>
+      <p:ext uri="{BB962C8B-B14F-4D97-AF65-F5344CB8AC3E}">
+        <p14:creationId xmlns:p14="http://schemas.microsoft.com/office/powerpoint/2010/main" val="2193829898"/>
+      </p:ext>
+    </p:extLst>
+  </p:cSld>
+  <p:clrMapOvr>
+    <a:masterClrMapping/>
+  </p:clrMapOvr>
+</p:sld>
+</file>
+
+<file path=ppt/slides/slide16.xml><?xml version="1.0" encoding="utf-8"?>
+<p:sld xmlns:a="http://schemas.openxmlformats.org/drawingml/2006/main" xmlns:r="http://schemas.openxmlformats.org/officeDocument/2006/relationships" xmlns:p="http://schemas.openxmlformats.org/presentationml/2006/main">
+  <p:cSld>
+    <p:spTree>
+      <p:nvGrpSpPr>
+        <p:cNvPr id="1" name=""/>
+        <p:cNvGrpSpPr/>
+        <p:nvPr/>
+      </p:nvGrpSpPr>
+      <p:grpSpPr>
+        <a:xfrm>
+          <a:off x="0" y="0"/>
+          <a:ext cx="0" cy="0"/>
+          <a:chOff x="0" y="0"/>
+          <a:chExt cx="0" cy="0"/>
+        </a:xfrm>
+      </p:grpSpPr>
+      <p:sp>
+        <p:nvSpPr>
+          <p:cNvPr id="2" name="Title 1"/>
+          <p:cNvSpPr>
+            <a:spLocks noGrp="1"/>
+          </p:cNvSpPr>
+          <p:nvPr>
+            <p:ph type="title"/>
+          </p:nvPr>
+        </p:nvSpPr>
+        <p:spPr>
+          <a:xfrm>
+            <a:off x="457200" y="152400"/>
+            <a:ext cx="8229600" cy="381000"/>
+          </a:xfrm>
+        </p:spPr>
+        <p:txBody>
+          <a:bodyPr>
+            <a:normAutofit/>
+          </a:bodyPr>
+          <a:lstStyle/>
+          <a:p>
+            <a:r>
+              <a:rPr lang="en-US" sz="1600" dirty="0" smtClean="0"/>
+              <a:t>We can import code using the dot and the file name</a:t>
+            </a:r>
+            <a:endParaRPr lang="en-US" sz="1600" dirty="0"/>
+          </a:p>
+        </p:txBody>
+      </p:sp>
+      <p:pic>
+        <p:nvPicPr>
+          <p:cNvPr id="2050" name="Picture 2"/>
+          <p:cNvPicPr>
+            <a:picLocks noGrp="1" noChangeAspect="1" noChangeArrowheads="1"/>
+          </p:cNvPicPr>
+          <p:nvPr>
+            <p:ph idx="1"/>
+          </p:nvPr>
+        </p:nvPicPr>
+        <p:blipFill>
+          <a:blip r:embed="rId2">
+            <a:extLst>
+              <a:ext uri="{28A0092B-C50C-407E-A947-70E740481C1C}">
+                <a14:useLocalDpi xmlns:a14="http://schemas.microsoft.com/office/drawing/2010/main" val="0"/>
+              </a:ext>
+            </a:extLst>
+          </a:blip>
+          <a:srcRect/>
+          <a:stretch>
+            <a:fillRect/>
+          </a:stretch>
+        </p:blipFill>
+        <p:spPr bwMode="auto">
+          <a:xfrm>
+            <a:off x="304800" y="609600"/>
+            <a:ext cx="8568929" cy="4934109"/>
+          </a:xfrm>
+          <a:prstGeom prst="rect">
+            <a:avLst/>
+          </a:prstGeom>
+          <a:noFill/>
+          <a:ln>
+            <a:noFill/>
+          </a:ln>
+          <a:extLst>
+            <a:ext uri="{909E8E84-426E-40DD-AFC4-6F175D3DCCD1}">
+              <a14:hiddenFill xmlns:a14="http://schemas.microsoft.com/office/drawing/2010/main">
+                <a:solidFill>
+                  <a:schemeClr val="accent1"/>
+                </a:solidFill>
+              </a14:hiddenFill>
+            </a:ext>
+            <a:ext uri="{91240B29-F687-4F45-9708-019B960494DF}">
+              <a14:hiddenLine xmlns:a14="http://schemas.microsoft.com/office/drawing/2010/main" w="9525">
+                <a:solidFill>
+                  <a:schemeClr val="tx1"/>
+                </a:solidFill>
+                <a:miter lim="800000"/>
+                <a:headEnd/>
+                <a:tailEnd/>
+              </a14:hiddenLine>
+            </a:ext>
+          </a:extLst>
+        </p:spPr>
+      </p:pic>
+      <p:pic>
+        <p:nvPicPr>
+          <p:cNvPr id="2051" name="Picture 3"/>
+          <p:cNvPicPr>
+            <a:picLocks noChangeAspect="1" noChangeArrowheads="1"/>
+          </p:cNvPicPr>
+          <p:nvPr/>
+        </p:nvPicPr>
+        <p:blipFill>
+          <a:blip r:embed="rId3">
+            <a:extLst>
+              <a:ext uri="{28A0092B-C50C-407E-A947-70E740481C1C}">
+                <a14:useLocalDpi xmlns:a14="http://schemas.microsoft.com/office/drawing/2010/main" val="0"/>
+              </a:ext>
+            </a:extLst>
+          </a:blip>
+          <a:srcRect/>
+          <a:stretch>
+            <a:fillRect/>
+          </a:stretch>
+        </p:blipFill>
+        <p:spPr bwMode="auto">
+          <a:xfrm>
+            <a:off x="4419600" y="5650251"/>
+            <a:ext cx="4305300" cy="1171575"/>
+          </a:xfrm>
+          <a:prstGeom prst="rect">
+            <a:avLst/>
+          </a:prstGeom>
+          <a:noFill/>
+          <a:ln>
+            <a:noFill/>
+          </a:ln>
+          <a:extLst>
+            <a:ext uri="{909E8E84-426E-40DD-AFC4-6F175D3DCCD1}">
+              <a14:hiddenFill xmlns:a14="http://schemas.microsoft.com/office/drawing/2010/main">
+                <a:solidFill>
+                  <a:schemeClr val="accent1"/>
+                </a:solidFill>
+              </a14:hiddenFill>
+            </a:ext>
+            <a:ext uri="{91240B29-F687-4F45-9708-019B960494DF}">
+              <a14:hiddenLine xmlns:a14="http://schemas.microsoft.com/office/drawing/2010/main" w="9525">
+                <a:solidFill>
+                  <a:schemeClr val="tx1"/>
+                </a:solidFill>
+                <a:miter lim="800000"/>
+                <a:headEnd/>
+                <a:tailEnd/>
+              </a14:hiddenLine>
+            </a:ext>
+          </a:extLst>
+        </p:spPr>
+      </p:pic>
+      <p:sp>
+        <p:nvSpPr>
+          <p:cNvPr id="6" name="TextBox 5"/>
+          <p:cNvSpPr txBox="1"/>
+          <p:nvPr/>
+        </p:nvSpPr>
+        <p:spPr>
+          <a:xfrm>
+            <a:off x="609600" y="6051372"/>
+            <a:ext cx="2971800" cy="369332"/>
+          </a:xfrm>
+          <a:prstGeom prst="rect">
+            <a:avLst/>
+          </a:prstGeom>
+          <a:noFill/>
+        </p:spPr>
+        <p:txBody>
+          <a:bodyPr wrap="square" rtlCol="0">
+            <a:spAutoFit/>
+          </a:bodyPr>
+          <a:lstStyle/>
+          <a:p>
+            <a:r>
+              <a:rPr lang="en-US" dirty="0" smtClean="0"/>
+              <a:t>Nothing is being done yet. </a:t>
+            </a:r>
+            <a:endParaRPr lang="en-US" dirty="0"/>
+          </a:p>
+        </p:txBody>
+      </p:sp>
+    </p:spTree>
+    <p:extLst>
+      <p:ext uri="{BB962C8B-B14F-4D97-AF65-F5344CB8AC3E}">
+        <p14:creationId xmlns:p14="http://schemas.microsoft.com/office/powerpoint/2010/main" val="3958041160"/>
       </p:ext>
     </p:extLst>
   </p:cSld>
@@ -10149,15 +10879,7 @@
           <a:p>
             <a:r>
               <a:rPr lang="en-US" sz="1600" b="1" dirty="0" smtClean="0"/>
-              <a:t>So </a:t>
-            </a:r>
-            <a:r>
-              <a:rPr lang="en-US" sz="1600" b="1" dirty="0" smtClean="0"/>
-              <a:t>these </a:t>
-            </a:r>
-            <a:r>
-              <a:rPr lang="en-US" sz="1600" b="1" dirty="0" smtClean="0"/>
-              <a:t>are the suggestions:</a:t>
+              <a:t>So these are the suggestions:</a:t>
             </a:r>
           </a:p>
           <a:p>
@@ -10170,11 +10892,7 @@
             </a:pPr>
             <a:r>
               <a:rPr lang="en-US" sz="1600" dirty="0" smtClean="0"/>
-              <a:t>In </a:t>
-            </a:r>
-            <a:r>
-              <a:rPr lang="en-US" sz="1600" dirty="0" smtClean="0"/>
-              <a:t>case of errors: use </a:t>
+              <a:t>In case of errors: use </a:t>
             </a:r>
             <a:r>
               <a:rPr lang="en-US" sz="1600" dirty="0" err="1" smtClean="0"/>
@@ -10192,11 +10910,7 @@
             </a:pPr>
             <a:r>
               <a:rPr lang="en-US" sz="1600" dirty="0" smtClean="0"/>
-              <a:t>In </a:t>
-            </a:r>
-            <a:r>
-              <a:rPr lang="en-US" sz="1600" dirty="0" smtClean="0"/>
-              <a:t>case of doubt: use </a:t>
+              <a:t>In case of doubt: use </a:t>
             </a:r>
             <a:r>
               <a:rPr lang="en-US" sz="1600" dirty="0" err="1" smtClean="0"/>

--- a/PowerShell From The Trenches - Workflows.pptx
+++ b/PowerShell From The Trenches - Workflows.pptx
@@ -5,7 +5,7 @@
     <p:sldMasterId id="2147483648" r:id="rId1"/>
   </p:sldMasterIdLst>
   <p:notesMasterIdLst>
-    <p:notesMasterId r:id="rId18"/>
+    <p:notesMasterId r:id="rId21"/>
   </p:notesMasterIdLst>
   <p:sldIdLst>
     <p:sldId id="256" r:id="rId2"/>
@@ -24,6 +24,9 @@
     <p:sldId id="269" r:id="rId15"/>
     <p:sldId id="270" r:id="rId16"/>
     <p:sldId id="271" r:id="rId17"/>
+    <p:sldId id="272" r:id="rId18"/>
+    <p:sldId id="274" r:id="rId19"/>
+    <p:sldId id="273" r:id="rId20"/>
   </p:sldIdLst>
   <p:sldSz cx="9144000" cy="6858000" type="screen4x3"/>
   <p:notesSz cx="6858000" cy="9144000"/>
@@ -207,7 +210,7 @@
           <a:p>
             <a:fld id="{C66C0B3E-3E85-4B94-9602-250875DB9BDA}" type="datetimeFigureOut">
               <a:rPr lang="en-US" smtClean="0"/>
-              <a:t>1/29/2020</a:t>
+              <a:t>1/30/2020</a:t>
             </a:fld>
             <a:endParaRPr lang="en-US"/>
           </a:p>
@@ -1035,6 +1038,218 @@
 </p:notes>
 </file>
 
+<file path=ppt/notesSlides/notesSlide7.xml><?xml version="1.0" encoding="utf-8"?>
+<p:notes xmlns:a="http://schemas.openxmlformats.org/drawingml/2006/main" xmlns:r="http://schemas.openxmlformats.org/officeDocument/2006/relationships" xmlns:p="http://schemas.openxmlformats.org/presentationml/2006/main">
+  <p:cSld>
+    <p:spTree>
+      <p:nvGrpSpPr>
+        <p:cNvPr id="1" name=""/>
+        <p:cNvGrpSpPr/>
+        <p:nvPr/>
+      </p:nvGrpSpPr>
+      <p:grpSpPr>
+        <a:xfrm>
+          <a:off x="0" y="0"/>
+          <a:ext cx="0" cy="0"/>
+          <a:chOff x="0" y="0"/>
+          <a:chExt cx="0" cy="0"/>
+        </a:xfrm>
+      </p:grpSpPr>
+      <p:sp>
+        <p:nvSpPr>
+          <p:cNvPr id="2" name="Slide Image Placeholder 1"/>
+          <p:cNvSpPr>
+            <a:spLocks noGrp="1" noRot="1" noChangeAspect="1"/>
+          </p:cNvSpPr>
+          <p:nvPr>
+            <p:ph type="sldImg"/>
+          </p:nvPr>
+        </p:nvSpPr>
+        <p:spPr/>
+      </p:sp>
+      <p:sp>
+        <p:nvSpPr>
+          <p:cNvPr id="3" name="Notes Placeholder 2"/>
+          <p:cNvSpPr>
+            <a:spLocks noGrp="1"/>
+          </p:cNvSpPr>
+          <p:nvPr>
+            <p:ph type="body" idx="1"/>
+          </p:nvPr>
+        </p:nvSpPr>
+        <p:spPr/>
+        <p:txBody>
+          <a:bodyPr/>
+          <a:lstStyle/>
+          <a:p>
+            <a:r>
+              <a:rPr lang="en-US" dirty="0" smtClean="0"/>
+              <a:t>Note to selves: this</a:t>
+            </a:r>
+            <a:r>
+              <a:rPr lang="en-US" baseline="0" dirty="0" smtClean="0"/>
+              <a:t> does not happen running the code in the Visual Studio Code editor, it caches the </a:t>
+            </a:r>
+            <a:r>
+              <a:rPr lang="en-US" baseline="0" dirty="0" err="1" smtClean="0"/>
+              <a:t>ExecuteSQL</a:t>
+            </a:r>
+            <a:r>
+              <a:rPr lang="en-US" baseline="0" dirty="0" smtClean="0"/>
+              <a:t> code and the code does not err. ALWAYS TEST USING a </a:t>
+            </a:r>
+            <a:r>
+              <a:rPr lang="en-US" baseline="0" dirty="0" err="1" smtClean="0"/>
+              <a:t>cmd</a:t>
+            </a:r>
+            <a:r>
+              <a:rPr lang="en-US" baseline="0" dirty="0" smtClean="0"/>
+              <a:t> window and batch file and </a:t>
+            </a:r>
+            <a:r>
+              <a:rPr lang="en-US" baseline="0" dirty="0" err="1" smtClean="0"/>
+              <a:t>powershell</a:t>
+            </a:r>
+            <a:r>
+              <a:rPr lang="en-US" baseline="0" dirty="0" smtClean="0"/>
+              <a:t> script, don’t be lazy</a:t>
+            </a:r>
+            <a:endParaRPr lang="en-US" dirty="0"/>
+          </a:p>
+        </p:txBody>
+      </p:sp>
+      <p:sp>
+        <p:nvSpPr>
+          <p:cNvPr id="4" name="Slide Number Placeholder 3"/>
+          <p:cNvSpPr>
+            <a:spLocks noGrp="1"/>
+          </p:cNvSpPr>
+          <p:nvPr>
+            <p:ph type="sldNum" sz="quarter" idx="10"/>
+          </p:nvPr>
+        </p:nvSpPr>
+        <p:spPr/>
+        <p:txBody>
+          <a:bodyPr/>
+          <a:lstStyle/>
+          <a:p>
+            <a:fld id="{0E10FAA0-75B7-40A2-9294-DA73526A0D78}" type="slidenum">
+              <a:rPr lang="en-US" smtClean="0"/>
+              <a:t>18</a:t>
+            </a:fld>
+            <a:endParaRPr lang="en-US"/>
+          </a:p>
+        </p:txBody>
+      </p:sp>
+    </p:spTree>
+    <p:extLst>
+      <p:ext uri="{BB962C8B-B14F-4D97-AF65-F5344CB8AC3E}">
+        <p14:creationId xmlns:p14="http://schemas.microsoft.com/office/powerpoint/2010/main" val="942056024"/>
+      </p:ext>
+    </p:extLst>
+  </p:cSld>
+  <p:clrMapOvr>
+    <a:masterClrMapping/>
+  </p:clrMapOvr>
+</p:notes>
+</file>
+
+<file path=ppt/notesSlides/notesSlide8.xml><?xml version="1.0" encoding="utf-8"?>
+<p:notes xmlns:a="http://schemas.openxmlformats.org/drawingml/2006/main" xmlns:r="http://schemas.openxmlformats.org/officeDocument/2006/relationships" xmlns:p="http://schemas.openxmlformats.org/presentationml/2006/main">
+  <p:cSld>
+    <p:spTree>
+      <p:nvGrpSpPr>
+        <p:cNvPr id="1" name=""/>
+        <p:cNvGrpSpPr/>
+        <p:nvPr/>
+      </p:nvGrpSpPr>
+      <p:grpSpPr>
+        <a:xfrm>
+          <a:off x="0" y="0"/>
+          <a:ext cx="0" cy="0"/>
+          <a:chOff x="0" y="0"/>
+          <a:chExt cx="0" cy="0"/>
+        </a:xfrm>
+      </p:grpSpPr>
+      <p:sp>
+        <p:nvSpPr>
+          <p:cNvPr id="2" name="Slide Image Placeholder 1"/>
+          <p:cNvSpPr>
+            <a:spLocks noGrp="1" noRot="1" noChangeAspect="1"/>
+          </p:cNvSpPr>
+          <p:nvPr>
+            <p:ph type="sldImg"/>
+          </p:nvPr>
+        </p:nvSpPr>
+        <p:spPr/>
+      </p:sp>
+      <p:sp>
+        <p:nvSpPr>
+          <p:cNvPr id="3" name="Notes Placeholder 2"/>
+          <p:cNvSpPr>
+            <a:spLocks noGrp="1"/>
+          </p:cNvSpPr>
+          <p:nvPr>
+            <p:ph type="body" idx="1"/>
+          </p:nvPr>
+        </p:nvSpPr>
+        <p:spPr/>
+        <p:txBody>
+          <a:bodyPr/>
+          <a:lstStyle/>
+          <a:p>
+            <a:r>
+              <a:rPr lang="en-US" dirty="0" smtClean="0"/>
+              <a:t>Doing</a:t>
+            </a:r>
+            <a:r>
+              <a:rPr lang="en-US" baseline="0" dirty="0" smtClean="0"/>
+              <a:t> the test the </a:t>
+            </a:r>
+            <a:r>
+              <a:rPr lang="en-US" baseline="0" smtClean="0"/>
+              <a:t>right way</a:t>
+            </a:r>
+            <a:endParaRPr lang="en-US"/>
+          </a:p>
+        </p:txBody>
+      </p:sp>
+      <p:sp>
+        <p:nvSpPr>
+          <p:cNvPr id="4" name="Slide Number Placeholder 3"/>
+          <p:cNvSpPr>
+            <a:spLocks noGrp="1"/>
+          </p:cNvSpPr>
+          <p:nvPr>
+            <p:ph type="sldNum" sz="quarter" idx="10"/>
+          </p:nvPr>
+        </p:nvSpPr>
+        <p:spPr/>
+        <p:txBody>
+          <a:bodyPr/>
+          <a:lstStyle/>
+          <a:p>
+            <a:fld id="{0E10FAA0-75B7-40A2-9294-DA73526A0D78}" type="slidenum">
+              <a:rPr lang="en-US" smtClean="0"/>
+              <a:t>19</a:t>
+            </a:fld>
+            <a:endParaRPr lang="en-US"/>
+          </a:p>
+        </p:txBody>
+      </p:sp>
+    </p:spTree>
+    <p:extLst>
+      <p:ext uri="{BB962C8B-B14F-4D97-AF65-F5344CB8AC3E}">
+        <p14:creationId xmlns:p14="http://schemas.microsoft.com/office/powerpoint/2010/main" val="3135724181"/>
+      </p:ext>
+    </p:extLst>
+  </p:cSld>
+  <p:clrMapOvr>
+    <a:masterClrMapping/>
+  </p:clrMapOvr>
+</p:notes>
+</file>
+
 <file path=ppt/slideLayouts/slideLayout1.xml><?xml version="1.0" encoding="utf-8"?>
 <p:sldLayout xmlns:a="http://schemas.openxmlformats.org/drawingml/2006/main" xmlns:r="http://schemas.openxmlformats.org/officeDocument/2006/relationships" xmlns:p="http://schemas.openxmlformats.org/presentationml/2006/main" type="title" preserve="1">
   <p:cSld name="Title Slide">
@@ -1216,7 +1431,7 @@
           <a:p>
             <a:fld id="{DC02A34C-238D-4AF7-9F57-849B59FCF5ED}" type="datetimeFigureOut">
               <a:rPr lang="en-US" smtClean="0"/>
-              <a:t>1/29/2020</a:t>
+              <a:t>1/30/2020</a:t>
             </a:fld>
             <a:endParaRPr lang="en-US"/>
           </a:p>
@@ -1386,7 +1601,7 @@
           <a:p>
             <a:fld id="{DC02A34C-238D-4AF7-9F57-849B59FCF5ED}" type="datetimeFigureOut">
               <a:rPr lang="en-US" smtClean="0"/>
-              <a:t>1/29/2020</a:t>
+              <a:t>1/30/2020</a:t>
             </a:fld>
             <a:endParaRPr lang="en-US"/>
           </a:p>
@@ -1566,7 +1781,7 @@
           <a:p>
             <a:fld id="{DC02A34C-238D-4AF7-9F57-849B59FCF5ED}" type="datetimeFigureOut">
               <a:rPr lang="en-US" smtClean="0"/>
-              <a:t>1/29/2020</a:t>
+              <a:t>1/30/2020</a:t>
             </a:fld>
             <a:endParaRPr lang="en-US"/>
           </a:p>
@@ -1736,7 +1951,7 @@
           <a:p>
             <a:fld id="{DC02A34C-238D-4AF7-9F57-849B59FCF5ED}" type="datetimeFigureOut">
               <a:rPr lang="en-US" smtClean="0"/>
-              <a:t>1/29/2020</a:t>
+              <a:t>1/30/2020</a:t>
             </a:fld>
             <a:endParaRPr lang="en-US"/>
           </a:p>
@@ -1982,7 +2197,7 @@
           <a:p>
             <a:fld id="{DC02A34C-238D-4AF7-9F57-849B59FCF5ED}" type="datetimeFigureOut">
               <a:rPr lang="en-US" smtClean="0"/>
-              <a:t>1/29/2020</a:t>
+              <a:t>1/30/2020</a:t>
             </a:fld>
             <a:endParaRPr lang="en-US"/>
           </a:p>
@@ -2270,7 +2485,7 @@
           <a:p>
             <a:fld id="{DC02A34C-238D-4AF7-9F57-849B59FCF5ED}" type="datetimeFigureOut">
               <a:rPr lang="en-US" smtClean="0"/>
-              <a:t>1/29/2020</a:t>
+              <a:t>1/30/2020</a:t>
             </a:fld>
             <a:endParaRPr lang="en-US"/>
           </a:p>
@@ -2692,7 +2907,7 @@
           <a:p>
             <a:fld id="{DC02A34C-238D-4AF7-9F57-849B59FCF5ED}" type="datetimeFigureOut">
               <a:rPr lang="en-US" smtClean="0"/>
-              <a:t>1/29/2020</a:t>
+              <a:t>1/30/2020</a:t>
             </a:fld>
             <a:endParaRPr lang="en-US"/>
           </a:p>
@@ -2810,7 +3025,7 @@
           <a:p>
             <a:fld id="{DC02A34C-238D-4AF7-9F57-849B59FCF5ED}" type="datetimeFigureOut">
               <a:rPr lang="en-US" smtClean="0"/>
-              <a:t>1/29/2020</a:t>
+              <a:t>1/30/2020</a:t>
             </a:fld>
             <a:endParaRPr lang="en-US"/>
           </a:p>
@@ -2905,7 +3120,7 @@
           <a:p>
             <a:fld id="{DC02A34C-238D-4AF7-9F57-849B59FCF5ED}" type="datetimeFigureOut">
               <a:rPr lang="en-US" smtClean="0"/>
-              <a:t>1/29/2020</a:t>
+              <a:t>1/30/2020</a:t>
             </a:fld>
             <a:endParaRPr lang="en-US"/>
           </a:p>
@@ -3182,7 +3397,7 @@
           <a:p>
             <a:fld id="{DC02A34C-238D-4AF7-9F57-849B59FCF5ED}" type="datetimeFigureOut">
               <a:rPr lang="en-US" smtClean="0"/>
-              <a:t>1/29/2020</a:t>
+              <a:t>1/30/2020</a:t>
             </a:fld>
             <a:endParaRPr lang="en-US"/>
           </a:p>
@@ -3435,7 +3650,7 @@
           <a:p>
             <a:fld id="{DC02A34C-238D-4AF7-9F57-849B59FCF5ED}" type="datetimeFigureOut">
               <a:rPr lang="en-US" smtClean="0"/>
-              <a:t>1/29/2020</a:t>
+              <a:t>1/30/2020</a:t>
             </a:fld>
             <a:endParaRPr lang="en-US"/>
           </a:p>
@@ -3648,7 +3863,7 @@
           <a:p>
             <a:fld id="{DC02A34C-238D-4AF7-9F57-849B59FCF5ED}" type="datetimeFigureOut">
               <a:rPr lang="en-US" smtClean="0"/>
-              <a:t>1/29/2020</a:t>
+              <a:t>1/30/2020</a:t>
             </a:fld>
             <a:endParaRPr lang="en-US"/>
           </a:p>
@@ -4102,7 +4317,7 @@
           <p:cNvPr id="6" name="Text Placeholder 2">
             <a:extLst>
               <a:ext uri="{FF2B5EF4-FFF2-40B4-BE49-F238E27FC236}">
-                <a16:creationId xmlns="" xmlns:a16="http://schemas.microsoft.com/office/drawing/2014/main" id="{5A7296E9-8CA3-934E-A079-3869DD5ADBBD}"/>
+                <a16:creationId xmlns:a16="http://schemas.microsoft.com/office/drawing/2014/main" xmlns="" id="{5A7296E9-8CA3-934E-A079-3869DD5ADBBD}"/>
               </a:ext>
             </a:extLst>
           </p:cNvPr>
@@ -8404,7 +8619,15 @@
           <a:p>
             <a:r>
               <a:rPr lang="en-US" sz="1600" b="1" dirty="0" smtClean="0"/>
-              <a:t>Script Blocks are your friends </a:t>
+              <a:t>Script Blocks are </a:t>
+            </a:r>
+            <a:r>
+              <a:rPr lang="en-US" sz="1600" b="1" dirty="0" smtClean="0"/>
+              <a:t>better friends in workflows</a:t>
+            </a:r>
+            <a:r>
+              <a:rPr lang="en-US" sz="1600" b="1" dirty="0" smtClean="0"/>
+              <a:t> </a:t>
             </a:r>
             <a:endParaRPr lang="en-US" sz="1600" b="1" dirty="0"/>
           </a:p>
@@ -8573,10 +8796,10 @@
           <a:lstStyle/>
           <a:p>
             <a:r>
-              <a:rPr lang="en-US" sz="1600" dirty="0" smtClean="0"/>
+              <a:rPr lang="en-US" sz="1600" b="1" dirty="0" smtClean="0"/>
               <a:t>Notes on scope and organizing the code</a:t>
             </a:r>
-            <a:endParaRPr lang="en-US" sz="1600" dirty="0"/>
+            <a:endParaRPr lang="en-US" sz="1600" b="1" dirty="0"/>
           </a:p>
         </p:txBody>
       </p:sp>
@@ -8894,6 +9117,536 @@
     <p:extLst>
       <p:ext uri="{BB962C8B-B14F-4D97-AF65-F5344CB8AC3E}">
         <p14:creationId xmlns:p14="http://schemas.microsoft.com/office/powerpoint/2010/main" val="3958041160"/>
+      </p:ext>
+    </p:extLst>
+  </p:cSld>
+  <p:clrMapOvr>
+    <a:masterClrMapping/>
+  </p:clrMapOvr>
+</p:sld>
+</file>
+
+<file path=ppt/slides/slide17.xml><?xml version="1.0" encoding="utf-8"?>
+<p:sld xmlns:a="http://schemas.openxmlformats.org/drawingml/2006/main" xmlns:r="http://schemas.openxmlformats.org/officeDocument/2006/relationships" xmlns:p="http://schemas.openxmlformats.org/presentationml/2006/main">
+  <p:cSld>
+    <p:spTree>
+      <p:nvGrpSpPr>
+        <p:cNvPr id="1" name=""/>
+        <p:cNvGrpSpPr/>
+        <p:nvPr/>
+      </p:nvGrpSpPr>
+      <p:grpSpPr>
+        <a:xfrm>
+          <a:off x="0" y="0"/>
+          <a:ext cx="0" cy="0"/>
+          <a:chOff x="0" y="0"/>
+          <a:chExt cx="0" cy="0"/>
+        </a:xfrm>
+      </p:grpSpPr>
+      <p:sp>
+        <p:nvSpPr>
+          <p:cNvPr id="2" name="Title 1"/>
+          <p:cNvSpPr>
+            <a:spLocks noGrp="1"/>
+          </p:cNvSpPr>
+          <p:nvPr>
+            <p:ph type="title"/>
+          </p:nvPr>
+        </p:nvSpPr>
+        <p:spPr>
+          <a:xfrm>
+            <a:off x="457200" y="274638"/>
+            <a:ext cx="8229600" cy="334962"/>
+          </a:xfrm>
+        </p:spPr>
+        <p:txBody>
+          <a:bodyPr>
+            <a:normAutofit fontScale="90000"/>
+          </a:bodyPr>
+          <a:lstStyle/>
+          <a:p>
+            <a:r>
+              <a:rPr lang="en-US" sz="1600" b="1" dirty="0" smtClean="0"/>
+              <a:t>Showing calls for the script blocks from a main program</a:t>
+            </a:r>
+            <a:endParaRPr lang="en-US" sz="1600" b="1" dirty="0"/>
+          </a:p>
+        </p:txBody>
+      </p:sp>
+      <p:pic>
+        <p:nvPicPr>
+          <p:cNvPr id="1026" name="Picture 2"/>
+          <p:cNvPicPr>
+            <a:picLocks noGrp="1" noChangeAspect="1" noChangeArrowheads="1"/>
+          </p:cNvPicPr>
+          <p:nvPr>
+            <p:ph idx="1"/>
+          </p:nvPr>
+        </p:nvPicPr>
+        <p:blipFill>
+          <a:blip r:embed="rId2">
+            <a:extLst>
+              <a:ext uri="{28A0092B-C50C-407E-A947-70E740481C1C}">
+                <a14:useLocalDpi xmlns:a14="http://schemas.microsoft.com/office/drawing/2010/main" val="0"/>
+              </a:ext>
+            </a:extLst>
+          </a:blip>
+          <a:srcRect/>
+          <a:stretch>
+            <a:fillRect/>
+          </a:stretch>
+        </p:blipFill>
+        <p:spPr bwMode="auto">
+          <a:xfrm>
+            <a:off x="1143000" y="762000"/>
+            <a:ext cx="6355080" cy="2811780"/>
+          </a:xfrm>
+          <a:prstGeom prst="rect">
+            <a:avLst/>
+          </a:prstGeom>
+          <a:noFill/>
+          <a:ln>
+            <a:noFill/>
+          </a:ln>
+          <a:extLst>
+            <a:ext uri="{909E8E84-426E-40DD-AFC4-6F175D3DCCD1}">
+              <a14:hiddenFill xmlns:a14="http://schemas.microsoft.com/office/drawing/2010/main">
+                <a:solidFill>
+                  <a:schemeClr val="accent1"/>
+                </a:solidFill>
+              </a14:hiddenFill>
+            </a:ext>
+            <a:ext uri="{91240B29-F687-4F45-9708-019B960494DF}">
+              <a14:hiddenLine xmlns:a14="http://schemas.microsoft.com/office/drawing/2010/main" w="9525">
+                <a:solidFill>
+                  <a:schemeClr val="tx1"/>
+                </a:solidFill>
+                <a:miter lim="800000"/>
+                <a:headEnd/>
+                <a:tailEnd/>
+              </a14:hiddenLine>
+            </a:ext>
+          </a:extLst>
+        </p:spPr>
+      </p:pic>
+      <p:sp>
+        <p:nvSpPr>
+          <p:cNvPr id="4" name="Rectangle 3"/>
+          <p:cNvSpPr/>
+          <p:nvPr/>
+        </p:nvSpPr>
+        <p:spPr>
+          <a:xfrm>
+            <a:off x="1143000" y="3886200"/>
+            <a:ext cx="5562600" cy="2308324"/>
+          </a:xfrm>
+          <a:prstGeom prst="rect">
+            <a:avLst/>
+          </a:prstGeom>
+          <a:solidFill>
+            <a:schemeClr val="tx1"/>
+          </a:solidFill>
+        </p:spPr>
+        <p:txBody>
+          <a:bodyPr wrap="square">
+            <a:spAutoFit/>
+          </a:bodyPr>
+          <a:lstStyle/>
+          <a:p>
+            <a:r>
+              <a:rPr lang="en-US" dirty="0">
+                <a:solidFill>
+                  <a:schemeClr val="bg1"/>
+                </a:solidFill>
+              </a:rPr>
+              <a:t>Script_Blocks_B.ps1 was called</a:t>
+            </a:r>
+          </a:p>
+          <a:p>
+            <a:r>
+              <a:rPr lang="en-US" dirty="0" err="1">
+                <a:solidFill>
+                  <a:schemeClr val="bg1"/>
+                </a:solidFill>
+              </a:rPr>
+              <a:t>logicalname</a:t>
+            </a:r>
+            <a:endParaRPr lang="en-US" dirty="0">
+              <a:solidFill>
+                <a:schemeClr val="bg1"/>
+              </a:solidFill>
+            </a:endParaRPr>
+          </a:p>
+          <a:p>
+            <a:r>
+              <a:rPr lang="en-US" dirty="0">
+                <a:solidFill>
+                  <a:schemeClr val="bg1"/>
+                </a:solidFill>
+              </a:rPr>
+              <a:t>AdventureWorks2008R2_Data</a:t>
+            </a:r>
+          </a:p>
+          <a:p>
+            <a:r>
+              <a:rPr lang="en-US" dirty="0">
+                <a:solidFill>
+                  <a:schemeClr val="bg1"/>
+                </a:solidFill>
+              </a:rPr>
+              <a:t>AdventureWorks2008R2_Log</a:t>
+            </a:r>
+          </a:p>
+          <a:p>
+            <a:r>
+              <a:rPr lang="en-US" dirty="0" err="1">
+                <a:solidFill>
+                  <a:schemeClr val="bg1"/>
+                </a:solidFill>
+              </a:rPr>
+              <a:t>physicalname</a:t>
+            </a:r>
+            <a:endParaRPr lang="en-US" dirty="0">
+              <a:solidFill>
+                <a:schemeClr val="bg1"/>
+              </a:solidFill>
+            </a:endParaRPr>
+          </a:p>
+          <a:p>
+            <a:r>
+              <a:rPr lang="en-US" dirty="0" smtClean="0">
+                <a:solidFill>
+                  <a:schemeClr val="bg1"/>
+                </a:solidFill>
+              </a:rPr>
+              <a:t>C:\CODECAMP\AdventureWorks2017.mdf</a:t>
+            </a:r>
+            <a:endParaRPr lang="en-US" dirty="0">
+              <a:solidFill>
+                <a:schemeClr val="bg1"/>
+              </a:solidFill>
+            </a:endParaRPr>
+          </a:p>
+          <a:p>
+            <a:r>
+              <a:rPr lang="en-US" dirty="0" smtClean="0">
+                <a:solidFill>
+                  <a:schemeClr val="bg1"/>
+                </a:solidFill>
+              </a:rPr>
+              <a:t>C:\CODECAMP\AdventureWorks2017_log.LDF</a:t>
+            </a:r>
+            <a:endParaRPr lang="en-US" dirty="0">
+              <a:solidFill>
+                <a:schemeClr val="bg1"/>
+              </a:solidFill>
+            </a:endParaRPr>
+          </a:p>
+          <a:p>
+            <a:r>
+              <a:rPr lang="en-US" dirty="0">
+                <a:solidFill>
+                  <a:schemeClr val="bg1"/>
+                </a:solidFill>
+              </a:rPr>
+              <a:t>PS C:\</a:t>
+            </a:r>
+            <a:r>
+              <a:rPr lang="en-US" dirty="0" smtClean="0">
+                <a:solidFill>
+                  <a:schemeClr val="bg1"/>
+                </a:solidFill>
+              </a:rPr>
+              <a:t>CODECAMP</a:t>
+            </a:r>
+            <a:r>
+              <a:rPr lang="en-US" dirty="0" smtClean="0"/>
+              <a:t>MP</a:t>
+            </a:r>
+            <a:r>
+              <a:rPr lang="en-US" dirty="0"/>
+              <a:t>&gt;</a:t>
+            </a:r>
+          </a:p>
+        </p:txBody>
+      </p:sp>
+    </p:spTree>
+    <p:extLst>
+      <p:ext uri="{BB962C8B-B14F-4D97-AF65-F5344CB8AC3E}">
+        <p14:creationId xmlns:p14="http://schemas.microsoft.com/office/powerpoint/2010/main" val="2173595812"/>
+      </p:ext>
+    </p:extLst>
+  </p:cSld>
+  <p:clrMapOvr>
+    <a:masterClrMapping/>
+  </p:clrMapOvr>
+</p:sld>
+</file>
+
+<file path=ppt/slides/slide18.xml><?xml version="1.0" encoding="utf-8"?>
+<p:sld xmlns:a="http://schemas.openxmlformats.org/drawingml/2006/main" xmlns:r="http://schemas.openxmlformats.org/officeDocument/2006/relationships" xmlns:p="http://schemas.openxmlformats.org/presentationml/2006/main">
+  <p:cSld>
+    <p:spTree>
+      <p:nvGrpSpPr>
+        <p:cNvPr id="1" name=""/>
+        <p:cNvGrpSpPr/>
+        <p:nvPr/>
+      </p:nvGrpSpPr>
+      <p:grpSpPr>
+        <a:xfrm>
+          <a:off x="0" y="0"/>
+          <a:ext cx="0" cy="0"/>
+          <a:chOff x="0" y="0"/>
+          <a:chExt cx="0" cy="0"/>
+        </a:xfrm>
+      </p:grpSpPr>
+      <p:sp>
+        <p:nvSpPr>
+          <p:cNvPr id="2" name="Title 1"/>
+          <p:cNvSpPr>
+            <a:spLocks noGrp="1"/>
+          </p:cNvSpPr>
+          <p:nvPr>
+            <p:ph type="title"/>
+          </p:nvPr>
+        </p:nvSpPr>
+        <p:spPr>
+          <a:xfrm>
+            <a:off x="457200" y="274638"/>
+            <a:ext cx="8229600" cy="411162"/>
+          </a:xfrm>
+        </p:spPr>
+        <p:txBody>
+          <a:bodyPr>
+            <a:normAutofit/>
+          </a:bodyPr>
+          <a:lstStyle/>
+          <a:p>
+            <a:r>
+              <a:rPr lang="en-US" sz="1600" dirty="0" smtClean="0"/>
+              <a:t>Checking the import process and the usual suspects</a:t>
+            </a:r>
+            <a:endParaRPr lang="en-US" sz="1600" dirty="0"/>
+          </a:p>
+        </p:txBody>
+      </p:sp>
+      <p:pic>
+        <p:nvPicPr>
+          <p:cNvPr id="3074" name="Picture 2"/>
+          <p:cNvPicPr>
+            <a:picLocks noGrp="1" noChangeAspect="1" noChangeArrowheads="1"/>
+          </p:cNvPicPr>
+          <p:nvPr>
+            <p:ph idx="1"/>
+          </p:nvPr>
+        </p:nvPicPr>
+        <p:blipFill>
+          <a:blip r:embed="rId3">
+            <a:extLst>
+              <a:ext uri="{28A0092B-C50C-407E-A947-70E740481C1C}">
+                <a14:useLocalDpi xmlns:a14="http://schemas.microsoft.com/office/drawing/2010/main" val="0"/>
+              </a:ext>
+            </a:extLst>
+          </a:blip>
+          <a:srcRect/>
+          <a:stretch>
+            <a:fillRect/>
+          </a:stretch>
+        </p:blipFill>
+        <p:spPr bwMode="auto">
+          <a:xfrm>
+            <a:off x="291964" y="990600"/>
+            <a:ext cx="8166236" cy="5273271"/>
+          </a:xfrm>
+          <a:prstGeom prst="rect">
+            <a:avLst/>
+          </a:prstGeom>
+          <a:noFill/>
+          <a:ln>
+            <a:noFill/>
+          </a:ln>
+          <a:extLst>
+            <a:ext uri="{909E8E84-426E-40DD-AFC4-6F175D3DCCD1}">
+              <a14:hiddenFill xmlns:a14="http://schemas.microsoft.com/office/drawing/2010/main">
+                <a:solidFill>
+                  <a:schemeClr val="accent1"/>
+                </a:solidFill>
+              </a14:hiddenFill>
+            </a:ext>
+            <a:ext uri="{91240B29-F687-4F45-9708-019B960494DF}">
+              <a14:hiddenLine xmlns:a14="http://schemas.microsoft.com/office/drawing/2010/main" w="9525">
+                <a:solidFill>
+                  <a:schemeClr val="tx1"/>
+                </a:solidFill>
+                <a:miter lim="800000"/>
+                <a:headEnd/>
+                <a:tailEnd/>
+              </a14:hiddenLine>
+            </a:ext>
+          </a:extLst>
+        </p:spPr>
+      </p:pic>
+    </p:spTree>
+    <p:extLst>
+      <p:ext uri="{BB962C8B-B14F-4D97-AF65-F5344CB8AC3E}">
+        <p14:creationId xmlns:p14="http://schemas.microsoft.com/office/powerpoint/2010/main" val="196674126"/>
+      </p:ext>
+    </p:extLst>
+  </p:cSld>
+  <p:clrMapOvr>
+    <a:masterClrMapping/>
+  </p:clrMapOvr>
+</p:sld>
+</file>
+
+<file path=ppt/slides/slide19.xml><?xml version="1.0" encoding="utf-8"?>
+<p:sld xmlns:a="http://schemas.openxmlformats.org/drawingml/2006/main" xmlns:r="http://schemas.openxmlformats.org/officeDocument/2006/relationships" xmlns:p="http://schemas.openxmlformats.org/presentationml/2006/main">
+  <p:cSld>
+    <p:spTree>
+      <p:nvGrpSpPr>
+        <p:cNvPr id="1" name=""/>
+        <p:cNvGrpSpPr/>
+        <p:nvPr/>
+      </p:nvGrpSpPr>
+      <p:grpSpPr>
+        <a:xfrm>
+          <a:off x="0" y="0"/>
+          <a:ext cx="0" cy="0"/>
+          <a:chOff x="0" y="0"/>
+          <a:chExt cx="0" cy="0"/>
+        </a:xfrm>
+      </p:grpSpPr>
+      <p:sp>
+        <p:nvSpPr>
+          <p:cNvPr id="2" name="Title 1"/>
+          <p:cNvSpPr>
+            <a:spLocks noGrp="1"/>
+          </p:cNvSpPr>
+          <p:nvPr>
+            <p:ph type="title"/>
+          </p:nvPr>
+        </p:nvSpPr>
+        <p:spPr>
+          <a:xfrm>
+            <a:off x="457200" y="152400"/>
+            <a:ext cx="8229600" cy="838200"/>
+          </a:xfrm>
+        </p:spPr>
+        <p:txBody>
+          <a:bodyPr>
+            <a:normAutofit fontScale="90000"/>
+          </a:bodyPr>
+          <a:lstStyle/>
+          <a:p>
+            <a:r>
+              <a:rPr lang="en-US" sz="1600" dirty="0" smtClean="0"/>
+              <a:t>What happens if you do not import and you do a real test</a:t>
+            </a:r>
+            <a:br>
+              <a:rPr lang="en-US" sz="1600" dirty="0" smtClean="0"/>
+            </a:br>
+            <a:r>
+              <a:rPr lang="en-US" sz="1600" dirty="0" smtClean="0"/>
+              <a:t>Create a </a:t>
+            </a:r>
+            <a:r>
+              <a:rPr lang="en-US" sz="1600" dirty="0" err="1" smtClean="0"/>
+              <a:t>cmd</a:t>
+            </a:r>
+            <a:r>
+              <a:rPr lang="en-US" sz="1600" dirty="0" smtClean="0"/>
+              <a:t> file to call your </a:t>
+            </a:r>
+            <a:r>
+              <a:rPr lang="en-US" sz="1600" dirty="0" err="1" smtClean="0"/>
+              <a:t>powershell</a:t>
+            </a:r>
+            <a:r>
+              <a:rPr lang="en-US" sz="1600" dirty="0" smtClean="0"/>
+              <a:t> script</a:t>
+            </a:r>
+            <a:br>
+              <a:rPr lang="en-US" sz="1600" dirty="0" smtClean="0"/>
+            </a:br>
+            <a:r>
+              <a:rPr lang="en-US" sz="1600" dirty="0" smtClean="0"/>
+              <a:t>Run it from a </a:t>
+            </a:r>
+            <a:r>
+              <a:rPr lang="en-US" sz="1600" dirty="0" err="1" smtClean="0"/>
+              <a:t>cmd</a:t>
+            </a:r>
+            <a:r>
+              <a:rPr lang="en-US" sz="1600" dirty="0" smtClean="0"/>
+              <a:t> window</a:t>
+            </a:r>
+            <a:br>
+              <a:rPr lang="en-US" sz="1600" dirty="0" smtClean="0"/>
+            </a:br>
+            <a:endParaRPr lang="en-US" sz="1600" dirty="0"/>
+          </a:p>
+        </p:txBody>
+      </p:sp>
+      <p:pic>
+        <p:nvPicPr>
+          <p:cNvPr id="2051" name="Picture 3"/>
+          <p:cNvPicPr>
+            <a:picLocks noGrp="1" noChangeAspect="1" noChangeArrowheads="1"/>
+          </p:cNvPicPr>
+          <p:nvPr>
+            <p:ph idx="1"/>
+          </p:nvPr>
+        </p:nvPicPr>
+        <p:blipFill>
+          <a:blip r:embed="rId3">
+            <a:extLst>
+              <a:ext uri="{28A0092B-C50C-407E-A947-70E740481C1C}">
+                <a14:useLocalDpi xmlns:a14="http://schemas.microsoft.com/office/drawing/2010/main" val="0"/>
+              </a:ext>
+            </a:extLst>
+          </a:blip>
+          <a:srcRect/>
+          <a:stretch>
+            <a:fillRect/>
+          </a:stretch>
+        </p:blipFill>
+        <p:spPr bwMode="auto">
+          <a:xfrm>
+            <a:off x="609600" y="1143000"/>
+            <a:ext cx="8037952" cy="4606131"/>
+          </a:xfrm>
+          <a:prstGeom prst="rect">
+            <a:avLst/>
+          </a:prstGeom>
+          <a:noFill/>
+          <a:ln>
+            <a:noFill/>
+          </a:ln>
+          <a:extLst>
+            <a:ext uri="{909E8E84-426E-40DD-AFC4-6F175D3DCCD1}">
+              <a14:hiddenFill xmlns:a14="http://schemas.microsoft.com/office/drawing/2010/main">
+                <a:solidFill>
+                  <a:schemeClr val="accent1"/>
+                </a:solidFill>
+              </a14:hiddenFill>
+            </a:ext>
+            <a:ext uri="{91240B29-F687-4F45-9708-019B960494DF}">
+              <a14:hiddenLine xmlns:a14="http://schemas.microsoft.com/office/drawing/2010/main" w="9525">
+                <a:solidFill>
+                  <a:schemeClr val="tx1"/>
+                </a:solidFill>
+                <a:miter lim="800000"/>
+                <a:headEnd/>
+                <a:tailEnd/>
+              </a14:hiddenLine>
+            </a:ext>
+          </a:extLst>
+        </p:spPr>
+      </p:pic>
+    </p:spTree>
+    <p:extLst>
+      <p:ext uri="{BB962C8B-B14F-4D97-AF65-F5344CB8AC3E}">
+        <p14:creationId xmlns:p14="http://schemas.microsoft.com/office/powerpoint/2010/main" val="4250662756"/>
       </p:ext>
     </p:extLst>
   </p:cSld>

--- a/PowerShell From The Trenches - Workflows.pptx
+++ b/PowerShell From The Trenches - Workflows.pptx
@@ -5,7 +5,7 @@
     <p:sldMasterId id="2147483648" r:id="rId1"/>
   </p:sldMasterIdLst>
   <p:notesMasterIdLst>
-    <p:notesMasterId r:id="rId21"/>
+    <p:notesMasterId r:id="rId30"/>
   </p:notesMasterIdLst>
   <p:sldIdLst>
     <p:sldId id="256" r:id="rId2"/>
@@ -27,6 +27,15 @@
     <p:sldId id="272" r:id="rId18"/>
     <p:sldId id="274" r:id="rId19"/>
     <p:sldId id="273" r:id="rId20"/>
+    <p:sldId id="275" r:id="rId21"/>
+    <p:sldId id="276" r:id="rId22"/>
+    <p:sldId id="277" r:id="rId23"/>
+    <p:sldId id="278" r:id="rId24"/>
+    <p:sldId id="279" r:id="rId25"/>
+    <p:sldId id="280" r:id="rId26"/>
+    <p:sldId id="281" r:id="rId27"/>
+    <p:sldId id="282" r:id="rId28"/>
+    <p:sldId id="283" r:id="rId29"/>
   </p:sldIdLst>
   <p:sldSz cx="9144000" cy="6858000" type="screen4x3"/>
   <p:notesSz cx="6858000" cy="9144000"/>
@@ -210,7 +219,7 @@
           <a:p>
             <a:fld id="{C66C0B3E-3E85-4B94-9602-250875DB9BDA}" type="datetimeFigureOut">
               <a:rPr lang="en-US" smtClean="0"/>
-              <a:t>1/30/2020</a:t>
+              <a:t>2/7/2020</a:t>
             </a:fld>
             <a:endParaRPr lang="en-US"/>
           </a:p>
@@ -522,7 +531,7 @@
           <a:bodyPr/>
           <a:lstStyle/>
           <a:p>
-            <a:endParaRPr lang="en-US" dirty="0"/>
+            <a:endParaRPr lang="en-US"/>
           </a:p>
         </p:txBody>
       </p:sp>
@@ -553,6 +562,950 @@
     <p:extLst>
       <p:ext uri="{BB962C8B-B14F-4D97-AF65-F5344CB8AC3E}">
         <p14:creationId xmlns:p14="http://schemas.microsoft.com/office/powerpoint/2010/main" val="2273706393"/>
+      </p:ext>
+    </p:extLst>
+  </p:cSld>
+  <p:clrMapOvr>
+    <a:masterClrMapping/>
+  </p:clrMapOvr>
+</p:notes>
+</file>
+
+<file path=ppt/notesSlides/notesSlide10.xml><?xml version="1.0" encoding="utf-8"?>
+<p:notes xmlns:a="http://schemas.openxmlformats.org/drawingml/2006/main" xmlns:r="http://schemas.openxmlformats.org/officeDocument/2006/relationships" xmlns:p="http://schemas.openxmlformats.org/presentationml/2006/main">
+  <p:cSld>
+    <p:spTree>
+      <p:nvGrpSpPr>
+        <p:cNvPr id="1" name=""/>
+        <p:cNvGrpSpPr/>
+        <p:nvPr/>
+      </p:nvGrpSpPr>
+      <p:grpSpPr>
+        <a:xfrm>
+          <a:off x="0" y="0"/>
+          <a:ext cx="0" cy="0"/>
+          <a:chOff x="0" y="0"/>
+          <a:chExt cx="0" cy="0"/>
+        </a:xfrm>
+      </p:grpSpPr>
+      <p:sp>
+        <p:nvSpPr>
+          <p:cNvPr id="2" name="Slide Image Placeholder 1"/>
+          <p:cNvSpPr>
+            <a:spLocks noGrp="1" noRot="1" noChangeAspect="1"/>
+          </p:cNvSpPr>
+          <p:nvPr>
+            <p:ph type="sldImg"/>
+          </p:nvPr>
+        </p:nvSpPr>
+        <p:spPr/>
+      </p:sp>
+      <p:sp>
+        <p:nvSpPr>
+          <p:cNvPr id="3" name="Notes Placeholder 2"/>
+          <p:cNvSpPr>
+            <a:spLocks noGrp="1"/>
+          </p:cNvSpPr>
+          <p:nvPr>
+            <p:ph type="body" idx="1"/>
+          </p:nvPr>
+        </p:nvSpPr>
+        <p:spPr/>
+        <p:txBody>
+          <a:bodyPr/>
+          <a:lstStyle/>
+          <a:p>
+            <a:r>
+              <a:rPr lang="en-US" smtClean="0"/>
+              <a:t>Note to selves: this</a:t>
+            </a:r>
+            <a:r>
+              <a:rPr lang="en-US" baseline="0" smtClean="0"/>
+              <a:t> does not happen running the code in the Visual Studio Code editor, it caches the </a:t>
+            </a:r>
+            <a:r>
+              <a:rPr lang="en-US" baseline="0" err="1" smtClean="0"/>
+              <a:t>ExecuteSQL</a:t>
+            </a:r>
+            <a:r>
+              <a:rPr lang="en-US" baseline="0" smtClean="0"/>
+              <a:t> code and the code does not err. ALWAYS TEST USING a </a:t>
+            </a:r>
+            <a:r>
+              <a:rPr lang="en-US" baseline="0" err="1" smtClean="0"/>
+              <a:t>cmd</a:t>
+            </a:r>
+            <a:r>
+              <a:rPr lang="en-US" baseline="0" smtClean="0"/>
+              <a:t> window and batch file and </a:t>
+            </a:r>
+            <a:r>
+              <a:rPr lang="en-US" baseline="0" err="1" smtClean="0"/>
+              <a:t>powershell</a:t>
+            </a:r>
+            <a:r>
+              <a:rPr lang="en-US" baseline="0" smtClean="0"/>
+              <a:t> script, don’t be lazy</a:t>
+            </a:r>
+            <a:endParaRPr lang="en-US"/>
+          </a:p>
+        </p:txBody>
+      </p:sp>
+      <p:sp>
+        <p:nvSpPr>
+          <p:cNvPr id="4" name="Slide Number Placeholder 3"/>
+          <p:cNvSpPr>
+            <a:spLocks noGrp="1"/>
+          </p:cNvSpPr>
+          <p:nvPr>
+            <p:ph type="sldNum" sz="quarter" idx="10"/>
+          </p:nvPr>
+        </p:nvSpPr>
+        <p:spPr/>
+        <p:txBody>
+          <a:bodyPr/>
+          <a:lstStyle/>
+          <a:p>
+            <a:fld id="{0E10FAA0-75B7-40A2-9294-DA73526A0D78}" type="slidenum">
+              <a:rPr lang="en-US" smtClean="0"/>
+              <a:t>18</a:t>
+            </a:fld>
+            <a:endParaRPr lang="en-US"/>
+          </a:p>
+        </p:txBody>
+      </p:sp>
+    </p:spTree>
+    <p:extLst>
+      <p:ext uri="{BB962C8B-B14F-4D97-AF65-F5344CB8AC3E}">
+        <p14:creationId xmlns:p14="http://schemas.microsoft.com/office/powerpoint/2010/main" val="942056024"/>
+      </p:ext>
+    </p:extLst>
+  </p:cSld>
+  <p:clrMapOvr>
+    <a:masterClrMapping/>
+  </p:clrMapOvr>
+</p:notes>
+</file>
+
+<file path=ppt/notesSlides/notesSlide11.xml><?xml version="1.0" encoding="utf-8"?>
+<p:notes xmlns:a="http://schemas.openxmlformats.org/drawingml/2006/main" xmlns:r="http://schemas.openxmlformats.org/officeDocument/2006/relationships" xmlns:p="http://schemas.openxmlformats.org/presentationml/2006/main">
+  <p:cSld>
+    <p:spTree>
+      <p:nvGrpSpPr>
+        <p:cNvPr id="1" name=""/>
+        <p:cNvGrpSpPr/>
+        <p:nvPr/>
+      </p:nvGrpSpPr>
+      <p:grpSpPr>
+        <a:xfrm>
+          <a:off x="0" y="0"/>
+          <a:ext cx="0" cy="0"/>
+          <a:chOff x="0" y="0"/>
+          <a:chExt cx="0" cy="0"/>
+        </a:xfrm>
+      </p:grpSpPr>
+      <p:sp>
+        <p:nvSpPr>
+          <p:cNvPr id="2" name="Slide Image Placeholder 1"/>
+          <p:cNvSpPr>
+            <a:spLocks noGrp="1" noRot="1" noChangeAspect="1"/>
+          </p:cNvSpPr>
+          <p:nvPr>
+            <p:ph type="sldImg"/>
+          </p:nvPr>
+        </p:nvSpPr>
+        <p:spPr/>
+      </p:sp>
+      <p:sp>
+        <p:nvSpPr>
+          <p:cNvPr id="3" name="Notes Placeholder 2"/>
+          <p:cNvSpPr>
+            <a:spLocks noGrp="1"/>
+          </p:cNvSpPr>
+          <p:nvPr>
+            <p:ph type="body" idx="1"/>
+          </p:nvPr>
+        </p:nvSpPr>
+        <p:spPr/>
+        <p:txBody>
+          <a:bodyPr/>
+          <a:lstStyle/>
+          <a:p>
+            <a:r>
+              <a:rPr lang="en-US" smtClean="0"/>
+              <a:t>Doing</a:t>
+            </a:r>
+            <a:r>
+              <a:rPr lang="en-US" baseline="0" smtClean="0"/>
+              <a:t> the test the right way, confirmed the expectation of the error, all is well. And the wrong way is to test from your editor, you may find that code is cached and what should not work … worked</a:t>
+            </a:r>
+            <a:endParaRPr lang="en-US"/>
+          </a:p>
+        </p:txBody>
+      </p:sp>
+      <p:sp>
+        <p:nvSpPr>
+          <p:cNvPr id="4" name="Slide Number Placeholder 3"/>
+          <p:cNvSpPr>
+            <a:spLocks noGrp="1"/>
+          </p:cNvSpPr>
+          <p:nvPr>
+            <p:ph type="sldNum" sz="quarter" idx="10"/>
+          </p:nvPr>
+        </p:nvSpPr>
+        <p:spPr/>
+        <p:txBody>
+          <a:bodyPr/>
+          <a:lstStyle/>
+          <a:p>
+            <a:fld id="{0E10FAA0-75B7-40A2-9294-DA73526A0D78}" type="slidenum">
+              <a:rPr lang="en-US" smtClean="0"/>
+              <a:t>19</a:t>
+            </a:fld>
+            <a:endParaRPr lang="en-US"/>
+          </a:p>
+        </p:txBody>
+      </p:sp>
+    </p:spTree>
+    <p:extLst>
+      <p:ext uri="{BB962C8B-B14F-4D97-AF65-F5344CB8AC3E}">
+        <p14:creationId xmlns:p14="http://schemas.microsoft.com/office/powerpoint/2010/main" val="3135724181"/>
+      </p:ext>
+    </p:extLst>
+  </p:cSld>
+  <p:clrMapOvr>
+    <a:masterClrMapping/>
+  </p:clrMapOvr>
+</p:notes>
+</file>
+
+<file path=ppt/notesSlides/notesSlide12.xml><?xml version="1.0" encoding="utf-8"?>
+<p:notes xmlns:a="http://schemas.openxmlformats.org/drawingml/2006/main" xmlns:r="http://schemas.openxmlformats.org/officeDocument/2006/relationships" xmlns:p="http://schemas.openxmlformats.org/presentationml/2006/main">
+  <p:cSld>
+    <p:spTree>
+      <p:nvGrpSpPr>
+        <p:cNvPr id="1" name=""/>
+        <p:cNvGrpSpPr/>
+        <p:nvPr/>
+      </p:nvGrpSpPr>
+      <p:grpSpPr>
+        <a:xfrm>
+          <a:off x="0" y="0"/>
+          <a:ext cx="0" cy="0"/>
+          <a:chOff x="0" y="0"/>
+          <a:chExt cx="0" cy="0"/>
+        </a:xfrm>
+      </p:grpSpPr>
+      <p:sp>
+        <p:nvSpPr>
+          <p:cNvPr id="2" name="Slide Image Placeholder 1"/>
+          <p:cNvSpPr>
+            <a:spLocks noGrp="1" noRot="1" noChangeAspect="1"/>
+          </p:cNvSpPr>
+          <p:nvPr>
+            <p:ph type="sldImg"/>
+          </p:nvPr>
+        </p:nvSpPr>
+        <p:spPr/>
+      </p:sp>
+      <p:sp>
+        <p:nvSpPr>
+          <p:cNvPr id="3" name="Notes Placeholder 2"/>
+          <p:cNvSpPr>
+            <a:spLocks noGrp="1"/>
+          </p:cNvSpPr>
+          <p:nvPr>
+            <p:ph type="body" idx="1"/>
+          </p:nvPr>
+        </p:nvSpPr>
+        <p:spPr/>
+        <p:txBody>
+          <a:bodyPr/>
+          <a:lstStyle/>
+          <a:p>
+            <a:r>
+              <a:rPr lang="en-US" smtClean="0"/>
+              <a:t>Ok we have covered</a:t>
+            </a:r>
+            <a:r>
+              <a:rPr lang="en-US" baseline="0" smtClean="0"/>
+              <a:t> the basics, some reminders here of good practices </a:t>
+            </a:r>
+            <a:endParaRPr lang="en-US"/>
+          </a:p>
+        </p:txBody>
+      </p:sp>
+      <p:sp>
+        <p:nvSpPr>
+          <p:cNvPr id="4" name="Slide Number Placeholder 3"/>
+          <p:cNvSpPr>
+            <a:spLocks noGrp="1"/>
+          </p:cNvSpPr>
+          <p:nvPr>
+            <p:ph type="sldNum" sz="quarter" idx="10"/>
+          </p:nvPr>
+        </p:nvSpPr>
+        <p:spPr/>
+        <p:txBody>
+          <a:bodyPr/>
+          <a:lstStyle/>
+          <a:p>
+            <a:fld id="{0E10FAA0-75B7-40A2-9294-DA73526A0D78}" type="slidenum">
+              <a:rPr lang="en-US" smtClean="0"/>
+              <a:t>20</a:t>
+            </a:fld>
+            <a:endParaRPr lang="en-US"/>
+          </a:p>
+        </p:txBody>
+      </p:sp>
+    </p:spTree>
+    <p:extLst>
+      <p:ext uri="{BB962C8B-B14F-4D97-AF65-F5344CB8AC3E}">
+        <p14:creationId xmlns:p14="http://schemas.microsoft.com/office/powerpoint/2010/main" val="3356355339"/>
+      </p:ext>
+    </p:extLst>
+  </p:cSld>
+  <p:clrMapOvr>
+    <a:masterClrMapping/>
+  </p:clrMapOvr>
+</p:notes>
+</file>
+
+<file path=ppt/notesSlides/notesSlide13.xml><?xml version="1.0" encoding="utf-8"?>
+<p:notes xmlns:a="http://schemas.openxmlformats.org/drawingml/2006/main" xmlns:r="http://schemas.openxmlformats.org/officeDocument/2006/relationships" xmlns:p="http://schemas.openxmlformats.org/presentationml/2006/main">
+  <p:cSld>
+    <p:spTree>
+      <p:nvGrpSpPr>
+        <p:cNvPr id="1" name=""/>
+        <p:cNvGrpSpPr/>
+        <p:nvPr/>
+      </p:nvGrpSpPr>
+      <p:grpSpPr>
+        <a:xfrm>
+          <a:off x="0" y="0"/>
+          <a:ext cx="0" cy="0"/>
+          <a:chOff x="0" y="0"/>
+          <a:chExt cx="0" cy="0"/>
+        </a:xfrm>
+      </p:grpSpPr>
+      <p:sp>
+        <p:nvSpPr>
+          <p:cNvPr id="2" name="Slide Image Placeholder 1"/>
+          <p:cNvSpPr>
+            <a:spLocks noGrp="1" noRot="1" noChangeAspect="1"/>
+          </p:cNvSpPr>
+          <p:nvPr>
+            <p:ph type="sldImg"/>
+          </p:nvPr>
+        </p:nvSpPr>
+        <p:spPr/>
+      </p:sp>
+      <p:sp>
+        <p:nvSpPr>
+          <p:cNvPr id="3" name="Notes Placeholder 2"/>
+          <p:cNvSpPr>
+            <a:spLocks noGrp="1"/>
+          </p:cNvSpPr>
+          <p:nvPr>
+            <p:ph type="body" idx="1"/>
+          </p:nvPr>
+        </p:nvSpPr>
+        <p:spPr/>
+        <p:txBody>
+          <a:bodyPr/>
+          <a:lstStyle/>
+          <a:p>
+            <a:r>
+              <a:rPr lang="en-US" smtClean="0"/>
+              <a:t>This is a classic</a:t>
+            </a:r>
+            <a:r>
+              <a:rPr lang="en-US" baseline="0" smtClean="0"/>
+              <a:t> jobs program, using script blocks to manage the code, it works well. </a:t>
+            </a:r>
+            <a:endParaRPr lang="en-US"/>
+          </a:p>
+        </p:txBody>
+      </p:sp>
+      <p:sp>
+        <p:nvSpPr>
+          <p:cNvPr id="4" name="Slide Number Placeholder 3"/>
+          <p:cNvSpPr>
+            <a:spLocks noGrp="1"/>
+          </p:cNvSpPr>
+          <p:nvPr>
+            <p:ph type="sldNum" sz="quarter" idx="10"/>
+          </p:nvPr>
+        </p:nvSpPr>
+        <p:spPr/>
+        <p:txBody>
+          <a:bodyPr/>
+          <a:lstStyle/>
+          <a:p>
+            <a:fld id="{0E10FAA0-75B7-40A2-9294-DA73526A0D78}" type="slidenum">
+              <a:rPr lang="en-US" smtClean="0"/>
+              <a:t>21</a:t>
+            </a:fld>
+            <a:endParaRPr lang="en-US"/>
+          </a:p>
+        </p:txBody>
+      </p:sp>
+    </p:spTree>
+    <p:extLst>
+      <p:ext uri="{BB962C8B-B14F-4D97-AF65-F5344CB8AC3E}">
+        <p14:creationId xmlns:p14="http://schemas.microsoft.com/office/powerpoint/2010/main" val="4274065873"/>
+      </p:ext>
+    </p:extLst>
+  </p:cSld>
+  <p:clrMapOvr>
+    <a:masterClrMapping/>
+  </p:clrMapOvr>
+</p:notes>
+</file>
+
+<file path=ppt/notesSlides/notesSlide14.xml><?xml version="1.0" encoding="utf-8"?>
+<p:notes xmlns:a="http://schemas.openxmlformats.org/drawingml/2006/main" xmlns:r="http://schemas.openxmlformats.org/officeDocument/2006/relationships" xmlns:p="http://schemas.openxmlformats.org/presentationml/2006/main">
+  <p:cSld>
+    <p:spTree>
+      <p:nvGrpSpPr>
+        <p:cNvPr id="1" name=""/>
+        <p:cNvGrpSpPr/>
+        <p:nvPr/>
+      </p:nvGrpSpPr>
+      <p:grpSpPr>
+        <a:xfrm>
+          <a:off x="0" y="0"/>
+          <a:ext cx="0" cy="0"/>
+          <a:chOff x="0" y="0"/>
+          <a:chExt cx="0" cy="0"/>
+        </a:xfrm>
+      </p:grpSpPr>
+      <p:sp>
+        <p:nvSpPr>
+          <p:cNvPr id="2" name="Slide Image Placeholder 1"/>
+          <p:cNvSpPr>
+            <a:spLocks noGrp="1" noRot="1" noChangeAspect="1"/>
+          </p:cNvSpPr>
+          <p:nvPr>
+            <p:ph type="sldImg"/>
+          </p:nvPr>
+        </p:nvSpPr>
+        <p:spPr/>
+      </p:sp>
+      <p:sp>
+        <p:nvSpPr>
+          <p:cNvPr id="3" name="Notes Placeholder 2"/>
+          <p:cNvSpPr>
+            <a:spLocks noGrp="1"/>
+          </p:cNvSpPr>
+          <p:nvPr>
+            <p:ph type="body" idx="1"/>
+          </p:nvPr>
+        </p:nvSpPr>
+        <p:spPr/>
+        <p:txBody>
+          <a:bodyPr/>
+          <a:lstStyle/>
+          <a:p>
+            <a:r>
+              <a:rPr lang="en-US" smtClean="0"/>
+              <a:t>Several copies of a ZZZ_Deleteme database</a:t>
+            </a:r>
+            <a:r>
+              <a:rPr lang="en-US" baseline="0" smtClean="0"/>
+              <a:t> were restored with different names, one of them left not recovered , which in later runs was used to apply transaction logs (not shown here)</a:t>
+            </a:r>
+            <a:endParaRPr lang="en-US"/>
+          </a:p>
+        </p:txBody>
+      </p:sp>
+      <p:sp>
+        <p:nvSpPr>
+          <p:cNvPr id="4" name="Slide Number Placeholder 3"/>
+          <p:cNvSpPr>
+            <a:spLocks noGrp="1"/>
+          </p:cNvSpPr>
+          <p:nvPr>
+            <p:ph type="sldNum" sz="quarter" idx="10"/>
+          </p:nvPr>
+        </p:nvSpPr>
+        <p:spPr/>
+        <p:txBody>
+          <a:bodyPr/>
+          <a:lstStyle/>
+          <a:p>
+            <a:fld id="{0E10FAA0-75B7-40A2-9294-DA73526A0D78}" type="slidenum">
+              <a:rPr lang="en-US" smtClean="0"/>
+              <a:t>22</a:t>
+            </a:fld>
+            <a:endParaRPr lang="en-US"/>
+          </a:p>
+        </p:txBody>
+      </p:sp>
+    </p:spTree>
+    <p:extLst>
+      <p:ext uri="{BB962C8B-B14F-4D97-AF65-F5344CB8AC3E}">
+        <p14:creationId xmlns:p14="http://schemas.microsoft.com/office/powerpoint/2010/main" val="1076592094"/>
+      </p:ext>
+    </p:extLst>
+  </p:cSld>
+  <p:clrMapOvr>
+    <a:masterClrMapping/>
+  </p:clrMapOvr>
+</p:notes>
+</file>
+
+<file path=ppt/notesSlides/notesSlide15.xml><?xml version="1.0" encoding="utf-8"?>
+<p:notes xmlns:a="http://schemas.openxmlformats.org/drawingml/2006/main" xmlns:r="http://schemas.openxmlformats.org/officeDocument/2006/relationships" xmlns:p="http://schemas.openxmlformats.org/presentationml/2006/main">
+  <p:cSld>
+    <p:spTree>
+      <p:nvGrpSpPr>
+        <p:cNvPr id="1" name=""/>
+        <p:cNvGrpSpPr/>
+        <p:nvPr/>
+      </p:nvGrpSpPr>
+      <p:grpSpPr>
+        <a:xfrm>
+          <a:off x="0" y="0"/>
+          <a:ext cx="0" cy="0"/>
+          <a:chOff x="0" y="0"/>
+          <a:chExt cx="0" cy="0"/>
+        </a:xfrm>
+      </p:grpSpPr>
+      <p:sp>
+        <p:nvSpPr>
+          <p:cNvPr id="2" name="Slide Image Placeholder 1"/>
+          <p:cNvSpPr>
+            <a:spLocks noGrp="1" noRot="1" noChangeAspect="1"/>
+          </p:cNvSpPr>
+          <p:nvPr>
+            <p:ph type="sldImg"/>
+          </p:nvPr>
+        </p:nvSpPr>
+        <p:spPr/>
+      </p:sp>
+      <p:sp>
+        <p:nvSpPr>
+          <p:cNvPr id="3" name="Notes Placeholder 2"/>
+          <p:cNvSpPr>
+            <a:spLocks noGrp="1"/>
+          </p:cNvSpPr>
+          <p:nvPr>
+            <p:ph type="body" idx="1"/>
+          </p:nvPr>
+        </p:nvSpPr>
+        <p:spPr/>
+        <p:txBody>
+          <a:bodyPr/>
+          <a:lstStyle/>
+          <a:p>
+            <a:r>
+              <a:rPr lang="en-US" smtClean="0"/>
+              <a:t>Save this model</a:t>
+            </a:r>
+            <a:r>
+              <a:rPr lang="en-US" baseline="0" smtClean="0"/>
+              <a:t> and use it everywhere, don’t leave home without it, in many cases you will not need the sequence part, but sometimes it comes handy to deal with the order of actions in parallel process, will see in the next slide</a:t>
+            </a:r>
+            <a:endParaRPr lang="en-US"/>
+          </a:p>
+        </p:txBody>
+      </p:sp>
+      <p:sp>
+        <p:nvSpPr>
+          <p:cNvPr id="4" name="Slide Number Placeholder 3"/>
+          <p:cNvSpPr>
+            <a:spLocks noGrp="1"/>
+          </p:cNvSpPr>
+          <p:nvPr>
+            <p:ph type="sldNum" sz="quarter" idx="10"/>
+          </p:nvPr>
+        </p:nvSpPr>
+        <p:spPr/>
+        <p:txBody>
+          <a:bodyPr/>
+          <a:lstStyle/>
+          <a:p>
+            <a:fld id="{0E10FAA0-75B7-40A2-9294-DA73526A0D78}" type="slidenum">
+              <a:rPr lang="en-US" smtClean="0"/>
+              <a:t>23</a:t>
+            </a:fld>
+            <a:endParaRPr lang="en-US"/>
+          </a:p>
+        </p:txBody>
+      </p:sp>
+    </p:spTree>
+    <p:extLst>
+      <p:ext uri="{BB962C8B-B14F-4D97-AF65-F5344CB8AC3E}">
+        <p14:creationId xmlns:p14="http://schemas.microsoft.com/office/powerpoint/2010/main" val="4058748547"/>
+      </p:ext>
+    </p:extLst>
+  </p:cSld>
+  <p:clrMapOvr>
+    <a:masterClrMapping/>
+  </p:clrMapOvr>
+</p:notes>
+</file>
+
+<file path=ppt/notesSlides/notesSlide16.xml><?xml version="1.0" encoding="utf-8"?>
+<p:notes xmlns:a="http://schemas.openxmlformats.org/drawingml/2006/main" xmlns:r="http://schemas.openxmlformats.org/officeDocument/2006/relationships" xmlns:p="http://schemas.openxmlformats.org/presentationml/2006/main">
+  <p:cSld>
+    <p:spTree>
+      <p:nvGrpSpPr>
+        <p:cNvPr id="1" name=""/>
+        <p:cNvGrpSpPr/>
+        <p:nvPr/>
+      </p:nvGrpSpPr>
+      <p:grpSpPr>
+        <a:xfrm>
+          <a:off x="0" y="0"/>
+          <a:ext cx="0" cy="0"/>
+          <a:chOff x="0" y="0"/>
+          <a:chExt cx="0" cy="0"/>
+        </a:xfrm>
+      </p:grpSpPr>
+      <p:sp>
+        <p:nvSpPr>
+          <p:cNvPr id="2" name="Slide Image Placeholder 1"/>
+          <p:cNvSpPr>
+            <a:spLocks noGrp="1" noRot="1" noChangeAspect="1"/>
+          </p:cNvSpPr>
+          <p:nvPr>
+            <p:ph type="sldImg"/>
+          </p:nvPr>
+        </p:nvSpPr>
+        <p:spPr/>
+      </p:sp>
+      <p:sp>
+        <p:nvSpPr>
+          <p:cNvPr id="3" name="Notes Placeholder 2"/>
+          <p:cNvSpPr>
+            <a:spLocks noGrp="1"/>
+          </p:cNvSpPr>
+          <p:nvPr>
+            <p:ph type="body" idx="1"/>
+          </p:nvPr>
+        </p:nvSpPr>
+        <p:spPr/>
+        <p:txBody>
+          <a:bodyPr/>
+          <a:lstStyle/>
+          <a:p>
+            <a:r>
+              <a:rPr lang="en-US" smtClean="0"/>
+              <a:t>Will create</a:t>
+            </a:r>
+            <a:r>
+              <a:rPr lang="en-US" baseline="0" smtClean="0"/>
+              <a:t> a program that will get data from several servers and databases, saves data in files, compresses them and emails a report</a:t>
+            </a:r>
+            <a:endParaRPr lang="en-US"/>
+          </a:p>
+        </p:txBody>
+      </p:sp>
+      <p:sp>
+        <p:nvSpPr>
+          <p:cNvPr id="4" name="Slide Number Placeholder 3"/>
+          <p:cNvSpPr>
+            <a:spLocks noGrp="1"/>
+          </p:cNvSpPr>
+          <p:nvPr>
+            <p:ph type="sldNum" sz="quarter" idx="10"/>
+          </p:nvPr>
+        </p:nvSpPr>
+        <p:spPr/>
+        <p:txBody>
+          <a:bodyPr/>
+          <a:lstStyle/>
+          <a:p>
+            <a:fld id="{0E10FAA0-75B7-40A2-9294-DA73526A0D78}" type="slidenum">
+              <a:rPr lang="en-US" smtClean="0"/>
+              <a:t>24</a:t>
+            </a:fld>
+            <a:endParaRPr lang="en-US"/>
+          </a:p>
+        </p:txBody>
+      </p:sp>
+    </p:spTree>
+    <p:extLst>
+      <p:ext uri="{BB962C8B-B14F-4D97-AF65-F5344CB8AC3E}">
+        <p14:creationId xmlns:p14="http://schemas.microsoft.com/office/powerpoint/2010/main" val="13029427"/>
+      </p:ext>
+    </p:extLst>
+  </p:cSld>
+  <p:clrMapOvr>
+    <a:masterClrMapping/>
+  </p:clrMapOvr>
+</p:notes>
+</file>
+
+<file path=ppt/notesSlides/notesSlide17.xml><?xml version="1.0" encoding="utf-8"?>
+<p:notes xmlns:a="http://schemas.openxmlformats.org/drawingml/2006/main" xmlns:r="http://schemas.openxmlformats.org/officeDocument/2006/relationships" xmlns:p="http://schemas.openxmlformats.org/presentationml/2006/main">
+  <p:cSld>
+    <p:spTree>
+      <p:nvGrpSpPr>
+        <p:cNvPr id="1" name=""/>
+        <p:cNvGrpSpPr/>
+        <p:nvPr/>
+      </p:nvGrpSpPr>
+      <p:grpSpPr>
+        <a:xfrm>
+          <a:off x="0" y="0"/>
+          <a:ext cx="0" cy="0"/>
+          <a:chOff x="0" y="0"/>
+          <a:chExt cx="0" cy="0"/>
+        </a:xfrm>
+      </p:grpSpPr>
+      <p:sp>
+        <p:nvSpPr>
+          <p:cNvPr id="2" name="Slide Image Placeholder 1"/>
+          <p:cNvSpPr>
+            <a:spLocks noGrp="1" noRot="1" noChangeAspect="1"/>
+          </p:cNvSpPr>
+          <p:nvPr>
+            <p:ph type="sldImg"/>
+          </p:nvPr>
+        </p:nvSpPr>
+        <p:spPr/>
+      </p:sp>
+      <p:sp>
+        <p:nvSpPr>
+          <p:cNvPr id="3" name="Notes Placeholder 2"/>
+          <p:cNvSpPr>
+            <a:spLocks noGrp="1"/>
+          </p:cNvSpPr>
+          <p:nvPr>
+            <p:ph type="body" idx="1"/>
+          </p:nvPr>
+        </p:nvSpPr>
+        <p:spPr/>
+        <p:txBody>
+          <a:bodyPr/>
+          <a:lstStyle/>
+          <a:p>
+            <a:r>
+              <a:rPr lang="en-US" smtClean="0"/>
+              <a:t>Showing this in two screens,</a:t>
+            </a:r>
+            <a:r>
+              <a:rPr lang="en-US" baseline="0" smtClean="0"/>
+              <a:t> for ease of viewing: workflow is defined, a list of values passed to it, and for each list value actions are applied – getting files from database and compressing them</a:t>
+            </a:r>
+            <a:endParaRPr lang="en-US"/>
+          </a:p>
+        </p:txBody>
+      </p:sp>
+      <p:sp>
+        <p:nvSpPr>
+          <p:cNvPr id="4" name="Slide Number Placeholder 3"/>
+          <p:cNvSpPr>
+            <a:spLocks noGrp="1"/>
+          </p:cNvSpPr>
+          <p:nvPr>
+            <p:ph type="sldNum" sz="quarter" idx="10"/>
+          </p:nvPr>
+        </p:nvSpPr>
+        <p:spPr/>
+        <p:txBody>
+          <a:bodyPr/>
+          <a:lstStyle/>
+          <a:p>
+            <a:fld id="{0E10FAA0-75B7-40A2-9294-DA73526A0D78}" type="slidenum">
+              <a:rPr lang="en-US" smtClean="0"/>
+              <a:t>25</a:t>
+            </a:fld>
+            <a:endParaRPr lang="en-US"/>
+          </a:p>
+        </p:txBody>
+      </p:sp>
+    </p:spTree>
+    <p:extLst>
+      <p:ext uri="{BB962C8B-B14F-4D97-AF65-F5344CB8AC3E}">
+        <p14:creationId xmlns:p14="http://schemas.microsoft.com/office/powerpoint/2010/main" val="3638359411"/>
+      </p:ext>
+    </p:extLst>
+  </p:cSld>
+  <p:clrMapOvr>
+    <a:masterClrMapping/>
+  </p:clrMapOvr>
+</p:notes>
+</file>
+
+<file path=ppt/notesSlides/notesSlide18.xml><?xml version="1.0" encoding="utf-8"?>
+<p:notes xmlns:a="http://schemas.openxmlformats.org/drawingml/2006/main" xmlns:r="http://schemas.openxmlformats.org/officeDocument/2006/relationships" xmlns:p="http://schemas.openxmlformats.org/presentationml/2006/main">
+  <p:cSld>
+    <p:spTree>
+      <p:nvGrpSpPr>
+        <p:cNvPr id="1" name=""/>
+        <p:cNvGrpSpPr/>
+        <p:nvPr/>
+      </p:nvGrpSpPr>
+      <p:grpSpPr>
+        <a:xfrm>
+          <a:off x="0" y="0"/>
+          <a:ext cx="0" cy="0"/>
+          <a:chOff x="0" y="0"/>
+          <a:chExt cx="0" cy="0"/>
+        </a:xfrm>
+      </p:grpSpPr>
+      <p:sp>
+        <p:nvSpPr>
+          <p:cNvPr id="2" name="Slide Image Placeholder 1"/>
+          <p:cNvSpPr>
+            <a:spLocks noGrp="1" noRot="1" noChangeAspect="1"/>
+          </p:cNvSpPr>
+          <p:nvPr>
+            <p:ph type="sldImg"/>
+          </p:nvPr>
+        </p:nvSpPr>
+        <p:spPr/>
+      </p:sp>
+      <p:sp>
+        <p:nvSpPr>
+          <p:cNvPr id="3" name="Notes Placeholder 2"/>
+          <p:cNvSpPr>
+            <a:spLocks noGrp="1"/>
+          </p:cNvSpPr>
+          <p:nvPr>
+            <p:ph type="body" idx="1"/>
+          </p:nvPr>
+        </p:nvSpPr>
+        <p:spPr/>
+        <p:txBody>
+          <a:bodyPr/>
+          <a:lstStyle/>
+          <a:p>
+            <a:r>
+              <a:rPr lang="en-US" smtClean="0"/>
+              <a:t>And after the parallel</a:t>
+            </a:r>
+            <a:r>
+              <a:rPr lang="en-US" baseline="0" smtClean="0"/>
+              <a:t> section of the program an email report is created, and the workflow executed</a:t>
+            </a:r>
+            <a:endParaRPr lang="en-US"/>
+          </a:p>
+        </p:txBody>
+      </p:sp>
+      <p:sp>
+        <p:nvSpPr>
+          <p:cNvPr id="4" name="Slide Number Placeholder 3"/>
+          <p:cNvSpPr>
+            <a:spLocks noGrp="1"/>
+          </p:cNvSpPr>
+          <p:nvPr>
+            <p:ph type="sldNum" sz="quarter" idx="10"/>
+          </p:nvPr>
+        </p:nvSpPr>
+        <p:spPr/>
+        <p:txBody>
+          <a:bodyPr/>
+          <a:lstStyle/>
+          <a:p>
+            <a:fld id="{0E10FAA0-75B7-40A2-9294-DA73526A0D78}" type="slidenum">
+              <a:rPr lang="en-US" smtClean="0"/>
+              <a:t>26</a:t>
+            </a:fld>
+            <a:endParaRPr lang="en-US"/>
+          </a:p>
+        </p:txBody>
+      </p:sp>
+    </p:spTree>
+    <p:extLst>
+      <p:ext uri="{BB962C8B-B14F-4D97-AF65-F5344CB8AC3E}">
+        <p14:creationId xmlns:p14="http://schemas.microsoft.com/office/powerpoint/2010/main" val="2825455706"/>
+      </p:ext>
+    </p:extLst>
+  </p:cSld>
+  <p:clrMapOvr>
+    <a:masterClrMapping/>
+  </p:clrMapOvr>
+</p:notes>
+</file>
+
+<file path=ppt/notesSlides/notesSlide19.xml><?xml version="1.0" encoding="utf-8"?>
+<p:notes xmlns:a="http://schemas.openxmlformats.org/drawingml/2006/main" xmlns:r="http://schemas.openxmlformats.org/officeDocument/2006/relationships" xmlns:p="http://schemas.openxmlformats.org/presentationml/2006/main">
+  <p:cSld>
+    <p:spTree>
+      <p:nvGrpSpPr>
+        <p:cNvPr id="1" name=""/>
+        <p:cNvGrpSpPr/>
+        <p:nvPr/>
+      </p:nvGrpSpPr>
+      <p:grpSpPr>
+        <a:xfrm>
+          <a:off x="0" y="0"/>
+          <a:ext cx="0" cy="0"/>
+          <a:chOff x="0" y="0"/>
+          <a:chExt cx="0" cy="0"/>
+        </a:xfrm>
+      </p:grpSpPr>
+      <p:sp>
+        <p:nvSpPr>
+          <p:cNvPr id="2" name="Slide Image Placeholder 1"/>
+          <p:cNvSpPr>
+            <a:spLocks noGrp="1" noRot="1" noChangeAspect="1"/>
+          </p:cNvSpPr>
+          <p:nvPr>
+            <p:ph type="sldImg"/>
+          </p:nvPr>
+        </p:nvSpPr>
+        <p:spPr/>
+      </p:sp>
+      <p:sp>
+        <p:nvSpPr>
+          <p:cNvPr id="3" name="Notes Placeholder 2"/>
+          <p:cNvSpPr>
+            <a:spLocks noGrp="1"/>
+          </p:cNvSpPr>
+          <p:nvPr>
+            <p:ph type="body" idx="1"/>
+          </p:nvPr>
+        </p:nvSpPr>
+        <p:spPr/>
+        <p:txBody>
+          <a:bodyPr/>
+          <a:lstStyle/>
+          <a:p>
+            <a:r>
+              <a:rPr lang="en-US" smtClean="0"/>
+              <a:t>No surprises, worked as </a:t>
+            </a:r>
+            <a:r>
+              <a:rPr lang="en-US" smtClean="0"/>
+              <a:t>expected</a:t>
+            </a:r>
+            <a:endParaRPr lang="en-US"/>
+          </a:p>
+        </p:txBody>
+      </p:sp>
+      <p:sp>
+        <p:nvSpPr>
+          <p:cNvPr id="4" name="Slide Number Placeholder 3"/>
+          <p:cNvSpPr>
+            <a:spLocks noGrp="1"/>
+          </p:cNvSpPr>
+          <p:nvPr>
+            <p:ph type="sldNum" sz="quarter" idx="10"/>
+          </p:nvPr>
+        </p:nvSpPr>
+        <p:spPr/>
+        <p:txBody>
+          <a:bodyPr/>
+          <a:lstStyle/>
+          <a:p>
+            <a:fld id="{0E10FAA0-75B7-40A2-9294-DA73526A0D78}" type="slidenum">
+              <a:rPr lang="en-US" smtClean="0"/>
+              <a:t>27</a:t>
+            </a:fld>
+            <a:endParaRPr lang="en-US"/>
+          </a:p>
+        </p:txBody>
+      </p:sp>
+    </p:spTree>
+    <p:extLst>
+      <p:ext uri="{BB962C8B-B14F-4D97-AF65-F5344CB8AC3E}">
+        <p14:creationId xmlns:p14="http://schemas.microsoft.com/office/powerpoint/2010/main" val="831518943"/>
       </p:ext>
     </p:extLst>
   </p:cSld>
@@ -607,22 +1560,18 @@
           <a:lstStyle/>
           <a:p>
             <a:r>
-              <a:rPr lang="en-US" dirty="0" smtClean="0"/>
-              <a:t>We can pass values</a:t>
-            </a:r>
-            <a:r>
-              <a:rPr lang="en-US" baseline="0" dirty="0" smtClean="0"/>
-              <a:t> to </a:t>
-            </a:r>
-            <a:r>
-              <a:rPr lang="en-US" baseline="0" dirty="0" err="1" smtClean="0"/>
-              <a:t>InlineScripts</a:t>
-            </a:r>
-            <a:r>
-              <a:rPr lang="en-US" baseline="0" dirty="0" smtClean="0"/>
-              <a:t>, just remember the $using </a:t>
-            </a:r>
-            <a:endParaRPr lang="en-US" dirty="0"/>
+              <a:rPr lang="en-US" smtClean="0"/>
+              <a:t>Let’s see in the next slides</a:t>
+            </a:r>
+            <a:r>
+              <a:rPr lang="en-US" baseline="0" smtClean="0"/>
+              <a:t> this passing and receiving stuff to and from </a:t>
+            </a:r>
+            <a:r>
+              <a:rPr lang="en-US" baseline="0" err="1" smtClean="0"/>
+              <a:t>inlinescripts</a:t>
+            </a:r>
+            <a:endParaRPr lang="en-US"/>
           </a:p>
         </p:txBody>
       </p:sp>
@@ -643,7 +1592,7 @@
           <a:p>
             <a:fld id="{0E10FAA0-75B7-40A2-9294-DA73526A0D78}" type="slidenum">
               <a:rPr lang="en-US" smtClean="0"/>
-              <a:t>11</a:t>
+              <a:t>10</a:t>
             </a:fld>
             <a:endParaRPr lang="en-US"/>
           </a:p>
@@ -652,7 +1601,7 @@
     </p:spTree>
     <p:extLst>
       <p:ext uri="{BB962C8B-B14F-4D97-AF65-F5344CB8AC3E}">
-        <p14:creationId xmlns:p14="http://schemas.microsoft.com/office/powerpoint/2010/main" val="3224307919"/>
+        <p14:creationId xmlns:p14="http://schemas.microsoft.com/office/powerpoint/2010/main" val="1755819993"/>
       </p:ext>
     </p:extLst>
   </p:cSld>
@@ -707,14 +1656,22 @@
           <a:lstStyle/>
           <a:p>
             <a:r>
-              <a:rPr lang="en-US" dirty="0" smtClean="0"/>
-              <a:t>Ok now we just</a:t>
-            </a:r>
-            <a:r>
-              <a:rPr lang="en-US" baseline="0" dirty="0" smtClean="0"/>
-              <a:t> need to add a little thing before we continue</a:t>
-            </a:r>
-            <a:endParaRPr lang="en-US" dirty="0"/>
+              <a:rPr lang="en-US" smtClean="0"/>
+              <a:t>We can pass values</a:t>
+            </a:r>
+            <a:r>
+              <a:rPr lang="en-US" baseline="0" smtClean="0"/>
+              <a:t> to </a:t>
+            </a:r>
+            <a:r>
+              <a:rPr lang="en-US" baseline="0" err="1" smtClean="0"/>
+              <a:t>InlineScripts</a:t>
+            </a:r>
+            <a:r>
+              <a:rPr lang="en-US" baseline="0" smtClean="0"/>
+              <a:t>, just remember the $using </a:t>
+            </a:r>
+            <a:endParaRPr lang="en-US"/>
           </a:p>
         </p:txBody>
       </p:sp>
@@ -735,7 +1692,7 @@
           <a:p>
             <a:fld id="{0E10FAA0-75B7-40A2-9294-DA73526A0D78}" type="slidenum">
               <a:rPr lang="en-US" smtClean="0"/>
-              <a:t>12</a:t>
+              <a:t>11</a:t>
             </a:fld>
             <a:endParaRPr lang="en-US"/>
           </a:p>
@@ -744,7 +1701,7 @@
     </p:spTree>
     <p:extLst>
       <p:ext uri="{BB962C8B-B14F-4D97-AF65-F5344CB8AC3E}">
-        <p14:creationId xmlns:p14="http://schemas.microsoft.com/office/powerpoint/2010/main" val="2228760575"/>
+        <p14:creationId xmlns:p14="http://schemas.microsoft.com/office/powerpoint/2010/main" val="3224307919"/>
       </p:ext>
     </p:extLst>
   </p:cSld>
@@ -799,14 +1756,14 @@
           <a:lstStyle/>
           <a:p>
             <a:r>
-              <a:rPr lang="en-US" dirty="0" smtClean="0"/>
-              <a:t>Yes they work</a:t>
-            </a:r>
-            <a:r>
-              <a:rPr lang="en-US" baseline="0" dirty="0" smtClean="0"/>
-              <a:t> fine but get in the habit of using script blocks for everything for workflows</a:t>
-            </a:r>
-            <a:endParaRPr lang="en-US" dirty="0"/>
+              <a:rPr lang="en-US" smtClean="0"/>
+              <a:t>Ok now we just</a:t>
+            </a:r>
+            <a:r>
+              <a:rPr lang="en-US" baseline="0" smtClean="0"/>
+              <a:t> need to add a little thing before we continue</a:t>
+            </a:r>
+            <a:endParaRPr lang="en-US"/>
           </a:p>
         </p:txBody>
       </p:sp>
@@ -827,7 +1784,7 @@
           <a:p>
             <a:fld id="{0E10FAA0-75B7-40A2-9294-DA73526A0D78}" type="slidenum">
               <a:rPr lang="en-US" smtClean="0"/>
-              <a:t>13</a:t>
+              <a:t>12</a:t>
             </a:fld>
             <a:endParaRPr lang="en-US"/>
           </a:p>
@@ -836,7 +1793,7 @@
     </p:spTree>
     <p:extLst>
       <p:ext uri="{BB962C8B-B14F-4D97-AF65-F5344CB8AC3E}">
-        <p14:creationId xmlns:p14="http://schemas.microsoft.com/office/powerpoint/2010/main" val="3995268486"/>
+        <p14:creationId xmlns:p14="http://schemas.microsoft.com/office/powerpoint/2010/main" val="2228760575"/>
       </p:ext>
     </p:extLst>
   </p:cSld>
@@ -891,22 +1848,14 @@
           <a:lstStyle/>
           <a:p>
             <a:r>
-              <a:rPr lang="en-US" dirty="0" smtClean="0"/>
-              <a:t>Good practice for the </a:t>
-            </a:r>
-            <a:r>
-              <a:rPr lang="en-US" dirty="0" err="1" smtClean="0"/>
-              <a:t>workflower</a:t>
-            </a:r>
-            <a:r>
-              <a:rPr lang="en-US" dirty="0" smtClean="0"/>
-              <a:t>: use script</a:t>
-            </a:r>
-            <a:r>
-              <a:rPr lang="en-US" baseline="0" dirty="0" smtClean="0"/>
-              <a:t> blocks and save yourself aggravations</a:t>
-            </a:r>
-            <a:endParaRPr lang="en-US" dirty="0"/>
+              <a:rPr lang="en-US" smtClean="0"/>
+              <a:t>Yes they work</a:t>
+            </a:r>
+            <a:r>
+              <a:rPr lang="en-US" baseline="0" smtClean="0"/>
+              <a:t> fine but get in the habit of using script blocks for everything for workflows</a:t>
+            </a:r>
+            <a:endParaRPr lang="en-US"/>
           </a:p>
         </p:txBody>
       </p:sp>
@@ -927,7 +1876,7 @@
           <a:p>
             <a:fld id="{0E10FAA0-75B7-40A2-9294-DA73526A0D78}" type="slidenum">
               <a:rPr lang="en-US" smtClean="0"/>
-              <a:t>14</a:t>
+              <a:t>13</a:t>
             </a:fld>
             <a:endParaRPr lang="en-US"/>
           </a:p>
@@ -936,7 +1885,7 @@
     </p:spTree>
     <p:extLst>
       <p:ext uri="{BB962C8B-B14F-4D97-AF65-F5344CB8AC3E}">
-        <p14:creationId xmlns:p14="http://schemas.microsoft.com/office/powerpoint/2010/main" val="2118852583"/>
+        <p14:creationId xmlns:p14="http://schemas.microsoft.com/office/powerpoint/2010/main" val="3995268486"/>
       </p:ext>
     </p:extLst>
   </p:cSld>
@@ -991,14 +1940,22 @@
           <a:lstStyle/>
           <a:p>
             <a:r>
-              <a:rPr lang="en-US" dirty="0" smtClean="0"/>
-              <a:t>Sample</a:t>
-            </a:r>
-            <a:r>
-              <a:rPr lang="en-US" baseline="0" dirty="0" smtClean="0"/>
-              <a:t> module containing a single script block</a:t>
-            </a:r>
-            <a:endParaRPr lang="en-US" dirty="0"/>
+              <a:rPr lang="en-US" smtClean="0"/>
+              <a:t>Good practice for the </a:t>
+            </a:r>
+            <a:r>
+              <a:rPr lang="en-US" err="1" smtClean="0"/>
+              <a:t>workflower</a:t>
+            </a:r>
+            <a:r>
+              <a:rPr lang="en-US" smtClean="0"/>
+              <a:t>: use script</a:t>
+            </a:r>
+            <a:r>
+              <a:rPr lang="en-US" baseline="0" smtClean="0"/>
+              <a:t> blocks and save yourself aggravations</a:t>
+            </a:r>
+            <a:endParaRPr lang="en-US"/>
           </a:p>
         </p:txBody>
       </p:sp>
@@ -1019,7 +1976,7 @@
           <a:p>
             <a:fld id="{0E10FAA0-75B7-40A2-9294-DA73526A0D78}" type="slidenum">
               <a:rPr lang="en-US" smtClean="0"/>
-              <a:t>15</a:t>
+              <a:t>14</a:t>
             </a:fld>
             <a:endParaRPr lang="en-US"/>
           </a:p>
@@ -1028,7 +1985,7 @@
     </p:spTree>
     <p:extLst>
       <p:ext uri="{BB962C8B-B14F-4D97-AF65-F5344CB8AC3E}">
-        <p14:creationId xmlns:p14="http://schemas.microsoft.com/office/powerpoint/2010/main" val="3733324473"/>
+        <p14:creationId xmlns:p14="http://schemas.microsoft.com/office/powerpoint/2010/main" val="2118852583"/>
       </p:ext>
     </p:extLst>
   </p:cSld>
@@ -1083,38 +2040,14 @@
           <a:lstStyle/>
           <a:p>
             <a:r>
-              <a:rPr lang="en-US" dirty="0" smtClean="0"/>
-              <a:t>Note to selves: this</a:t>
-            </a:r>
-            <a:r>
-              <a:rPr lang="en-US" baseline="0" dirty="0" smtClean="0"/>
-              <a:t> does not happen running the code in the Visual Studio Code editor, it caches the </a:t>
-            </a:r>
-            <a:r>
-              <a:rPr lang="en-US" baseline="0" dirty="0" err="1" smtClean="0"/>
-              <a:t>ExecuteSQL</a:t>
-            </a:r>
-            <a:r>
-              <a:rPr lang="en-US" baseline="0" dirty="0" smtClean="0"/>
-              <a:t> code and the code does not err. ALWAYS TEST USING a </a:t>
-            </a:r>
-            <a:r>
-              <a:rPr lang="en-US" baseline="0" dirty="0" err="1" smtClean="0"/>
-              <a:t>cmd</a:t>
-            </a:r>
-            <a:r>
-              <a:rPr lang="en-US" baseline="0" dirty="0" smtClean="0"/>
-              <a:t> window and batch file and </a:t>
-            </a:r>
-            <a:r>
-              <a:rPr lang="en-US" baseline="0" dirty="0" err="1" smtClean="0"/>
-              <a:t>powershell</a:t>
-            </a:r>
-            <a:r>
-              <a:rPr lang="en-US" baseline="0" dirty="0" smtClean="0"/>
-              <a:t> script, don’t be lazy</a:t>
-            </a:r>
-            <a:endParaRPr lang="en-US" dirty="0"/>
+              <a:rPr lang="en-US" smtClean="0"/>
+              <a:t>Sample</a:t>
+            </a:r>
+            <a:r>
+              <a:rPr lang="en-US" baseline="0" smtClean="0"/>
+              <a:t> module containing a single script block – no execution, just checking</a:t>
+            </a:r>
+            <a:endParaRPr lang="en-US"/>
           </a:p>
         </p:txBody>
       </p:sp>
@@ -1135,7 +2068,7 @@
           <a:p>
             <a:fld id="{0E10FAA0-75B7-40A2-9294-DA73526A0D78}" type="slidenum">
               <a:rPr lang="en-US" smtClean="0"/>
-              <a:t>18</a:t>
+              <a:t>15</a:t>
             </a:fld>
             <a:endParaRPr lang="en-US"/>
           </a:p>
@@ -1144,7 +2077,7 @@
     </p:spTree>
     <p:extLst>
       <p:ext uri="{BB962C8B-B14F-4D97-AF65-F5344CB8AC3E}">
-        <p14:creationId xmlns:p14="http://schemas.microsoft.com/office/powerpoint/2010/main" val="942056024"/>
+        <p14:creationId xmlns:p14="http://schemas.microsoft.com/office/powerpoint/2010/main" val="3733324473"/>
       </p:ext>
     </p:extLst>
   </p:cSld>
@@ -1199,16 +2132,12 @@
           <a:lstStyle/>
           <a:p>
             <a:r>
-              <a:rPr lang="en-US" dirty="0" smtClean="0"/>
-              <a:t>Doing</a:t>
-            </a:r>
-            <a:r>
-              <a:rPr lang="en-US" baseline="0" dirty="0" smtClean="0"/>
-              <a:t> the test the </a:t>
+              <a:rPr lang="en-US" smtClean="0"/>
+              <a:t>Same as before, just creating</a:t>
             </a:r>
             <a:r>
               <a:rPr lang="en-US" baseline="0" smtClean="0"/>
-              <a:t>right way</a:t>
+              <a:t> the script block, not executing it </a:t>
             </a:r>
             <a:endParaRPr lang="en-US"/>
           </a:p>
@@ -1231,7 +2160,7 @@
           <a:p>
             <a:fld id="{0E10FAA0-75B7-40A2-9294-DA73526A0D78}" type="slidenum">
               <a:rPr lang="en-US" smtClean="0"/>
-              <a:t>19</a:t>
+              <a:t>16</a:t>
             </a:fld>
             <a:endParaRPr lang="en-US"/>
           </a:p>
@@ -1240,7 +2169,95 @@
     </p:spTree>
     <p:extLst>
       <p:ext uri="{BB962C8B-B14F-4D97-AF65-F5344CB8AC3E}">
-        <p14:creationId xmlns:p14="http://schemas.microsoft.com/office/powerpoint/2010/main" val="3135724181"/>
+        <p14:creationId xmlns:p14="http://schemas.microsoft.com/office/powerpoint/2010/main" val="883238813"/>
+      </p:ext>
+    </p:extLst>
+  </p:cSld>
+  <p:clrMapOvr>
+    <a:masterClrMapping/>
+  </p:clrMapOvr>
+</p:notes>
+</file>
+
+<file path=ppt/notesSlides/notesSlide9.xml><?xml version="1.0" encoding="utf-8"?>
+<p:notes xmlns:a="http://schemas.openxmlformats.org/drawingml/2006/main" xmlns:r="http://schemas.openxmlformats.org/officeDocument/2006/relationships" xmlns:p="http://schemas.openxmlformats.org/presentationml/2006/main">
+  <p:cSld>
+    <p:spTree>
+      <p:nvGrpSpPr>
+        <p:cNvPr id="1" name=""/>
+        <p:cNvGrpSpPr/>
+        <p:nvPr/>
+      </p:nvGrpSpPr>
+      <p:grpSpPr>
+        <a:xfrm>
+          <a:off x="0" y="0"/>
+          <a:ext cx="0" cy="0"/>
+          <a:chOff x="0" y="0"/>
+          <a:chExt cx="0" cy="0"/>
+        </a:xfrm>
+      </p:grpSpPr>
+      <p:sp>
+        <p:nvSpPr>
+          <p:cNvPr id="2" name="Slide Image Placeholder 1"/>
+          <p:cNvSpPr>
+            <a:spLocks noGrp="1" noRot="1" noChangeAspect="1"/>
+          </p:cNvSpPr>
+          <p:nvPr>
+            <p:ph type="sldImg"/>
+          </p:nvPr>
+        </p:nvSpPr>
+        <p:spPr/>
+      </p:sp>
+      <p:sp>
+        <p:nvSpPr>
+          <p:cNvPr id="3" name="Notes Placeholder 2"/>
+          <p:cNvSpPr>
+            <a:spLocks noGrp="1"/>
+          </p:cNvSpPr>
+          <p:nvPr>
+            <p:ph type="body" idx="1"/>
+          </p:nvPr>
+        </p:nvSpPr>
+        <p:spPr/>
+        <p:txBody>
+          <a:bodyPr/>
+          <a:lstStyle/>
+          <a:p>
+            <a:r>
+              <a:rPr lang="en-US" smtClean="0"/>
+              <a:t>Here we are using the script block import in a main program</a:t>
+            </a:r>
+            <a:endParaRPr lang="en-US"/>
+          </a:p>
+        </p:txBody>
+      </p:sp>
+      <p:sp>
+        <p:nvSpPr>
+          <p:cNvPr id="4" name="Slide Number Placeholder 3"/>
+          <p:cNvSpPr>
+            <a:spLocks noGrp="1"/>
+          </p:cNvSpPr>
+          <p:nvPr>
+            <p:ph type="sldNum" sz="quarter" idx="10"/>
+          </p:nvPr>
+        </p:nvSpPr>
+        <p:spPr/>
+        <p:txBody>
+          <a:bodyPr/>
+          <a:lstStyle/>
+          <a:p>
+            <a:fld id="{0E10FAA0-75B7-40A2-9294-DA73526A0D78}" type="slidenum">
+              <a:rPr lang="en-US" smtClean="0"/>
+              <a:t>17</a:t>
+            </a:fld>
+            <a:endParaRPr lang="en-US"/>
+          </a:p>
+        </p:txBody>
+      </p:sp>
+    </p:spTree>
+    <p:extLst>
+      <p:ext uri="{BB962C8B-B14F-4D97-AF65-F5344CB8AC3E}">
+        <p14:creationId xmlns:p14="http://schemas.microsoft.com/office/powerpoint/2010/main" val="3779251339"/>
       </p:ext>
     </p:extLst>
   </p:cSld>
@@ -1431,7 +2448,7 @@
           <a:p>
             <a:fld id="{DC02A34C-238D-4AF7-9F57-849B59FCF5ED}" type="datetimeFigureOut">
               <a:rPr lang="en-US" smtClean="0"/>
-              <a:t>1/30/2020</a:t>
+              <a:t>2/7/2020</a:t>
             </a:fld>
             <a:endParaRPr lang="en-US"/>
           </a:p>
@@ -1601,7 +2618,7 @@
           <a:p>
             <a:fld id="{DC02A34C-238D-4AF7-9F57-849B59FCF5ED}" type="datetimeFigureOut">
               <a:rPr lang="en-US" smtClean="0"/>
-              <a:t>1/30/2020</a:t>
+              <a:t>2/7/2020</a:t>
             </a:fld>
             <a:endParaRPr lang="en-US"/>
           </a:p>
@@ -1781,7 +2798,7 @@
           <a:p>
             <a:fld id="{DC02A34C-238D-4AF7-9F57-849B59FCF5ED}" type="datetimeFigureOut">
               <a:rPr lang="en-US" smtClean="0"/>
-              <a:t>1/30/2020</a:t>
+              <a:t>2/7/2020</a:t>
             </a:fld>
             <a:endParaRPr lang="en-US"/>
           </a:p>
@@ -1951,7 +2968,7 @@
           <a:p>
             <a:fld id="{DC02A34C-238D-4AF7-9F57-849B59FCF5ED}" type="datetimeFigureOut">
               <a:rPr lang="en-US" smtClean="0"/>
-              <a:t>1/30/2020</a:t>
+              <a:t>2/7/2020</a:t>
             </a:fld>
             <a:endParaRPr lang="en-US"/>
           </a:p>
@@ -2197,7 +3214,7 @@
           <a:p>
             <a:fld id="{DC02A34C-238D-4AF7-9F57-849B59FCF5ED}" type="datetimeFigureOut">
               <a:rPr lang="en-US" smtClean="0"/>
-              <a:t>1/30/2020</a:t>
+              <a:t>2/7/2020</a:t>
             </a:fld>
             <a:endParaRPr lang="en-US"/>
           </a:p>
@@ -2485,7 +3502,7 @@
           <a:p>
             <a:fld id="{DC02A34C-238D-4AF7-9F57-849B59FCF5ED}" type="datetimeFigureOut">
               <a:rPr lang="en-US" smtClean="0"/>
-              <a:t>1/30/2020</a:t>
+              <a:t>2/7/2020</a:t>
             </a:fld>
             <a:endParaRPr lang="en-US"/>
           </a:p>
@@ -2907,7 +3924,7 @@
           <a:p>
             <a:fld id="{DC02A34C-238D-4AF7-9F57-849B59FCF5ED}" type="datetimeFigureOut">
               <a:rPr lang="en-US" smtClean="0"/>
-              <a:t>1/30/2020</a:t>
+              <a:t>2/7/2020</a:t>
             </a:fld>
             <a:endParaRPr lang="en-US"/>
           </a:p>
@@ -3025,7 +4042,7 @@
           <a:p>
             <a:fld id="{DC02A34C-238D-4AF7-9F57-849B59FCF5ED}" type="datetimeFigureOut">
               <a:rPr lang="en-US" smtClean="0"/>
-              <a:t>1/30/2020</a:t>
+              <a:t>2/7/2020</a:t>
             </a:fld>
             <a:endParaRPr lang="en-US"/>
           </a:p>
@@ -3120,7 +4137,7 @@
           <a:p>
             <a:fld id="{DC02A34C-238D-4AF7-9F57-849B59FCF5ED}" type="datetimeFigureOut">
               <a:rPr lang="en-US" smtClean="0"/>
-              <a:t>1/30/2020</a:t>
+              <a:t>2/7/2020</a:t>
             </a:fld>
             <a:endParaRPr lang="en-US"/>
           </a:p>
@@ -3397,7 +4414,7 @@
           <a:p>
             <a:fld id="{DC02A34C-238D-4AF7-9F57-849B59FCF5ED}" type="datetimeFigureOut">
               <a:rPr lang="en-US" smtClean="0"/>
-              <a:t>1/30/2020</a:t>
+              <a:t>2/7/2020</a:t>
             </a:fld>
             <a:endParaRPr lang="en-US"/>
           </a:p>
@@ -3650,7 +4667,7 @@
           <a:p>
             <a:fld id="{DC02A34C-238D-4AF7-9F57-849B59FCF5ED}" type="datetimeFigureOut">
               <a:rPr lang="en-US" smtClean="0"/>
-              <a:t>1/30/2020</a:t>
+              <a:t>2/7/2020</a:t>
             </a:fld>
             <a:endParaRPr lang="en-US"/>
           </a:p>
@@ -3863,7 +4880,7 @@
           <a:p>
             <a:fld id="{DC02A34C-238D-4AF7-9F57-849B59FCF5ED}" type="datetimeFigureOut">
               <a:rPr lang="en-US" smtClean="0"/>
-              <a:t>1/30/2020</a:t>
+              <a:t>2/7/2020</a:t>
             </a:fld>
             <a:endParaRPr lang="en-US"/>
           </a:p>
@@ -4259,10 +5276,10 @@
           <a:lstStyle/>
           <a:p>
             <a:r>
-              <a:rPr lang="en-US" dirty="0" smtClean="0"/>
+              <a:rPr lang="en-US" smtClean="0"/>
               <a:t>PowerShell From The Trenches - Workflows ...Of Course Yes!</a:t>
             </a:r>
-            <a:endParaRPr lang="en-US" dirty="0"/>
+            <a:endParaRPr lang="en-US"/>
           </a:p>
         </p:txBody>
       </p:sp>
@@ -4287,28 +5304,28 @@
           <a:lstStyle/>
           <a:p>
             <a:r>
-              <a:rPr lang="en-US" dirty="0" smtClean="0"/>
+              <a:rPr lang="en-US" smtClean="0"/>
               <a:t>Fast track hands on </a:t>
             </a:r>
             <a:r>
-              <a:rPr lang="en-US" dirty="0" err="1" smtClean="0"/>
+              <a:rPr lang="en-US" err="1" smtClean="0"/>
               <a:t>Powershell</a:t>
             </a:r>
             <a:r>
-              <a:rPr lang="en-US" dirty="0" smtClean="0"/>
+              <a:rPr lang="en-US" smtClean="0"/>
               <a:t> </a:t>
             </a:r>
             <a:r>
-              <a:rPr lang="en-US" dirty="0" err="1" smtClean="0"/>
+              <a:rPr lang="en-US" err="1" smtClean="0"/>
               <a:t>Worflows</a:t>
             </a:r>
             <a:r>
-              <a:rPr lang="en-US" dirty="0" smtClean="0"/>
+              <a:rPr lang="en-US" smtClean="0"/>
               <a:t>  </a:t>
             </a:r>
           </a:p>
           <a:p>
-            <a:endParaRPr lang="en-US" dirty="0"/>
+            <a:endParaRPr lang="en-US"/>
           </a:p>
         </p:txBody>
       </p:sp>
@@ -4317,7 +5334,7 @@
           <p:cNvPr id="6" name="Text Placeholder 2">
             <a:extLst>
               <a:ext uri="{FF2B5EF4-FFF2-40B4-BE49-F238E27FC236}">
-                <a16:creationId xmlns:a16="http://schemas.microsoft.com/office/drawing/2014/main" xmlns="" id="{5A7296E9-8CA3-934E-A079-3869DD5ADBBD}"/>
+                <a16:creationId xmlns="" xmlns:a16="http://schemas.microsoft.com/office/drawing/2014/main" id="{5A7296E9-8CA3-934E-A079-3869DD5ADBBD}"/>
               </a:ext>
             </a:extLst>
           </p:cNvPr>
@@ -4479,18 +5496,18 @@
               <a:buNone/>
             </a:pPr>
             <a:r>
-              <a:rPr lang="en-US" dirty="0" smtClean="0"/>
+              <a:rPr lang="en-US" smtClean="0"/>
               <a:t>Jorge </a:t>
             </a:r>
             <a:r>
-              <a:rPr lang="en-US" dirty="0" err="1" smtClean="0"/>
+              <a:rPr lang="en-US" err="1" smtClean="0"/>
               <a:t>Besada</a:t>
             </a:r>
             <a:r>
-              <a:rPr lang="en-US" dirty="0" smtClean="0"/>
+              <a:rPr lang="en-US" smtClean="0"/>
               <a:t>, DBA, Carnival Cruise Line</a:t>
             </a:r>
-            <a:endParaRPr lang="en-US" dirty="0"/>
+            <a:endParaRPr lang="en-US"/>
           </a:p>
         </p:txBody>
       </p:sp>
@@ -4536,7 +5553,7 @@
         </p:nvSpPr>
         <p:spPr>
           <a:xfrm>
-            <a:off x="609600" y="4572001"/>
+            <a:off x="762000" y="5791200"/>
             <a:ext cx="7772400" cy="685800"/>
           </a:xfrm>
         </p:spPr>
@@ -4547,21 +5564,21 @@
           <a:lstStyle/>
           <a:p>
             <a:r>
-              <a:rPr lang="en-US" sz="1600" dirty="0" smtClean="0"/>
+              <a:rPr lang="en-US" sz="1600" b="1" smtClean="0"/>
               <a:t>Good to know</a:t>
             </a:r>
             <a:br>
-              <a:rPr lang="en-US" sz="1600" dirty="0" smtClean="0"/>
+              <a:rPr lang="en-US" sz="1600" b="1" smtClean="0"/>
             </a:br>
             <a:r>
-              <a:rPr lang="en-US" sz="1600" dirty="0" smtClean="0"/>
+              <a:rPr lang="en-US" sz="1600" b="1" smtClean="0"/>
               <a:t>you can return stuff from the </a:t>
             </a:r>
             <a:r>
-              <a:rPr lang="en-US" sz="1600" dirty="0" err="1" smtClean="0"/>
+              <a:rPr lang="en-US" sz="1600" b="1" err="1" smtClean="0"/>
               <a:t>InlineScript</a:t>
             </a:r>
-            <a:endParaRPr lang="en-US" sz="1600" dirty="0"/>
+            <a:endParaRPr lang="en-US" sz="1600" b="1"/>
           </a:p>
         </p:txBody>
       </p:sp>
@@ -4588,23 +5605,39 @@
           <a:lstStyle/>
           <a:p>
             <a:r>
-              <a:rPr lang="en-US" sz="1600" b="1" dirty="0" smtClean="0"/>
+              <a:rPr lang="en-US" sz="1600" b="1" smtClean="0">
+                <a:solidFill>
+                  <a:schemeClr val="tx1"/>
+                </a:solidFill>
+              </a:rPr>
               <a:t>Good to know</a:t>
             </a:r>
           </a:p>
           <a:p>
             <a:r>
-              <a:rPr lang="en-US" sz="1600" b="1" dirty="0" smtClean="0"/>
+              <a:rPr lang="en-US" sz="1600" b="1" smtClean="0">
+                <a:solidFill>
+                  <a:schemeClr val="tx1"/>
+                </a:solidFill>
+              </a:rPr>
               <a:t>you can pass stuff to the </a:t>
             </a:r>
             <a:r>
-              <a:rPr lang="en-US" sz="1600" b="1" dirty="0" err="1" smtClean="0"/>
+              <a:rPr lang="en-US" sz="1600" b="1" err="1" smtClean="0">
+                <a:solidFill>
+                  <a:schemeClr val="tx1"/>
+                </a:solidFill>
+              </a:rPr>
               <a:t>InlineScript</a:t>
             </a:r>
-            <a:endParaRPr lang="en-US" sz="1600" b="1" dirty="0" smtClean="0"/>
-          </a:p>
-          <a:p>
-            <a:endParaRPr lang="en-US" sz="1600" dirty="0"/>
+            <a:endParaRPr lang="en-US" sz="1600" b="1" smtClean="0">
+              <a:solidFill>
+                <a:schemeClr val="tx1"/>
+              </a:solidFill>
+            </a:endParaRPr>
+          </a:p>
+          <a:p>
+            <a:endParaRPr lang="en-US" sz="1600"/>
           </a:p>
         </p:txBody>
       </p:sp>
@@ -4618,8 +5651,8 @@
         </p:nvSpPr>
         <p:spPr>
           <a:xfrm>
-            <a:off x="1287294" y="1447800"/>
-            <a:ext cx="6400800" cy="2819400"/>
+            <a:off x="1287294" y="1143000"/>
+            <a:ext cx="6400800" cy="4343400"/>
           </a:xfrm>
           <a:prstGeom prst="rect">
             <a:avLst/>
@@ -4627,7 +5660,7 @@
         </p:spPr>
         <p:txBody>
           <a:bodyPr vert="horz" lIns="91440" tIns="45720" rIns="91440" bIns="45720" rtlCol="0">
-            <a:normAutofit fontScale="92500" lnSpcReduction="20000"/>
+            <a:noAutofit/>
           </a:bodyPr>
           <a:lstStyle>
             <a:lvl1pPr marL="0" indent="0" algn="ctr" defTabSz="914400" rtl="0" eaLnBrk="1" latinLnBrk="0" hangingPunct="1">
@@ -4786,55 +5819,66 @@
           </a:lstStyle>
           <a:p>
             <a:r>
-              <a:rPr lang="en-US" sz="1600" b="1" dirty="0" smtClean="0"/>
+              <a:rPr lang="en-US" sz="1800" b="1" smtClean="0"/>
               <a:t>FROM THE BOOK</a:t>
             </a:r>
           </a:p>
           <a:p>
-            <a:endParaRPr lang="en-US" sz="1600" b="1" dirty="0" smtClean="0"/>
-          </a:p>
-          <a:p>
-            <a:r>
-              <a:rPr lang="en-US" sz="1600" b="1" dirty="0" err="1" smtClean="0"/>
+            <a:endParaRPr lang="en-US" sz="1800" b="1" smtClean="0"/>
+          </a:p>
+          <a:p>
+            <a:r>
+              <a:rPr lang="en-US" sz="1800" b="1" err="1" smtClean="0">
+                <a:solidFill>
+                  <a:schemeClr val="tx1"/>
+                </a:solidFill>
+              </a:rPr>
               <a:t>InlineScript</a:t>
             </a:r>
             <a:r>
-              <a:rPr lang="en-US" sz="1600" b="1" dirty="0" smtClean="0"/>
+              <a:rPr lang="en-US" sz="1800" b="1" smtClean="0">
+                <a:solidFill>
+                  <a:schemeClr val="tx1"/>
+                </a:solidFill>
+              </a:rPr>
               <a:t> </a:t>
             </a:r>
             <a:r>
-              <a:rPr lang="en-US" sz="1600" b="1" dirty="0"/>
+              <a:rPr lang="en-US" sz="1800" b="1">
+                <a:solidFill>
+                  <a:schemeClr val="tx1"/>
+                </a:solidFill>
+              </a:rPr>
               <a:t>Variables</a:t>
             </a:r>
-            <a:endParaRPr lang="en-US" sz="1600" dirty="0"/>
-          </a:p>
-          <a:p>
-            <a:r>
-              <a:rPr lang="en-US" sz="1600" dirty="0"/>
+          </a:p>
+          <a:p>
+            <a:r>
+              <a:rPr lang="en-US" sz="1800"/>
               <a:t>By default, the variables that are defined in a workflow aren't visible to the commands in the</a:t>
             </a:r>
             <a:r>
-              <a:rPr lang="en-US" sz="1600" b="1" dirty="0"/>
+              <a:rPr lang="en-US" sz="1800" b="1"/>
               <a:t> </a:t>
             </a:r>
             <a:r>
-              <a:rPr lang="en-US" sz="1600" b="1" dirty="0" err="1"/>
+              <a:rPr lang="en-US" sz="1800" b="1" err="1"/>
               <a:t>InlineScript</a:t>
             </a:r>
             <a:r>
-              <a:rPr lang="en-US" sz="1600" dirty="0"/>
+              <a:rPr lang="en-US" sz="1800"/>
               <a:t> script block. To make workflow variables visible to the </a:t>
             </a:r>
             <a:r>
-              <a:rPr lang="en-US" sz="1600" b="1" dirty="0" err="1"/>
+              <a:rPr lang="en-US" sz="1800" b="1" err="1"/>
               <a:t>InlineScript</a:t>
             </a:r>
             <a:r>
-              <a:rPr lang="en-US" sz="1600" dirty="0"/>
+              <a:rPr lang="en-US" sz="1800"/>
               <a:t>, use the </a:t>
             </a:r>
             <a:r>
-              <a:rPr lang="en-US" sz="1600" b="1" dirty="0">
+              <a:rPr lang="en-US" sz="1800" b="1">
                 <a:solidFill>
                   <a:srgbClr val="0070C0"/>
                 </a:solidFill>
@@ -4842,11 +5886,11 @@
               <a:t>$Using</a:t>
             </a:r>
             <a:r>
-              <a:rPr lang="en-US" sz="1600" dirty="0"/>
+              <a:rPr lang="en-US" sz="1800"/>
               <a:t> scope modifier. The </a:t>
             </a:r>
             <a:r>
-              <a:rPr lang="en-US" sz="1600" b="1" dirty="0">
+              <a:rPr lang="en-US" sz="1800" b="1">
                 <a:solidFill>
                   <a:srgbClr val="0070C0"/>
                 </a:solidFill>
@@ -4854,43 +5898,55 @@
               <a:t>$Using</a:t>
             </a:r>
             <a:r>
-              <a:rPr lang="en-US" sz="1600" dirty="0"/>
+              <a:rPr lang="en-US" sz="1800"/>
               <a:t> scope modifier is required only once for each variable in the </a:t>
             </a:r>
             <a:r>
-              <a:rPr lang="en-US" sz="1600" b="1" dirty="0" err="1"/>
+              <a:rPr lang="en-US" sz="1800" b="1" err="1"/>
               <a:t>InlineScript</a:t>
             </a:r>
             <a:r>
-              <a:rPr lang="en-US" sz="1600" dirty="0"/>
+              <a:rPr lang="en-US" sz="1800"/>
               <a:t>.</a:t>
             </a:r>
           </a:p>
           <a:p>
-            <a:endParaRPr lang="en-US" sz="1600" dirty="0" smtClean="0"/>
-          </a:p>
-          <a:p>
-            <a:r>
-              <a:rPr lang="en-US" sz="1600" b="1" dirty="0"/>
+            <a:endParaRPr lang="en-US" sz="1800" smtClean="0"/>
+          </a:p>
+          <a:p>
+            <a:r>
+              <a:rPr lang="en-US" sz="1800" b="1">
+                <a:solidFill>
+                  <a:schemeClr val="tx1"/>
+                </a:solidFill>
+              </a:rPr>
               <a:t>Returning variables in </a:t>
             </a:r>
             <a:r>
-              <a:rPr lang="en-US" sz="1600" b="1" dirty="0" err="1"/>
+              <a:rPr lang="en-US" sz="1800" b="1" err="1">
+                <a:solidFill>
+                  <a:schemeClr val="tx1"/>
+                </a:solidFill>
+              </a:rPr>
               <a:t>InlineScript</a:t>
             </a:r>
-            <a:endParaRPr lang="en-US" sz="1600" dirty="0"/>
-          </a:p>
-          <a:p>
-            <a:r>
-              <a:rPr lang="en-US" sz="1600" b="1" dirty="0" err="1"/>
+            <a:endParaRPr lang="en-US" sz="1800" b="1">
+              <a:solidFill>
+                <a:schemeClr val="tx1"/>
+              </a:solidFill>
+            </a:endParaRPr>
+          </a:p>
+          <a:p>
+            <a:r>
+              <a:rPr lang="en-US" sz="1800" b="1" err="1"/>
               <a:t>InlineScript</a:t>
             </a:r>
             <a:r>
-              <a:rPr lang="en-US" sz="1600" b="1" dirty="0"/>
+              <a:rPr lang="en-US" sz="1800" b="1"/>
               <a:t> </a:t>
             </a:r>
             <a:r>
-              <a:rPr lang="en-US" sz="1600" dirty="0"/>
+              <a:rPr lang="en-US" sz="1800"/>
               <a:t>commands can change the value of the variable that was imported from workflow scope, but the changes aren't visible in workflow scope. To make them visible, return the changed value to the workflow scope</a:t>
             </a:r>
           </a:p>
@@ -4957,7 +6013,7 @@
           <a:lstStyle/>
           <a:p>
             <a:r>
-              <a:rPr lang="en-US" sz="1600" b="1" dirty="0" err="1" smtClean="0">
+              <a:rPr lang="en-US" sz="1600" b="1" err="1" smtClean="0">
                 <a:solidFill>
                   <a:srgbClr val="00B050"/>
                 </a:solidFill>
@@ -4965,14 +6021,14 @@
               <a:t>InlineScript</a:t>
             </a:r>
             <a:r>
-              <a:rPr lang="en-US" sz="1600" b="1" dirty="0" smtClean="0">
+              <a:rPr lang="en-US" sz="1600" b="1" smtClean="0">
                 <a:solidFill>
                   <a:srgbClr val="00B050"/>
                 </a:solidFill>
               </a:rPr>
               <a:t> : pass and receive values </a:t>
             </a:r>
-            <a:endParaRPr lang="en-US" sz="1600" b="1" dirty="0">
+            <a:endParaRPr lang="en-US" sz="1600" b="1">
               <a:solidFill>
                 <a:srgbClr val="00B050"/>
               </a:solidFill>
@@ -5002,7 +6058,7 @@
           </a:bodyPr>
           <a:lstStyle/>
           <a:p>
-            <a:endParaRPr lang="en-US" sz="1600" dirty="0"/>
+            <a:endParaRPr lang="en-US" sz="1600"/>
           </a:p>
         </p:txBody>
       </p:sp>
@@ -5028,7 +6084,7 @@
           <a:lstStyle/>
           <a:p>
             <a:r>
-              <a:rPr lang="en-US" sz="1000" dirty="0">
+              <a:rPr lang="en-US" sz="1000">
                 <a:solidFill>
                   <a:srgbClr val="569CD6"/>
                 </a:solidFill>
@@ -5037,7 +6093,7 @@
               <a:t>workflow</a:t>
             </a:r>
             <a:r>
-              <a:rPr lang="en-US" sz="1000" dirty="0">
+              <a:rPr lang="en-US" sz="1000">
                 <a:solidFill>
                   <a:srgbClr val="FFFFFF"/>
                 </a:solidFill>
@@ -5046,7 +6102,7 @@
               <a:t> </a:t>
             </a:r>
             <a:r>
-              <a:rPr lang="en-US" sz="1000" dirty="0">
+              <a:rPr lang="en-US" sz="1000">
                 <a:solidFill>
                   <a:srgbClr val="DCDCAA"/>
                 </a:solidFill>
@@ -5054,7 +6110,7 @@
               </a:rPr>
               <a:t>HelloWorld</a:t>
             </a:r>
-            <a:endParaRPr lang="en-US" sz="1000" dirty="0">
+            <a:endParaRPr lang="en-US" sz="1000">
               <a:solidFill>
                 <a:srgbClr val="FFFFFF"/>
               </a:solidFill>
@@ -5063,7 +6119,7 @@
           </a:p>
           <a:p>
             <a:r>
-              <a:rPr lang="en-US" sz="1000" dirty="0">
+              <a:rPr lang="en-US" sz="1000">
                 <a:solidFill>
                   <a:srgbClr val="FFFFFF"/>
                 </a:solidFill>
@@ -5074,7 +6130,7 @@
           </a:p>
           <a:p>
             <a:r>
-              <a:rPr lang="en-US" sz="1000" dirty="0">
+              <a:rPr lang="en-US" sz="1000">
                 <a:solidFill>
                   <a:srgbClr val="FFFFFF"/>
                 </a:solidFill>
@@ -5083,7 +6139,7 @@
               <a:t>    </a:t>
             </a:r>
             <a:r>
-              <a:rPr lang="en-US" sz="1000" dirty="0">
+              <a:rPr lang="en-US" sz="1000">
                 <a:solidFill>
                   <a:srgbClr val="CE9178"/>
                 </a:solidFill>
@@ -5092,7 +6148,7 @@
               <a:t>"This will used as parameter in below </a:t>
             </a:r>
             <a:r>
-              <a:rPr lang="en-US" sz="1000" dirty="0" err="1">
+              <a:rPr lang="en-US" sz="1000" err="1">
                 <a:solidFill>
                   <a:srgbClr val="CE9178"/>
                 </a:solidFill>
@@ -5101,7 +6157,7 @@
               <a:t>inlinescript</a:t>
             </a:r>
             <a:r>
-              <a:rPr lang="en-US" sz="1000" dirty="0">
+              <a:rPr lang="en-US" sz="1000">
                 <a:solidFill>
                   <a:srgbClr val="CE9178"/>
                 </a:solidFill>
@@ -5109,7 +6165,7 @@
               </a:rPr>
               <a:t>"</a:t>
             </a:r>
-            <a:endParaRPr lang="en-US" sz="1000" dirty="0">
+            <a:endParaRPr lang="en-US" sz="1000">
               <a:solidFill>
                 <a:srgbClr val="FFFFFF"/>
               </a:solidFill>
@@ -5118,7 +6174,7 @@
           </a:p>
           <a:p>
             <a:r>
-              <a:rPr lang="en-US" sz="1000" dirty="0">
+              <a:rPr lang="en-US" sz="1000">
                 <a:solidFill>
                   <a:srgbClr val="FFFFFF"/>
                 </a:solidFill>
@@ -5127,7 +6183,7 @@
               <a:t>    </a:t>
             </a:r>
             <a:r>
-              <a:rPr lang="en-US" sz="1000" dirty="0">
+              <a:rPr lang="en-US" sz="1000">
                 <a:solidFill>
                   <a:srgbClr val="9CDCFE"/>
                 </a:solidFill>
@@ -5136,7 +6192,7 @@
               <a:t>$p1</a:t>
             </a:r>
             <a:r>
-              <a:rPr lang="en-US" sz="1000" dirty="0">
+              <a:rPr lang="en-US" sz="1000">
                 <a:solidFill>
                   <a:srgbClr val="FFFFFF"/>
                 </a:solidFill>
@@ -5145,7 +6201,7 @@
               <a:t> </a:t>
             </a:r>
             <a:r>
-              <a:rPr lang="en-US" sz="1000" dirty="0">
+              <a:rPr lang="en-US" sz="1000">
                 <a:solidFill>
                   <a:srgbClr val="D4D4D4"/>
                 </a:solidFill>
@@ -5154,7 +6210,7 @@
               <a:t>=</a:t>
             </a:r>
             <a:r>
-              <a:rPr lang="en-US" sz="1000" dirty="0">
+              <a:rPr lang="en-US" sz="1000">
                 <a:solidFill>
                   <a:srgbClr val="FFFFFF"/>
                 </a:solidFill>
@@ -5163,7 +6219,7 @@
               <a:t> </a:t>
             </a:r>
             <a:r>
-              <a:rPr lang="en-US" sz="1000" dirty="0">
+              <a:rPr lang="en-US" sz="1000">
                 <a:solidFill>
                   <a:srgbClr val="CE9178"/>
                 </a:solidFill>
@@ -5172,7 +6228,7 @@
               <a:t>"</a:t>
             </a:r>
             <a:r>
-              <a:rPr lang="en-US" sz="1000" dirty="0" err="1">
+              <a:rPr lang="en-US" sz="1000" err="1">
                 <a:solidFill>
                   <a:srgbClr val="CE9178"/>
                 </a:solidFill>
@@ -5181,7 +6237,7 @@
               <a:t>a|b|c|d|e</a:t>
             </a:r>
             <a:r>
-              <a:rPr lang="en-US" sz="1000" dirty="0">
+              <a:rPr lang="en-US" sz="1000">
                 <a:solidFill>
                   <a:srgbClr val="CE9178"/>
                 </a:solidFill>
@@ -5189,7 +6245,7 @@
               </a:rPr>
               <a:t>"</a:t>
             </a:r>
-            <a:endParaRPr lang="en-US" sz="1000" dirty="0">
+            <a:endParaRPr lang="en-US" sz="1000">
               <a:solidFill>
                 <a:srgbClr val="FFFFFF"/>
               </a:solidFill>
@@ -5198,7 +6254,7 @@
           </a:p>
           <a:p>
             <a:r>
-              <a:rPr lang="en-US" sz="1000" dirty="0">
+              <a:rPr lang="en-US" sz="1000">
                 <a:solidFill>
                   <a:srgbClr val="FFFFFF"/>
                 </a:solidFill>
@@ -5207,7 +6263,7 @@
               <a:t>    </a:t>
             </a:r>
             <a:r>
-              <a:rPr lang="en-US" sz="1000" dirty="0">
+              <a:rPr lang="en-US" sz="1000">
                 <a:solidFill>
                   <a:srgbClr val="9CDCFE"/>
                 </a:solidFill>
@@ -5215,7 +6271,7 @@
               </a:rPr>
               <a:t>$p1</a:t>
             </a:r>
-            <a:endParaRPr lang="en-US" sz="1000" dirty="0">
+            <a:endParaRPr lang="en-US" sz="1000">
               <a:solidFill>
                 <a:srgbClr val="FFFFFF"/>
               </a:solidFill>
@@ -5224,7 +6280,7 @@
           </a:p>
           <a:p>
             <a:r>
-              <a:rPr lang="en-US" sz="1000" dirty="0">
+              <a:rPr lang="en-US" sz="1000">
                 <a:solidFill>
                   <a:srgbClr val="FFFFFF"/>
                 </a:solidFill>
@@ -5233,7 +6289,7 @@
               <a:t>    </a:t>
             </a:r>
             <a:r>
-              <a:rPr lang="en-US" sz="1000" dirty="0">
+              <a:rPr lang="en-US" sz="1000">
                 <a:solidFill>
                   <a:srgbClr val="7CA668"/>
                 </a:solidFill>
@@ -5242,7 +6298,7 @@
               <a:t># This DOES NOT WORK - </a:t>
             </a:r>
             <a:r>
-              <a:rPr lang="en-US" sz="1000" dirty="0" err="1">
+              <a:rPr lang="en-US" sz="1000" err="1">
                 <a:solidFill>
                   <a:srgbClr val="7CA668"/>
                 </a:solidFill>
@@ -5251,7 +6307,7 @@
               <a:t>InlineScript</a:t>
             </a:r>
             <a:r>
-              <a:rPr lang="en-US" sz="1000" dirty="0">
+              <a:rPr lang="en-US" sz="1000">
                 <a:solidFill>
                   <a:srgbClr val="7CA668"/>
                 </a:solidFill>
@@ -5259,7 +6315,7 @@
               </a:rPr>
               <a:t> is not a Script Block:</a:t>
             </a:r>
-            <a:endParaRPr lang="en-US" sz="1000" dirty="0">
+            <a:endParaRPr lang="en-US" sz="1000">
               <a:solidFill>
                 <a:srgbClr val="FFFFFF"/>
               </a:solidFill>
@@ -5268,7 +6324,7 @@
           </a:p>
           <a:p>
             <a:r>
-              <a:rPr lang="en-US" sz="1000" dirty="0">
+              <a:rPr lang="en-US" sz="1000">
                 <a:solidFill>
                   <a:srgbClr val="FFFFFF"/>
                 </a:solidFill>
@@ -5277,7 +6333,7 @@
               <a:t>    </a:t>
             </a:r>
             <a:r>
-              <a:rPr lang="en-US" sz="1000" dirty="0">
+              <a:rPr lang="en-US" sz="1000">
                 <a:solidFill>
                   <a:srgbClr val="7CA668"/>
                 </a:solidFill>
@@ -5286,7 +6342,7 @@
               <a:t># </a:t>
             </a:r>
             <a:r>
-              <a:rPr lang="en-US" sz="1000" dirty="0" err="1">
+              <a:rPr lang="en-US" sz="1000" err="1">
                 <a:solidFill>
                   <a:srgbClr val="7CA668"/>
                 </a:solidFill>
@@ -5295,7 +6351,7 @@
               <a:t>InlineScript</a:t>
             </a:r>
             <a:r>
-              <a:rPr lang="en-US" sz="1000" dirty="0">
+              <a:rPr lang="en-US" sz="1000">
                 <a:solidFill>
                   <a:srgbClr val="7CA668"/>
                 </a:solidFill>
@@ -5304,7 +6360,7 @@
               <a:t> ($p1) </a:t>
             </a:r>
             <a:r>
-              <a:rPr lang="en-US" sz="1000" dirty="0" err="1">
+              <a:rPr lang="en-US" sz="1000" err="1">
                 <a:solidFill>
                   <a:srgbClr val="7CA668"/>
                 </a:solidFill>
@@ -5313,7 +6369,7 @@
               <a:t>orInlineScript</a:t>
             </a:r>
             <a:r>
-              <a:rPr lang="en-US" sz="1000" dirty="0">
+              <a:rPr lang="en-US" sz="1000">
                 <a:solidFill>
                   <a:srgbClr val="7CA668"/>
                 </a:solidFill>
@@ -5322,7 +6378,7 @@
               <a:t> { </a:t>
             </a:r>
             <a:r>
-              <a:rPr lang="en-US" sz="1000" dirty="0" err="1">
+              <a:rPr lang="en-US" sz="1000" err="1">
                 <a:solidFill>
                   <a:srgbClr val="7CA668"/>
                 </a:solidFill>
@@ -5331,7 +6387,7 @@
               <a:t>param</a:t>
             </a:r>
             <a:r>
-              <a:rPr lang="en-US" sz="1000" dirty="0">
+              <a:rPr lang="en-US" sz="1000">
                 <a:solidFill>
                   <a:srgbClr val="7CA668"/>
                 </a:solidFill>
@@ -5339,7 +6395,7 @@
               </a:rPr>
               <a:t> ($p1) ... }</a:t>
             </a:r>
-            <a:endParaRPr lang="en-US" sz="1000" dirty="0">
+            <a:endParaRPr lang="en-US" sz="1000">
               <a:solidFill>
                 <a:srgbClr val="FFFFFF"/>
               </a:solidFill>
@@ -5348,7 +6404,7 @@
           </a:p>
           <a:p>
             <a:r>
-              <a:rPr lang="en-US" sz="1000" dirty="0">
+              <a:rPr lang="en-US" sz="1000">
                 <a:solidFill>
                   <a:srgbClr val="FFFFFF"/>
                 </a:solidFill>
@@ -5357,7 +6413,7 @@
               <a:t>    </a:t>
             </a:r>
             <a:r>
-              <a:rPr lang="en-US" sz="1000" dirty="0">
+              <a:rPr lang="en-US" sz="1000">
                 <a:solidFill>
                   <a:srgbClr val="CE9178"/>
                 </a:solidFill>
@@ -5365,7 +6421,7 @@
               </a:rPr>
               <a:t>"--------------------------------------------------------"</a:t>
             </a:r>
-            <a:endParaRPr lang="en-US" sz="1000" dirty="0">
+            <a:endParaRPr lang="en-US" sz="1000">
               <a:solidFill>
                 <a:srgbClr val="FFFFFF"/>
               </a:solidFill>
@@ -5374,7 +6430,7 @@
           </a:p>
           <a:p>
             <a:r>
-              <a:rPr lang="en-US" sz="1000" dirty="0">
+              <a:rPr lang="en-US" sz="1000">
                 <a:solidFill>
                   <a:srgbClr val="FFFFFF"/>
                 </a:solidFill>
@@ -5383,7 +6439,7 @@
               <a:t>    </a:t>
             </a:r>
             <a:r>
-              <a:rPr lang="en-US" sz="1000" dirty="0" err="1">
+              <a:rPr lang="en-US" sz="1000" err="1">
                 <a:solidFill>
                   <a:srgbClr val="C586C0"/>
                 </a:solidFill>
@@ -5392,7 +6448,7 @@
               <a:t>InlineScript</a:t>
             </a:r>
             <a:r>
-              <a:rPr lang="en-US" sz="1000" dirty="0">
+              <a:rPr lang="en-US" sz="1000">
                 <a:solidFill>
                   <a:srgbClr val="FFFFFF"/>
                 </a:solidFill>
@@ -5401,7 +6457,7 @@
               <a:t> </a:t>
             </a:r>
             <a:r>
-              <a:rPr lang="en-US" sz="1000" dirty="0">
+              <a:rPr lang="en-US" sz="1000">
                 <a:solidFill>
                   <a:srgbClr val="7CA668"/>
                 </a:solidFill>
@@ -5409,7 +6465,7 @@
               </a:rPr>
               <a:t>#Showing use of a parameter (AKA external value)</a:t>
             </a:r>
-            <a:endParaRPr lang="en-US" sz="1000" dirty="0">
+            <a:endParaRPr lang="en-US" sz="1000">
               <a:solidFill>
                 <a:srgbClr val="FFFFFF"/>
               </a:solidFill>
@@ -5418,7 +6474,7 @@
           </a:p>
           <a:p>
             <a:r>
-              <a:rPr lang="en-US" sz="1000" dirty="0">
+              <a:rPr lang="en-US" sz="1000">
                 <a:solidFill>
                   <a:srgbClr val="FFFFFF"/>
                 </a:solidFill>
@@ -5429,7 +6485,7 @@
           </a:p>
           <a:p>
             <a:r>
-              <a:rPr lang="en-US" sz="1000" dirty="0">
+              <a:rPr lang="en-US" sz="1000">
                 <a:solidFill>
                   <a:srgbClr val="FFFFFF"/>
                 </a:solidFill>
@@ -5438,7 +6494,7 @@
               <a:t>        </a:t>
             </a:r>
             <a:r>
-              <a:rPr lang="en-US" sz="1000" dirty="0">
+              <a:rPr lang="en-US" sz="1000">
                 <a:solidFill>
                   <a:srgbClr val="7CA668"/>
                 </a:solidFill>
@@ -5447,7 +6503,7 @@
               <a:t># DON'T DO THIS (in case you did not read above note): </a:t>
             </a:r>
             <a:r>
-              <a:rPr lang="en-US" sz="1000" dirty="0" err="1">
+              <a:rPr lang="en-US" sz="1000" err="1">
                 <a:solidFill>
                   <a:srgbClr val="7CA668"/>
                 </a:solidFill>
@@ -5456,7 +6512,7 @@
               <a:t>param</a:t>
             </a:r>
             <a:r>
-              <a:rPr lang="en-US" sz="1000" dirty="0">
+              <a:rPr lang="en-US" sz="1000">
                 <a:solidFill>
                   <a:srgbClr val="7CA668"/>
                 </a:solidFill>
@@ -5464,7 +6520,7 @@
               </a:rPr>
               <a:t>($using:p1)</a:t>
             </a:r>
-            <a:endParaRPr lang="en-US" sz="1000" dirty="0">
+            <a:endParaRPr lang="en-US" sz="1000">
               <a:solidFill>
                 <a:srgbClr val="FFFFFF"/>
               </a:solidFill>
@@ -5473,7 +6529,7 @@
           </a:p>
           <a:p>
             <a:r>
-              <a:rPr lang="en-US" sz="1000" dirty="0">
+              <a:rPr lang="en-US" sz="1000">
                 <a:solidFill>
                   <a:srgbClr val="FFFFFF"/>
                 </a:solidFill>
@@ -5482,7 +6538,7 @@
               <a:t>        </a:t>
             </a:r>
             <a:r>
-              <a:rPr lang="en-US" sz="1000" dirty="0">
+              <a:rPr lang="en-US" sz="1000">
                 <a:solidFill>
                   <a:srgbClr val="CE9178"/>
                 </a:solidFill>
@@ -5490,7 +6546,7 @@
               </a:rPr>
               <a:t>"received a parameter"</a:t>
             </a:r>
-            <a:endParaRPr lang="en-US" sz="1000" dirty="0">
+            <a:endParaRPr lang="en-US" sz="1000">
               <a:solidFill>
                 <a:srgbClr val="FFFFFF"/>
               </a:solidFill>
@@ -5499,7 +6555,7 @@
           </a:p>
           <a:p>
             <a:r>
-              <a:rPr lang="en-US" sz="1000" dirty="0">
+              <a:rPr lang="en-US" sz="1000">
                 <a:solidFill>
                   <a:srgbClr val="FFFFFF"/>
                 </a:solidFill>
@@ -5508,7 +6564,7 @@
               <a:t>        </a:t>
             </a:r>
             <a:r>
-              <a:rPr lang="en-US" sz="1000" dirty="0">
+              <a:rPr lang="en-US" sz="1000">
                 <a:solidFill>
                   <a:srgbClr val="9CDCFE"/>
                 </a:solidFill>
@@ -5517,7 +6573,7 @@
               <a:t>$</a:t>
             </a:r>
             <a:r>
-              <a:rPr lang="en-US" sz="1000" dirty="0">
+              <a:rPr lang="en-US" sz="1000">
                 <a:solidFill>
                   <a:srgbClr val="569CD6"/>
                 </a:solidFill>
@@ -5526,7 +6582,7 @@
               <a:t>using</a:t>
             </a:r>
             <a:r>
-              <a:rPr lang="en-US" sz="1000" dirty="0">
+              <a:rPr lang="en-US" sz="1000">
                 <a:solidFill>
                   <a:srgbClr val="9CDCFE"/>
                 </a:solidFill>
@@ -5534,7 +6590,7 @@
               </a:rPr>
               <a:t>:p1</a:t>
             </a:r>
-            <a:endParaRPr lang="en-US" sz="1000" dirty="0">
+            <a:endParaRPr lang="en-US" sz="1000">
               <a:solidFill>
                 <a:srgbClr val="FFFFFF"/>
               </a:solidFill>
@@ -5543,7 +6599,7 @@
           </a:p>
           <a:p>
             <a:r>
-              <a:rPr lang="en-US" sz="1000" dirty="0">
+              <a:rPr lang="en-US" sz="1000">
                 <a:solidFill>
                   <a:srgbClr val="FFFFFF"/>
                 </a:solidFill>
@@ -5552,7 +6608,7 @@
               <a:t>        </a:t>
             </a:r>
             <a:r>
-              <a:rPr lang="en-US" sz="1000" dirty="0">
+              <a:rPr lang="en-US" sz="1000">
                 <a:solidFill>
                   <a:srgbClr val="CE9178"/>
                 </a:solidFill>
@@ -5560,7 +6616,7 @@
               </a:rPr>
               <a:t>"doing something to it"</a:t>
             </a:r>
-            <a:endParaRPr lang="en-US" sz="1000" dirty="0">
+            <a:endParaRPr lang="en-US" sz="1000">
               <a:solidFill>
                 <a:srgbClr val="FFFFFF"/>
               </a:solidFill>
@@ -5569,7 +6625,7 @@
           </a:p>
           <a:p>
             <a:r>
-              <a:rPr lang="en-US" sz="1000" dirty="0">
+              <a:rPr lang="en-US" sz="1000">
                 <a:solidFill>
                   <a:srgbClr val="FFFFFF"/>
                 </a:solidFill>
@@ -5578,7 +6634,7 @@
               <a:t>        </a:t>
             </a:r>
             <a:r>
-              <a:rPr lang="en-US" sz="1000" dirty="0">
+              <a:rPr lang="en-US" sz="1000">
                 <a:solidFill>
                   <a:srgbClr val="9CDCFE"/>
                 </a:solidFill>
@@ -5587,7 +6643,7 @@
               <a:t>$r1</a:t>
             </a:r>
             <a:r>
-              <a:rPr lang="en-US" sz="1000" dirty="0">
+              <a:rPr lang="en-US" sz="1000">
                 <a:solidFill>
                   <a:srgbClr val="FFFFFF"/>
                 </a:solidFill>
@@ -5596,7 +6652,7 @@
               <a:t> </a:t>
             </a:r>
             <a:r>
-              <a:rPr lang="en-US" sz="1000" dirty="0">
+              <a:rPr lang="en-US" sz="1000">
                 <a:solidFill>
                   <a:srgbClr val="D4D4D4"/>
                 </a:solidFill>
@@ -5605,7 +6661,7 @@
               <a:t>=</a:t>
             </a:r>
             <a:r>
-              <a:rPr lang="en-US" sz="1000" dirty="0">
+              <a:rPr lang="en-US" sz="1000">
                 <a:solidFill>
                   <a:srgbClr val="FFFFFF"/>
                 </a:solidFill>
@@ -5614,7 +6670,7 @@
               <a:t> (</a:t>
             </a:r>
             <a:r>
-              <a:rPr lang="en-US" sz="1000" dirty="0">
+              <a:rPr lang="en-US" sz="1000">
                 <a:solidFill>
                   <a:srgbClr val="9CDCFE"/>
                 </a:solidFill>
@@ -5623,7 +6679,7 @@
               <a:t>$</a:t>
             </a:r>
             <a:r>
-              <a:rPr lang="en-US" sz="1000" dirty="0">
+              <a:rPr lang="en-US" sz="1000">
                 <a:solidFill>
                   <a:srgbClr val="569CD6"/>
                 </a:solidFill>
@@ -5632,7 +6688,7 @@
               <a:t>using</a:t>
             </a:r>
             <a:r>
-              <a:rPr lang="en-US" sz="1000" dirty="0">
+              <a:rPr lang="en-US" sz="1000">
                 <a:solidFill>
                   <a:srgbClr val="9CDCFE"/>
                 </a:solidFill>
@@ -5641,7 +6697,7 @@
               <a:t>:p1</a:t>
             </a:r>
             <a:r>
-              <a:rPr lang="en-US" sz="1000" dirty="0">
+              <a:rPr lang="en-US" sz="1000">
                 <a:solidFill>
                   <a:srgbClr val="FFFFFF"/>
                 </a:solidFill>
@@ -5650,7 +6706,7 @@
               <a:t>).Split(</a:t>
             </a:r>
             <a:r>
-              <a:rPr lang="en-US" sz="1000" dirty="0">
+              <a:rPr lang="en-US" sz="1000">
                 <a:solidFill>
                   <a:srgbClr val="CE9178"/>
                 </a:solidFill>
@@ -5659,7 +6715,7 @@
               <a:t>'|'</a:t>
             </a:r>
             <a:r>
-              <a:rPr lang="en-US" sz="1000" dirty="0">
+              <a:rPr lang="en-US" sz="1000">
                 <a:solidFill>
                   <a:srgbClr val="FFFFFF"/>
                 </a:solidFill>
@@ -5670,7 +6726,7 @@
           </a:p>
           <a:p>
             <a:r>
-              <a:rPr lang="en-US" sz="1000" dirty="0">
+              <a:rPr lang="en-US" sz="1000">
                 <a:solidFill>
                   <a:srgbClr val="FFFFFF"/>
                 </a:solidFill>
@@ -5679,7 +6735,7 @@
               <a:t>        </a:t>
             </a:r>
             <a:r>
-              <a:rPr lang="en-US" sz="1000" dirty="0">
+              <a:rPr lang="en-US" sz="1000">
                 <a:solidFill>
                   <a:srgbClr val="9CDCFE"/>
                 </a:solidFill>
@@ -5687,7 +6743,7 @@
               </a:rPr>
               <a:t>$r1</a:t>
             </a:r>
-            <a:endParaRPr lang="en-US" sz="1000" dirty="0">
+            <a:endParaRPr lang="en-US" sz="1000">
               <a:solidFill>
                 <a:srgbClr val="FFFFFF"/>
               </a:solidFill>
@@ -5696,7 +6752,7 @@
           </a:p>
           <a:p>
             <a:r>
-              <a:rPr lang="en-US" sz="1000" dirty="0">
+              <a:rPr lang="en-US" sz="1000">
                 <a:solidFill>
                   <a:srgbClr val="FFFFFF"/>
                 </a:solidFill>
@@ -5707,7 +6763,7 @@
           </a:p>
           <a:p>
             <a:r>
-              <a:rPr lang="en-US" sz="1000" dirty="0">
+              <a:rPr lang="en-US" sz="1000">
                 <a:solidFill>
                   <a:srgbClr val="FFFFFF"/>
                 </a:solidFill>
@@ -5716,7 +6772,7 @@
               <a:t>    </a:t>
             </a:r>
             <a:r>
-              <a:rPr lang="en-US" sz="1000" dirty="0">
+              <a:rPr lang="en-US" sz="1000">
                 <a:solidFill>
                   <a:srgbClr val="CE9178"/>
                 </a:solidFill>
@@ -5724,7 +6780,7 @@
               </a:rPr>
               <a:t>"--------------------------------------------------------"</a:t>
             </a:r>
-            <a:endParaRPr lang="en-US" sz="1000" dirty="0">
+            <a:endParaRPr lang="en-US" sz="1000">
               <a:solidFill>
                 <a:srgbClr val="FFFFFF"/>
               </a:solidFill>
@@ -5733,7 +6789,7 @@
           </a:p>
           <a:p>
             <a:r>
-              <a:rPr lang="en-US" sz="1000" dirty="0">
+              <a:rPr lang="en-US" sz="1000">
                 <a:solidFill>
                   <a:srgbClr val="FFFFFF"/>
                 </a:solidFill>
@@ -5742,7 +6798,7 @@
               <a:t>    </a:t>
             </a:r>
             <a:r>
-              <a:rPr lang="en-US" sz="1000" dirty="0">
+              <a:rPr lang="en-US" sz="1000">
                 <a:solidFill>
                   <a:srgbClr val="9CDCFE"/>
                 </a:solidFill>
@@ -5751,7 +6807,7 @@
               <a:t>$</a:t>
             </a:r>
             <a:r>
-              <a:rPr lang="en-US" sz="1000" dirty="0" err="1">
+              <a:rPr lang="en-US" sz="1000" err="1">
                 <a:solidFill>
                   <a:srgbClr val="9CDCFE"/>
                 </a:solidFill>
@@ -5760,7 +6816,7 @@
               <a:t>retval</a:t>
             </a:r>
             <a:r>
-              <a:rPr lang="en-US" sz="1000" dirty="0">
+              <a:rPr lang="en-US" sz="1000">
                 <a:solidFill>
                   <a:srgbClr val="FFFFFF"/>
                 </a:solidFill>
@@ -5769,7 +6825,7 @@
               <a:t> </a:t>
             </a:r>
             <a:r>
-              <a:rPr lang="en-US" sz="1000" dirty="0">
+              <a:rPr lang="en-US" sz="1000">
                 <a:solidFill>
                   <a:srgbClr val="D4D4D4"/>
                 </a:solidFill>
@@ -5778,7 +6834,7 @@
               <a:t>=</a:t>
             </a:r>
             <a:r>
-              <a:rPr lang="en-US" sz="1000" dirty="0">
+              <a:rPr lang="en-US" sz="1000">
                 <a:solidFill>
                   <a:srgbClr val="FFFFFF"/>
                 </a:solidFill>
@@ -5787,7 +6843,7 @@
               <a:t> </a:t>
             </a:r>
             <a:r>
-              <a:rPr lang="en-US" sz="1000" dirty="0" err="1">
+              <a:rPr lang="en-US" sz="1000" err="1">
                 <a:solidFill>
                   <a:srgbClr val="C586C0"/>
                 </a:solidFill>
@@ -5796,7 +6852,7 @@
               <a:t>InlineScript</a:t>
             </a:r>
             <a:r>
-              <a:rPr lang="en-US" sz="1000" dirty="0">
+              <a:rPr lang="en-US" sz="1000">
                 <a:solidFill>
                   <a:srgbClr val="FFFFFF"/>
                 </a:solidFill>
@@ -5805,7 +6861,7 @@
               <a:t> </a:t>
             </a:r>
             <a:r>
-              <a:rPr lang="en-US" sz="1000" dirty="0">
+              <a:rPr lang="en-US" sz="1000">
                 <a:solidFill>
                   <a:srgbClr val="7CA668"/>
                 </a:solidFill>
@@ -5814,7 +6870,7 @@
               <a:t>#Showing how to return something from the </a:t>
             </a:r>
             <a:r>
-              <a:rPr lang="en-US" sz="1000" dirty="0" err="1">
+              <a:rPr lang="en-US" sz="1000" err="1">
                 <a:solidFill>
                   <a:srgbClr val="7CA668"/>
                 </a:solidFill>
@@ -5822,7 +6878,7 @@
               </a:rPr>
               <a:t>inlinescript</a:t>
             </a:r>
-            <a:endParaRPr lang="en-US" sz="1000" dirty="0">
+            <a:endParaRPr lang="en-US" sz="1000">
               <a:solidFill>
                 <a:srgbClr val="FFFFFF"/>
               </a:solidFill>
@@ -5831,7 +6887,7 @@
           </a:p>
           <a:p>
             <a:r>
-              <a:rPr lang="en-US" sz="1000" dirty="0">
+              <a:rPr lang="en-US" sz="1000">
                 <a:solidFill>
                   <a:srgbClr val="FFFFFF"/>
                 </a:solidFill>
@@ -5842,7 +6898,7 @@
           </a:p>
           <a:p>
             <a:r>
-              <a:rPr lang="en-US" sz="1000" dirty="0">
+              <a:rPr lang="en-US" sz="1000">
                 <a:solidFill>
                   <a:srgbClr val="FFFFFF"/>
                 </a:solidFill>
@@ -5851,7 +6907,7 @@
               <a:t>        </a:t>
             </a:r>
             <a:r>
-              <a:rPr lang="en-US" sz="1000" dirty="0">
+              <a:rPr lang="en-US" sz="1000">
                 <a:solidFill>
                   <a:srgbClr val="9CDCFE"/>
                 </a:solidFill>
@@ -5860,7 +6916,7 @@
               <a:t>$s1</a:t>
             </a:r>
             <a:r>
-              <a:rPr lang="en-US" sz="1000" dirty="0">
+              <a:rPr lang="en-US" sz="1000">
                 <a:solidFill>
                   <a:srgbClr val="FFFFFF"/>
                 </a:solidFill>
@@ -5869,7 +6925,7 @@
               <a:t> </a:t>
             </a:r>
             <a:r>
-              <a:rPr lang="en-US" sz="1000" dirty="0">
+              <a:rPr lang="en-US" sz="1000">
                 <a:solidFill>
                   <a:srgbClr val="D4D4D4"/>
                 </a:solidFill>
@@ -5878,7 +6934,7 @@
               <a:t>=</a:t>
             </a:r>
             <a:r>
-              <a:rPr lang="en-US" sz="1000" dirty="0">
+              <a:rPr lang="en-US" sz="1000">
                 <a:solidFill>
                   <a:srgbClr val="FFFFFF"/>
                 </a:solidFill>
@@ -5887,7 +6943,7 @@
               <a:t> </a:t>
             </a:r>
             <a:r>
-              <a:rPr lang="en-US" sz="1000" dirty="0">
+              <a:rPr lang="en-US" sz="1000">
                 <a:solidFill>
                   <a:srgbClr val="CE9178"/>
                 </a:solidFill>
@@ -5896,7 +6952,7 @@
               <a:t>"some internal value generated within"</a:t>
             </a:r>
             <a:r>
-              <a:rPr lang="en-US" sz="1000" dirty="0">
+              <a:rPr lang="en-US" sz="1000">
                 <a:solidFill>
                   <a:srgbClr val="FFFFFF"/>
                 </a:solidFill>
@@ -5907,7 +6963,7 @@
           </a:p>
           <a:p>
             <a:r>
-              <a:rPr lang="en-US" sz="1000" dirty="0">
+              <a:rPr lang="en-US" sz="1000">
                 <a:solidFill>
                   <a:srgbClr val="FFFFFF"/>
                 </a:solidFill>
@@ -5916,7 +6972,7 @@
               <a:t>        </a:t>
             </a:r>
             <a:r>
-              <a:rPr lang="en-US" sz="1000" dirty="0">
+              <a:rPr lang="en-US" sz="1000">
                 <a:solidFill>
                   <a:srgbClr val="C586C0"/>
                 </a:solidFill>
@@ -5925,7 +6981,7 @@
               <a:t>return</a:t>
             </a:r>
             <a:r>
-              <a:rPr lang="en-US" sz="1000" dirty="0">
+              <a:rPr lang="en-US" sz="1000">
                 <a:solidFill>
                   <a:srgbClr val="FFFFFF"/>
                 </a:solidFill>
@@ -5934,7 +6990,7 @@
               <a:t> </a:t>
             </a:r>
             <a:r>
-              <a:rPr lang="en-US" sz="1000" dirty="0">
+              <a:rPr lang="en-US" sz="1000">
                 <a:solidFill>
                   <a:srgbClr val="9CDCFE"/>
                 </a:solidFill>
@@ -5942,7 +6998,7 @@
               </a:rPr>
               <a:t>$s1</a:t>
             </a:r>
-            <a:endParaRPr lang="en-US" sz="1000" dirty="0">
+            <a:endParaRPr lang="en-US" sz="1000">
               <a:solidFill>
                 <a:srgbClr val="FFFFFF"/>
               </a:solidFill>
@@ -5951,7 +7007,7 @@
           </a:p>
           <a:p>
             <a:r>
-              <a:rPr lang="en-US" sz="1000" dirty="0">
+              <a:rPr lang="en-US" sz="1000">
                 <a:solidFill>
                   <a:srgbClr val="FFFFFF"/>
                 </a:solidFill>
@@ -5962,7 +7018,7 @@
           </a:p>
           <a:p>
             <a:r>
-              <a:rPr lang="en-US" sz="1000" dirty="0">
+              <a:rPr lang="en-US" sz="1000">
                 <a:solidFill>
                   <a:srgbClr val="FFFFFF"/>
                 </a:solidFill>
@@ -5971,7 +7027,7 @@
               <a:t>    </a:t>
             </a:r>
             <a:r>
-              <a:rPr lang="en-US" sz="1000" dirty="0">
+              <a:rPr lang="en-US" sz="1000">
                 <a:solidFill>
                   <a:srgbClr val="CE9178"/>
                 </a:solidFill>
@@ -5979,7 +7035,7 @@
               </a:rPr>
               <a:t>" A return value:"</a:t>
             </a:r>
-            <a:endParaRPr lang="en-US" sz="1000" dirty="0">
+            <a:endParaRPr lang="en-US" sz="1000">
               <a:solidFill>
                 <a:srgbClr val="FFFFFF"/>
               </a:solidFill>
@@ -5988,7 +7044,7 @@
           </a:p>
           <a:p>
             <a:r>
-              <a:rPr lang="en-US" sz="1000" dirty="0">
+              <a:rPr lang="en-US" sz="1000">
                 <a:solidFill>
                   <a:srgbClr val="FFFFFF"/>
                 </a:solidFill>
@@ -5997,7 +7053,7 @@
               <a:t>    </a:t>
             </a:r>
             <a:r>
-              <a:rPr lang="en-US" sz="1000" dirty="0">
+              <a:rPr lang="en-US" sz="1000">
                 <a:solidFill>
                   <a:srgbClr val="9CDCFE"/>
                 </a:solidFill>
@@ -6006,7 +7062,7 @@
               <a:t>$</a:t>
             </a:r>
             <a:r>
-              <a:rPr lang="en-US" sz="1000" dirty="0" err="1">
+              <a:rPr lang="en-US" sz="1000" err="1">
                 <a:solidFill>
                   <a:srgbClr val="9CDCFE"/>
                 </a:solidFill>
@@ -6014,7 +7070,7 @@
               </a:rPr>
               <a:t>retval</a:t>
             </a:r>
-            <a:endParaRPr lang="en-US" sz="1000" dirty="0">
+            <a:endParaRPr lang="en-US" sz="1000">
               <a:solidFill>
                 <a:srgbClr val="FFFFFF"/>
               </a:solidFill>
@@ -6023,7 +7079,7 @@
           </a:p>
           <a:p>
             <a:r>
-              <a:rPr lang="en-US" sz="1000" dirty="0">
+              <a:rPr lang="en-US" sz="1000">
                 <a:solidFill>
                   <a:srgbClr val="FFFFFF"/>
                 </a:solidFill>
@@ -6032,7 +7088,7 @@
               <a:t>    </a:t>
             </a:r>
             <a:r>
-              <a:rPr lang="en-US" sz="1000" dirty="0">
+              <a:rPr lang="en-US" sz="1000">
                 <a:solidFill>
                   <a:srgbClr val="CE9178"/>
                 </a:solidFill>
@@ -6041,7 +7097,7 @@
               <a:t>"--------------------------------------------------------"</a:t>
             </a:r>
             <a:r>
-              <a:rPr lang="en-US" sz="1000" dirty="0">
+              <a:rPr lang="en-US" sz="1000">
                 <a:solidFill>
                   <a:srgbClr val="FFFFFF"/>
                 </a:solidFill>
@@ -6052,7 +7108,7 @@
           </a:p>
           <a:p>
             <a:r>
-              <a:rPr lang="en-US" sz="1000" dirty="0">
+              <a:rPr lang="en-US" sz="1000">
                 <a:solidFill>
                   <a:srgbClr val="FFFFFF"/>
                 </a:solidFill>
@@ -6061,7 +7117,7 @@
               <a:t>    </a:t>
             </a:r>
             <a:r>
-              <a:rPr lang="en-US" sz="1000" dirty="0">
+              <a:rPr lang="en-US" sz="1000">
                 <a:solidFill>
                   <a:srgbClr val="9CDCFE"/>
                 </a:solidFill>
@@ -6070,7 +7126,7 @@
               <a:t>$retval2</a:t>
             </a:r>
             <a:r>
-              <a:rPr lang="en-US" sz="1000" dirty="0">
+              <a:rPr lang="en-US" sz="1000">
                 <a:solidFill>
                   <a:srgbClr val="FFFFFF"/>
                 </a:solidFill>
@@ -6079,7 +7135,7 @@
               <a:t> </a:t>
             </a:r>
             <a:r>
-              <a:rPr lang="en-US" sz="1000" dirty="0">
+              <a:rPr lang="en-US" sz="1000">
                 <a:solidFill>
                   <a:srgbClr val="D4D4D4"/>
                 </a:solidFill>
@@ -6088,7 +7144,7 @@
               <a:t>=</a:t>
             </a:r>
             <a:r>
-              <a:rPr lang="en-US" sz="1000" dirty="0">
+              <a:rPr lang="en-US" sz="1000">
                 <a:solidFill>
                   <a:srgbClr val="FFFFFF"/>
                 </a:solidFill>
@@ -6097,7 +7153,7 @@
               <a:t> </a:t>
             </a:r>
             <a:r>
-              <a:rPr lang="en-US" sz="1000" dirty="0" err="1">
+              <a:rPr lang="en-US" sz="1000" err="1">
                 <a:solidFill>
                   <a:srgbClr val="C586C0"/>
                 </a:solidFill>
@@ -6106,7 +7162,7 @@
               <a:t>InlineScript</a:t>
             </a:r>
             <a:r>
-              <a:rPr lang="en-US" sz="1000" dirty="0">
+              <a:rPr lang="en-US" sz="1000">
                 <a:solidFill>
                   <a:srgbClr val="FFFFFF"/>
                 </a:solidFill>
@@ -6115,7 +7171,7 @@
               <a:t> </a:t>
             </a:r>
             <a:r>
-              <a:rPr lang="en-US" sz="1000" dirty="0">
+              <a:rPr lang="en-US" sz="1000">
                 <a:solidFill>
                   <a:srgbClr val="7CA668"/>
                 </a:solidFill>
@@ -6123,7 +7179,7 @@
               </a:rPr>
               <a:t>#Combining both: use parameter, return value</a:t>
             </a:r>
-            <a:endParaRPr lang="en-US" sz="1000" dirty="0">
+            <a:endParaRPr lang="en-US" sz="1000">
               <a:solidFill>
                 <a:srgbClr val="FFFFFF"/>
               </a:solidFill>
@@ -6132,7 +7188,7 @@
           </a:p>
           <a:p>
             <a:r>
-              <a:rPr lang="en-US" sz="1000" dirty="0">
+              <a:rPr lang="en-US" sz="1000">
                 <a:solidFill>
                   <a:srgbClr val="FFFFFF"/>
                 </a:solidFill>
@@ -6143,7 +7199,7 @@
           </a:p>
           <a:p>
             <a:r>
-              <a:rPr lang="en-US" sz="1000" dirty="0">
+              <a:rPr lang="en-US" sz="1000">
                 <a:solidFill>
                   <a:srgbClr val="FFFFFF"/>
                 </a:solidFill>
@@ -6152,7 +7208,7 @@
               <a:t>        </a:t>
             </a:r>
             <a:r>
-              <a:rPr lang="en-US" sz="1000" dirty="0">
+              <a:rPr lang="en-US" sz="1000">
                 <a:solidFill>
                   <a:srgbClr val="CE9178"/>
                 </a:solidFill>
@@ -6160,7 +7216,7 @@
               </a:rPr>
               <a:t>"received a parameter"</a:t>
             </a:r>
-            <a:endParaRPr lang="en-US" sz="1000" dirty="0">
+            <a:endParaRPr lang="en-US" sz="1000">
               <a:solidFill>
                 <a:srgbClr val="FFFFFF"/>
               </a:solidFill>
@@ -6169,7 +7225,7 @@
           </a:p>
           <a:p>
             <a:r>
-              <a:rPr lang="en-US" sz="1000" dirty="0">
+              <a:rPr lang="en-US" sz="1000">
                 <a:solidFill>
                   <a:srgbClr val="FFFFFF"/>
                 </a:solidFill>
@@ -6178,7 +7234,7 @@
               <a:t>        </a:t>
             </a:r>
             <a:r>
-              <a:rPr lang="en-US" sz="1000" dirty="0">
+              <a:rPr lang="en-US" sz="1000">
                 <a:solidFill>
                   <a:srgbClr val="9CDCFE"/>
                 </a:solidFill>
@@ -6187,7 +7243,7 @@
               <a:t>$</a:t>
             </a:r>
             <a:r>
-              <a:rPr lang="en-US" sz="1000" dirty="0">
+              <a:rPr lang="en-US" sz="1000">
                 <a:solidFill>
                   <a:srgbClr val="569CD6"/>
                 </a:solidFill>
@@ -6196,7 +7252,7 @@
               <a:t>using</a:t>
             </a:r>
             <a:r>
-              <a:rPr lang="en-US" sz="1000" dirty="0">
+              <a:rPr lang="en-US" sz="1000">
                 <a:solidFill>
                   <a:srgbClr val="9CDCFE"/>
                 </a:solidFill>
@@ -6204,7 +7260,7 @@
               </a:rPr>
               <a:t>:p1</a:t>
             </a:r>
-            <a:endParaRPr lang="en-US" sz="1000" dirty="0">
+            <a:endParaRPr lang="en-US" sz="1000">
               <a:solidFill>
                 <a:srgbClr val="FFFFFF"/>
               </a:solidFill>
@@ -6213,7 +7269,7 @@
           </a:p>
           <a:p>
             <a:r>
-              <a:rPr lang="en-US" sz="1000" dirty="0">
+              <a:rPr lang="en-US" sz="1000">
                 <a:solidFill>
                   <a:srgbClr val="FFFFFF"/>
                 </a:solidFill>
@@ -6222,7 +7278,7 @@
               <a:t>        </a:t>
             </a:r>
             <a:r>
-              <a:rPr lang="en-US" sz="1000" dirty="0">
+              <a:rPr lang="en-US" sz="1000">
                 <a:solidFill>
                   <a:srgbClr val="CE9178"/>
                 </a:solidFill>
@@ -6230,7 +7286,7 @@
               </a:rPr>
               <a:t>"doing something to it"</a:t>
             </a:r>
-            <a:endParaRPr lang="en-US" sz="1000" dirty="0">
+            <a:endParaRPr lang="en-US" sz="1000">
               <a:solidFill>
                 <a:srgbClr val="FFFFFF"/>
               </a:solidFill>
@@ -6239,7 +7295,7 @@
           </a:p>
           <a:p>
             <a:r>
-              <a:rPr lang="en-US" sz="1000" dirty="0">
+              <a:rPr lang="en-US" sz="1000">
                 <a:solidFill>
                   <a:srgbClr val="FFFFFF"/>
                 </a:solidFill>
@@ -6248,7 +7304,7 @@
               <a:t>        </a:t>
             </a:r>
             <a:r>
-              <a:rPr lang="en-US" sz="1000" dirty="0">
+              <a:rPr lang="en-US" sz="1000">
                 <a:solidFill>
                   <a:srgbClr val="9CDCFE"/>
                 </a:solidFill>
@@ -6257,7 +7313,7 @@
               <a:t>$r1</a:t>
             </a:r>
             <a:r>
-              <a:rPr lang="en-US" sz="1000" dirty="0">
+              <a:rPr lang="en-US" sz="1000">
                 <a:solidFill>
                   <a:srgbClr val="FFFFFF"/>
                 </a:solidFill>
@@ -6266,7 +7322,7 @@
               <a:t> </a:t>
             </a:r>
             <a:r>
-              <a:rPr lang="en-US" sz="1000" dirty="0">
+              <a:rPr lang="en-US" sz="1000">
                 <a:solidFill>
                   <a:srgbClr val="D4D4D4"/>
                 </a:solidFill>
@@ -6275,7 +7331,7 @@
               <a:t>=</a:t>
             </a:r>
             <a:r>
-              <a:rPr lang="en-US" sz="1000" dirty="0">
+              <a:rPr lang="en-US" sz="1000">
                 <a:solidFill>
                   <a:srgbClr val="FFFFFF"/>
                 </a:solidFill>
@@ -6284,7 +7340,7 @@
               <a:t> (</a:t>
             </a:r>
             <a:r>
-              <a:rPr lang="en-US" sz="1000" dirty="0">
+              <a:rPr lang="en-US" sz="1000">
                 <a:solidFill>
                   <a:srgbClr val="9CDCFE"/>
                 </a:solidFill>
@@ -6293,7 +7349,7 @@
               <a:t>$</a:t>
             </a:r>
             <a:r>
-              <a:rPr lang="en-US" sz="1000" dirty="0">
+              <a:rPr lang="en-US" sz="1000">
                 <a:solidFill>
                   <a:srgbClr val="569CD6"/>
                 </a:solidFill>
@@ -6302,7 +7358,7 @@
               <a:t>using</a:t>
             </a:r>
             <a:r>
-              <a:rPr lang="en-US" sz="1000" dirty="0">
+              <a:rPr lang="en-US" sz="1000">
                 <a:solidFill>
                   <a:srgbClr val="9CDCFE"/>
                 </a:solidFill>
@@ -6311,7 +7367,7 @@
               <a:t>:p1</a:t>
             </a:r>
             <a:r>
-              <a:rPr lang="en-US" sz="1000" dirty="0">
+              <a:rPr lang="en-US" sz="1000">
                 <a:solidFill>
                   <a:srgbClr val="FFFFFF"/>
                 </a:solidFill>
@@ -6320,7 +7376,7 @@
               <a:t>).Split(</a:t>
             </a:r>
             <a:r>
-              <a:rPr lang="en-US" sz="1000" dirty="0">
+              <a:rPr lang="en-US" sz="1000">
                 <a:solidFill>
                   <a:srgbClr val="CE9178"/>
                 </a:solidFill>
@@ -6329,7 +7385,7 @@
               <a:t>'|'</a:t>
             </a:r>
             <a:r>
-              <a:rPr lang="en-US" sz="1000" dirty="0">
+              <a:rPr lang="en-US" sz="1000">
                 <a:solidFill>
                   <a:srgbClr val="FFFFFF"/>
                 </a:solidFill>
@@ -6340,7 +7396,7 @@
           </a:p>
           <a:p>
             <a:r>
-              <a:rPr lang="en-US" sz="1000" dirty="0">
+              <a:rPr lang="en-US" sz="1000">
                 <a:solidFill>
                   <a:srgbClr val="FFFFFF"/>
                 </a:solidFill>
@@ -6349,7 +7405,7 @@
               <a:t>        </a:t>
             </a:r>
             <a:r>
-              <a:rPr lang="en-US" sz="1000" dirty="0">
+              <a:rPr lang="en-US" sz="1000">
                 <a:solidFill>
                   <a:srgbClr val="C586C0"/>
                 </a:solidFill>
@@ -6358,7 +7414,7 @@
               <a:t>return</a:t>
             </a:r>
             <a:r>
-              <a:rPr lang="en-US" sz="1000" dirty="0">
+              <a:rPr lang="en-US" sz="1000">
                 <a:solidFill>
                   <a:srgbClr val="FFFFFF"/>
                 </a:solidFill>
@@ -6367,7 +7423,7 @@
               <a:t> </a:t>
             </a:r>
             <a:r>
-              <a:rPr lang="en-US" sz="1000" dirty="0">
+              <a:rPr lang="en-US" sz="1000">
                 <a:solidFill>
                   <a:srgbClr val="9CDCFE"/>
                 </a:solidFill>
@@ -6375,7 +7431,7 @@
               </a:rPr>
               <a:t>$r1</a:t>
             </a:r>
-            <a:endParaRPr lang="en-US" sz="1000" dirty="0">
+            <a:endParaRPr lang="en-US" sz="1000">
               <a:solidFill>
                 <a:srgbClr val="FFFFFF"/>
               </a:solidFill>
@@ -6384,7 +7440,7 @@
           </a:p>
           <a:p>
             <a:r>
-              <a:rPr lang="en-US" sz="1000" dirty="0">
+              <a:rPr lang="en-US" sz="1000">
                 <a:solidFill>
                   <a:srgbClr val="FFFFFF"/>
                 </a:solidFill>
@@ -6395,7 +7451,7 @@
           </a:p>
           <a:p>
             <a:r>
-              <a:rPr lang="en-US" sz="1000" dirty="0">
+              <a:rPr lang="en-US" sz="1000">
                 <a:solidFill>
                   <a:srgbClr val="FFFFFF"/>
                 </a:solidFill>
@@ -6404,7 +7460,7 @@
               <a:t>    </a:t>
             </a:r>
             <a:r>
-              <a:rPr lang="en-US" sz="1000" dirty="0">
+              <a:rPr lang="en-US" sz="1000">
                 <a:solidFill>
                   <a:srgbClr val="CE9178"/>
                 </a:solidFill>
@@ -6412,7 +7468,7 @@
               </a:rPr>
               <a:t>"Return value:"</a:t>
             </a:r>
-            <a:endParaRPr lang="en-US" sz="1000" dirty="0">
+            <a:endParaRPr lang="en-US" sz="1000">
               <a:solidFill>
                 <a:srgbClr val="FFFFFF"/>
               </a:solidFill>
@@ -6421,7 +7477,7 @@
           </a:p>
           <a:p>
             <a:r>
-              <a:rPr lang="en-US" sz="1000" dirty="0">
+              <a:rPr lang="en-US" sz="1000">
                 <a:solidFill>
                   <a:srgbClr val="FFFFFF"/>
                 </a:solidFill>
@@ -6430,7 +7486,7 @@
               <a:t>    </a:t>
             </a:r>
             <a:r>
-              <a:rPr lang="en-US" sz="1000" dirty="0">
+              <a:rPr lang="en-US" sz="1000">
                 <a:solidFill>
                   <a:srgbClr val="9CDCFE"/>
                 </a:solidFill>
@@ -6438,7 +7494,7 @@
               </a:rPr>
               <a:t>$retval2</a:t>
             </a:r>
-            <a:endParaRPr lang="en-US" sz="1000" dirty="0">
+            <a:endParaRPr lang="en-US" sz="1000">
               <a:solidFill>
                 <a:srgbClr val="FFFFFF"/>
               </a:solidFill>
@@ -6447,7 +7503,7 @@
           </a:p>
           <a:p>
             <a:r>
-              <a:rPr lang="en-US" sz="1000" dirty="0">
+              <a:rPr lang="en-US" sz="1000">
                 <a:solidFill>
                   <a:srgbClr val="FFFFFF"/>
                 </a:solidFill>
@@ -6456,7 +7512,7 @@
               <a:t>    </a:t>
             </a:r>
             <a:r>
-              <a:rPr lang="en-US" sz="1000" dirty="0" err="1">
+              <a:rPr lang="en-US" sz="1000" err="1">
                 <a:solidFill>
                   <a:srgbClr val="C586C0"/>
                 </a:solidFill>
@@ -6464,7 +7520,7 @@
               </a:rPr>
               <a:t>InlineScript</a:t>
             </a:r>
-            <a:endParaRPr lang="en-US" sz="1000" dirty="0">
+            <a:endParaRPr lang="en-US" sz="1000">
               <a:solidFill>
                 <a:srgbClr val="FFFFFF"/>
               </a:solidFill>
@@ -6473,7 +7529,7 @@
           </a:p>
           <a:p>
             <a:r>
-              <a:rPr lang="en-US" sz="1000" dirty="0">
+              <a:rPr lang="en-US" sz="1000">
                 <a:solidFill>
                   <a:srgbClr val="FFFFFF"/>
                 </a:solidFill>
@@ -6484,7 +7540,7 @@
           </a:p>
           <a:p>
             <a:r>
-              <a:rPr lang="en-US" sz="1000" dirty="0">
+              <a:rPr lang="en-US" sz="1000">
                 <a:solidFill>
                   <a:srgbClr val="FFFFFF"/>
                 </a:solidFill>
@@ -6493,7 +7549,7 @@
               <a:t>        </a:t>
             </a:r>
             <a:r>
-              <a:rPr lang="en-US" sz="1000" dirty="0">
+              <a:rPr lang="en-US" sz="1000">
                 <a:solidFill>
                   <a:srgbClr val="CE9178"/>
                 </a:solidFill>
@@ -6501,7 +7557,7 @@
               </a:rPr>
               <a:t>"After completing parallel process"</a:t>
             </a:r>
-            <a:endParaRPr lang="en-US" sz="1000" dirty="0">
+            <a:endParaRPr lang="en-US" sz="1000">
               <a:solidFill>
                 <a:srgbClr val="FFFFFF"/>
               </a:solidFill>
@@ -6510,7 +7566,7 @@
           </a:p>
           <a:p>
             <a:r>
-              <a:rPr lang="en-US" sz="1000" dirty="0">
+              <a:rPr lang="en-US" sz="1000">
                 <a:solidFill>
                   <a:srgbClr val="FFFFFF"/>
                 </a:solidFill>
@@ -6519,7 +7575,7 @@
               <a:t>        </a:t>
             </a:r>
             <a:r>
-              <a:rPr lang="en-US" sz="1000" dirty="0">
+              <a:rPr lang="en-US" sz="1000">
                 <a:solidFill>
                   <a:srgbClr val="DCDCAA"/>
                 </a:solidFill>
@@ -6528,7 +7584,7 @@
               <a:t>Get-Date</a:t>
             </a:r>
             <a:r>
-              <a:rPr lang="en-US" sz="1000" dirty="0">
+              <a:rPr lang="en-US" sz="1000">
                 <a:solidFill>
                   <a:srgbClr val="FFFFFF"/>
                 </a:solidFill>
@@ -6539,7 +7595,7 @@
           </a:p>
           <a:p>
             <a:r>
-              <a:rPr lang="en-US" sz="1000" dirty="0">
+              <a:rPr lang="en-US" sz="1000">
                 <a:solidFill>
                   <a:srgbClr val="FFFFFF"/>
                 </a:solidFill>
@@ -6550,7 +7606,7 @@
           </a:p>
           <a:p>
             <a:r>
-              <a:rPr lang="en-US" sz="1000" dirty="0">
+              <a:rPr lang="en-US" sz="1000">
                 <a:solidFill>
                   <a:srgbClr val="FFFFFF"/>
                 </a:solidFill>
@@ -6561,7 +7617,7 @@
           </a:p>
           <a:p>
             <a:r>
-              <a:rPr lang="en-US" sz="1000" dirty="0">
+              <a:rPr lang="en-US" sz="1000">
                 <a:solidFill>
                   <a:srgbClr val="FFFFFF"/>
                 </a:solidFill>
@@ -6570,7 +7626,7 @@
               <a:t>HelloWorld  </a:t>
             </a:r>
             <a:r>
-              <a:rPr lang="en-US" sz="1000" dirty="0">
+              <a:rPr lang="en-US" sz="1000">
                 <a:solidFill>
                   <a:srgbClr val="7CA668"/>
                 </a:solidFill>
@@ -6578,7 +7634,7 @@
               </a:rPr>
               <a:t># and we execute the workflow</a:t>
             </a:r>
-            <a:endParaRPr lang="en-US" sz="1000" b="0" dirty="0">
+            <a:endParaRPr lang="en-US" sz="1000" b="0">
               <a:solidFill>
                 <a:srgbClr val="FFFFFF"/>
               </a:solidFill>
@@ -6649,14 +7705,14 @@
           <a:lstStyle/>
           <a:p>
             <a:r>
-              <a:rPr lang="en-US" sz="1600" b="1" dirty="0" smtClean="0">
+              <a:rPr lang="en-US" sz="1600" b="1" smtClean="0">
                 <a:solidFill>
                   <a:srgbClr val="00B050"/>
                 </a:solidFill>
               </a:rPr>
               <a:t>And here we see the output</a:t>
             </a:r>
-            <a:endParaRPr lang="en-US" sz="1600" b="1" dirty="0">
+            <a:endParaRPr lang="en-US" sz="1600" b="1">
               <a:solidFill>
                 <a:srgbClr val="00B050"/>
               </a:solidFill>
@@ -6686,7 +7742,7 @@
           </a:bodyPr>
           <a:lstStyle/>
           <a:p>
-            <a:endParaRPr lang="en-US" sz="1600" dirty="0"/>
+            <a:endParaRPr lang="en-US" sz="1600"/>
           </a:p>
         </p:txBody>
       </p:sp>
@@ -6797,18 +7853,18 @@
           <a:lstStyle/>
           <a:p>
             <a:r>
-              <a:rPr lang="en-US" sz="1600" dirty="0" smtClean="0"/>
+              <a:rPr lang="en-US" sz="1600" smtClean="0"/>
               <a:t>Functions in </a:t>
             </a:r>
             <a:r>
-              <a:rPr lang="en-US" sz="1600" dirty="0" err="1" smtClean="0"/>
+              <a:rPr lang="en-US" sz="1600" err="1" smtClean="0"/>
               <a:t>powershell</a:t>
             </a:r>
             <a:r>
-              <a:rPr lang="en-US" sz="1600" dirty="0" smtClean="0"/>
+              <a:rPr lang="en-US" sz="1600" smtClean="0"/>
               <a:t> work fine …</a:t>
             </a:r>
-            <a:endParaRPr lang="en-US" sz="1600" dirty="0"/>
+            <a:endParaRPr lang="en-US" sz="1600"/>
           </a:p>
         </p:txBody>
       </p:sp>
@@ -6838,7 +7894,7 @@
           <a:lstStyle/>
           <a:p>
             <a:r>
-              <a:rPr lang="en-US" sz="4800" dirty="0">
+              <a:rPr lang="en-US" sz="4800">
                 <a:solidFill>
                   <a:srgbClr val="7CA668"/>
                 </a:solidFill>
@@ -6846,7 +7902,7 @@
               </a:rPr>
               <a:t># Script_Blocks_are_a_good_thing_A.ps1</a:t>
             </a:r>
-            <a:endParaRPr lang="en-US" sz="4800" dirty="0">
+            <a:endParaRPr lang="en-US" sz="4800">
               <a:solidFill>
                 <a:srgbClr val="FFFFFF"/>
               </a:solidFill>
@@ -6855,7 +7911,7 @@
           </a:p>
           <a:p>
             <a:r>
-              <a:rPr lang="en-US" sz="4800" dirty="0">
+              <a:rPr lang="en-US" sz="4800">
                 <a:solidFill>
                   <a:srgbClr val="7CA668"/>
                 </a:solidFill>
@@ -6863,7 +7919,7 @@
               </a:rPr>
               <a:t># using a function</a:t>
             </a:r>
-            <a:endParaRPr lang="en-US" sz="4800" dirty="0">
+            <a:endParaRPr lang="en-US" sz="4800">
               <a:solidFill>
                 <a:srgbClr val="FFFFFF"/>
               </a:solidFill>
@@ -6872,7 +7928,7 @@
           </a:p>
           <a:p>
             <a:r>
-              <a:rPr lang="en-US" sz="4800" dirty="0">
+              <a:rPr lang="en-US" sz="4800">
                 <a:solidFill>
                   <a:srgbClr val="569CD6"/>
                 </a:solidFill>
@@ -6881,7 +7937,7 @@
               <a:t>function</a:t>
             </a:r>
             <a:r>
-              <a:rPr lang="en-US" sz="4800" dirty="0">
+              <a:rPr lang="en-US" sz="4800">
                 <a:solidFill>
                   <a:srgbClr val="FFFFFF"/>
                 </a:solidFill>
@@ -6890,7 +7946,7 @@
               <a:t> </a:t>
             </a:r>
             <a:r>
-              <a:rPr lang="en-US" sz="4800" dirty="0">
+              <a:rPr lang="en-US" sz="4800">
                 <a:solidFill>
                   <a:srgbClr val="DCDCAA"/>
                 </a:solidFill>
@@ -6899,7 +7955,7 @@
               <a:t>Invoke-Sqlcmd3_db</a:t>
             </a:r>
             <a:r>
-              <a:rPr lang="en-US" sz="4800" dirty="0">
+              <a:rPr lang="en-US" sz="4800">
                 <a:solidFill>
                   <a:srgbClr val="FFFFFF"/>
                 </a:solidFill>
@@ -6908,7 +7964,7 @@
               <a:t> (</a:t>
             </a:r>
             <a:r>
-              <a:rPr lang="en-US" sz="4800" dirty="0">
+              <a:rPr lang="en-US" sz="4800">
                 <a:solidFill>
                   <a:srgbClr val="9CDCFE"/>
                 </a:solidFill>
@@ -6917,7 +7973,7 @@
               <a:t>$</a:t>
             </a:r>
             <a:r>
-              <a:rPr lang="en-US" sz="4800" dirty="0" err="1">
+              <a:rPr lang="en-US" sz="4800" err="1">
                 <a:solidFill>
                   <a:srgbClr val="9CDCFE"/>
                 </a:solidFill>
@@ -6926,7 +7982,7 @@
               <a:t>ServerInstance</a:t>
             </a:r>
             <a:r>
-              <a:rPr lang="en-US" sz="4800" dirty="0">
+              <a:rPr lang="en-US" sz="4800">
                 <a:solidFill>
                   <a:srgbClr val="D4D4D4"/>
                 </a:solidFill>
@@ -6935,7 +7991,7 @@
               <a:t>,</a:t>
             </a:r>
             <a:r>
-              <a:rPr lang="en-US" sz="4800" dirty="0">
+              <a:rPr lang="en-US" sz="4800">
                 <a:solidFill>
                   <a:srgbClr val="9CDCFE"/>
                 </a:solidFill>
@@ -6944,7 +8000,7 @@
               <a:t>$Query</a:t>
             </a:r>
             <a:r>
-              <a:rPr lang="en-US" sz="4800" dirty="0">
+              <a:rPr lang="en-US" sz="4800">
                 <a:solidFill>
                   <a:srgbClr val="D4D4D4"/>
                 </a:solidFill>
@@ -6953,7 +8009,7 @@
               <a:t>,</a:t>
             </a:r>
             <a:r>
-              <a:rPr lang="en-US" sz="4800" dirty="0">
+              <a:rPr lang="en-US" sz="4800">
                 <a:solidFill>
                   <a:srgbClr val="FFFFFF"/>
                 </a:solidFill>
@@ -6962,7 +8018,7 @@
               <a:t> </a:t>
             </a:r>
             <a:r>
-              <a:rPr lang="en-US" sz="4800" dirty="0">
+              <a:rPr lang="en-US" sz="4800">
                 <a:solidFill>
                   <a:srgbClr val="9CDCFE"/>
                 </a:solidFill>
@@ -6971,7 +8027,7 @@
               <a:t>$Database</a:t>
             </a:r>
             <a:r>
-              <a:rPr lang="en-US" sz="4800" dirty="0">
+              <a:rPr lang="en-US" sz="4800">
                 <a:solidFill>
                   <a:srgbClr val="FFFFFF"/>
                 </a:solidFill>
@@ -6982,7 +8038,7 @@
           </a:p>
           <a:p>
             <a:r>
-              <a:rPr lang="en-US" sz="4800" dirty="0">
+              <a:rPr lang="en-US" sz="4800">
                 <a:solidFill>
                   <a:srgbClr val="7CA668"/>
                 </a:solidFill>
@@ -6990,7 +8046,7 @@
               </a:rPr>
               <a:t># Based on Chad Millers Invoke-Sqlcmd3</a:t>
             </a:r>
-            <a:endParaRPr lang="en-US" sz="4800" dirty="0">
+            <a:endParaRPr lang="en-US" sz="4800">
               <a:solidFill>
                 <a:srgbClr val="FFFFFF"/>
               </a:solidFill>
@@ -6999,7 +8055,7 @@
           </a:p>
           <a:p>
             <a:r>
-              <a:rPr lang="en-US" sz="4800" dirty="0">
+              <a:rPr lang="en-US" sz="4800">
                 <a:solidFill>
                   <a:srgbClr val="FFFFFF"/>
                 </a:solidFill>
@@ -7010,7 +8066,7 @@
           </a:p>
           <a:p>
             <a:r>
-              <a:rPr lang="en-US" sz="4800" dirty="0">
+              <a:rPr lang="en-US" sz="4800">
                 <a:solidFill>
                   <a:srgbClr val="FFFFFF"/>
                 </a:solidFill>
@@ -7019,7 +8075,7 @@
               <a:t>    </a:t>
             </a:r>
             <a:r>
-              <a:rPr lang="en-US" sz="4800" dirty="0">
+              <a:rPr lang="en-US" sz="4800">
                 <a:solidFill>
                   <a:srgbClr val="9CDCFE"/>
                 </a:solidFill>
@@ -7028,7 +8084,7 @@
               <a:t>$</a:t>
             </a:r>
             <a:r>
-              <a:rPr lang="en-US" sz="4800" dirty="0" err="1">
+              <a:rPr lang="en-US" sz="4800" err="1">
                 <a:solidFill>
                   <a:srgbClr val="9CDCFE"/>
                 </a:solidFill>
@@ -7037,7 +8093,7 @@
               <a:t>QueryTimeout</a:t>
             </a:r>
             <a:r>
-              <a:rPr lang="en-US" sz="4800" dirty="0">
+              <a:rPr lang="en-US" sz="4800">
                 <a:solidFill>
                   <a:srgbClr val="D4D4D4"/>
                 </a:solidFill>
@@ -7046,7 +8102,7 @@
               <a:t>=</a:t>
             </a:r>
             <a:r>
-              <a:rPr lang="en-US" sz="4800" dirty="0">
+              <a:rPr lang="en-US" sz="4800">
                 <a:solidFill>
                   <a:srgbClr val="B5CEA8"/>
                 </a:solidFill>
@@ -7054,7 +8110,7 @@
               </a:rPr>
               <a:t>600</a:t>
             </a:r>
-            <a:endParaRPr lang="en-US" sz="4800" dirty="0">
+            <a:endParaRPr lang="en-US" sz="4800">
               <a:solidFill>
                 <a:srgbClr val="FFFFFF"/>
               </a:solidFill>
@@ -7063,7 +8119,7 @@
           </a:p>
           <a:p>
             <a:r>
-              <a:rPr lang="en-US" sz="4800" dirty="0">
+              <a:rPr lang="en-US" sz="4800">
                 <a:solidFill>
                   <a:srgbClr val="FFFFFF"/>
                 </a:solidFill>
@@ -7072,7 +8128,7 @@
               <a:t>    </a:t>
             </a:r>
             <a:r>
-              <a:rPr lang="en-US" sz="4800" dirty="0">
+              <a:rPr lang="en-US" sz="4800">
                 <a:solidFill>
                   <a:srgbClr val="9CDCFE"/>
                 </a:solidFill>
@@ -7081,7 +8137,7 @@
               <a:t>$conn</a:t>
             </a:r>
             <a:r>
-              <a:rPr lang="en-US" sz="4800" dirty="0">
+              <a:rPr lang="en-US" sz="4800">
                 <a:solidFill>
                   <a:srgbClr val="D4D4D4"/>
                 </a:solidFill>
@@ -7090,7 +8146,7 @@
               <a:t>=</a:t>
             </a:r>
             <a:r>
-              <a:rPr lang="en-US" sz="4800" dirty="0">
+              <a:rPr lang="en-US" sz="4800">
                 <a:solidFill>
                   <a:srgbClr val="DCDCAA"/>
                 </a:solidFill>
@@ -7099,7 +8155,7 @@
               <a:t>new-object</a:t>
             </a:r>
             <a:r>
-              <a:rPr lang="en-US" sz="4800" dirty="0">
+              <a:rPr lang="en-US" sz="4800">
                 <a:solidFill>
                   <a:srgbClr val="FFFFFF"/>
                 </a:solidFill>
@@ -7108,7 +8164,7 @@
               <a:t> </a:t>
             </a:r>
             <a:r>
-              <a:rPr lang="en-US" sz="4800" dirty="0" err="1">
+              <a:rPr lang="en-US" sz="4800" err="1">
                 <a:solidFill>
                   <a:srgbClr val="FFFFFF"/>
                 </a:solidFill>
@@ -7116,7 +8172,7 @@
               </a:rPr>
               <a:t>System.Data.SqlClient.SQLConnection</a:t>
             </a:r>
-            <a:endParaRPr lang="en-US" sz="4800" dirty="0">
+            <a:endParaRPr lang="en-US" sz="4800">
               <a:solidFill>
                 <a:srgbClr val="FFFFFF"/>
               </a:solidFill>
@@ -7125,7 +8181,7 @@
           </a:p>
           <a:p>
             <a:r>
-              <a:rPr lang="en-US" sz="4800" dirty="0">
+              <a:rPr lang="en-US" sz="4800">
                 <a:solidFill>
                   <a:srgbClr val="FFFFFF"/>
                 </a:solidFill>
@@ -7134,7 +8190,7 @@
               <a:t>    </a:t>
             </a:r>
             <a:r>
-              <a:rPr lang="en-US" sz="4800" dirty="0">
+              <a:rPr lang="en-US" sz="4800">
                 <a:solidFill>
                   <a:srgbClr val="9CDCFE"/>
                 </a:solidFill>
@@ -7143,7 +8199,7 @@
               <a:t>$</a:t>
             </a:r>
             <a:r>
-              <a:rPr lang="en-US" sz="4800" dirty="0" err="1">
+              <a:rPr lang="en-US" sz="4800" err="1">
                 <a:solidFill>
                   <a:srgbClr val="9CDCFE"/>
                 </a:solidFill>
@@ -7152,7 +8208,7 @@
               <a:t>constring</a:t>
             </a:r>
             <a:r>
-              <a:rPr lang="en-US" sz="4800" dirty="0">
+              <a:rPr lang="en-US" sz="4800">
                 <a:solidFill>
                   <a:srgbClr val="FFFFFF"/>
                 </a:solidFill>
@@ -7161,7 +8217,7 @@
               <a:t> </a:t>
             </a:r>
             <a:r>
-              <a:rPr lang="en-US" sz="4800" dirty="0">
+              <a:rPr lang="en-US" sz="4800">
                 <a:solidFill>
                   <a:srgbClr val="D4D4D4"/>
                 </a:solidFill>
@@ -7170,7 +8226,7 @@
               <a:t>=</a:t>
             </a:r>
             <a:r>
-              <a:rPr lang="en-US" sz="4800" dirty="0">
+              <a:rPr lang="en-US" sz="4800">
                 <a:solidFill>
                   <a:srgbClr val="FFFFFF"/>
                 </a:solidFill>
@@ -7179,7 +8235,7 @@
               <a:t> </a:t>
             </a:r>
             <a:r>
-              <a:rPr lang="en-US" sz="4800" dirty="0">
+              <a:rPr lang="en-US" sz="4800">
                 <a:solidFill>
                   <a:srgbClr val="CE9178"/>
                 </a:solidFill>
@@ -7188,7 +8244,7 @@
               <a:t>"Server="</a:t>
             </a:r>
             <a:r>
-              <a:rPr lang="en-US" sz="4800" dirty="0">
+              <a:rPr lang="en-US" sz="4800">
                 <a:solidFill>
                   <a:srgbClr val="FFFFFF"/>
                 </a:solidFill>
@@ -7197,7 +8253,7 @@
               <a:t> </a:t>
             </a:r>
             <a:r>
-              <a:rPr lang="en-US" sz="4800" dirty="0">
+              <a:rPr lang="en-US" sz="4800">
                 <a:solidFill>
                   <a:srgbClr val="D4D4D4"/>
                 </a:solidFill>
@@ -7206,7 +8262,7 @@
               <a:t>+</a:t>
             </a:r>
             <a:r>
-              <a:rPr lang="en-US" sz="4800" dirty="0">
+              <a:rPr lang="en-US" sz="4800">
                 <a:solidFill>
                   <a:srgbClr val="FFFFFF"/>
                 </a:solidFill>
@@ -7215,7 +8271,7 @@
               <a:t> </a:t>
             </a:r>
             <a:r>
-              <a:rPr lang="en-US" sz="4800" dirty="0">
+              <a:rPr lang="en-US" sz="4800">
                 <a:solidFill>
                   <a:srgbClr val="9CDCFE"/>
                 </a:solidFill>
@@ -7224,7 +8280,7 @@
               <a:t>$</a:t>
             </a:r>
             <a:r>
-              <a:rPr lang="en-US" sz="4800" dirty="0" err="1">
+              <a:rPr lang="en-US" sz="4800" err="1">
                 <a:solidFill>
                   <a:srgbClr val="9CDCFE"/>
                 </a:solidFill>
@@ -7233,7 +8289,7 @@
               <a:t>ServerInstance</a:t>
             </a:r>
             <a:r>
-              <a:rPr lang="en-US" sz="4800" dirty="0">
+              <a:rPr lang="en-US" sz="4800">
                 <a:solidFill>
                   <a:srgbClr val="FFFFFF"/>
                 </a:solidFill>
@@ -7242,7 +8298,7 @@
               <a:t> </a:t>
             </a:r>
             <a:r>
-              <a:rPr lang="en-US" sz="4800" dirty="0">
+              <a:rPr lang="en-US" sz="4800">
                 <a:solidFill>
                   <a:srgbClr val="D4D4D4"/>
                 </a:solidFill>
@@ -7251,7 +8307,7 @@
               <a:t>+</a:t>
             </a:r>
             <a:r>
-              <a:rPr lang="en-US" sz="4800" dirty="0">
+              <a:rPr lang="en-US" sz="4800">
                 <a:solidFill>
                   <a:srgbClr val="FFFFFF"/>
                 </a:solidFill>
@@ -7260,7 +8316,7 @@
               <a:t> </a:t>
             </a:r>
             <a:r>
-              <a:rPr lang="en-US" sz="4800" dirty="0">
+              <a:rPr lang="en-US" sz="4800">
                 <a:solidFill>
                   <a:srgbClr val="CE9178"/>
                 </a:solidFill>
@@ -7269,7 +8325,7 @@
               <a:t>";</a:t>
             </a:r>
             <a:r>
-              <a:rPr lang="en-US" sz="4800" dirty="0" err="1">
+              <a:rPr lang="en-US" sz="4800" err="1">
                 <a:solidFill>
                   <a:srgbClr val="CE9178"/>
                 </a:solidFill>
@@ -7278,7 +8334,7 @@
               <a:t>Trusted_Connection</a:t>
             </a:r>
             <a:r>
-              <a:rPr lang="en-US" sz="4800" dirty="0">
+              <a:rPr lang="en-US" sz="4800">
                 <a:solidFill>
                   <a:srgbClr val="CE9178"/>
                 </a:solidFill>
@@ -7287,7 +8343,7 @@
               <a:t>=</a:t>
             </a:r>
             <a:r>
-              <a:rPr lang="en-US" sz="4800" dirty="0" err="1">
+              <a:rPr lang="en-US" sz="4800" err="1">
                 <a:solidFill>
                   <a:srgbClr val="CE9178"/>
                 </a:solidFill>
@@ -7296,7 +8352,7 @@
               <a:t>True;database</a:t>
             </a:r>
             <a:r>
-              <a:rPr lang="en-US" sz="4800" dirty="0">
+              <a:rPr lang="en-US" sz="4800">
                 <a:solidFill>
                   <a:srgbClr val="CE9178"/>
                 </a:solidFill>
@@ -7305,7 +8361,7 @@
               <a:t>="</a:t>
             </a:r>
             <a:r>
-              <a:rPr lang="en-US" sz="4800" dirty="0">
+              <a:rPr lang="en-US" sz="4800">
                 <a:solidFill>
                   <a:srgbClr val="FFFFFF"/>
                 </a:solidFill>
@@ -7314,7 +8370,7 @@
               <a:t> </a:t>
             </a:r>
             <a:r>
-              <a:rPr lang="en-US" sz="4800" dirty="0">
+              <a:rPr lang="en-US" sz="4800">
                 <a:solidFill>
                   <a:srgbClr val="D4D4D4"/>
                 </a:solidFill>
@@ -7323,7 +8379,7 @@
               <a:t>+</a:t>
             </a:r>
             <a:r>
-              <a:rPr lang="en-US" sz="4800" dirty="0">
+              <a:rPr lang="en-US" sz="4800">
                 <a:solidFill>
                   <a:srgbClr val="FFFFFF"/>
                 </a:solidFill>
@@ -7332,7 +8388,7 @@
               <a:t> </a:t>
             </a:r>
             <a:r>
-              <a:rPr lang="en-US" sz="4800" dirty="0">
+              <a:rPr lang="en-US" sz="4800">
                 <a:solidFill>
                   <a:srgbClr val="9CDCFE"/>
                 </a:solidFill>
@@ -7340,7 +8396,7 @@
               </a:rPr>
               <a:t>$Database</a:t>
             </a:r>
-            <a:endParaRPr lang="en-US" sz="4800" dirty="0">
+            <a:endParaRPr lang="en-US" sz="4800">
               <a:solidFill>
                 <a:srgbClr val="FFFFFF"/>
               </a:solidFill>
@@ -7349,7 +8405,7 @@
           </a:p>
           <a:p>
             <a:r>
-              <a:rPr lang="en-US" sz="4800" dirty="0">
+              <a:rPr lang="en-US" sz="4800">
                 <a:solidFill>
                   <a:srgbClr val="FFFFFF"/>
                 </a:solidFill>
@@ -7358,7 +8414,7 @@
               <a:t>    </a:t>
             </a:r>
             <a:r>
-              <a:rPr lang="en-US" sz="4800" dirty="0">
+              <a:rPr lang="en-US" sz="4800">
                 <a:solidFill>
                   <a:srgbClr val="9CDCFE"/>
                 </a:solidFill>
@@ -7367,7 +8423,7 @@
               <a:t>$</a:t>
             </a:r>
             <a:r>
-              <a:rPr lang="en-US" sz="4800" dirty="0" err="1">
+              <a:rPr lang="en-US" sz="4800" err="1">
                 <a:solidFill>
                   <a:srgbClr val="9CDCFE"/>
                 </a:solidFill>
@@ -7376,7 +8432,7 @@
               <a:t>conn</a:t>
             </a:r>
             <a:r>
-              <a:rPr lang="en-US" sz="4800" dirty="0" err="1">
+              <a:rPr lang="en-US" sz="4800" err="1">
                 <a:solidFill>
                   <a:srgbClr val="DCDCAA"/>
                 </a:solidFill>
@@ -7385,7 +8441,7 @@
               <a:t>.ConnectionString</a:t>
             </a:r>
             <a:r>
-              <a:rPr lang="en-US" sz="4800" dirty="0">
+              <a:rPr lang="en-US" sz="4800">
                 <a:solidFill>
                   <a:srgbClr val="D4D4D4"/>
                 </a:solidFill>
@@ -7394,7 +8450,7 @@
               <a:t>=</a:t>
             </a:r>
             <a:r>
-              <a:rPr lang="en-US" sz="4800" dirty="0">
+              <a:rPr lang="en-US" sz="4800">
                 <a:solidFill>
                   <a:srgbClr val="9CDCFE"/>
                 </a:solidFill>
@@ -7403,7 +8459,7 @@
               <a:t>$</a:t>
             </a:r>
             <a:r>
-              <a:rPr lang="en-US" sz="4800" dirty="0" err="1">
+              <a:rPr lang="en-US" sz="4800" err="1">
                 <a:solidFill>
                   <a:srgbClr val="9CDCFE"/>
                 </a:solidFill>
@@ -7411,7 +8467,7 @@
               </a:rPr>
               <a:t>constring</a:t>
             </a:r>
-            <a:endParaRPr lang="en-US" sz="4800" dirty="0">
+            <a:endParaRPr lang="en-US" sz="4800">
               <a:solidFill>
                 <a:srgbClr val="FFFFFF"/>
               </a:solidFill>
@@ -7420,7 +8476,7 @@
           </a:p>
           <a:p>
             <a:r>
-              <a:rPr lang="en-US" sz="4800" dirty="0">
+              <a:rPr lang="en-US" sz="4800">
                 <a:solidFill>
                   <a:srgbClr val="FFFFFF"/>
                 </a:solidFill>
@@ -7429,7 +8485,7 @@
               <a:t>    </a:t>
             </a:r>
             <a:r>
-              <a:rPr lang="en-US" sz="4800" dirty="0">
+              <a:rPr lang="en-US" sz="4800">
                 <a:solidFill>
                   <a:srgbClr val="9CDCFE"/>
                 </a:solidFill>
@@ -7438,7 +8494,7 @@
               <a:t>$</a:t>
             </a:r>
             <a:r>
-              <a:rPr lang="en-US" sz="4800" dirty="0" err="1">
+              <a:rPr lang="en-US" sz="4800" err="1">
                 <a:solidFill>
                   <a:srgbClr val="9CDCFE"/>
                 </a:solidFill>
@@ -7447,7 +8503,7 @@
               <a:t>conn</a:t>
             </a:r>
             <a:r>
-              <a:rPr lang="en-US" sz="4800" dirty="0" err="1">
+              <a:rPr lang="en-US" sz="4800" err="1">
                 <a:solidFill>
                   <a:srgbClr val="DCDCAA"/>
                 </a:solidFill>
@@ -7456,7 +8512,7 @@
               <a:t>.Open</a:t>
             </a:r>
             <a:r>
-              <a:rPr lang="en-US" sz="4800" dirty="0">
+              <a:rPr lang="en-US" sz="4800">
                 <a:solidFill>
                   <a:srgbClr val="FFFFFF"/>
                 </a:solidFill>
@@ -7467,7 +8523,7 @@
           </a:p>
           <a:p>
             <a:r>
-              <a:rPr lang="en-US" sz="4800" dirty="0">
+              <a:rPr lang="en-US" sz="4800">
                 <a:solidFill>
                   <a:srgbClr val="FFFFFF"/>
                 </a:solidFill>
@@ -7476,7 +8532,7 @@
               <a:t>    </a:t>
             </a:r>
             <a:r>
-              <a:rPr lang="en-US" sz="4800" dirty="0">
+              <a:rPr lang="en-US" sz="4800">
                 <a:solidFill>
                   <a:srgbClr val="C586C0"/>
                 </a:solidFill>
@@ -7485,7 +8541,7 @@
               <a:t>if</a:t>
             </a:r>
             <a:r>
-              <a:rPr lang="en-US" sz="4800" dirty="0">
+              <a:rPr lang="en-US" sz="4800">
                 <a:solidFill>
                   <a:srgbClr val="FFFFFF"/>
                 </a:solidFill>
@@ -7494,7 +8550,7 @@
               <a:t>(</a:t>
             </a:r>
             <a:r>
-              <a:rPr lang="en-US" sz="4800" dirty="0">
+              <a:rPr lang="en-US" sz="4800">
                 <a:solidFill>
                   <a:srgbClr val="9CDCFE"/>
                 </a:solidFill>
@@ -7503,7 +8559,7 @@
               <a:t>$conn</a:t>
             </a:r>
             <a:r>
-              <a:rPr lang="en-US" sz="4800" dirty="0">
+              <a:rPr lang="en-US" sz="4800">
                 <a:solidFill>
                   <a:srgbClr val="FFFFFF"/>
                 </a:solidFill>
@@ -7514,7 +8570,7 @@
           </a:p>
           <a:p>
             <a:r>
-              <a:rPr lang="en-US" sz="4800" dirty="0">
+              <a:rPr lang="en-US" sz="4800">
                 <a:solidFill>
                   <a:srgbClr val="FFFFFF"/>
                 </a:solidFill>
@@ -7525,7 +8581,7 @@
           </a:p>
           <a:p>
             <a:r>
-              <a:rPr lang="en-US" sz="4800" dirty="0">
+              <a:rPr lang="en-US" sz="4800">
                 <a:solidFill>
                   <a:srgbClr val="FFFFFF"/>
                 </a:solidFill>
@@ -7534,7 +8590,7 @@
               <a:t>        </a:t>
             </a:r>
             <a:r>
-              <a:rPr lang="en-US" sz="4800" dirty="0">
+              <a:rPr lang="en-US" sz="4800">
                 <a:solidFill>
                   <a:srgbClr val="9CDCFE"/>
                 </a:solidFill>
@@ -7543,7 +8599,7 @@
               <a:t>$</a:t>
             </a:r>
             <a:r>
-              <a:rPr lang="en-US" sz="4800" dirty="0" err="1">
+              <a:rPr lang="en-US" sz="4800" err="1">
                 <a:solidFill>
                   <a:srgbClr val="9CDCFE"/>
                 </a:solidFill>
@@ -7552,7 +8608,7 @@
               <a:t>cmd</a:t>
             </a:r>
             <a:r>
-              <a:rPr lang="en-US" sz="4800" dirty="0">
+              <a:rPr lang="en-US" sz="4800">
                 <a:solidFill>
                   <a:srgbClr val="D4D4D4"/>
                 </a:solidFill>
@@ -7561,7 +8617,7 @@
               <a:t>=</a:t>
             </a:r>
             <a:r>
-              <a:rPr lang="en-US" sz="4800" dirty="0">
+              <a:rPr lang="en-US" sz="4800">
                 <a:solidFill>
                   <a:srgbClr val="DCDCAA"/>
                 </a:solidFill>
@@ -7570,7 +8626,7 @@
               <a:t>new-object</a:t>
             </a:r>
             <a:r>
-              <a:rPr lang="en-US" sz="4800" dirty="0">
+              <a:rPr lang="en-US" sz="4800">
                 <a:solidFill>
                   <a:srgbClr val="FFFFFF"/>
                 </a:solidFill>
@@ -7579,7 +8635,7 @@
               <a:t> </a:t>
             </a:r>
             <a:r>
-              <a:rPr lang="en-US" sz="4800" dirty="0" err="1">
+              <a:rPr lang="en-US" sz="4800" err="1">
                 <a:solidFill>
                   <a:srgbClr val="FFFFFF"/>
                 </a:solidFill>
@@ -7588,7 +8644,7 @@
               <a:t>System.Data.SqlClient.SqlCommand</a:t>
             </a:r>
             <a:r>
-              <a:rPr lang="en-US" sz="4800" dirty="0">
+              <a:rPr lang="en-US" sz="4800">
                 <a:solidFill>
                   <a:srgbClr val="FFFFFF"/>
                 </a:solidFill>
@@ -7597,7 +8653,7 @@
               <a:t>(</a:t>
             </a:r>
             <a:r>
-              <a:rPr lang="en-US" sz="4800" dirty="0">
+              <a:rPr lang="en-US" sz="4800">
                 <a:solidFill>
                   <a:srgbClr val="9CDCFE"/>
                 </a:solidFill>
@@ -7606,7 +8662,7 @@
               <a:t>$</a:t>
             </a:r>
             <a:r>
-              <a:rPr lang="en-US" sz="4800" dirty="0" err="1">
+              <a:rPr lang="en-US" sz="4800" err="1">
                 <a:solidFill>
                   <a:srgbClr val="9CDCFE"/>
                 </a:solidFill>
@@ -7615,7 +8671,7 @@
               <a:t>Query</a:t>
             </a:r>
             <a:r>
-              <a:rPr lang="en-US" sz="4800" dirty="0" err="1">
+              <a:rPr lang="en-US" sz="4800" err="1">
                 <a:solidFill>
                   <a:srgbClr val="D4D4D4"/>
                 </a:solidFill>
@@ -7624,7 +8680,7 @@
               <a:t>,</a:t>
             </a:r>
             <a:r>
-              <a:rPr lang="en-US" sz="4800" dirty="0" err="1">
+              <a:rPr lang="en-US" sz="4800" err="1">
                 <a:solidFill>
                   <a:srgbClr val="9CDCFE"/>
                 </a:solidFill>
@@ -7633,7 +8689,7 @@
               <a:t>$conn</a:t>
             </a:r>
             <a:r>
-              <a:rPr lang="en-US" sz="4800" dirty="0">
+              <a:rPr lang="en-US" sz="4800">
                 <a:solidFill>
                   <a:srgbClr val="FFFFFF"/>
                 </a:solidFill>
@@ -7644,7 +8700,7 @@
           </a:p>
           <a:p>
             <a:r>
-              <a:rPr lang="en-US" sz="4800" dirty="0">
+              <a:rPr lang="en-US" sz="4800">
                 <a:solidFill>
                   <a:srgbClr val="FFFFFF"/>
                 </a:solidFill>
@@ -7653,7 +8709,7 @@
               <a:t>        </a:t>
             </a:r>
             <a:r>
-              <a:rPr lang="en-US" sz="4800" dirty="0">
+              <a:rPr lang="en-US" sz="4800">
                 <a:solidFill>
                   <a:srgbClr val="9CDCFE"/>
                 </a:solidFill>
@@ -7662,7 +8718,7 @@
               <a:t>$</a:t>
             </a:r>
             <a:r>
-              <a:rPr lang="en-US" sz="4800" dirty="0" err="1">
+              <a:rPr lang="en-US" sz="4800" err="1">
                 <a:solidFill>
                   <a:srgbClr val="9CDCFE"/>
                 </a:solidFill>
@@ -7671,7 +8727,7 @@
               <a:t>cmd</a:t>
             </a:r>
             <a:r>
-              <a:rPr lang="en-US" sz="4800" dirty="0" err="1">
+              <a:rPr lang="en-US" sz="4800" err="1">
                 <a:solidFill>
                   <a:srgbClr val="DCDCAA"/>
                 </a:solidFill>
@@ -7680,7 +8736,7 @@
               <a:t>.CommandTimeout</a:t>
             </a:r>
             <a:r>
-              <a:rPr lang="en-US" sz="4800" dirty="0">
+              <a:rPr lang="en-US" sz="4800">
                 <a:solidFill>
                   <a:srgbClr val="D4D4D4"/>
                 </a:solidFill>
@@ -7689,7 +8745,7 @@
               <a:t>=</a:t>
             </a:r>
             <a:r>
-              <a:rPr lang="en-US" sz="4800" dirty="0">
+              <a:rPr lang="en-US" sz="4800">
                 <a:solidFill>
                   <a:srgbClr val="9CDCFE"/>
                 </a:solidFill>
@@ -7698,7 +8754,7 @@
               <a:t>$</a:t>
             </a:r>
             <a:r>
-              <a:rPr lang="en-US" sz="4800" dirty="0" err="1">
+              <a:rPr lang="en-US" sz="4800" err="1">
                 <a:solidFill>
                   <a:srgbClr val="9CDCFE"/>
                 </a:solidFill>
@@ -7706,7 +8762,7 @@
               </a:rPr>
               <a:t>QueryTimeout</a:t>
             </a:r>
-            <a:endParaRPr lang="en-US" sz="4800" dirty="0">
+            <a:endParaRPr lang="en-US" sz="4800">
               <a:solidFill>
                 <a:srgbClr val="FFFFFF"/>
               </a:solidFill>
@@ -7715,7 +8771,7 @@
           </a:p>
           <a:p>
             <a:r>
-              <a:rPr lang="en-US" sz="4800" dirty="0">
+              <a:rPr lang="en-US" sz="4800">
                 <a:solidFill>
                   <a:srgbClr val="FFFFFF"/>
                 </a:solidFill>
@@ -7724,7 +8780,7 @@
               <a:t>        </a:t>
             </a:r>
             <a:r>
-              <a:rPr lang="en-US" sz="4800" dirty="0">
+              <a:rPr lang="en-US" sz="4800">
                 <a:solidFill>
                   <a:srgbClr val="9CDCFE"/>
                 </a:solidFill>
@@ -7733,7 +8789,7 @@
               <a:t>$ds</a:t>
             </a:r>
             <a:r>
-              <a:rPr lang="en-US" sz="4800" dirty="0">
+              <a:rPr lang="en-US" sz="4800">
                 <a:solidFill>
                   <a:srgbClr val="D4D4D4"/>
                 </a:solidFill>
@@ -7742,7 +8798,7 @@
               <a:t>=</a:t>
             </a:r>
             <a:r>
-              <a:rPr lang="en-US" sz="4800" dirty="0">
+              <a:rPr lang="en-US" sz="4800">
                 <a:solidFill>
                   <a:srgbClr val="DCDCAA"/>
                 </a:solidFill>
@@ -7751,7 +8807,7 @@
               <a:t>New-Object</a:t>
             </a:r>
             <a:r>
-              <a:rPr lang="en-US" sz="4800" dirty="0">
+              <a:rPr lang="en-US" sz="4800">
                 <a:solidFill>
                   <a:srgbClr val="FFFFFF"/>
                 </a:solidFill>
@@ -7760,7 +8816,7 @@
               <a:t> </a:t>
             </a:r>
             <a:r>
-              <a:rPr lang="en-US" sz="4800" dirty="0" err="1">
+              <a:rPr lang="en-US" sz="4800" err="1">
                 <a:solidFill>
                   <a:srgbClr val="FFFFFF"/>
                 </a:solidFill>
@@ -7768,7 +8824,7 @@
               </a:rPr>
               <a:t>System.Data.DataSet</a:t>
             </a:r>
-            <a:endParaRPr lang="en-US" sz="4800" dirty="0">
+            <a:endParaRPr lang="en-US" sz="4800">
               <a:solidFill>
                 <a:srgbClr val="FFFFFF"/>
               </a:solidFill>
@@ -7777,7 +8833,7 @@
           </a:p>
           <a:p>
             <a:r>
-              <a:rPr lang="en-US" sz="4800" dirty="0">
+              <a:rPr lang="en-US" sz="4800">
                 <a:solidFill>
                   <a:srgbClr val="FFFFFF"/>
                 </a:solidFill>
@@ -7786,7 +8842,7 @@
               <a:t>        </a:t>
             </a:r>
             <a:r>
-              <a:rPr lang="en-US" sz="4800" dirty="0">
+              <a:rPr lang="en-US" sz="4800">
                 <a:solidFill>
                   <a:srgbClr val="9CDCFE"/>
                 </a:solidFill>
@@ -7794,7 +8850,7 @@
               </a:rPr>
               <a:t>$ds</a:t>
             </a:r>
-            <a:endParaRPr lang="en-US" sz="4800" dirty="0">
+            <a:endParaRPr lang="en-US" sz="4800">
               <a:solidFill>
                 <a:srgbClr val="FFFFFF"/>
               </a:solidFill>
@@ -7803,7 +8859,7 @@
           </a:p>
           <a:p>
             <a:r>
-              <a:rPr lang="en-US" sz="4800" dirty="0">
+              <a:rPr lang="en-US" sz="4800">
                 <a:solidFill>
                   <a:srgbClr val="FFFFFF"/>
                 </a:solidFill>
@@ -7812,7 +8868,7 @@
               <a:t>        </a:t>
             </a:r>
             <a:r>
-              <a:rPr lang="en-US" sz="4800" dirty="0">
+              <a:rPr lang="en-US" sz="4800">
                 <a:solidFill>
                   <a:srgbClr val="9CDCFE"/>
                 </a:solidFill>
@@ -7821,7 +8877,7 @@
               <a:t>$da</a:t>
             </a:r>
             <a:r>
-              <a:rPr lang="en-US" sz="4800" dirty="0">
+              <a:rPr lang="en-US" sz="4800">
                 <a:solidFill>
                   <a:srgbClr val="D4D4D4"/>
                 </a:solidFill>
@@ -7830,7 +8886,7 @@
               <a:t>=</a:t>
             </a:r>
             <a:r>
-              <a:rPr lang="en-US" sz="4800" dirty="0">
+              <a:rPr lang="en-US" sz="4800">
                 <a:solidFill>
                   <a:srgbClr val="DCDCAA"/>
                 </a:solidFill>
@@ -7839,7 +8895,7 @@
               <a:t>New-Object</a:t>
             </a:r>
             <a:r>
-              <a:rPr lang="en-US" sz="4800" dirty="0">
+              <a:rPr lang="en-US" sz="4800">
                 <a:solidFill>
                   <a:srgbClr val="FFFFFF"/>
                 </a:solidFill>
@@ -7848,7 +8904,7 @@
               <a:t> </a:t>
             </a:r>
             <a:r>
-              <a:rPr lang="en-US" sz="4800" dirty="0" err="1">
+              <a:rPr lang="en-US" sz="4800" err="1">
                 <a:solidFill>
                   <a:srgbClr val="FFFFFF"/>
                 </a:solidFill>
@@ -7857,7 +8913,7 @@
               <a:t>System.Data.SqlClient.SqlDataAdapter</a:t>
             </a:r>
             <a:r>
-              <a:rPr lang="en-US" sz="4800" dirty="0">
+              <a:rPr lang="en-US" sz="4800">
                 <a:solidFill>
                   <a:srgbClr val="FFFFFF"/>
                 </a:solidFill>
@@ -7866,7 +8922,7 @@
               <a:t>(</a:t>
             </a:r>
             <a:r>
-              <a:rPr lang="en-US" sz="4800" dirty="0">
+              <a:rPr lang="en-US" sz="4800">
                 <a:solidFill>
                   <a:srgbClr val="9CDCFE"/>
                 </a:solidFill>
@@ -7875,7 +8931,7 @@
               <a:t>$</a:t>
             </a:r>
             <a:r>
-              <a:rPr lang="en-US" sz="4800" dirty="0" err="1">
+              <a:rPr lang="en-US" sz="4800" err="1">
                 <a:solidFill>
                   <a:srgbClr val="9CDCFE"/>
                 </a:solidFill>
@@ -7884,7 +8940,7 @@
               <a:t>cmd</a:t>
             </a:r>
             <a:r>
-              <a:rPr lang="en-US" sz="4800" dirty="0">
+              <a:rPr lang="en-US" sz="4800">
                 <a:solidFill>
                   <a:srgbClr val="FFFFFF"/>
                 </a:solidFill>
@@ -7895,7 +8951,7 @@
           </a:p>
           <a:p>
             <a:r>
-              <a:rPr lang="en-US" sz="4800" dirty="0">
+              <a:rPr lang="en-US" sz="4800">
                 <a:solidFill>
                   <a:srgbClr val="FFFFFF"/>
                 </a:solidFill>
@@ -7904,7 +8960,7 @@
               <a:t>        [</a:t>
             </a:r>
             <a:r>
-              <a:rPr lang="en-US" sz="4800" dirty="0">
+              <a:rPr lang="en-US" sz="4800">
                 <a:solidFill>
                   <a:srgbClr val="569CD6"/>
                 </a:solidFill>
@@ -7913,7 +8969,7 @@
               <a:t>void</a:t>
             </a:r>
             <a:r>
-              <a:rPr lang="en-US" sz="4800" dirty="0">
+              <a:rPr lang="en-US" sz="4800">
                 <a:solidFill>
                   <a:srgbClr val="FFFFFF"/>
                 </a:solidFill>
@@ -7922,7 +8978,7 @@
               <a:t>]</a:t>
             </a:r>
             <a:r>
-              <a:rPr lang="en-US" sz="4800" dirty="0">
+              <a:rPr lang="en-US" sz="4800">
                 <a:solidFill>
                   <a:srgbClr val="9CDCFE"/>
                 </a:solidFill>
@@ -7931,7 +8987,7 @@
               <a:t>$</a:t>
             </a:r>
             <a:r>
-              <a:rPr lang="en-US" sz="4800" dirty="0" err="1">
+              <a:rPr lang="en-US" sz="4800" err="1">
                 <a:solidFill>
                   <a:srgbClr val="9CDCFE"/>
                 </a:solidFill>
@@ -7940,7 +8996,7 @@
               <a:t>da</a:t>
             </a:r>
             <a:r>
-              <a:rPr lang="en-US" sz="4800" dirty="0" err="1">
+              <a:rPr lang="en-US" sz="4800" err="1">
                 <a:solidFill>
                   <a:srgbClr val="DCDCAA"/>
                 </a:solidFill>
@@ -7949,7 +9005,7 @@
               <a:t>.fill</a:t>
             </a:r>
             <a:r>
-              <a:rPr lang="en-US" sz="4800" dirty="0">
+              <a:rPr lang="en-US" sz="4800">
                 <a:solidFill>
                   <a:srgbClr val="FFFFFF"/>
                 </a:solidFill>
@@ -7958,7 +9014,7 @@
               <a:t>(</a:t>
             </a:r>
             <a:r>
-              <a:rPr lang="en-US" sz="4800" dirty="0">
+              <a:rPr lang="en-US" sz="4800">
                 <a:solidFill>
                   <a:srgbClr val="9CDCFE"/>
                 </a:solidFill>
@@ -7967,7 +9023,7 @@
               <a:t>$ds</a:t>
             </a:r>
             <a:r>
-              <a:rPr lang="en-US" sz="4800" dirty="0">
+              <a:rPr lang="en-US" sz="4800">
                 <a:solidFill>
                   <a:srgbClr val="FFFFFF"/>
                 </a:solidFill>
@@ -7978,7 +9034,7 @@
           </a:p>
           <a:p>
             <a:r>
-              <a:rPr lang="en-US" sz="4800" dirty="0">
+              <a:rPr lang="en-US" sz="4800">
                 <a:solidFill>
                   <a:srgbClr val="FFFFFF"/>
                 </a:solidFill>
@@ -7987,7 +9043,7 @@
               <a:t>        </a:t>
             </a:r>
             <a:r>
-              <a:rPr lang="en-US" sz="4800" dirty="0">
+              <a:rPr lang="en-US" sz="4800">
                 <a:solidFill>
                   <a:srgbClr val="9CDCFE"/>
                 </a:solidFill>
@@ -7996,7 +9052,7 @@
               <a:t>$</a:t>
             </a:r>
             <a:r>
-              <a:rPr lang="en-US" sz="4800" dirty="0" err="1">
+              <a:rPr lang="en-US" sz="4800" err="1">
                 <a:solidFill>
                   <a:srgbClr val="9CDCFE"/>
                 </a:solidFill>
@@ -8005,7 +9061,7 @@
               <a:t>conn</a:t>
             </a:r>
             <a:r>
-              <a:rPr lang="en-US" sz="4800" dirty="0" err="1">
+              <a:rPr lang="en-US" sz="4800" err="1">
                 <a:solidFill>
                   <a:srgbClr val="DCDCAA"/>
                 </a:solidFill>
@@ -8014,7 +9070,7 @@
               <a:t>.Close</a:t>
             </a:r>
             <a:r>
-              <a:rPr lang="en-US" sz="4800" dirty="0">
+              <a:rPr lang="en-US" sz="4800">
                 <a:solidFill>
                   <a:srgbClr val="FFFFFF"/>
                 </a:solidFill>
@@ -8025,7 +9081,7 @@
           </a:p>
           <a:p>
             <a:r>
-              <a:rPr lang="en-US" sz="4800" dirty="0">
+              <a:rPr lang="en-US" sz="4800">
                 <a:solidFill>
                   <a:srgbClr val="FFFFFF"/>
                 </a:solidFill>
@@ -8034,7 +9090,7 @@
               <a:t>        </a:t>
             </a:r>
             <a:r>
-              <a:rPr lang="en-US" sz="4800" dirty="0">
+              <a:rPr lang="en-US" sz="4800">
                 <a:solidFill>
                   <a:srgbClr val="9CDCFE"/>
                 </a:solidFill>
@@ -8043,7 +9099,7 @@
               <a:t>$</a:t>
             </a:r>
             <a:r>
-              <a:rPr lang="en-US" sz="4800" dirty="0" err="1">
+              <a:rPr lang="en-US" sz="4800" err="1">
                 <a:solidFill>
                   <a:srgbClr val="9CDCFE"/>
                 </a:solidFill>
@@ -8052,7 +9108,7 @@
               <a:t>ds</a:t>
             </a:r>
             <a:r>
-              <a:rPr lang="en-US" sz="4800" dirty="0" err="1">
+              <a:rPr lang="en-US" sz="4800" err="1">
                 <a:solidFill>
                   <a:srgbClr val="DCDCAA"/>
                 </a:solidFill>
@@ -8061,7 +9117,7 @@
               <a:t>.Tables</a:t>
             </a:r>
             <a:r>
-              <a:rPr lang="en-US" sz="4800" dirty="0">
+              <a:rPr lang="en-US" sz="4800">
                 <a:solidFill>
                   <a:srgbClr val="FFFFFF"/>
                 </a:solidFill>
@@ -8070,7 +9126,7 @@
               <a:t>[</a:t>
             </a:r>
             <a:r>
-              <a:rPr lang="en-US" sz="4800" dirty="0">
+              <a:rPr lang="en-US" sz="4800">
                 <a:solidFill>
                   <a:srgbClr val="B5CEA8"/>
                 </a:solidFill>
@@ -8079,7 +9135,7 @@
               <a:t>0</a:t>
             </a:r>
             <a:r>
-              <a:rPr lang="en-US" sz="4800" dirty="0">
+              <a:rPr lang="en-US" sz="4800">
                 <a:solidFill>
                   <a:srgbClr val="FFFFFF"/>
                 </a:solidFill>
@@ -8090,7 +9146,7 @@
           </a:p>
           <a:p>
             <a:r>
-              <a:rPr lang="en-US" sz="4800" dirty="0">
+              <a:rPr lang="en-US" sz="4800">
                 <a:solidFill>
                   <a:srgbClr val="FFFFFF"/>
                 </a:solidFill>
@@ -8101,7 +9157,7 @@
           </a:p>
           <a:p>
             <a:r>
-              <a:rPr lang="en-US" sz="4800" dirty="0">
+              <a:rPr lang="en-US" sz="4800">
                 <a:solidFill>
                   <a:srgbClr val="FFFFFF"/>
                 </a:solidFill>
@@ -8112,7 +9168,7 @@
           </a:p>
           <a:p>
             <a:r>
-              <a:rPr lang="en-US" sz="4800" dirty="0">
+              <a:rPr lang="en-US" sz="4800">
                 <a:solidFill>
                   <a:srgbClr val="7CA668"/>
                 </a:solidFill>
@@ -8120,7 +9176,7 @@
               </a:rPr>
               <a:t>#Sample use:</a:t>
             </a:r>
-            <a:endParaRPr lang="en-US" sz="4800" dirty="0">
+            <a:endParaRPr lang="en-US" sz="4800">
               <a:solidFill>
                 <a:srgbClr val="FFFFFF"/>
               </a:solidFill>
@@ -8129,7 +9185,7 @@
           </a:p>
           <a:p>
             <a:r>
-              <a:rPr lang="en-US" sz="4800" dirty="0">
+              <a:rPr lang="en-US" sz="4800">
                 <a:solidFill>
                   <a:srgbClr val="9CDCFE"/>
                 </a:solidFill>
@@ -8138,7 +9194,7 @@
               <a:t>$server</a:t>
             </a:r>
             <a:r>
-              <a:rPr lang="en-US" sz="4800" dirty="0">
+              <a:rPr lang="en-US" sz="4800">
                 <a:solidFill>
                   <a:srgbClr val="FFFFFF"/>
                 </a:solidFill>
@@ -8147,7 +9203,7 @@
               <a:t> </a:t>
             </a:r>
             <a:r>
-              <a:rPr lang="en-US" sz="4800" dirty="0">
+              <a:rPr lang="en-US" sz="4800">
                 <a:solidFill>
                   <a:srgbClr val="D4D4D4"/>
                 </a:solidFill>
@@ -8156,7 +9212,7 @@
               <a:t>=</a:t>
             </a:r>
             <a:r>
-              <a:rPr lang="en-US" sz="4800" dirty="0">
+              <a:rPr lang="en-US" sz="4800">
                 <a:solidFill>
                   <a:srgbClr val="FFFFFF"/>
                 </a:solidFill>
@@ -8165,7 +9221,7 @@
               <a:t> </a:t>
             </a:r>
             <a:r>
-              <a:rPr lang="en-US" sz="4800" dirty="0">
+              <a:rPr lang="en-US" sz="4800">
                 <a:solidFill>
                   <a:srgbClr val="CE9178"/>
                 </a:solidFill>
@@ -8174,7 +9230,7 @@
               <a:t>"WORKSTATION\</a:t>
             </a:r>
             <a:r>
-              <a:rPr lang="en-US" sz="4800" dirty="0" err="1">
+              <a:rPr lang="en-US" sz="4800" err="1">
                 <a:solidFill>
                   <a:srgbClr val="CE9178"/>
                 </a:solidFill>
@@ -8183,7 +9239,7 @@
               <a:t>Sqlexpress</a:t>
             </a:r>
             <a:r>
-              <a:rPr lang="en-US" sz="4800" dirty="0">
+              <a:rPr lang="en-US" sz="4800">
                 <a:solidFill>
                   <a:srgbClr val="CE9178"/>
                 </a:solidFill>
@@ -8191,7 +9247,7 @@
               </a:rPr>
               <a:t>"</a:t>
             </a:r>
-            <a:endParaRPr lang="en-US" sz="4800" dirty="0">
+            <a:endParaRPr lang="en-US" sz="4800">
               <a:solidFill>
                 <a:srgbClr val="FFFFFF"/>
               </a:solidFill>
@@ -8200,7 +9256,7 @@
           </a:p>
           <a:p>
             <a:r>
-              <a:rPr lang="en-US" sz="4800" dirty="0">
+              <a:rPr lang="en-US" sz="4800">
                 <a:solidFill>
                   <a:srgbClr val="9CDCFE"/>
                 </a:solidFill>
@@ -8209,7 +9265,7 @@
               <a:t>$database</a:t>
             </a:r>
             <a:r>
-              <a:rPr lang="en-US" sz="4800" dirty="0">
+              <a:rPr lang="en-US" sz="4800">
                 <a:solidFill>
                   <a:srgbClr val="FFFFFF"/>
                 </a:solidFill>
@@ -8218,7 +9274,7 @@
               <a:t> </a:t>
             </a:r>
             <a:r>
-              <a:rPr lang="en-US" sz="4800" dirty="0">
+              <a:rPr lang="en-US" sz="4800">
                 <a:solidFill>
                   <a:srgbClr val="D4D4D4"/>
                 </a:solidFill>
@@ -8227,7 +9283,7 @@
               <a:t>=</a:t>
             </a:r>
             <a:r>
-              <a:rPr lang="en-US" sz="4800" dirty="0">
+              <a:rPr lang="en-US" sz="4800">
                 <a:solidFill>
                   <a:srgbClr val="FFFFFF"/>
                 </a:solidFill>
@@ -8236,7 +9292,7 @@
               <a:t> </a:t>
             </a:r>
             <a:r>
-              <a:rPr lang="en-US" sz="4800" dirty="0">
+              <a:rPr lang="en-US" sz="4800">
                 <a:solidFill>
                   <a:srgbClr val="CE9178"/>
                 </a:solidFill>
@@ -8244,7 +9300,7 @@
               </a:rPr>
               <a:t>"AdventureWorks2017"</a:t>
             </a:r>
-            <a:endParaRPr lang="en-US" sz="4800" dirty="0">
+            <a:endParaRPr lang="en-US" sz="4800">
               <a:solidFill>
                 <a:srgbClr val="FFFFFF"/>
               </a:solidFill>
@@ -8253,7 +9309,7 @@
           </a:p>
           <a:p>
             <a:r>
-              <a:rPr lang="en-US" sz="4800" dirty="0">
+              <a:rPr lang="en-US" sz="4800">
                 <a:solidFill>
                   <a:srgbClr val="9CDCFE"/>
                 </a:solidFill>
@@ -8262,7 +9318,7 @@
               <a:t>$query</a:t>
             </a:r>
             <a:r>
-              <a:rPr lang="en-US" sz="4800" dirty="0">
+              <a:rPr lang="en-US" sz="4800">
                 <a:solidFill>
                   <a:srgbClr val="FFFFFF"/>
                 </a:solidFill>
@@ -8271,7 +9327,7 @@
               <a:t> </a:t>
             </a:r>
             <a:r>
-              <a:rPr lang="en-US" sz="4800" dirty="0">
+              <a:rPr lang="en-US" sz="4800">
                 <a:solidFill>
                   <a:srgbClr val="D4D4D4"/>
                 </a:solidFill>
@@ -8280,7 +9336,7 @@
               <a:t>=</a:t>
             </a:r>
             <a:r>
-              <a:rPr lang="en-US" sz="4800" dirty="0">
+              <a:rPr lang="en-US" sz="4800">
                 <a:solidFill>
                   <a:srgbClr val="FFFFFF"/>
                 </a:solidFill>
@@ -8289,7 +9345,7 @@
               <a:t> </a:t>
             </a:r>
             <a:r>
-              <a:rPr lang="en-US" sz="4800" dirty="0">
+              <a:rPr lang="en-US" sz="4800">
                 <a:solidFill>
                   <a:srgbClr val="CE9178"/>
                 </a:solidFill>
@@ -8298,7 +9354,7 @@
               <a:t>'select top 5 [</a:t>
             </a:r>
             <a:r>
-              <a:rPr lang="en-US" sz="4800" dirty="0" err="1">
+              <a:rPr lang="en-US" sz="4800" err="1">
                 <a:solidFill>
                   <a:srgbClr val="CE9178"/>
                 </a:solidFill>
@@ -8307,7 +9363,7 @@
               <a:t>FirstName</a:t>
             </a:r>
             <a:r>
-              <a:rPr lang="en-US" sz="4800" dirty="0">
+              <a:rPr lang="en-US" sz="4800">
                 <a:solidFill>
                   <a:srgbClr val="CE9178"/>
                 </a:solidFill>
@@ -8316,7 +9372,7 @@
               <a:t>],[</a:t>
             </a:r>
             <a:r>
-              <a:rPr lang="en-US" sz="4800" dirty="0" err="1">
+              <a:rPr lang="en-US" sz="4800" err="1">
                 <a:solidFill>
                   <a:srgbClr val="CE9178"/>
                 </a:solidFill>
@@ -8325,7 +9381,7 @@
               <a:t>LastName</a:t>
             </a:r>
             <a:r>
-              <a:rPr lang="en-US" sz="4800" dirty="0">
+              <a:rPr lang="en-US" sz="4800">
                 <a:solidFill>
                   <a:srgbClr val="CE9178"/>
                 </a:solidFill>
@@ -8334,7 +9390,7 @@
               <a:t>],[</a:t>
             </a:r>
             <a:r>
-              <a:rPr lang="en-US" sz="4800" dirty="0" err="1">
+              <a:rPr lang="en-US" sz="4800" err="1">
                 <a:solidFill>
                   <a:srgbClr val="CE9178"/>
                 </a:solidFill>
@@ -8343,7 +9399,7 @@
               <a:t>EmailPromotion</a:t>
             </a:r>
             <a:r>
-              <a:rPr lang="en-US" sz="4800" dirty="0">
+              <a:rPr lang="en-US" sz="4800">
                 <a:solidFill>
                   <a:srgbClr val="CE9178"/>
                 </a:solidFill>
@@ -8352,7 +9408,7 @@
               <a:t>] from </a:t>
             </a:r>
             <a:r>
-              <a:rPr lang="en-US" sz="4800" dirty="0" err="1">
+              <a:rPr lang="en-US" sz="4800" err="1">
                 <a:solidFill>
                   <a:srgbClr val="CE9178"/>
                 </a:solidFill>
@@ -8361,7 +9417,7 @@
               <a:t>Person.Person</a:t>
             </a:r>
             <a:r>
-              <a:rPr lang="en-US" sz="4800" dirty="0">
+              <a:rPr lang="en-US" sz="4800">
                 <a:solidFill>
                   <a:srgbClr val="CE9178"/>
                 </a:solidFill>
@@ -8369,7 +9425,7 @@
               </a:rPr>
               <a:t>'</a:t>
             </a:r>
-            <a:endParaRPr lang="en-US" sz="4800" dirty="0">
+            <a:endParaRPr lang="en-US" sz="4800">
               <a:solidFill>
                 <a:srgbClr val="FFFFFF"/>
               </a:solidFill>
@@ -8378,7 +9434,7 @@
           </a:p>
           <a:p>
             <a:r>
-              <a:rPr lang="en-US" sz="4800" dirty="0">
+              <a:rPr lang="en-US" sz="4800">
                 <a:solidFill>
                   <a:srgbClr val="9CDCFE"/>
                 </a:solidFill>
@@ -8387,7 +9443,7 @@
               <a:t>$r</a:t>
             </a:r>
             <a:r>
-              <a:rPr lang="en-US" sz="4800" dirty="0">
+              <a:rPr lang="en-US" sz="4800">
                 <a:solidFill>
                   <a:srgbClr val="FFFFFF"/>
                 </a:solidFill>
@@ -8396,7 +9452,7 @@
               <a:t> </a:t>
             </a:r>
             <a:r>
-              <a:rPr lang="en-US" sz="4800" dirty="0">
+              <a:rPr lang="en-US" sz="4800">
                 <a:solidFill>
                   <a:srgbClr val="D4D4D4"/>
                 </a:solidFill>
@@ -8405,7 +9461,7 @@
               <a:t>=</a:t>
             </a:r>
             <a:r>
-              <a:rPr lang="en-US" sz="4800" dirty="0">
+              <a:rPr lang="en-US" sz="4800">
                 <a:solidFill>
                   <a:srgbClr val="FFFFFF"/>
                 </a:solidFill>
@@ -8414,7 +9470,7 @@
               <a:t> </a:t>
             </a:r>
             <a:r>
-              <a:rPr lang="en-US" sz="4800" dirty="0">
+              <a:rPr lang="en-US" sz="4800">
                 <a:solidFill>
                   <a:srgbClr val="DCDCAA"/>
                 </a:solidFill>
@@ -8423,7 +9479,7 @@
               <a:t>Invoke-Sqlcmd3_db</a:t>
             </a:r>
             <a:r>
-              <a:rPr lang="en-US" sz="4800" dirty="0">
+              <a:rPr lang="en-US" sz="4800">
                 <a:solidFill>
                   <a:srgbClr val="FFFFFF"/>
                 </a:solidFill>
@@ -8432,7 +9488,7 @@
               <a:t> </a:t>
             </a:r>
             <a:r>
-              <a:rPr lang="en-US" sz="4800" dirty="0">
+              <a:rPr lang="en-US" sz="4800">
                 <a:solidFill>
                   <a:srgbClr val="9CDCFE"/>
                 </a:solidFill>
@@ -8441,7 +9497,7 @@
               <a:t>$server</a:t>
             </a:r>
             <a:r>
-              <a:rPr lang="en-US" sz="4800" dirty="0">
+              <a:rPr lang="en-US" sz="4800">
                 <a:solidFill>
                   <a:srgbClr val="FFFFFF"/>
                 </a:solidFill>
@@ -8450,7 +9506,7 @@
               <a:t> </a:t>
             </a:r>
             <a:r>
-              <a:rPr lang="en-US" sz="4800" dirty="0">
+              <a:rPr lang="en-US" sz="4800">
                 <a:solidFill>
                   <a:srgbClr val="9CDCFE"/>
                 </a:solidFill>
@@ -8459,7 +9515,7 @@
               <a:t>$query</a:t>
             </a:r>
             <a:r>
-              <a:rPr lang="en-US" sz="4800" dirty="0">
+              <a:rPr lang="en-US" sz="4800">
                 <a:solidFill>
                   <a:srgbClr val="FFFFFF"/>
                 </a:solidFill>
@@ -8468,7 +9524,7 @@
               <a:t> </a:t>
             </a:r>
             <a:r>
-              <a:rPr lang="en-US" sz="4800" dirty="0">
+              <a:rPr lang="en-US" sz="4800">
                 <a:solidFill>
                   <a:srgbClr val="9CDCFE"/>
                 </a:solidFill>
@@ -8477,7 +9533,7 @@
               <a:t>$database</a:t>
             </a:r>
             <a:r>
-              <a:rPr lang="en-US" sz="4800" dirty="0">
+              <a:rPr lang="en-US" sz="4800">
                 <a:solidFill>
                   <a:srgbClr val="FFFFFF"/>
                 </a:solidFill>
@@ -8488,7 +9544,7 @@
           </a:p>
           <a:p>
             <a:r>
-              <a:rPr lang="en-US" sz="4800" dirty="0">
+              <a:rPr lang="en-US" sz="4800">
                 <a:solidFill>
                   <a:srgbClr val="9CDCFE"/>
                 </a:solidFill>
@@ -8497,7 +9553,7 @@
               <a:t>$r</a:t>
             </a:r>
             <a:r>
-              <a:rPr lang="en-US" sz="4800" dirty="0">
+              <a:rPr lang="en-US" sz="4800">
                 <a:solidFill>
                   <a:srgbClr val="FFFFFF"/>
                 </a:solidFill>
@@ -8507,7 +9563,7 @@
             </a:r>
           </a:p>
           <a:p>
-            <a:endParaRPr lang="en-US" dirty="0"/>
+            <a:endParaRPr lang="en-US"/>
           </a:p>
         </p:txBody>
       </p:sp>
@@ -8618,18 +9674,10 @@
           <a:lstStyle/>
           <a:p>
             <a:r>
-              <a:rPr lang="en-US" sz="1600" b="1" dirty="0" smtClean="0"/>
-              <a:t>Script Blocks are </a:t>
-            </a:r>
-            <a:r>
-              <a:rPr lang="en-US" sz="1600" b="1" dirty="0" smtClean="0"/>
-              <a:t>better friends in workflows</a:t>
-            </a:r>
-            <a:r>
-              <a:rPr lang="en-US" sz="1600" b="1" dirty="0" smtClean="0"/>
-              <a:t> </a:t>
-            </a:r>
-            <a:endParaRPr lang="en-US" sz="1600" b="1" dirty="0"/>
+              <a:rPr lang="en-US" sz="1600" b="1" smtClean="0"/>
+              <a:t>Script Blocks are better friends in workflows </a:t>
+            </a:r>
+            <a:endParaRPr lang="en-US" sz="1600" b="1"/>
           </a:p>
         </p:txBody>
       </p:sp>
@@ -8796,10 +9844,10 @@
           <a:lstStyle/>
           <a:p>
             <a:r>
-              <a:rPr lang="en-US" sz="1600" b="1" dirty="0" smtClean="0"/>
+              <a:rPr lang="en-US" sz="1600" b="1" smtClean="0"/>
               <a:t>Notes on scope and organizing the code</a:t>
             </a:r>
-            <a:endParaRPr lang="en-US" sz="1600" b="1" dirty="0"/>
+            <a:endParaRPr lang="en-US" sz="1600" b="1"/>
           </a:p>
         </p:txBody>
       </p:sp>
@@ -8966,10 +10014,10 @@
           <a:lstStyle/>
           <a:p>
             <a:r>
-              <a:rPr lang="en-US" sz="1600" dirty="0" smtClean="0"/>
+              <a:rPr lang="en-US" sz="1600" smtClean="0"/>
               <a:t>We can import code using the dot and the file name</a:t>
             </a:r>
-            <a:endParaRPr lang="en-US" sz="1600" dirty="0"/>
+            <a:endParaRPr lang="en-US" sz="1600"/>
           </a:p>
         </p:txBody>
       </p:sp>
@@ -8984,7 +10032,7 @@
           </p:nvPr>
         </p:nvPicPr>
         <p:blipFill>
-          <a:blip r:embed="rId2">
+          <a:blip r:embed="rId3">
             <a:extLst>
               <a:ext uri="{28A0092B-C50C-407E-A947-70E740481C1C}">
                 <a14:useLocalDpi xmlns:a14="http://schemas.microsoft.com/office/drawing/2010/main" val="0"/>
@@ -9038,7 +10086,7 @@
           <p:nvPr/>
         </p:nvPicPr>
         <p:blipFill>
-          <a:blip r:embed="rId3">
+          <a:blip r:embed="rId4">
             <a:extLst>
               <a:ext uri="{28A0092B-C50C-407E-A947-70E740481C1C}">
                 <a14:useLocalDpi xmlns:a14="http://schemas.microsoft.com/office/drawing/2010/main" val="0"/>
@@ -9106,10 +10154,10 @@
           <a:lstStyle/>
           <a:p>
             <a:r>
-              <a:rPr lang="en-US" dirty="0" smtClean="0"/>
+              <a:rPr lang="en-US" smtClean="0"/>
               <a:t>Nothing is being done yet. </a:t>
             </a:r>
-            <a:endParaRPr lang="en-US" dirty="0"/>
+            <a:endParaRPr lang="en-US"/>
           </a:p>
         </p:txBody>
       </p:sp>
@@ -9166,10 +10214,10 @@
           <a:lstStyle/>
           <a:p>
             <a:r>
-              <a:rPr lang="en-US" sz="1600" b="1" dirty="0" smtClean="0"/>
+              <a:rPr lang="en-US" sz="1600" b="1" smtClean="0"/>
               <a:t>Showing calls for the script blocks from a main program</a:t>
             </a:r>
-            <a:endParaRPr lang="en-US" sz="1600" b="1" dirty="0"/>
+            <a:endParaRPr lang="en-US" sz="1600" b="1"/>
           </a:p>
         </p:txBody>
       </p:sp>
@@ -9184,7 +10232,7 @@
           </p:nvPr>
         </p:nvPicPr>
         <p:blipFill>
-          <a:blip r:embed="rId2">
+          <a:blip r:embed="rId3">
             <a:extLst>
               <a:ext uri="{28A0092B-C50C-407E-A947-70E740481C1C}">
                 <a14:useLocalDpi xmlns:a14="http://schemas.microsoft.com/office/drawing/2010/main" val="0"/>
@@ -9254,7 +10302,7 @@
           <a:lstStyle/>
           <a:p>
             <a:r>
-              <a:rPr lang="en-US" dirty="0">
+              <a:rPr lang="en-US">
                 <a:solidFill>
                   <a:schemeClr val="bg1"/>
                 </a:solidFill>
@@ -9264,14 +10312,14 @@
           </a:p>
           <a:p>
             <a:r>
-              <a:rPr lang="en-US" dirty="0" err="1">
+              <a:rPr lang="en-US" err="1">
                 <a:solidFill>
                   <a:schemeClr val="bg1"/>
                 </a:solidFill>
               </a:rPr>
               <a:t>logicalname</a:t>
             </a:r>
-            <a:endParaRPr lang="en-US" dirty="0">
+            <a:endParaRPr lang="en-US">
               <a:solidFill>
                 <a:schemeClr val="bg1"/>
               </a:solidFill>
@@ -9279,7 +10327,7 @@
           </a:p>
           <a:p>
             <a:r>
-              <a:rPr lang="en-US" dirty="0">
+              <a:rPr lang="en-US">
                 <a:solidFill>
                   <a:schemeClr val="bg1"/>
                 </a:solidFill>
@@ -9289,7 +10337,7 @@
           </a:p>
           <a:p>
             <a:r>
-              <a:rPr lang="en-US" dirty="0">
+              <a:rPr lang="en-US">
                 <a:solidFill>
                   <a:schemeClr val="bg1"/>
                 </a:solidFill>
@@ -9299,14 +10347,14 @@
           </a:p>
           <a:p>
             <a:r>
-              <a:rPr lang="en-US" dirty="0" err="1">
+              <a:rPr lang="en-US" err="1">
                 <a:solidFill>
                   <a:schemeClr val="bg1"/>
                 </a:solidFill>
               </a:rPr>
               <a:t>physicalname</a:t>
             </a:r>
-            <a:endParaRPr lang="en-US" dirty="0">
+            <a:endParaRPr lang="en-US">
               <a:solidFill>
                 <a:schemeClr val="bg1"/>
               </a:solidFill>
@@ -9314,14 +10362,14 @@
           </a:p>
           <a:p>
             <a:r>
-              <a:rPr lang="en-US" dirty="0" smtClean="0">
+              <a:rPr lang="en-US" smtClean="0">
                 <a:solidFill>
                   <a:schemeClr val="bg1"/>
                 </a:solidFill>
               </a:rPr>
               <a:t>C:\CODECAMP\AdventureWorks2017.mdf</a:t>
             </a:r>
-            <a:endParaRPr lang="en-US" dirty="0">
+            <a:endParaRPr lang="en-US">
               <a:solidFill>
                 <a:schemeClr val="bg1"/>
               </a:solidFill>
@@ -9329,14 +10377,14 @@
           </a:p>
           <a:p>
             <a:r>
-              <a:rPr lang="en-US" dirty="0" smtClean="0">
+              <a:rPr lang="en-US" smtClean="0">
                 <a:solidFill>
                   <a:schemeClr val="bg1"/>
                 </a:solidFill>
               </a:rPr>
               <a:t>C:\CODECAMP\AdventureWorks2017_log.LDF</a:t>
             </a:r>
-            <a:endParaRPr lang="en-US" dirty="0">
+            <a:endParaRPr lang="en-US">
               <a:solidFill>
                 <a:schemeClr val="bg1"/>
               </a:solidFill>
@@ -9344,7 +10392,7 @@
           </a:p>
           <a:p>
             <a:r>
-              <a:rPr lang="en-US" dirty="0">
+              <a:rPr lang="en-US">
                 <a:solidFill>
                   <a:schemeClr val="bg1"/>
                 </a:solidFill>
@@ -9352,7 +10400,7 @@
               <a:t>PS C:\</a:t>
             </a:r>
             <a:r>
-              <a:rPr lang="en-US" dirty="0" smtClean="0">
+              <a:rPr lang="en-US" smtClean="0">
                 <a:solidFill>
                   <a:schemeClr val="bg1"/>
                 </a:solidFill>
@@ -9360,11 +10408,11 @@
               <a:t>CODECAMP</a:t>
             </a:r>
             <a:r>
-              <a:rPr lang="en-US" dirty="0" smtClean="0"/>
+              <a:rPr lang="en-US" smtClean="0"/>
               <a:t>MP</a:t>
             </a:r>
             <a:r>
-              <a:rPr lang="en-US" dirty="0"/>
+              <a:rPr lang="en-US"/>
               <a:t>&gt;</a:t>
             </a:r>
           </a:p>
@@ -9423,10 +10471,10 @@
           <a:lstStyle/>
           <a:p>
             <a:r>
-              <a:rPr lang="en-US" sz="1600" dirty="0" smtClean="0"/>
+              <a:rPr lang="en-US" sz="1600" smtClean="0"/>
               <a:t>Checking the import process and the usual suspects</a:t>
             </a:r>
-            <a:endParaRPr lang="en-US" sz="1600" dirty="0"/>
+            <a:endParaRPr lang="en-US" sz="1600"/>
           </a:p>
         </p:txBody>
       </p:sp>
@@ -9539,51 +10587,51 @@
           <a:lstStyle/>
           <a:p>
             <a:r>
-              <a:rPr lang="en-US" sz="1600" dirty="0" smtClean="0"/>
+              <a:rPr lang="en-US" sz="1600" b="1" smtClean="0"/>
               <a:t>What happens if you do not import and you do a real test</a:t>
             </a:r>
             <a:br>
-              <a:rPr lang="en-US" sz="1600" dirty="0" smtClean="0"/>
+              <a:rPr lang="en-US" sz="1600" b="1" smtClean="0"/>
             </a:br>
             <a:r>
-              <a:rPr lang="en-US" sz="1600" dirty="0" smtClean="0"/>
+              <a:rPr lang="en-US" sz="1600" smtClean="0"/>
               <a:t>Create a </a:t>
             </a:r>
             <a:r>
-              <a:rPr lang="en-US" sz="1600" dirty="0" err="1" smtClean="0"/>
+              <a:rPr lang="en-US" sz="1600" err="1" smtClean="0"/>
               <a:t>cmd</a:t>
             </a:r>
             <a:r>
-              <a:rPr lang="en-US" sz="1600" dirty="0" smtClean="0"/>
+              <a:rPr lang="en-US" sz="1600" smtClean="0"/>
               <a:t> file to call your </a:t>
             </a:r>
             <a:r>
-              <a:rPr lang="en-US" sz="1600" dirty="0" err="1" smtClean="0"/>
+              <a:rPr lang="en-US" sz="1600" err="1" smtClean="0"/>
               <a:t>powershell</a:t>
             </a:r>
             <a:r>
-              <a:rPr lang="en-US" sz="1600" dirty="0" smtClean="0"/>
+              <a:rPr lang="en-US" sz="1600" smtClean="0"/>
               <a:t> script</a:t>
             </a:r>
             <a:br>
-              <a:rPr lang="en-US" sz="1600" dirty="0" smtClean="0"/>
+              <a:rPr lang="en-US" sz="1600" smtClean="0"/>
             </a:br>
             <a:r>
-              <a:rPr lang="en-US" sz="1600" dirty="0" smtClean="0"/>
+              <a:rPr lang="en-US" sz="1600" smtClean="0"/>
               <a:t>Run it from a </a:t>
             </a:r>
             <a:r>
-              <a:rPr lang="en-US" sz="1600" dirty="0" err="1" smtClean="0"/>
+              <a:rPr lang="en-US" sz="1600" err="1" smtClean="0"/>
               <a:t>cmd</a:t>
             </a:r>
             <a:r>
-              <a:rPr lang="en-US" sz="1600" dirty="0" smtClean="0"/>
+              <a:rPr lang="en-US" sz="1600" smtClean="0"/>
               <a:t> window</a:t>
             </a:r>
             <a:br>
-              <a:rPr lang="en-US" sz="1600" dirty="0" smtClean="0"/>
+              <a:rPr lang="en-US" sz="1600" smtClean="0"/>
             </a:br>
-            <a:endParaRPr lang="en-US" sz="1600" dirty="0"/>
+            <a:endParaRPr lang="en-US" sz="1600"/>
           </a:p>
         </p:txBody>
       </p:sp>
@@ -9740,6 +10788,2829 @@
 </p:sld>
 </file>
 
+<file path=ppt/slides/slide20.xml><?xml version="1.0" encoding="utf-8"?>
+<p:sld xmlns:a="http://schemas.openxmlformats.org/drawingml/2006/main" xmlns:r="http://schemas.openxmlformats.org/officeDocument/2006/relationships" xmlns:p="http://schemas.openxmlformats.org/presentationml/2006/main">
+  <p:cSld>
+    <p:spTree>
+      <p:nvGrpSpPr>
+        <p:cNvPr id="1" name=""/>
+        <p:cNvGrpSpPr/>
+        <p:nvPr/>
+      </p:nvGrpSpPr>
+      <p:grpSpPr>
+        <a:xfrm>
+          <a:off x="0" y="0"/>
+          <a:ext cx="0" cy="0"/>
+          <a:chOff x="0" y="0"/>
+          <a:chExt cx="0" cy="0"/>
+        </a:xfrm>
+      </p:grpSpPr>
+      <p:sp>
+        <p:nvSpPr>
+          <p:cNvPr id="2" name="Title 1"/>
+          <p:cNvSpPr>
+            <a:spLocks noGrp="1"/>
+          </p:cNvSpPr>
+          <p:nvPr>
+            <p:ph type="title"/>
+          </p:nvPr>
+        </p:nvSpPr>
+        <p:spPr>
+          <a:xfrm>
+            <a:off x="457200" y="274638"/>
+            <a:ext cx="8229600" cy="411162"/>
+          </a:xfrm>
+        </p:spPr>
+        <p:txBody>
+          <a:bodyPr>
+            <a:normAutofit/>
+          </a:bodyPr>
+          <a:lstStyle/>
+          <a:p>
+            <a:r>
+              <a:rPr lang="en-US" sz="1600" b="1" smtClean="0"/>
+              <a:t>Intermezzo</a:t>
+            </a:r>
+            <a:endParaRPr lang="en-US" sz="1600" b="1"/>
+          </a:p>
+        </p:txBody>
+      </p:sp>
+      <p:sp>
+        <p:nvSpPr>
+          <p:cNvPr id="3" name="Content Placeholder 2"/>
+          <p:cNvSpPr>
+            <a:spLocks noGrp="1"/>
+          </p:cNvSpPr>
+          <p:nvPr>
+            <p:ph sz="half" idx="1"/>
+          </p:nvPr>
+        </p:nvSpPr>
+        <p:spPr>
+          <a:xfrm>
+            <a:off x="457200" y="838200"/>
+            <a:ext cx="4038600" cy="5364163"/>
+          </a:xfrm>
+        </p:spPr>
+        <p:txBody>
+          <a:bodyPr>
+            <a:normAutofit/>
+          </a:bodyPr>
+          <a:lstStyle/>
+          <a:p>
+            <a:r>
+              <a:rPr lang="en-US" sz="1200" smtClean="0"/>
+              <a:t>Visibility is important in the code morass</a:t>
+            </a:r>
+          </a:p>
+          <a:p>
+            <a:endParaRPr lang="en-US" sz="1200" smtClean="0"/>
+          </a:p>
+          <a:p>
+            <a:endParaRPr lang="en-US" sz="1200"/>
+          </a:p>
+          <a:p>
+            <a:endParaRPr lang="en-US" sz="1200" smtClean="0"/>
+          </a:p>
+          <a:p>
+            <a:endParaRPr lang="en-US" sz="1200"/>
+          </a:p>
+          <a:p>
+            <a:endParaRPr lang="en-US" sz="1200" smtClean="0"/>
+          </a:p>
+          <a:p>
+            <a:endParaRPr lang="en-US" sz="1200"/>
+          </a:p>
+          <a:p>
+            <a:endParaRPr lang="en-US" sz="1200" smtClean="0"/>
+          </a:p>
+          <a:p>
+            <a:endParaRPr lang="en-US" sz="1200"/>
+          </a:p>
+          <a:p>
+            <a:endParaRPr lang="en-US" sz="1200" smtClean="0"/>
+          </a:p>
+          <a:p>
+            <a:endParaRPr lang="en-US" sz="1200"/>
+          </a:p>
+          <a:p>
+            <a:r>
+              <a:rPr lang="en-US" sz="1200" smtClean="0"/>
+              <a:t>May the Eye of Ra help you see better</a:t>
+            </a:r>
+            <a:endParaRPr lang="en-US" sz="1200"/>
+          </a:p>
+          <a:p>
+            <a:endParaRPr lang="en-US" sz="1200" smtClean="0"/>
+          </a:p>
+          <a:p>
+            <a:endParaRPr lang="en-US" sz="1200"/>
+          </a:p>
+          <a:p>
+            <a:endParaRPr lang="en-US" sz="1200" smtClean="0"/>
+          </a:p>
+          <a:p>
+            <a:endParaRPr lang="en-US" sz="1200"/>
+          </a:p>
+          <a:p>
+            <a:endParaRPr lang="en-US" sz="1200" smtClean="0"/>
+          </a:p>
+          <a:p>
+            <a:endParaRPr lang="en-US" sz="1200"/>
+          </a:p>
+          <a:p>
+            <a:endParaRPr lang="en-US" sz="1200" smtClean="0"/>
+          </a:p>
+          <a:p>
+            <a:endParaRPr lang="en-US" sz="1200"/>
+          </a:p>
+          <a:p>
+            <a:endParaRPr lang="en-US" sz="1200" smtClean="0"/>
+          </a:p>
+          <a:p>
+            <a:endParaRPr lang="en-US" sz="1200"/>
+          </a:p>
+          <a:p>
+            <a:endParaRPr lang="en-US" sz="1200" smtClean="0"/>
+          </a:p>
+          <a:p>
+            <a:endParaRPr lang="en-US" sz="1200"/>
+          </a:p>
+        </p:txBody>
+      </p:sp>
+      <p:sp>
+        <p:nvSpPr>
+          <p:cNvPr id="4" name="Content Placeholder 3"/>
+          <p:cNvSpPr>
+            <a:spLocks noGrp="1"/>
+          </p:cNvSpPr>
+          <p:nvPr>
+            <p:ph sz="half" idx="2"/>
+          </p:nvPr>
+        </p:nvSpPr>
+        <p:spPr>
+          <a:xfrm>
+            <a:off x="4724400" y="914400"/>
+            <a:ext cx="4038600" cy="5287963"/>
+          </a:xfrm>
+        </p:spPr>
+        <p:txBody>
+          <a:bodyPr>
+            <a:normAutofit/>
+          </a:bodyPr>
+          <a:lstStyle/>
+          <a:p>
+            <a:r>
+              <a:rPr lang="en-US" sz="1600" smtClean="0"/>
+              <a:t>Use script blocks all the time in your support programs</a:t>
+            </a:r>
+          </a:p>
+          <a:p>
+            <a:r>
+              <a:rPr lang="en-US" sz="1600" smtClean="0"/>
+              <a:t>Use </a:t>
+            </a:r>
+            <a:r>
+              <a:rPr lang="en-US" sz="1600" err="1" smtClean="0"/>
+              <a:t>InlineScript</a:t>
+            </a:r>
+            <a:r>
+              <a:rPr lang="en-US" sz="1600" smtClean="0"/>
+              <a:t> most of the time in your workflow programs</a:t>
+            </a:r>
+          </a:p>
+          <a:p>
+            <a:r>
+              <a:rPr lang="en-US" sz="1600" smtClean="0"/>
+              <a:t>Always test your program using a </a:t>
+            </a:r>
+            <a:r>
+              <a:rPr lang="en-US" sz="1600" err="1" smtClean="0"/>
+              <a:t>cmd</a:t>
+            </a:r>
+            <a:r>
+              <a:rPr lang="en-US" sz="1600" smtClean="0"/>
+              <a:t> file calling your PowerShell script (avoid surprises from your nice favorite editor)</a:t>
+            </a:r>
+          </a:p>
+          <a:p>
+            <a:r>
+              <a:rPr lang="en-US" sz="1600" smtClean="0"/>
+              <a:t>Don’t reinvent the wheel: follow the PowerShell mantra</a:t>
+            </a:r>
+          </a:p>
+          <a:p>
+            <a:endParaRPr lang="en-US" sz="1600" smtClean="0"/>
+          </a:p>
+          <a:p>
+            <a:pPr marL="0" indent="0" algn="ctr">
+              <a:buNone/>
+            </a:pPr>
+            <a:r>
+              <a:rPr lang="en-US" sz="1600">
+                <a:latin typeface="Matura MT Script Capitals" panose="03020802060602070202" pitchFamily="66" charset="0"/>
+              </a:rPr>
+              <a:t>Steal from the Best</a:t>
+            </a:r>
+          </a:p>
+          <a:p>
+            <a:pPr marL="0" indent="0" algn="ctr">
+              <a:buNone/>
+            </a:pPr>
+            <a:r>
+              <a:rPr lang="en-US" sz="1600">
+                <a:latin typeface="Matura MT Script Capitals" panose="03020802060602070202" pitchFamily="66" charset="0"/>
+              </a:rPr>
+              <a:t>And Create the </a:t>
+            </a:r>
+            <a:r>
+              <a:rPr lang="en-US" sz="1600" smtClean="0">
+                <a:latin typeface="Matura MT Script Capitals" panose="03020802060602070202" pitchFamily="66" charset="0"/>
+              </a:rPr>
+              <a:t>Rest</a:t>
+            </a:r>
+            <a:endParaRPr lang="en-US" sz="1600">
+              <a:latin typeface="Matura MT Script Capitals" panose="03020802060602070202" pitchFamily="66" charset="0"/>
+            </a:endParaRPr>
+          </a:p>
+          <a:p>
+            <a:pPr marL="0" indent="0">
+              <a:buNone/>
+            </a:pPr>
+            <a:endParaRPr lang="en-US" sz="1600"/>
+          </a:p>
+          <a:p>
+            <a:r>
+              <a:rPr lang="en-US" sz="1600" smtClean="0"/>
+              <a:t>And you will be enlightened</a:t>
+            </a:r>
+          </a:p>
+          <a:p>
+            <a:endParaRPr lang="en-US" sz="1600"/>
+          </a:p>
+        </p:txBody>
+      </p:sp>
+      <p:pic>
+        <p:nvPicPr>
+          <p:cNvPr id="1028" name="Picture 4"/>
+          <p:cNvPicPr>
+            <a:picLocks noChangeAspect="1" noChangeArrowheads="1"/>
+          </p:cNvPicPr>
+          <p:nvPr/>
+        </p:nvPicPr>
+        <p:blipFill>
+          <a:blip r:embed="rId3">
+            <a:extLst>
+              <a:ext uri="{28A0092B-C50C-407E-A947-70E740481C1C}">
+                <a14:useLocalDpi xmlns:a14="http://schemas.microsoft.com/office/drawing/2010/main" val="0"/>
+              </a:ext>
+            </a:extLst>
+          </a:blip>
+          <a:srcRect/>
+          <a:stretch>
+            <a:fillRect/>
+          </a:stretch>
+        </p:blipFill>
+        <p:spPr bwMode="auto">
+          <a:xfrm>
+            <a:off x="838199" y="1219200"/>
+            <a:ext cx="3095625" cy="2066925"/>
+          </a:xfrm>
+          <a:prstGeom prst="rect">
+            <a:avLst/>
+          </a:prstGeom>
+          <a:noFill/>
+          <a:ln>
+            <a:noFill/>
+          </a:ln>
+          <a:extLst>
+            <a:ext uri="{909E8E84-426E-40DD-AFC4-6F175D3DCCD1}">
+              <a14:hiddenFill xmlns:a14="http://schemas.microsoft.com/office/drawing/2010/main">
+                <a:solidFill>
+                  <a:schemeClr val="accent1"/>
+                </a:solidFill>
+              </a14:hiddenFill>
+            </a:ext>
+            <a:ext uri="{91240B29-F687-4F45-9708-019B960494DF}">
+              <a14:hiddenLine xmlns:a14="http://schemas.microsoft.com/office/drawing/2010/main" w="9525">
+                <a:solidFill>
+                  <a:schemeClr val="tx1"/>
+                </a:solidFill>
+                <a:miter lim="800000"/>
+                <a:headEnd/>
+                <a:tailEnd/>
+              </a14:hiddenLine>
+            </a:ext>
+          </a:extLst>
+        </p:spPr>
+      </p:pic>
+      <p:pic>
+        <p:nvPicPr>
+          <p:cNvPr id="1029" name="Picture 5"/>
+          <p:cNvPicPr>
+            <a:picLocks noChangeAspect="1" noChangeArrowheads="1"/>
+          </p:cNvPicPr>
+          <p:nvPr/>
+        </p:nvPicPr>
+        <p:blipFill>
+          <a:blip r:embed="rId4">
+            <a:extLst>
+              <a:ext uri="{28A0092B-C50C-407E-A947-70E740481C1C}">
+                <a14:useLocalDpi xmlns:a14="http://schemas.microsoft.com/office/drawing/2010/main" val="0"/>
+              </a:ext>
+            </a:extLst>
+          </a:blip>
+          <a:srcRect/>
+          <a:stretch>
+            <a:fillRect/>
+          </a:stretch>
+        </p:blipFill>
+        <p:spPr bwMode="auto">
+          <a:xfrm>
+            <a:off x="1219200" y="3695701"/>
+            <a:ext cx="2070253" cy="2095500"/>
+          </a:xfrm>
+          <a:prstGeom prst="rect">
+            <a:avLst/>
+          </a:prstGeom>
+          <a:noFill/>
+          <a:ln>
+            <a:noFill/>
+          </a:ln>
+          <a:extLst>
+            <a:ext uri="{909E8E84-426E-40DD-AFC4-6F175D3DCCD1}">
+              <a14:hiddenFill xmlns:a14="http://schemas.microsoft.com/office/drawing/2010/main">
+                <a:solidFill>
+                  <a:schemeClr val="accent1"/>
+                </a:solidFill>
+              </a14:hiddenFill>
+            </a:ext>
+            <a:ext uri="{91240B29-F687-4F45-9708-019B960494DF}">
+              <a14:hiddenLine xmlns:a14="http://schemas.microsoft.com/office/drawing/2010/main" w="9525">
+                <a:solidFill>
+                  <a:schemeClr val="tx1"/>
+                </a:solidFill>
+                <a:miter lim="800000"/>
+                <a:headEnd/>
+                <a:tailEnd/>
+              </a14:hiddenLine>
+            </a:ext>
+          </a:extLst>
+        </p:spPr>
+      </p:pic>
+      <p:pic>
+        <p:nvPicPr>
+          <p:cNvPr id="9" name="Picture 2" descr="Image result for enlightenment"/>
+          <p:cNvPicPr>
+            <a:picLocks noChangeAspect="1" noChangeArrowheads="1"/>
+          </p:cNvPicPr>
+          <p:nvPr/>
+        </p:nvPicPr>
+        <p:blipFill>
+          <a:blip r:embed="rId5">
+            <a:extLst>
+              <a:ext uri="{28A0092B-C50C-407E-A947-70E740481C1C}">
+                <a14:useLocalDpi xmlns:a14="http://schemas.microsoft.com/office/drawing/2010/main" val="0"/>
+              </a:ext>
+            </a:extLst>
+          </a:blip>
+          <a:srcRect/>
+          <a:stretch>
+            <a:fillRect/>
+          </a:stretch>
+        </p:blipFill>
+        <p:spPr bwMode="auto">
+          <a:xfrm>
+            <a:off x="5593692" y="4876800"/>
+            <a:ext cx="1901871" cy="1265609"/>
+          </a:xfrm>
+          <a:prstGeom prst="rect">
+            <a:avLst/>
+          </a:prstGeom>
+          <a:noFill/>
+          <a:extLst>
+            <a:ext uri="{909E8E84-426E-40DD-AFC4-6F175D3DCCD1}">
+              <a14:hiddenFill xmlns:a14="http://schemas.microsoft.com/office/drawing/2010/main">
+                <a:solidFill>
+                  <a:srgbClr val="FFFFFF"/>
+                </a:solidFill>
+              </a14:hiddenFill>
+            </a:ext>
+          </a:extLst>
+        </p:spPr>
+      </p:pic>
+    </p:spTree>
+    <p:extLst>
+      <p:ext uri="{BB962C8B-B14F-4D97-AF65-F5344CB8AC3E}">
+        <p14:creationId xmlns:p14="http://schemas.microsoft.com/office/powerpoint/2010/main" val="790997098"/>
+      </p:ext>
+    </p:extLst>
+  </p:cSld>
+  <p:clrMapOvr>
+    <a:masterClrMapping/>
+  </p:clrMapOvr>
+</p:sld>
+</file>
+
+<file path=ppt/slides/slide21.xml><?xml version="1.0" encoding="utf-8"?>
+<p:sld xmlns:a="http://schemas.openxmlformats.org/drawingml/2006/main" xmlns:r="http://schemas.openxmlformats.org/officeDocument/2006/relationships" xmlns:p="http://schemas.openxmlformats.org/presentationml/2006/main">
+  <p:cSld>
+    <p:spTree>
+      <p:nvGrpSpPr>
+        <p:cNvPr id="1" name=""/>
+        <p:cNvGrpSpPr/>
+        <p:nvPr/>
+      </p:nvGrpSpPr>
+      <p:grpSpPr>
+        <a:xfrm>
+          <a:off x="0" y="0"/>
+          <a:ext cx="0" cy="0"/>
+          <a:chOff x="0" y="0"/>
+          <a:chExt cx="0" cy="0"/>
+        </a:xfrm>
+      </p:grpSpPr>
+      <p:sp>
+        <p:nvSpPr>
+          <p:cNvPr id="2" name="Title 1"/>
+          <p:cNvSpPr>
+            <a:spLocks noGrp="1"/>
+          </p:cNvSpPr>
+          <p:nvPr>
+            <p:ph type="title"/>
+          </p:nvPr>
+        </p:nvSpPr>
+        <p:spPr>
+          <a:xfrm>
+            <a:off x="457200" y="76200"/>
+            <a:ext cx="8229600" cy="304800"/>
+          </a:xfrm>
+        </p:spPr>
+        <p:txBody>
+          <a:bodyPr>
+            <a:normAutofit fontScale="90000"/>
+          </a:bodyPr>
+          <a:lstStyle/>
+          <a:p>
+            <a:r>
+              <a:rPr lang="en-US" sz="1600" b="1"/>
+              <a:t>Sample program using jobs</a:t>
+            </a:r>
+          </a:p>
+        </p:txBody>
+      </p:sp>
+      <p:pic>
+        <p:nvPicPr>
+          <p:cNvPr id="2050" name="Picture 2"/>
+          <p:cNvPicPr>
+            <a:picLocks noGrp="1" noChangeAspect="1" noChangeArrowheads="1"/>
+          </p:cNvPicPr>
+          <p:nvPr>
+            <p:ph idx="1"/>
+          </p:nvPr>
+        </p:nvPicPr>
+        <p:blipFill>
+          <a:blip r:embed="rId3">
+            <a:extLst>
+              <a:ext uri="{28A0092B-C50C-407E-A947-70E740481C1C}">
+                <a14:useLocalDpi xmlns:a14="http://schemas.microsoft.com/office/drawing/2010/main" val="0"/>
+              </a:ext>
+            </a:extLst>
+          </a:blip>
+          <a:srcRect/>
+          <a:stretch>
+            <a:fillRect/>
+          </a:stretch>
+        </p:blipFill>
+        <p:spPr bwMode="auto">
+          <a:xfrm>
+            <a:off x="76200" y="990600"/>
+            <a:ext cx="6381750" cy="5810133"/>
+          </a:xfrm>
+          <a:prstGeom prst="rect">
+            <a:avLst/>
+          </a:prstGeom>
+          <a:noFill/>
+          <a:ln>
+            <a:noFill/>
+          </a:ln>
+          <a:extLst>
+            <a:ext uri="{909E8E84-426E-40DD-AFC4-6F175D3DCCD1}">
+              <a14:hiddenFill xmlns:a14="http://schemas.microsoft.com/office/drawing/2010/main">
+                <a:solidFill>
+                  <a:schemeClr val="accent1"/>
+                </a:solidFill>
+              </a14:hiddenFill>
+            </a:ext>
+            <a:ext uri="{91240B29-F687-4F45-9708-019B960494DF}">
+              <a14:hiddenLine xmlns:a14="http://schemas.microsoft.com/office/drawing/2010/main" w="9525">
+                <a:solidFill>
+                  <a:schemeClr val="tx1"/>
+                </a:solidFill>
+                <a:miter lim="800000"/>
+                <a:headEnd/>
+                <a:tailEnd/>
+              </a14:hiddenLine>
+            </a:ext>
+          </a:extLst>
+        </p:spPr>
+      </p:pic>
+      <p:pic>
+        <p:nvPicPr>
+          <p:cNvPr id="5" name="Content Placeholder 3"/>
+          <p:cNvPicPr>
+            <a:picLocks noChangeAspect="1"/>
+          </p:cNvPicPr>
+          <p:nvPr/>
+        </p:nvPicPr>
+        <p:blipFill>
+          <a:blip r:embed="rId4"/>
+          <a:stretch>
+            <a:fillRect/>
+          </a:stretch>
+        </p:blipFill>
+        <p:spPr>
+          <a:xfrm>
+            <a:off x="6576644" y="1447800"/>
+            <a:ext cx="2400299" cy="1490791"/>
+          </a:xfrm>
+          <a:prstGeom prst="rect">
+            <a:avLst/>
+          </a:prstGeom>
+        </p:spPr>
+      </p:pic>
+      <p:sp>
+        <p:nvSpPr>
+          <p:cNvPr id="4" name="TextBox 3"/>
+          <p:cNvSpPr txBox="1"/>
+          <p:nvPr/>
+        </p:nvSpPr>
+        <p:spPr>
+          <a:xfrm>
+            <a:off x="164122" y="435114"/>
+            <a:ext cx="8755881" cy="523220"/>
+          </a:xfrm>
+          <a:prstGeom prst="rect">
+            <a:avLst/>
+          </a:prstGeom>
+          <a:noFill/>
+        </p:spPr>
+        <p:txBody>
+          <a:bodyPr wrap="square" rtlCol="0">
+            <a:spAutoFit/>
+          </a:bodyPr>
+          <a:lstStyle/>
+          <a:p>
+            <a:r>
+              <a:rPr lang="en-US" sz="1400" smtClean="0"/>
+              <a:t>DBLIST_ACTIONS.txt source has a line for each entry with this format</a:t>
+            </a:r>
+          </a:p>
+          <a:p>
+            <a:r>
+              <a:rPr lang="en-US" sz="1400" b="1" smtClean="0"/>
+              <a:t>SOURCESERVER|BACKUPFILE|SOURCEDB|DESTSERVER|DATAFOLDER|LOGFOLDER|DESTDB|ACTIONS|ENABLED</a:t>
+            </a:r>
+            <a:endParaRPr lang="en-US" sz="1400" b="1"/>
+          </a:p>
+        </p:txBody>
+      </p:sp>
+      <p:sp>
+        <p:nvSpPr>
+          <p:cNvPr id="6" name="TextBox 5"/>
+          <p:cNvSpPr txBox="1"/>
+          <p:nvPr/>
+        </p:nvSpPr>
+        <p:spPr>
+          <a:xfrm>
+            <a:off x="6576645" y="958334"/>
+            <a:ext cx="2214403" cy="338554"/>
+          </a:xfrm>
+          <a:prstGeom prst="rect">
+            <a:avLst/>
+          </a:prstGeom>
+          <a:noFill/>
+        </p:spPr>
+        <p:txBody>
+          <a:bodyPr wrap="square" rtlCol="0">
+            <a:spAutoFit/>
+          </a:bodyPr>
+          <a:lstStyle/>
+          <a:p>
+            <a:r>
+              <a:rPr lang="en-US" sz="1600" b="1" smtClean="0"/>
+              <a:t>Jobs in one slide </a:t>
+            </a:r>
+            <a:endParaRPr lang="en-US" sz="1600" b="1"/>
+          </a:p>
+        </p:txBody>
+      </p:sp>
+      <p:pic>
+        <p:nvPicPr>
+          <p:cNvPr id="2051" name="Picture 3" descr="C:\Users\jorgebe\AppData\Local\Microsoft\Windows\Temporary Internet Files\Content.IE5\200NGKMR\Smiley2.svg[1].png"/>
+          <p:cNvPicPr>
+            <a:picLocks noChangeAspect="1" noChangeArrowheads="1"/>
+          </p:cNvPicPr>
+          <p:nvPr/>
+        </p:nvPicPr>
+        <p:blipFill>
+          <a:blip r:embed="rId5" cstate="print">
+            <a:extLst>
+              <a:ext uri="{28A0092B-C50C-407E-A947-70E740481C1C}">
+                <a14:useLocalDpi xmlns:a14="http://schemas.microsoft.com/office/drawing/2010/main" val="0"/>
+              </a:ext>
+            </a:extLst>
+          </a:blip>
+          <a:srcRect/>
+          <a:stretch>
+            <a:fillRect/>
+          </a:stretch>
+        </p:blipFill>
+        <p:spPr bwMode="auto">
+          <a:xfrm>
+            <a:off x="8413376" y="958334"/>
+            <a:ext cx="377672" cy="377672"/>
+          </a:xfrm>
+          <a:prstGeom prst="rect">
+            <a:avLst/>
+          </a:prstGeom>
+          <a:noFill/>
+          <a:extLst>
+            <a:ext uri="{909E8E84-426E-40DD-AFC4-6F175D3DCCD1}">
+              <a14:hiddenFill xmlns:a14="http://schemas.microsoft.com/office/drawing/2010/main">
+                <a:solidFill>
+                  <a:srgbClr val="FFFFFF"/>
+                </a:solidFill>
+              </a14:hiddenFill>
+            </a:ext>
+          </a:extLst>
+        </p:spPr>
+      </p:pic>
+    </p:spTree>
+    <p:extLst>
+      <p:ext uri="{BB962C8B-B14F-4D97-AF65-F5344CB8AC3E}">
+        <p14:creationId xmlns:p14="http://schemas.microsoft.com/office/powerpoint/2010/main" val="3141690789"/>
+      </p:ext>
+    </p:extLst>
+  </p:cSld>
+  <p:clrMapOvr>
+    <a:masterClrMapping/>
+  </p:clrMapOvr>
+</p:sld>
+</file>
+
+<file path=ppt/slides/slide22.xml><?xml version="1.0" encoding="utf-8"?>
+<p:sld xmlns:a="http://schemas.openxmlformats.org/drawingml/2006/main" xmlns:r="http://schemas.openxmlformats.org/officeDocument/2006/relationships" xmlns:p="http://schemas.openxmlformats.org/presentationml/2006/main">
+  <p:cSld>
+    <p:spTree>
+      <p:nvGrpSpPr>
+        <p:cNvPr id="1" name=""/>
+        <p:cNvGrpSpPr/>
+        <p:nvPr/>
+      </p:nvGrpSpPr>
+      <p:grpSpPr>
+        <a:xfrm>
+          <a:off x="0" y="0"/>
+          <a:ext cx="0" cy="0"/>
+          <a:chOff x="0" y="0"/>
+          <a:chExt cx="0" cy="0"/>
+        </a:xfrm>
+      </p:grpSpPr>
+      <p:sp>
+        <p:nvSpPr>
+          <p:cNvPr id="2" name="Title 1"/>
+          <p:cNvSpPr>
+            <a:spLocks noGrp="1"/>
+          </p:cNvSpPr>
+          <p:nvPr>
+            <p:ph type="title"/>
+          </p:nvPr>
+        </p:nvSpPr>
+        <p:spPr>
+          <a:xfrm>
+            <a:off x="457200" y="274638"/>
+            <a:ext cx="8229600" cy="411162"/>
+          </a:xfrm>
+        </p:spPr>
+        <p:txBody>
+          <a:bodyPr>
+            <a:normAutofit/>
+          </a:bodyPr>
+          <a:lstStyle/>
+          <a:p>
+            <a:r>
+              <a:rPr lang="en-US" sz="1600" b="1" smtClean="0"/>
+              <a:t>Output of jobs program</a:t>
+            </a:r>
+            <a:endParaRPr lang="en-US" sz="1600" b="1"/>
+          </a:p>
+        </p:txBody>
+      </p:sp>
+      <p:sp>
+        <p:nvSpPr>
+          <p:cNvPr id="3" name="Content Placeholder 2"/>
+          <p:cNvSpPr>
+            <a:spLocks noGrp="1"/>
+          </p:cNvSpPr>
+          <p:nvPr>
+            <p:ph idx="1"/>
+          </p:nvPr>
+        </p:nvSpPr>
+        <p:spPr>
+          <a:xfrm>
+            <a:off x="457200" y="838200"/>
+            <a:ext cx="8229600" cy="5287963"/>
+          </a:xfrm>
+        </p:spPr>
+        <p:txBody>
+          <a:bodyPr>
+            <a:normAutofit fontScale="70000" lnSpcReduction="20000"/>
+          </a:bodyPr>
+          <a:lstStyle/>
+          <a:p>
+            <a:pPr marL="0" indent="0">
+              <a:buNone/>
+            </a:pPr>
+            <a:r>
+              <a:rPr lang="en-US" sz="1200"/>
+              <a:t>Killing existing jobs . . .</a:t>
+            </a:r>
+          </a:p>
+          <a:p>
+            <a:pPr marL="0" indent="0">
+              <a:buNone/>
+            </a:pPr>
+            <a:r>
+              <a:rPr lang="en-US" sz="1200"/>
+              <a:t>Done.</a:t>
+            </a:r>
+          </a:p>
+          <a:p>
+            <a:pPr marL="0" indent="0">
+              <a:buNone/>
+            </a:pPr>
+            <a:r>
+              <a:rPr lang="en-US" sz="1200"/>
+              <a:t> </a:t>
+            </a:r>
+          </a:p>
+          <a:p>
+            <a:pPr marL="0" indent="0">
+              <a:buNone/>
+            </a:pPr>
+            <a:endParaRPr lang="en-US" sz="1200"/>
+          </a:p>
+          <a:p>
+            <a:pPr marL="0" indent="0">
+              <a:buNone/>
+            </a:pPr>
+            <a:r>
+              <a:rPr lang="en-US" sz="1200"/>
+              <a:t>Id     Name            PSJobTypeName   State         HasMoreData     Location  </a:t>
+            </a:r>
+          </a:p>
+          <a:p>
+            <a:pPr marL="0" indent="0">
+              <a:buNone/>
+            </a:pPr>
+            <a:r>
+              <a:rPr lang="en-US" sz="1200"/>
+              <a:t>--     ----            -------------   -----         -----------     --------  </a:t>
+            </a:r>
+          </a:p>
+          <a:p>
+            <a:pPr marL="0" indent="0">
+              <a:buNone/>
+            </a:pPr>
+            <a:r>
+              <a:rPr lang="en-US" sz="1200"/>
+              <a:t>1      Job1            BackgroundJob   Running       True            localhost </a:t>
+            </a:r>
+          </a:p>
+          <a:p>
+            <a:pPr marL="0" indent="0">
+              <a:buNone/>
+            </a:pPr>
+            <a:r>
+              <a:rPr lang="en-US" sz="1200"/>
+              <a:t>1      Job1            BackgroundJob   Completed     True            localhost </a:t>
+            </a:r>
+          </a:p>
+          <a:p>
+            <a:pPr marL="0" indent="0">
+              <a:buNone/>
+            </a:pPr>
+            <a:r>
+              <a:rPr lang="en-US" sz="1200"/>
+              <a:t>3      Job3            BackgroundJob   Running       True            localhost </a:t>
+            </a:r>
+          </a:p>
+          <a:p>
+            <a:pPr marL="0" indent="0">
+              <a:buNone/>
+            </a:pPr>
+            <a:r>
+              <a:rPr lang="en-US" sz="1200"/>
+              <a:t>5      Job5            BackgroundJob   Running       True            localhost </a:t>
+            </a:r>
+          </a:p>
+          <a:p>
+            <a:pPr marL="0" indent="0">
+              <a:buNone/>
+            </a:pPr>
+            <a:r>
+              <a:rPr lang="en-US" sz="1200"/>
+              <a:t>7      Job7            BackgroundJob   Running       True            localhost </a:t>
+            </a:r>
+          </a:p>
+          <a:p>
+            <a:pPr marL="0" indent="0">
+              <a:buNone/>
+            </a:pPr>
+            <a:r>
+              <a:rPr lang="en-US" sz="1200"/>
+              <a:t>3      Job3            BackgroundJob   Completed     True            localhost </a:t>
+            </a:r>
+          </a:p>
+          <a:p>
+            <a:pPr marL="0" indent="0">
+              <a:buNone/>
+            </a:pPr>
+            <a:r>
+              <a:rPr lang="en-US" sz="1200"/>
+              <a:t>5      Job5            BackgroundJob   Completed     True            localhost </a:t>
+            </a:r>
+          </a:p>
+          <a:p>
+            <a:pPr marL="0" indent="0">
+              <a:buNone/>
+            </a:pPr>
+            <a:r>
+              <a:rPr lang="en-US" sz="1200"/>
+              <a:t>7      Job7            BackgroundJob   Completed     True            localhost </a:t>
+            </a:r>
+          </a:p>
+          <a:p>
+            <a:pPr marL="0" indent="0">
+              <a:buNone/>
+            </a:pPr>
+            <a:r>
+              <a:rPr lang="en-US" sz="1200"/>
+              <a:t>Restoring from file</a:t>
+            </a:r>
+          </a:p>
+          <a:p>
+            <a:pPr marL="0" indent="0">
+              <a:buNone/>
+            </a:pPr>
+            <a:r>
+              <a:rPr lang="en-US" sz="1200" smtClean="0"/>
+              <a:t>\\SQLBACKUPS\SQLBackupUser\ZZZ_Deleteme_1_backup2.bak</a:t>
+            </a:r>
+            <a:endParaRPr lang="en-US" sz="1200"/>
+          </a:p>
+          <a:p>
+            <a:pPr marL="0" indent="0">
+              <a:buNone/>
+            </a:pPr>
+            <a:r>
+              <a:rPr lang="en-US" sz="1200"/>
+              <a:t>USE MASTER RESTORE DATABASE [ZZZ_Deleteme_1] FROM DISK </a:t>
+            </a:r>
+            <a:r>
+              <a:rPr lang="en-US" sz="1200" smtClean="0"/>
+              <a:t>='\\SQLBACKUPS\SQLBackupUser\ZZZ_Deleteme_1_backup2.bak</a:t>
+            </a:r>
+            <a:r>
+              <a:rPr lang="en-US" sz="1200"/>
+              <a:t>' WITH  MOVE 'ZZZ_Deleteme_1' TO 'E:\DEVSQL2\SQLDATA\ZZZ_Deleteme_1_Data.mdf',  MOVE 'ZZZ_Deleteme_1_log' TO 'F:\DEVSQL2\SQLLOGS\ZZZ_Deleteme_1_Log.ldf',  NOUNLOAD, RECOVERY, STATS = 10, REPLACE;</a:t>
+            </a:r>
+          </a:p>
+          <a:p>
+            <a:pPr marL="0" indent="0">
+              <a:buNone/>
+            </a:pPr>
+            <a:endParaRPr lang="en-US" sz="1200"/>
+          </a:p>
+          <a:p>
+            <a:pPr marL="0" indent="0">
+              <a:buNone/>
+            </a:pPr>
+            <a:r>
+              <a:rPr lang="en-US" sz="1200"/>
+              <a:t>ALTER AUTHORIZATION ON DATABASE::[ZZZ_Deleteme_1] TO [sa]</a:t>
+            </a:r>
+          </a:p>
+          <a:p>
+            <a:pPr marL="0" indent="0">
+              <a:buNone/>
+            </a:pPr>
+            <a:endParaRPr lang="en-US" sz="1200"/>
+          </a:p>
+          <a:p>
+            <a:pPr marL="0" indent="0">
+              <a:buNone/>
+            </a:pPr>
+            <a:r>
+              <a:rPr lang="en-US" sz="1200"/>
+              <a:t>Latest backup from folder</a:t>
+            </a:r>
+          </a:p>
+          <a:p>
+            <a:pPr marL="0" indent="0">
+              <a:buNone/>
+            </a:pPr>
+            <a:r>
+              <a:rPr lang="en-US" sz="1200" smtClean="0"/>
+              <a:t>\\SQLBACKUPS\SQLBackupUser\ZZZ_Deleteme_1_backup2.bak</a:t>
+            </a:r>
+            <a:endParaRPr lang="en-US" sz="1200"/>
+          </a:p>
+          <a:p>
+            <a:pPr marL="0" indent="0">
+              <a:buNone/>
+            </a:pPr>
+            <a:r>
+              <a:rPr lang="en-US" sz="1200"/>
+              <a:t>USE MASTER RESTORE DATABASE [ZZZ_Deleteme_2] FROM DISK </a:t>
+            </a:r>
+            <a:r>
+              <a:rPr lang="en-US" sz="1200" smtClean="0"/>
+              <a:t>='\\SQLBACKUPS\SQLBackupUser\ZZZ_Deleteme_1_backup2.bak</a:t>
+            </a:r>
+            <a:r>
+              <a:rPr lang="en-US" sz="1200"/>
+              <a:t>' WITH  MOVE 'ZZZ_Deleteme_1' TO 'E:\DEVSQL2\SQLDATA\ZZZ_Deleteme_2_Data.mdf',  MOVE 'ZZZ_Deleteme_1_log' TO 'F:\DEVSQL2\SQLLOGS\ZZZ_Deleteme_2_Log.ldf',  NOUNLOAD, RECOVERY, STATS = 10, REPLACE;</a:t>
+            </a:r>
+          </a:p>
+          <a:p>
+            <a:pPr marL="0" indent="0">
+              <a:buNone/>
+            </a:pPr>
+            <a:endParaRPr lang="en-US" sz="1200"/>
+          </a:p>
+          <a:p>
+            <a:pPr marL="0" indent="0">
+              <a:buNone/>
+            </a:pPr>
+            <a:r>
+              <a:rPr lang="en-US" sz="1200"/>
+              <a:t>ALTER AUTHORIZATION ON DATABASE::[ZZZ_Deleteme_2] TO [sa]</a:t>
+            </a:r>
+          </a:p>
+          <a:p>
+            <a:pPr marL="0" indent="0">
+              <a:buNone/>
+            </a:pPr>
+            <a:endParaRPr lang="en-US" sz="1200"/>
+          </a:p>
+          <a:p>
+            <a:pPr marL="0" indent="0">
+              <a:buNone/>
+            </a:pPr>
+            <a:r>
+              <a:rPr lang="en-US" sz="1200"/>
+              <a:t>Latest backup from folder</a:t>
+            </a:r>
+          </a:p>
+          <a:p>
+            <a:pPr marL="0" indent="0">
+              <a:buNone/>
+            </a:pPr>
+            <a:r>
+              <a:rPr lang="en-US" sz="1200" smtClean="0"/>
+              <a:t>\\SQLBACKUPS\SQLBackupUser\ZZZ_Deleteme_1_backup2.bak</a:t>
+            </a:r>
+            <a:endParaRPr lang="en-US" sz="1200"/>
+          </a:p>
+          <a:p>
+            <a:pPr marL="0" indent="0">
+              <a:buNone/>
+            </a:pPr>
+            <a:r>
+              <a:rPr lang="en-US" sz="1200"/>
+              <a:t>USE MASTER RESTORE DATABASE [ZZZ_Deleteme_3] FROM DISK </a:t>
+            </a:r>
+            <a:r>
+              <a:rPr lang="en-US" sz="1200" smtClean="0"/>
+              <a:t>='\\SQLBACKUPS\SQLBackupUser\ZZZ_Deleteme_1_backup2.bak</a:t>
+            </a:r>
+            <a:r>
+              <a:rPr lang="en-US" sz="1200"/>
+              <a:t>' WITH  MOVE 'ZZZ_Deleteme_1' TO 'E:\DEVSQL2\SQLDATA\ZZZ_Deleteme_3_Data.mdf',  MOVE 'ZZZ_Deleteme_1_log' TO 'F:\DEVSQL2\SQLLOGS\ZZZ_Deleteme_3_Log.ldf',  NOUNLOAD, RECOVERY, STATS = 10, REPLACE;</a:t>
+            </a:r>
+          </a:p>
+          <a:p>
+            <a:pPr marL="0" indent="0">
+              <a:buNone/>
+            </a:pPr>
+            <a:endParaRPr lang="en-US" sz="1200"/>
+          </a:p>
+          <a:p>
+            <a:pPr marL="0" indent="0">
+              <a:buNone/>
+            </a:pPr>
+            <a:r>
+              <a:rPr lang="en-US" sz="1200"/>
+              <a:t>ALTER AUTHORIZATION ON DATABASE::[ZZZ_Deleteme_3] TO [sa]</a:t>
+            </a:r>
+          </a:p>
+          <a:p>
+            <a:pPr marL="0" indent="0">
+              <a:buNone/>
+            </a:pPr>
+            <a:endParaRPr lang="en-US" sz="1200"/>
+          </a:p>
+          <a:p>
+            <a:pPr marL="0" indent="0">
+              <a:buNone/>
+            </a:pPr>
+            <a:r>
+              <a:rPr lang="en-US" sz="1200"/>
+              <a:t>Latest backup from folder</a:t>
+            </a:r>
+          </a:p>
+          <a:p>
+            <a:pPr marL="0" indent="0">
+              <a:buNone/>
+            </a:pPr>
+            <a:r>
+              <a:rPr lang="en-US" sz="1200" smtClean="0"/>
+              <a:t>\\SQLBACKUPS\SQLBackupUser\ZZZ_Deleteme_1_backup2.bak</a:t>
+            </a:r>
+            <a:endParaRPr lang="en-US" sz="1200"/>
+          </a:p>
+          <a:p>
+            <a:pPr marL="0" indent="0">
+              <a:buNone/>
+            </a:pPr>
+            <a:r>
+              <a:rPr lang="en-US" sz="1200"/>
+              <a:t>USE MASTER RESTORE DATABASE [ZZZ_Deleteme_4] FROM DISK </a:t>
+            </a:r>
+            <a:r>
+              <a:rPr lang="en-US" sz="1200" smtClean="0"/>
+              <a:t>='\\SQLBACKUPS\SQLBackupUser\ZZZ_Deleteme_1_backup2.bak</a:t>
+            </a:r>
+            <a:r>
+              <a:rPr lang="en-US" sz="1200"/>
+              <a:t>' WITH  MOVE 'ZZZ_Deleteme_1' TO 'E:\DEVSQL2\SQLDATA\ZZZ_Deleteme_4_Data.mdf',  MOVE 'ZZZ_Deleteme_1_log' TO 'F:\DEVSQL2\SQLLOGS\ZZZ_Deleteme_4_Log.ldf',  NOUNLOAD, NORECOVERY, STATS = 10, REPLACE;</a:t>
+            </a:r>
+          </a:p>
+          <a:p>
+            <a:pPr marL="0" indent="0">
+              <a:buNone/>
+            </a:pPr>
+            <a:endParaRPr lang="en-US" sz="1200"/>
+          </a:p>
+          <a:p>
+            <a:pPr marL="0" indent="0">
+              <a:buNone/>
+            </a:pPr>
+            <a:r>
+              <a:rPr lang="en-US" sz="1200"/>
+              <a:t>DECLARE @kill varchar(8000) = ''; SELECT @kill = @kill + 'kill '  + CONVERT(varchar(5), spid) + ';' FROM master..sysprocesses WHERE dbid = db_id('ZZZ_Deleteme_4')  EXEC(@kill); </a:t>
+            </a:r>
+          </a:p>
+          <a:p>
+            <a:pPr marL="0" indent="0">
+              <a:buNone/>
+            </a:pPr>
+            <a:endParaRPr lang="en-US" sz="1200"/>
+          </a:p>
+          <a:p>
+            <a:pPr marL="0" indent="0">
+              <a:buNone/>
+            </a:pPr>
+            <a:endParaRPr lang="en-US" sz="1200"/>
+          </a:p>
+          <a:p>
+            <a:pPr marL="0" indent="0">
+              <a:buNone/>
+            </a:pPr>
+            <a:endParaRPr lang="en-US" sz="1200"/>
+          </a:p>
+        </p:txBody>
+      </p:sp>
+    </p:spTree>
+    <p:extLst>
+      <p:ext uri="{BB962C8B-B14F-4D97-AF65-F5344CB8AC3E}">
+        <p14:creationId xmlns:p14="http://schemas.microsoft.com/office/powerpoint/2010/main" val="1559495937"/>
+      </p:ext>
+    </p:extLst>
+  </p:cSld>
+  <p:clrMapOvr>
+    <a:masterClrMapping/>
+  </p:clrMapOvr>
+</p:sld>
+</file>
+
+<file path=ppt/slides/slide23.xml><?xml version="1.0" encoding="utf-8"?>
+<p:sld xmlns:a="http://schemas.openxmlformats.org/drawingml/2006/main" xmlns:r="http://schemas.openxmlformats.org/officeDocument/2006/relationships" xmlns:p="http://schemas.openxmlformats.org/presentationml/2006/main">
+  <p:cSld>
+    <p:spTree>
+      <p:nvGrpSpPr>
+        <p:cNvPr id="1" name=""/>
+        <p:cNvGrpSpPr/>
+        <p:nvPr/>
+      </p:nvGrpSpPr>
+      <p:grpSpPr>
+        <a:xfrm>
+          <a:off x="0" y="0"/>
+          <a:ext cx="0" cy="0"/>
+          <a:chOff x="0" y="0"/>
+          <a:chExt cx="0" cy="0"/>
+        </a:xfrm>
+      </p:grpSpPr>
+      <p:sp>
+        <p:nvSpPr>
+          <p:cNvPr id="2" name="Title 1"/>
+          <p:cNvSpPr>
+            <a:spLocks noGrp="1"/>
+          </p:cNvSpPr>
+          <p:nvPr>
+            <p:ph type="title"/>
+          </p:nvPr>
+        </p:nvSpPr>
+        <p:spPr>
+          <a:xfrm>
+            <a:off x="381000" y="33495"/>
+            <a:ext cx="8229600" cy="411162"/>
+          </a:xfrm>
+        </p:spPr>
+        <p:txBody>
+          <a:bodyPr>
+            <a:normAutofit/>
+          </a:bodyPr>
+          <a:lstStyle/>
+          <a:p>
+            <a:r>
+              <a:rPr lang="en-US" sz="1600" b="1"/>
+              <a:t>The Swiss Army </a:t>
+            </a:r>
+            <a:r>
+              <a:rPr lang="en-US" sz="1600" b="1" smtClean="0"/>
+              <a:t>Knife of </a:t>
+            </a:r>
+            <a:r>
+              <a:rPr lang="en-US" sz="1600" b="1"/>
+              <a:t>the Workflows</a:t>
+            </a:r>
+          </a:p>
+        </p:txBody>
+      </p:sp>
+      <p:pic>
+        <p:nvPicPr>
+          <p:cNvPr id="3074" name="Picture 2"/>
+          <p:cNvPicPr>
+            <a:picLocks noGrp="1" noChangeAspect="1" noChangeArrowheads="1"/>
+          </p:cNvPicPr>
+          <p:nvPr>
+            <p:ph idx="1"/>
+          </p:nvPr>
+        </p:nvPicPr>
+        <p:blipFill>
+          <a:blip r:embed="rId3">
+            <a:extLst>
+              <a:ext uri="{28A0092B-C50C-407E-A947-70E740481C1C}">
+                <a14:useLocalDpi xmlns:a14="http://schemas.microsoft.com/office/drawing/2010/main" val="0"/>
+              </a:ext>
+            </a:extLst>
+          </a:blip>
+          <a:srcRect/>
+          <a:stretch>
+            <a:fillRect/>
+          </a:stretch>
+        </p:blipFill>
+        <p:spPr bwMode="auto">
+          <a:xfrm>
+            <a:off x="2743200" y="520787"/>
+            <a:ext cx="4611899" cy="6337213"/>
+          </a:xfrm>
+          <a:prstGeom prst="rect">
+            <a:avLst/>
+          </a:prstGeom>
+          <a:noFill/>
+          <a:ln>
+            <a:noFill/>
+          </a:ln>
+          <a:extLst>
+            <a:ext uri="{909E8E84-426E-40DD-AFC4-6F175D3DCCD1}">
+              <a14:hiddenFill xmlns:a14="http://schemas.microsoft.com/office/drawing/2010/main">
+                <a:solidFill>
+                  <a:schemeClr val="accent1"/>
+                </a:solidFill>
+              </a14:hiddenFill>
+            </a:ext>
+            <a:ext uri="{91240B29-F687-4F45-9708-019B960494DF}">
+              <a14:hiddenLine xmlns:a14="http://schemas.microsoft.com/office/drawing/2010/main" w="9525">
+                <a:solidFill>
+                  <a:schemeClr val="tx1"/>
+                </a:solidFill>
+                <a:miter lim="800000"/>
+                <a:headEnd/>
+                <a:tailEnd/>
+              </a14:hiddenLine>
+            </a:ext>
+          </a:extLst>
+        </p:spPr>
+      </p:pic>
+      <p:pic>
+        <p:nvPicPr>
+          <p:cNvPr id="3075" name="Picture 3"/>
+          <p:cNvPicPr>
+            <a:picLocks noChangeAspect="1" noChangeArrowheads="1"/>
+          </p:cNvPicPr>
+          <p:nvPr/>
+        </p:nvPicPr>
+        <p:blipFill>
+          <a:blip r:embed="rId4" cstate="print">
+            <a:extLst>
+              <a:ext uri="{28A0092B-C50C-407E-A947-70E740481C1C}">
+                <a14:useLocalDpi xmlns:a14="http://schemas.microsoft.com/office/drawing/2010/main" val="0"/>
+              </a:ext>
+            </a:extLst>
+          </a:blip>
+          <a:srcRect/>
+          <a:stretch>
+            <a:fillRect/>
+          </a:stretch>
+        </p:blipFill>
+        <p:spPr bwMode="auto">
+          <a:xfrm>
+            <a:off x="7500938" y="457199"/>
+            <a:ext cx="1643062" cy="1538947"/>
+          </a:xfrm>
+          <a:prstGeom prst="rect">
+            <a:avLst/>
+          </a:prstGeom>
+          <a:noFill/>
+          <a:ln>
+            <a:noFill/>
+          </a:ln>
+          <a:extLst>
+            <a:ext uri="{909E8E84-426E-40DD-AFC4-6F175D3DCCD1}">
+              <a14:hiddenFill xmlns:a14="http://schemas.microsoft.com/office/drawing/2010/main">
+                <a:solidFill>
+                  <a:schemeClr val="accent1"/>
+                </a:solidFill>
+              </a14:hiddenFill>
+            </a:ext>
+            <a:ext uri="{91240B29-F687-4F45-9708-019B960494DF}">
+              <a14:hiddenLine xmlns:a14="http://schemas.microsoft.com/office/drawing/2010/main" w="9525">
+                <a:solidFill>
+                  <a:schemeClr val="tx1"/>
+                </a:solidFill>
+                <a:miter lim="800000"/>
+                <a:headEnd/>
+                <a:tailEnd/>
+              </a14:hiddenLine>
+            </a:ext>
+          </a:extLst>
+        </p:spPr>
+      </p:pic>
+      <p:sp>
+        <p:nvSpPr>
+          <p:cNvPr id="4" name="TextBox 3"/>
+          <p:cNvSpPr txBox="1"/>
+          <p:nvPr/>
+        </p:nvSpPr>
+        <p:spPr>
+          <a:xfrm>
+            <a:off x="0" y="457199"/>
+            <a:ext cx="2667000" cy="6186309"/>
+          </a:xfrm>
+          <a:prstGeom prst="rect">
+            <a:avLst/>
+          </a:prstGeom>
+          <a:noFill/>
+        </p:spPr>
+        <p:txBody>
+          <a:bodyPr wrap="square" rtlCol="0">
+            <a:spAutoFit/>
+          </a:bodyPr>
+          <a:lstStyle/>
+          <a:p>
+            <a:r>
+              <a:rPr lang="en-US" b="1" smtClean="0"/>
+              <a:t>It does everything (*)</a:t>
+            </a:r>
+            <a:endParaRPr lang="en-US" sz="1000" b="1" smtClean="0"/>
+          </a:p>
+          <a:p>
+            <a:endParaRPr lang="en-US" smtClean="0"/>
+          </a:p>
+          <a:p>
+            <a:r>
+              <a:rPr lang="en-US" smtClean="0"/>
+              <a:t>You can: </a:t>
+            </a:r>
+          </a:p>
+          <a:p>
+            <a:pPr marL="285750" indent="-285750">
+              <a:buFont typeface="Arial" panose="020B0604020202020204" pitchFamily="34" charset="0"/>
+              <a:buChar char="•"/>
+            </a:pPr>
+            <a:r>
+              <a:rPr lang="en-US" smtClean="0"/>
+              <a:t>pass parameters </a:t>
+            </a:r>
+          </a:p>
+          <a:p>
+            <a:endParaRPr lang="en-US"/>
+          </a:p>
+          <a:p>
+            <a:pPr marL="285750" indent="-285750">
+              <a:buFont typeface="Arial" panose="020B0604020202020204" pitchFamily="34" charset="0"/>
+              <a:buChar char="•"/>
+            </a:pPr>
+            <a:r>
+              <a:rPr lang="en-US" smtClean="0"/>
+              <a:t>insert actions before</a:t>
+            </a:r>
+          </a:p>
+          <a:p>
+            <a:endParaRPr lang="en-US" smtClean="0"/>
+          </a:p>
+          <a:p>
+            <a:pPr marL="285750" indent="-285750">
+              <a:buFont typeface="Arial" panose="020B0604020202020204" pitchFamily="34" charset="0"/>
+              <a:buChar char="•"/>
+            </a:pPr>
+            <a:r>
+              <a:rPr lang="en-US" smtClean="0"/>
+              <a:t>use the magic of the </a:t>
+            </a:r>
+          </a:p>
+          <a:p>
+            <a:r>
+              <a:rPr lang="en-US" smtClean="0"/>
+              <a:t>     foreach -parallel</a:t>
+            </a:r>
+          </a:p>
+          <a:p>
+            <a:endParaRPr lang="en-US" smtClean="0"/>
+          </a:p>
+          <a:p>
+            <a:endParaRPr lang="en-US"/>
+          </a:p>
+          <a:p>
+            <a:endParaRPr lang="en-US" smtClean="0"/>
+          </a:p>
+          <a:p>
+            <a:endParaRPr lang="en-US"/>
+          </a:p>
+          <a:p>
+            <a:endParaRPr lang="en-US" smtClean="0"/>
+          </a:p>
+          <a:p>
+            <a:endParaRPr lang="en-US"/>
+          </a:p>
+          <a:p>
+            <a:endParaRPr lang="en-US" smtClean="0"/>
+          </a:p>
+          <a:p>
+            <a:endParaRPr lang="en-US" smtClean="0"/>
+          </a:p>
+          <a:p>
+            <a:endParaRPr lang="en-US"/>
+          </a:p>
+          <a:p>
+            <a:pPr marL="285750" indent="-285750">
+              <a:buFont typeface="Arial" panose="020B0604020202020204" pitchFamily="34" charset="0"/>
+              <a:buChar char="•"/>
+            </a:pPr>
+            <a:r>
+              <a:rPr lang="en-US" smtClean="0"/>
+              <a:t>insert actions after</a:t>
+            </a:r>
+          </a:p>
+          <a:p>
+            <a:pPr marL="285750" indent="-285750">
+              <a:buFont typeface="Arial" panose="020B0604020202020204" pitchFamily="34" charset="0"/>
+              <a:buChar char="•"/>
+            </a:pPr>
+            <a:endParaRPr lang="en-US"/>
+          </a:p>
+          <a:p>
+            <a:endParaRPr lang="en-US" smtClean="0"/>
+          </a:p>
+          <a:p>
+            <a:r>
+              <a:rPr lang="en-US" sz="1200" b="1" smtClean="0"/>
+              <a:t>(*) ok, almost everything</a:t>
+            </a:r>
+            <a:endParaRPr lang="en-US" sz="1200" b="1"/>
+          </a:p>
+        </p:txBody>
+      </p:sp>
+      <p:sp>
+        <p:nvSpPr>
+          <p:cNvPr id="5" name="Right Arrow 4"/>
+          <p:cNvSpPr/>
+          <p:nvPr/>
+        </p:nvSpPr>
+        <p:spPr>
+          <a:xfrm>
+            <a:off x="2212128" y="1371600"/>
+            <a:ext cx="683472" cy="152400"/>
+          </a:xfrm>
+          <a:prstGeom prst="rightArrow">
+            <a:avLst/>
+          </a:prstGeom>
+        </p:spPr>
+        <p:style>
+          <a:lnRef idx="2">
+            <a:schemeClr val="accent1">
+              <a:shade val="50000"/>
+            </a:schemeClr>
+          </a:lnRef>
+          <a:fillRef idx="1">
+            <a:schemeClr val="accent1"/>
+          </a:fillRef>
+          <a:effectRef idx="0">
+            <a:schemeClr val="accent1"/>
+          </a:effectRef>
+          <a:fontRef idx="minor">
+            <a:schemeClr val="lt1"/>
+          </a:fontRef>
+        </p:style>
+        <p:txBody>
+          <a:bodyPr rtlCol="0" anchor="ctr"/>
+          <a:lstStyle/>
+          <a:p>
+            <a:pPr algn="ctr"/>
+            <a:endParaRPr lang="en-US"/>
+          </a:p>
+        </p:txBody>
+      </p:sp>
+      <p:sp>
+        <p:nvSpPr>
+          <p:cNvPr id="8" name="Right Arrow 7"/>
+          <p:cNvSpPr/>
+          <p:nvPr/>
+        </p:nvSpPr>
+        <p:spPr>
+          <a:xfrm rot="20376711">
+            <a:off x="2325264" y="1790681"/>
+            <a:ext cx="683472" cy="152400"/>
+          </a:xfrm>
+          <a:prstGeom prst="rightArrow">
+            <a:avLst/>
+          </a:prstGeom>
+        </p:spPr>
+        <p:style>
+          <a:lnRef idx="2">
+            <a:schemeClr val="accent1">
+              <a:shade val="50000"/>
+            </a:schemeClr>
+          </a:lnRef>
+          <a:fillRef idx="1">
+            <a:schemeClr val="accent1"/>
+          </a:fillRef>
+          <a:effectRef idx="0">
+            <a:schemeClr val="accent1"/>
+          </a:effectRef>
+          <a:fontRef idx="minor">
+            <a:schemeClr val="lt1"/>
+          </a:fontRef>
+        </p:style>
+        <p:txBody>
+          <a:bodyPr rtlCol="0" anchor="ctr"/>
+          <a:lstStyle/>
+          <a:p>
+            <a:pPr algn="ctr"/>
+            <a:endParaRPr lang="en-US"/>
+          </a:p>
+        </p:txBody>
+      </p:sp>
+      <p:sp>
+        <p:nvSpPr>
+          <p:cNvPr id="9" name="Right Arrow 8"/>
+          <p:cNvSpPr/>
+          <p:nvPr/>
+        </p:nvSpPr>
+        <p:spPr>
+          <a:xfrm>
+            <a:off x="2286000" y="2514600"/>
+            <a:ext cx="683472" cy="152400"/>
+          </a:xfrm>
+          <a:prstGeom prst="rightArrow">
+            <a:avLst/>
+          </a:prstGeom>
+        </p:spPr>
+        <p:style>
+          <a:lnRef idx="2">
+            <a:schemeClr val="accent1">
+              <a:shade val="50000"/>
+            </a:schemeClr>
+          </a:lnRef>
+          <a:fillRef idx="1">
+            <a:schemeClr val="accent1"/>
+          </a:fillRef>
+          <a:effectRef idx="0">
+            <a:schemeClr val="accent1"/>
+          </a:effectRef>
+          <a:fontRef idx="minor">
+            <a:schemeClr val="lt1"/>
+          </a:fontRef>
+        </p:style>
+        <p:txBody>
+          <a:bodyPr rtlCol="0" anchor="ctr"/>
+          <a:lstStyle/>
+          <a:p>
+            <a:pPr algn="ctr"/>
+            <a:endParaRPr lang="en-US"/>
+          </a:p>
+        </p:txBody>
+      </p:sp>
+      <p:sp>
+        <p:nvSpPr>
+          <p:cNvPr id="10" name="Right Arrow 9"/>
+          <p:cNvSpPr/>
+          <p:nvPr/>
+        </p:nvSpPr>
+        <p:spPr>
+          <a:xfrm rot="20534541">
+            <a:off x="2209800" y="5410200"/>
+            <a:ext cx="683472" cy="152400"/>
+          </a:xfrm>
+          <a:prstGeom prst="rightArrow">
+            <a:avLst/>
+          </a:prstGeom>
+        </p:spPr>
+        <p:style>
+          <a:lnRef idx="2">
+            <a:schemeClr val="accent1">
+              <a:shade val="50000"/>
+            </a:schemeClr>
+          </a:lnRef>
+          <a:fillRef idx="1">
+            <a:schemeClr val="accent1"/>
+          </a:fillRef>
+          <a:effectRef idx="0">
+            <a:schemeClr val="accent1"/>
+          </a:effectRef>
+          <a:fontRef idx="minor">
+            <a:schemeClr val="lt1"/>
+          </a:fontRef>
+        </p:style>
+        <p:txBody>
+          <a:bodyPr rtlCol="0" anchor="ctr"/>
+          <a:lstStyle/>
+          <a:p>
+            <a:pPr algn="ctr"/>
+            <a:endParaRPr lang="en-US"/>
+          </a:p>
+        </p:txBody>
+      </p:sp>
+    </p:spTree>
+    <p:extLst>
+      <p:ext uri="{BB962C8B-B14F-4D97-AF65-F5344CB8AC3E}">
+        <p14:creationId xmlns:p14="http://schemas.microsoft.com/office/powerpoint/2010/main" val="3303268102"/>
+      </p:ext>
+    </p:extLst>
+  </p:cSld>
+  <p:clrMapOvr>
+    <a:masterClrMapping/>
+  </p:clrMapOvr>
+</p:sld>
+</file>
+
+<file path=ppt/slides/slide24.xml><?xml version="1.0" encoding="utf-8"?>
+<p:sld xmlns:a="http://schemas.openxmlformats.org/drawingml/2006/main" xmlns:r="http://schemas.openxmlformats.org/officeDocument/2006/relationships" xmlns:p="http://schemas.openxmlformats.org/presentationml/2006/main">
+  <p:cSld>
+    <p:spTree>
+      <p:nvGrpSpPr>
+        <p:cNvPr id="1" name=""/>
+        <p:cNvGrpSpPr/>
+        <p:nvPr/>
+      </p:nvGrpSpPr>
+      <p:grpSpPr>
+        <a:xfrm>
+          <a:off x="0" y="0"/>
+          <a:ext cx="0" cy="0"/>
+          <a:chOff x="0" y="0"/>
+          <a:chExt cx="0" cy="0"/>
+        </a:xfrm>
+      </p:grpSpPr>
+      <p:sp>
+        <p:nvSpPr>
+          <p:cNvPr id="2" name="Title 1"/>
+          <p:cNvSpPr>
+            <a:spLocks noGrp="1"/>
+          </p:cNvSpPr>
+          <p:nvPr>
+            <p:ph type="title"/>
+          </p:nvPr>
+        </p:nvSpPr>
+        <p:spPr>
+          <a:xfrm>
+            <a:off x="457200" y="76200"/>
+            <a:ext cx="8229600" cy="381000"/>
+          </a:xfrm>
+        </p:spPr>
+        <p:txBody>
+          <a:bodyPr>
+            <a:normAutofit/>
+          </a:bodyPr>
+          <a:lstStyle/>
+          <a:p>
+            <a:r>
+              <a:rPr lang="en-US" sz="1600" b="1" smtClean="0"/>
+              <a:t>Preparing conditions for our first workflow</a:t>
+            </a:r>
+            <a:endParaRPr lang="en-US" sz="1600" b="1"/>
+          </a:p>
+        </p:txBody>
+      </p:sp>
+      <p:pic>
+        <p:nvPicPr>
+          <p:cNvPr id="1026" name="Picture 2"/>
+          <p:cNvPicPr>
+            <a:picLocks noGrp="1" noChangeAspect="1" noChangeArrowheads="1"/>
+          </p:cNvPicPr>
+          <p:nvPr>
+            <p:ph idx="1"/>
+          </p:nvPr>
+        </p:nvPicPr>
+        <p:blipFill>
+          <a:blip r:embed="rId3">
+            <a:extLst>
+              <a:ext uri="{28A0092B-C50C-407E-A947-70E740481C1C}">
+                <a14:useLocalDpi xmlns:a14="http://schemas.microsoft.com/office/drawing/2010/main" val="0"/>
+              </a:ext>
+            </a:extLst>
+          </a:blip>
+          <a:srcRect/>
+          <a:stretch>
+            <a:fillRect/>
+          </a:stretch>
+        </p:blipFill>
+        <p:spPr bwMode="auto">
+          <a:xfrm>
+            <a:off x="457200" y="533400"/>
+            <a:ext cx="6934200" cy="3352800"/>
+          </a:xfrm>
+          <a:prstGeom prst="rect">
+            <a:avLst/>
+          </a:prstGeom>
+          <a:noFill/>
+          <a:ln>
+            <a:noFill/>
+          </a:ln>
+          <a:extLst>
+            <a:ext uri="{909E8E84-426E-40DD-AFC4-6F175D3DCCD1}">
+              <a14:hiddenFill xmlns:a14="http://schemas.microsoft.com/office/drawing/2010/main">
+                <a:solidFill>
+                  <a:schemeClr val="accent1"/>
+                </a:solidFill>
+              </a14:hiddenFill>
+            </a:ext>
+            <a:ext uri="{91240B29-F687-4F45-9708-019B960494DF}">
+              <a14:hiddenLine xmlns:a14="http://schemas.microsoft.com/office/drawing/2010/main" w="9525">
+                <a:solidFill>
+                  <a:schemeClr val="tx1"/>
+                </a:solidFill>
+                <a:miter lim="800000"/>
+                <a:headEnd/>
+                <a:tailEnd/>
+              </a14:hiddenLine>
+            </a:ext>
+          </a:extLst>
+        </p:spPr>
+      </p:pic>
+      <p:pic>
+        <p:nvPicPr>
+          <p:cNvPr id="1027" name="Picture 3"/>
+          <p:cNvPicPr>
+            <a:picLocks noChangeAspect="1" noChangeArrowheads="1"/>
+          </p:cNvPicPr>
+          <p:nvPr/>
+        </p:nvPicPr>
+        <p:blipFill>
+          <a:blip r:embed="rId4">
+            <a:extLst>
+              <a:ext uri="{28A0092B-C50C-407E-A947-70E740481C1C}">
+                <a14:useLocalDpi xmlns:a14="http://schemas.microsoft.com/office/drawing/2010/main" val="0"/>
+              </a:ext>
+            </a:extLst>
+          </a:blip>
+          <a:srcRect/>
+          <a:stretch>
+            <a:fillRect/>
+          </a:stretch>
+        </p:blipFill>
+        <p:spPr bwMode="auto">
+          <a:xfrm>
+            <a:off x="457200" y="3974988"/>
+            <a:ext cx="4419600" cy="2883012"/>
+          </a:xfrm>
+          <a:prstGeom prst="rect">
+            <a:avLst/>
+          </a:prstGeom>
+          <a:noFill/>
+          <a:ln>
+            <a:noFill/>
+          </a:ln>
+          <a:extLst>
+            <a:ext uri="{909E8E84-426E-40DD-AFC4-6F175D3DCCD1}">
+              <a14:hiddenFill xmlns:a14="http://schemas.microsoft.com/office/drawing/2010/main">
+                <a:solidFill>
+                  <a:schemeClr val="accent1"/>
+                </a:solidFill>
+              </a14:hiddenFill>
+            </a:ext>
+            <a:ext uri="{91240B29-F687-4F45-9708-019B960494DF}">
+              <a14:hiddenLine xmlns:a14="http://schemas.microsoft.com/office/drawing/2010/main" w="9525">
+                <a:solidFill>
+                  <a:schemeClr val="tx1"/>
+                </a:solidFill>
+                <a:miter lim="800000"/>
+                <a:headEnd/>
+                <a:tailEnd/>
+              </a14:hiddenLine>
+            </a:ext>
+          </a:extLst>
+        </p:spPr>
+      </p:pic>
+      <p:pic>
+        <p:nvPicPr>
+          <p:cNvPr id="1029" name="Picture 5"/>
+          <p:cNvPicPr>
+            <a:picLocks noChangeAspect="1" noChangeArrowheads="1"/>
+          </p:cNvPicPr>
+          <p:nvPr/>
+        </p:nvPicPr>
+        <p:blipFill>
+          <a:blip r:embed="rId5">
+            <a:extLst>
+              <a:ext uri="{28A0092B-C50C-407E-A947-70E740481C1C}">
+                <a14:useLocalDpi xmlns:a14="http://schemas.microsoft.com/office/drawing/2010/main" val="0"/>
+              </a:ext>
+            </a:extLst>
+          </a:blip>
+          <a:srcRect/>
+          <a:stretch>
+            <a:fillRect/>
+          </a:stretch>
+        </p:blipFill>
+        <p:spPr bwMode="auto">
+          <a:xfrm>
+            <a:off x="5410200" y="5334000"/>
+            <a:ext cx="2409825" cy="1352550"/>
+          </a:xfrm>
+          <a:prstGeom prst="rect">
+            <a:avLst/>
+          </a:prstGeom>
+          <a:noFill/>
+          <a:ln>
+            <a:noFill/>
+          </a:ln>
+          <a:extLst>
+            <a:ext uri="{909E8E84-426E-40DD-AFC4-6F175D3DCCD1}">
+              <a14:hiddenFill xmlns:a14="http://schemas.microsoft.com/office/drawing/2010/main">
+                <a:solidFill>
+                  <a:schemeClr val="accent1"/>
+                </a:solidFill>
+              </a14:hiddenFill>
+            </a:ext>
+            <a:ext uri="{91240B29-F687-4F45-9708-019B960494DF}">
+              <a14:hiddenLine xmlns:a14="http://schemas.microsoft.com/office/drawing/2010/main" w="9525">
+                <a:solidFill>
+                  <a:schemeClr val="tx1"/>
+                </a:solidFill>
+                <a:miter lim="800000"/>
+                <a:headEnd/>
+                <a:tailEnd/>
+              </a14:hiddenLine>
+            </a:ext>
+          </a:extLst>
+        </p:spPr>
+      </p:pic>
+      <p:sp>
+        <p:nvSpPr>
+          <p:cNvPr id="5" name="TextBox 4"/>
+          <p:cNvSpPr txBox="1"/>
+          <p:nvPr/>
+        </p:nvSpPr>
+        <p:spPr>
+          <a:xfrm>
+            <a:off x="5091112" y="4038600"/>
+            <a:ext cx="3824288" cy="1200329"/>
+          </a:xfrm>
+          <a:prstGeom prst="rect">
+            <a:avLst/>
+          </a:prstGeom>
+          <a:noFill/>
+        </p:spPr>
+        <p:txBody>
+          <a:bodyPr wrap="square" rtlCol="0">
+            <a:spAutoFit/>
+          </a:bodyPr>
+          <a:lstStyle/>
+          <a:p>
+            <a:r>
+              <a:rPr lang="en-US"/>
+              <a:t>H</a:t>
+            </a:r>
+            <a:r>
+              <a:rPr lang="en-US" smtClean="0"/>
+              <a:t>ere is the Basic_Workflow_CodeBlocks.ps1</a:t>
+            </a:r>
+          </a:p>
+          <a:p>
+            <a:r>
+              <a:rPr lang="en-US" smtClean="0"/>
+              <a:t>where we store all the support functions</a:t>
+            </a:r>
+            <a:endParaRPr lang="en-US"/>
+          </a:p>
+        </p:txBody>
+      </p:sp>
+    </p:spTree>
+    <p:extLst>
+      <p:ext uri="{BB962C8B-B14F-4D97-AF65-F5344CB8AC3E}">
+        <p14:creationId xmlns:p14="http://schemas.microsoft.com/office/powerpoint/2010/main" val="957720874"/>
+      </p:ext>
+    </p:extLst>
+  </p:cSld>
+  <p:clrMapOvr>
+    <a:masterClrMapping/>
+  </p:clrMapOvr>
+</p:sld>
+</file>
+
+<file path=ppt/slides/slide25.xml><?xml version="1.0" encoding="utf-8"?>
+<p:sld xmlns:a="http://schemas.openxmlformats.org/drawingml/2006/main" xmlns:r="http://schemas.openxmlformats.org/officeDocument/2006/relationships" xmlns:p="http://schemas.openxmlformats.org/presentationml/2006/main">
+  <p:cSld>
+    <p:spTree>
+      <p:nvGrpSpPr>
+        <p:cNvPr id="1" name=""/>
+        <p:cNvGrpSpPr/>
+        <p:nvPr/>
+      </p:nvGrpSpPr>
+      <p:grpSpPr>
+        <a:xfrm>
+          <a:off x="0" y="0"/>
+          <a:ext cx="0" cy="0"/>
+          <a:chOff x="0" y="0"/>
+          <a:chExt cx="0" cy="0"/>
+        </a:xfrm>
+      </p:grpSpPr>
+      <p:sp>
+        <p:nvSpPr>
+          <p:cNvPr id="2" name="Title 1"/>
+          <p:cNvSpPr>
+            <a:spLocks noGrp="1"/>
+          </p:cNvSpPr>
+          <p:nvPr>
+            <p:ph type="title"/>
+          </p:nvPr>
+        </p:nvSpPr>
+        <p:spPr>
+          <a:xfrm>
+            <a:off x="457200" y="274638"/>
+            <a:ext cx="8229600" cy="334962"/>
+          </a:xfrm>
+        </p:spPr>
+        <p:txBody>
+          <a:bodyPr>
+            <a:noAutofit/>
+          </a:bodyPr>
+          <a:lstStyle/>
+          <a:p>
+            <a:r>
+              <a:rPr lang="en-US" sz="1600" b="1" smtClean="0"/>
+              <a:t>Our first workflow program , first screen</a:t>
+            </a:r>
+            <a:endParaRPr lang="en-US" sz="1600" b="1"/>
+          </a:p>
+        </p:txBody>
+      </p:sp>
+      <p:pic>
+        <p:nvPicPr>
+          <p:cNvPr id="2050" name="Picture 2"/>
+          <p:cNvPicPr>
+            <a:picLocks noGrp="1" noChangeAspect="1" noChangeArrowheads="1"/>
+          </p:cNvPicPr>
+          <p:nvPr>
+            <p:ph idx="1"/>
+          </p:nvPr>
+        </p:nvPicPr>
+        <p:blipFill>
+          <a:blip r:embed="rId3">
+            <a:extLst>
+              <a:ext uri="{28A0092B-C50C-407E-A947-70E740481C1C}">
+                <a14:useLocalDpi xmlns:a14="http://schemas.microsoft.com/office/drawing/2010/main" val="0"/>
+              </a:ext>
+            </a:extLst>
+          </a:blip>
+          <a:srcRect/>
+          <a:stretch>
+            <a:fillRect/>
+          </a:stretch>
+        </p:blipFill>
+        <p:spPr bwMode="auto">
+          <a:xfrm>
+            <a:off x="500264" y="685801"/>
+            <a:ext cx="7717906" cy="6185616"/>
+          </a:xfrm>
+          <a:prstGeom prst="rect">
+            <a:avLst/>
+          </a:prstGeom>
+          <a:noFill/>
+          <a:ln>
+            <a:noFill/>
+          </a:ln>
+          <a:extLst>
+            <a:ext uri="{909E8E84-426E-40DD-AFC4-6F175D3DCCD1}">
+              <a14:hiddenFill xmlns:a14="http://schemas.microsoft.com/office/drawing/2010/main">
+                <a:solidFill>
+                  <a:schemeClr val="accent1"/>
+                </a:solidFill>
+              </a14:hiddenFill>
+            </a:ext>
+            <a:ext uri="{91240B29-F687-4F45-9708-019B960494DF}">
+              <a14:hiddenLine xmlns:a14="http://schemas.microsoft.com/office/drawing/2010/main" w="9525">
+                <a:solidFill>
+                  <a:schemeClr val="tx1"/>
+                </a:solidFill>
+                <a:miter lim="800000"/>
+                <a:headEnd/>
+                <a:tailEnd/>
+              </a14:hiddenLine>
+            </a:ext>
+          </a:extLst>
+        </p:spPr>
+      </p:pic>
+    </p:spTree>
+    <p:extLst>
+      <p:ext uri="{BB962C8B-B14F-4D97-AF65-F5344CB8AC3E}">
+        <p14:creationId xmlns:p14="http://schemas.microsoft.com/office/powerpoint/2010/main" val="2685123197"/>
+      </p:ext>
+    </p:extLst>
+  </p:cSld>
+  <p:clrMapOvr>
+    <a:masterClrMapping/>
+  </p:clrMapOvr>
+</p:sld>
+</file>
+
+<file path=ppt/slides/slide26.xml><?xml version="1.0" encoding="utf-8"?>
+<p:sld xmlns:a="http://schemas.openxmlformats.org/drawingml/2006/main" xmlns:r="http://schemas.openxmlformats.org/officeDocument/2006/relationships" xmlns:p="http://schemas.openxmlformats.org/presentationml/2006/main">
+  <p:cSld>
+    <p:spTree>
+      <p:nvGrpSpPr>
+        <p:cNvPr id="1" name=""/>
+        <p:cNvGrpSpPr/>
+        <p:nvPr/>
+      </p:nvGrpSpPr>
+      <p:grpSpPr>
+        <a:xfrm>
+          <a:off x="0" y="0"/>
+          <a:ext cx="0" cy="0"/>
+          <a:chOff x="0" y="0"/>
+          <a:chExt cx="0" cy="0"/>
+        </a:xfrm>
+      </p:grpSpPr>
+      <p:sp>
+        <p:nvSpPr>
+          <p:cNvPr id="2" name="Title 1"/>
+          <p:cNvSpPr>
+            <a:spLocks noGrp="1"/>
+          </p:cNvSpPr>
+          <p:nvPr>
+            <p:ph type="title"/>
+          </p:nvPr>
+        </p:nvSpPr>
+        <p:spPr>
+          <a:xfrm>
+            <a:off x="457200" y="274638"/>
+            <a:ext cx="8229600" cy="334962"/>
+          </a:xfrm>
+        </p:spPr>
+        <p:txBody>
+          <a:bodyPr>
+            <a:normAutofit fontScale="90000"/>
+          </a:bodyPr>
+          <a:lstStyle/>
+          <a:p>
+            <a:r>
+              <a:rPr lang="en-US" sz="1600" b="1"/>
+              <a:t>Our first workflow program , </a:t>
+            </a:r>
+            <a:r>
+              <a:rPr lang="en-US" sz="1600" b="1" smtClean="0"/>
+              <a:t>second </a:t>
+            </a:r>
+            <a:r>
+              <a:rPr lang="en-US" sz="1600" b="1"/>
+              <a:t>screen</a:t>
+            </a:r>
+            <a:endParaRPr lang="en-US" sz="1600"/>
+          </a:p>
+        </p:txBody>
+      </p:sp>
+      <p:pic>
+        <p:nvPicPr>
+          <p:cNvPr id="3074" name="Picture 2"/>
+          <p:cNvPicPr>
+            <a:picLocks noGrp="1" noChangeAspect="1" noChangeArrowheads="1"/>
+          </p:cNvPicPr>
+          <p:nvPr>
+            <p:ph idx="1"/>
+          </p:nvPr>
+        </p:nvPicPr>
+        <p:blipFill>
+          <a:blip r:embed="rId3">
+            <a:extLst>
+              <a:ext uri="{28A0092B-C50C-407E-A947-70E740481C1C}">
+                <a14:useLocalDpi xmlns:a14="http://schemas.microsoft.com/office/drawing/2010/main" val="0"/>
+              </a:ext>
+            </a:extLst>
+          </a:blip>
+          <a:srcRect/>
+          <a:stretch>
+            <a:fillRect/>
+          </a:stretch>
+        </p:blipFill>
+        <p:spPr bwMode="auto">
+          <a:xfrm>
+            <a:off x="533400" y="1066800"/>
+            <a:ext cx="8242488" cy="4145121"/>
+          </a:xfrm>
+          <a:prstGeom prst="rect">
+            <a:avLst/>
+          </a:prstGeom>
+          <a:noFill/>
+          <a:ln>
+            <a:noFill/>
+          </a:ln>
+          <a:extLst>
+            <a:ext uri="{909E8E84-426E-40DD-AFC4-6F175D3DCCD1}">
+              <a14:hiddenFill xmlns:a14="http://schemas.microsoft.com/office/drawing/2010/main">
+                <a:solidFill>
+                  <a:schemeClr val="accent1"/>
+                </a:solidFill>
+              </a14:hiddenFill>
+            </a:ext>
+            <a:ext uri="{91240B29-F687-4F45-9708-019B960494DF}">
+              <a14:hiddenLine xmlns:a14="http://schemas.microsoft.com/office/drawing/2010/main" w="9525">
+                <a:solidFill>
+                  <a:schemeClr val="tx1"/>
+                </a:solidFill>
+                <a:miter lim="800000"/>
+                <a:headEnd/>
+                <a:tailEnd/>
+              </a14:hiddenLine>
+            </a:ext>
+          </a:extLst>
+        </p:spPr>
+      </p:pic>
+      <p:sp>
+        <p:nvSpPr>
+          <p:cNvPr id="4" name="TextBox 3"/>
+          <p:cNvSpPr txBox="1"/>
+          <p:nvPr/>
+        </p:nvSpPr>
+        <p:spPr>
+          <a:xfrm>
+            <a:off x="46055" y="5288340"/>
+            <a:ext cx="8991600" cy="1569660"/>
+          </a:xfrm>
+          <a:prstGeom prst="rect">
+            <a:avLst/>
+          </a:prstGeom>
+          <a:noFill/>
+        </p:spPr>
+        <p:txBody>
+          <a:bodyPr wrap="square" rtlCol="0">
+            <a:spAutoFit/>
+          </a:bodyPr>
+          <a:lstStyle/>
+          <a:p>
+            <a:r>
+              <a:rPr lang="en-US" sz="1400" b="1" smtClean="0"/>
+              <a:t>We change into C</a:t>
+            </a:r>
+            <a:r>
+              <a:rPr lang="en-US" sz="1400" b="1"/>
+              <a:t>:\</a:t>
+            </a:r>
+            <a:r>
+              <a:rPr lang="en-US" sz="1400" b="1" smtClean="0"/>
+              <a:t>CODECAMP, where we have our cmd file Basic_Work.cmd</a:t>
+            </a:r>
+          </a:p>
+          <a:p>
+            <a:r>
+              <a:rPr lang="en-US" sz="1400" b="1" smtClean="0"/>
+              <a:t>, which looks like this</a:t>
+            </a:r>
+          </a:p>
+          <a:p>
+            <a:endParaRPr lang="en-US" sz="1400" smtClean="0"/>
+          </a:p>
+          <a:p>
+            <a:r>
+              <a:rPr lang="en-US" smtClean="0"/>
+              <a:t>powershell </a:t>
+            </a:r>
+            <a:r>
+              <a:rPr lang="en-US"/>
+              <a:t>C:\</a:t>
+            </a:r>
+            <a:r>
+              <a:rPr lang="en-US" smtClean="0"/>
+              <a:t>CODECAMP\Basic_Workflow.ps1 &gt; </a:t>
+            </a:r>
+            <a:r>
+              <a:rPr lang="en-US"/>
+              <a:t>C:\</a:t>
+            </a:r>
+            <a:r>
+              <a:rPr lang="en-US" smtClean="0"/>
+              <a:t>CODECAMP\Basic_Workflow.out</a:t>
+            </a:r>
+          </a:p>
+          <a:p>
+            <a:endParaRPr lang="en-US" smtClean="0"/>
+          </a:p>
+          <a:p>
+            <a:r>
+              <a:rPr lang="en-US" smtClean="0"/>
+              <a:t>and we execute it ...</a:t>
+            </a:r>
+            <a:endParaRPr lang="en-US"/>
+          </a:p>
+        </p:txBody>
+      </p:sp>
+    </p:spTree>
+    <p:extLst>
+      <p:ext uri="{BB962C8B-B14F-4D97-AF65-F5344CB8AC3E}">
+        <p14:creationId xmlns:p14="http://schemas.microsoft.com/office/powerpoint/2010/main" val="3778982026"/>
+      </p:ext>
+    </p:extLst>
+  </p:cSld>
+  <p:clrMapOvr>
+    <a:masterClrMapping/>
+  </p:clrMapOvr>
+</p:sld>
+</file>
+
+<file path=ppt/slides/slide27.xml><?xml version="1.0" encoding="utf-8"?>
+<p:sld xmlns:a="http://schemas.openxmlformats.org/drawingml/2006/main" xmlns:r="http://schemas.openxmlformats.org/officeDocument/2006/relationships" xmlns:p="http://schemas.openxmlformats.org/presentationml/2006/main">
+  <p:cSld>
+    <p:spTree>
+      <p:nvGrpSpPr>
+        <p:cNvPr id="1" name=""/>
+        <p:cNvGrpSpPr/>
+        <p:nvPr/>
+      </p:nvGrpSpPr>
+      <p:grpSpPr>
+        <a:xfrm>
+          <a:off x="0" y="0"/>
+          <a:ext cx="0" cy="0"/>
+          <a:chOff x="0" y="0"/>
+          <a:chExt cx="0" cy="0"/>
+        </a:xfrm>
+      </p:grpSpPr>
+      <p:sp>
+        <p:nvSpPr>
+          <p:cNvPr id="2" name="Title 1"/>
+          <p:cNvSpPr>
+            <a:spLocks noGrp="1"/>
+          </p:cNvSpPr>
+          <p:nvPr>
+            <p:ph type="title"/>
+          </p:nvPr>
+        </p:nvSpPr>
+        <p:spPr>
+          <a:xfrm>
+            <a:off x="457200" y="76200"/>
+            <a:ext cx="8229600" cy="304800"/>
+          </a:xfrm>
+        </p:spPr>
+        <p:txBody>
+          <a:bodyPr>
+            <a:normAutofit fontScale="90000"/>
+          </a:bodyPr>
+          <a:lstStyle/>
+          <a:p>
+            <a:r>
+              <a:rPr lang="en-US" sz="1600" b="1" smtClean="0"/>
+              <a:t>And here we see the output </a:t>
+            </a:r>
+            <a:r>
+              <a:rPr lang="en-US" sz="1600" b="1" smtClean="0"/>
+              <a:t>produced, chatty output helps the newbie</a:t>
+            </a:r>
+            <a:endParaRPr lang="en-US" sz="1600" b="1"/>
+          </a:p>
+        </p:txBody>
+      </p:sp>
+      <p:sp>
+        <p:nvSpPr>
+          <p:cNvPr id="3" name="Content Placeholder 2"/>
+          <p:cNvSpPr>
+            <a:spLocks noGrp="1"/>
+          </p:cNvSpPr>
+          <p:nvPr>
+            <p:ph idx="1"/>
+          </p:nvPr>
+        </p:nvSpPr>
+        <p:spPr>
+          <a:xfrm>
+            <a:off x="0" y="457200"/>
+            <a:ext cx="8229600" cy="5638800"/>
+          </a:xfrm>
+        </p:spPr>
+        <p:txBody>
+          <a:bodyPr>
+            <a:noAutofit/>
+          </a:bodyPr>
+          <a:lstStyle/>
+          <a:p>
+            <a:pPr marL="0" indent="0">
+              <a:buNone/>
+            </a:pPr>
+            <a:r>
+              <a:rPr lang="en-US" sz="1000" b="1"/>
+              <a:t>Now the workflow runs, calling this line: RunTasks -computers computer1, computer2, etc</a:t>
+            </a:r>
+          </a:p>
+          <a:p>
+            <a:pPr marL="0" indent="0">
+              <a:buNone/>
+            </a:pPr>
+            <a:r>
+              <a:rPr lang="en-US" sz="1000" b="1"/>
+              <a:t>------workflow starts------------------------ </a:t>
+            </a:r>
+          </a:p>
+          <a:p>
+            <a:pPr marL="0" indent="0">
+              <a:buNone/>
+            </a:pPr>
+            <a:r>
+              <a:rPr lang="en-US" sz="1000" b="1"/>
+              <a:t>Task before the parallel process - delete existing csv files</a:t>
+            </a:r>
+          </a:p>
+          <a:p>
+            <a:pPr marL="0" indent="0">
+              <a:buNone/>
+            </a:pPr>
+            <a:r>
+              <a:rPr lang="en-US" sz="1000" b="1"/>
+              <a:t>Started parallel process - saving db data in files</a:t>
+            </a:r>
+          </a:p>
+          <a:p>
+            <a:pPr marL="0" indent="0">
+              <a:buNone/>
+            </a:pPr>
+            <a:r>
+              <a:rPr lang="en-US" sz="1000" b="1"/>
+              <a:t>computer:CCLDEVSQL4\DEVSQL2|AdventureWorks2008R2_C</a:t>
+            </a:r>
+          </a:p>
+          <a:p>
+            <a:pPr marL="0" indent="0">
+              <a:buNone/>
+            </a:pPr>
+            <a:r>
+              <a:rPr lang="en-US" sz="1000" b="1"/>
+              <a:t>computer:CCLDEVSQL4\DEVSQL2|AdventureWorks2008R2_B</a:t>
+            </a:r>
+          </a:p>
+          <a:p>
+            <a:pPr marL="0" indent="0">
+              <a:buNone/>
+            </a:pPr>
+            <a:r>
+              <a:rPr lang="en-US" sz="1000" b="1"/>
+              <a:t>computer:CCLDEVSQL4\DEVSQL2|AdventureWorks2008R2_A</a:t>
+            </a:r>
+          </a:p>
+          <a:p>
+            <a:pPr marL="0" indent="0">
+              <a:buNone/>
+            </a:pPr>
+            <a:r>
+              <a:rPr lang="en-US" sz="1000" b="1" smtClean="0"/>
+              <a:t>computer:CCLDEVSQL4\DEVSQL2|AdventureWorks2008R2</a:t>
+            </a:r>
+            <a:endParaRPr lang="en-US" sz="1000" b="1"/>
+          </a:p>
+          <a:p>
+            <a:pPr marL="0" indent="0">
+              <a:buNone/>
+            </a:pPr>
+            <a:r>
+              <a:rPr lang="en-US" sz="1000" b="1" smtClean="0"/>
+              <a:t>Compressing </a:t>
+            </a:r>
+            <a:r>
+              <a:rPr lang="en-US" sz="1000" b="1"/>
+              <a:t>files in C:\CODECAMP</a:t>
+            </a:r>
+            <a:r>
+              <a:rPr lang="en-US" sz="1000" b="1" smtClean="0"/>
+              <a:t>\</a:t>
+            </a:r>
+            <a:endParaRPr lang="en-US" sz="1000" b="1"/>
+          </a:p>
+          <a:p>
+            <a:pPr marL="0" indent="0">
+              <a:buNone/>
+            </a:pPr>
+            <a:r>
+              <a:rPr lang="en-US" sz="1000" b="1"/>
+              <a:t>CCLDEVSQL4-DEVSQL2-AdventureWorks2008R2_C.csv  13884824 :   5206016 = 2.7 to 1 [OK]</a:t>
+            </a:r>
+          </a:p>
+          <a:p>
+            <a:pPr marL="0" indent="0">
+              <a:buNone/>
+            </a:pPr>
+            <a:r>
+              <a:rPr lang="en-US" sz="1000" b="1" smtClean="0"/>
+              <a:t>1 </a:t>
+            </a:r>
+            <a:r>
+              <a:rPr lang="en-US" sz="1000" b="1"/>
+              <a:t>files within 1 directories were compressed.</a:t>
+            </a:r>
+          </a:p>
+          <a:p>
+            <a:pPr marL="0" indent="0">
+              <a:buNone/>
+            </a:pPr>
+            <a:r>
+              <a:rPr lang="en-US" sz="1000" b="1"/>
+              <a:t>13,884,824 total bytes of data are stored in 5,206,016 bytes.</a:t>
+            </a:r>
+          </a:p>
+          <a:p>
+            <a:pPr marL="0" indent="0">
+              <a:buNone/>
+            </a:pPr>
+            <a:r>
+              <a:rPr lang="en-US" sz="1000" b="1"/>
+              <a:t>The compression ratio is 2.7 to 1.</a:t>
+            </a:r>
+          </a:p>
+          <a:p>
+            <a:pPr marL="0" indent="0">
+              <a:buNone/>
+            </a:pPr>
+            <a:r>
+              <a:rPr lang="en-US" sz="1000" b="1" smtClean="0"/>
+              <a:t>Compressing </a:t>
+            </a:r>
+            <a:r>
+              <a:rPr lang="en-US" sz="1000" b="1"/>
+              <a:t>files in C:\CODECAMP\</a:t>
+            </a:r>
+          </a:p>
+          <a:p>
+            <a:pPr marL="0" indent="0">
+              <a:buNone/>
+            </a:pPr>
+            <a:r>
+              <a:rPr lang="en-US" sz="1000" b="1" smtClean="0"/>
+              <a:t>Compressing </a:t>
+            </a:r>
+            <a:r>
+              <a:rPr lang="en-US" sz="1000" b="1"/>
+              <a:t>files in C:\CODECAMP\</a:t>
+            </a:r>
+          </a:p>
+          <a:p>
+            <a:pPr marL="0" indent="0">
+              <a:buNone/>
+            </a:pPr>
+            <a:r>
+              <a:rPr lang="en-US" sz="1000" b="1" smtClean="0"/>
+              <a:t>CCLDEVSQL4-DEVSQL2-AdventureWorks2008R2_B.csv  </a:t>
+            </a:r>
+            <a:r>
+              <a:rPr lang="en-US" sz="1000" b="1"/>
+              <a:t>13884824 :   5206016 = 2.7 to 1 [OK]</a:t>
+            </a:r>
+          </a:p>
+          <a:p>
+            <a:pPr marL="0" indent="0">
+              <a:buNone/>
+            </a:pPr>
+            <a:r>
+              <a:rPr lang="en-US" sz="1000" b="1" smtClean="0"/>
+              <a:t>1 </a:t>
+            </a:r>
+            <a:r>
+              <a:rPr lang="en-US" sz="1000" b="1"/>
+              <a:t>files within 1 directories were compressed.</a:t>
+            </a:r>
+          </a:p>
+          <a:p>
+            <a:pPr marL="0" indent="0">
+              <a:buNone/>
+            </a:pPr>
+            <a:r>
+              <a:rPr lang="en-US" sz="1000" b="1"/>
+              <a:t>13,884,824 total bytes of data are stored in 5,206,016 bytes.</a:t>
+            </a:r>
+          </a:p>
+          <a:p>
+            <a:pPr marL="0" indent="0">
+              <a:buNone/>
+            </a:pPr>
+            <a:r>
+              <a:rPr lang="en-US" sz="1000" b="1"/>
+              <a:t>The compression ratio is 2.7 to 1.</a:t>
+            </a:r>
+          </a:p>
+          <a:p>
+            <a:pPr marL="0" indent="0">
+              <a:buNone/>
+            </a:pPr>
+            <a:r>
+              <a:rPr lang="en-US" sz="1000" b="1"/>
+              <a:t>CCLDEVSQL4-DEVSQL2-AdventureWorks2008R2_A.csv  13884824 :   5206016 = 2.7 to 1 [OK]</a:t>
+            </a:r>
+          </a:p>
+          <a:p>
+            <a:pPr marL="0" indent="0">
+              <a:buNone/>
+            </a:pPr>
+            <a:r>
+              <a:rPr lang="en-US" sz="1000" b="1" smtClean="0"/>
+              <a:t>1 </a:t>
+            </a:r>
+            <a:r>
+              <a:rPr lang="en-US" sz="1000" b="1"/>
+              <a:t>files within 1 directories were compressed.</a:t>
+            </a:r>
+          </a:p>
+          <a:p>
+            <a:pPr marL="0" indent="0">
+              <a:buNone/>
+            </a:pPr>
+            <a:r>
+              <a:rPr lang="en-US" sz="1000" b="1"/>
+              <a:t>13,884,824 total bytes of data are stored in 5,206,016 bytes.</a:t>
+            </a:r>
+          </a:p>
+          <a:p>
+            <a:pPr marL="0" indent="0">
+              <a:buNone/>
+            </a:pPr>
+            <a:r>
+              <a:rPr lang="en-US" sz="1000" b="1"/>
+              <a:t>The compression ratio is 2.7 to 1.</a:t>
+            </a:r>
+          </a:p>
+          <a:p>
+            <a:pPr marL="0" indent="0">
+              <a:buNone/>
+            </a:pPr>
+            <a:r>
+              <a:rPr lang="en-US" sz="1000" b="1" smtClean="0"/>
+              <a:t>Compressing </a:t>
+            </a:r>
+            <a:r>
+              <a:rPr lang="en-US" sz="1000" b="1"/>
+              <a:t>files in C:\CODECAMP\</a:t>
+            </a:r>
+          </a:p>
+          <a:p>
+            <a:pPr marL="0" indent="0">
+              <a:buNone/>
+            </a:pPr>
+            <a:r>
+              <a:rPr lang="en-US" sz="1000" b="1" smtClean="0"/>
+              <a:t>CCLDEVSQL4-DEVSQL2-AdventureWorks2008R2.csv  </a:t>
+            </a:r>
+            <a:r>
+              <a:rPr lang="en-US" sz="1000" b="1"/>
+              <a:t>13884824 :   5206016 = 2.7 to 1 [OK]</a:t>
+            </a:r>
+          </a:p>
+          <a:p>
+            <a:pPr marL="0" indent="0">
+              <a:buNone/>
+            </a:pPr>
+            <a:r>
+              <a:rPr lang="en-US" sz="1000" b="1" smtClean="0"/>
+              <a:t>1 </a:t>
+            </a:r>
+            <a:r>
+              <a:rPr lang="en-US" sz="1000" b="1"/>
+              <a:t>files within 1 directories were compressed.</a:t>
+            </a:r>
+          </a:p>
+          <a:p>
+            <a:pPr marL="0" indent="0">
+              <a:buNone/>
+            </a:pPr>
+            <a:r>
+              <a:rPr lang="en-US" sz="1000" b="1"/>
+              <a:t>13,884,824 total bytes of data are stored in 5,206,016 bytes.</a:t>
+            </a:r>
+          </a:p>
+          <a:p>
+            <a:pPr marL="0" indent="0">
+              <a:buNone/>
+            </a:pPr>
+            <a:r>
+              <a:rPr lang="en-US" sz="1000" b="1"/>
+              <a:t>The compression ratio is 2.7 to 1.</a:t>
+            </a:r>
+          </a:p>
+          <a:p>
+            <a:pPr marL="0" indent="0">
+              <a:buNone/>
+            </a:pPr>
+            <a:r>
+              <a:rPr lang="en-US" sz="1000" b="1"/>
+              <a:t>Final tasks workflow - emailing report</a:t>
+            </a:r>
+          </a:p>
+          <a:p>
+            <a:pPr marL="0" indent="0">
+              <a:buNone/>
+            </a:pPr>
+            <a:r>
+              <a:rPr lang="en-US" sz="1000" b="1"/>
+              <a:t>------workflow ends--------------------------</a:t>
+            </a:r>
+          </a:p>
+        </p:txBody>
+      </p:sp>
+      <p:pic>
+        <p:nvPicPr>
+          <p:cNvPr id="4098" name="Picture 2"/>
+          <p:cNvPicPr>
+            <a:picLocks noChangeAspect="1" noChangeArrowheads="1"/>
+          </p:cNvPicPr>
+          <p:nvPr/>
+        </p:nvPicPr>
+        <p:blipFill>
+          <a:blip r:embed="rId3">
+            <a:extLst>
+              <a:ext uri="{28A0092B-C50C-407E-A947-70E740481C1C}">
+                <a14:useLocalDpi xmlns:a14="http://schemas.microsoft.com/office/drawing/2010/main" val="0"/>
+              </a:ext>
+            </a:extLst>
+          </a:blip>
+          <a:srcRect/>
+          <a:stretch>
+            <a:fillRect/>
+          </a:stretch>
+        </p:blipFill>
+        <p:spPr bwMode="auto">
+          <a:xfrm>
+            <a:off x="5085617" y="457200"/>
+            <a:ext cx="4029075" cy="2114550"/>
+          </a:xfrm>
+          <a:prstGeom prst="rect">
+            <a:avLst/>
+          </a:prstGeom>
+          <a:noFill/>
+          <a:ln>
+            <a:noFill/>
+          </a:ln>
+          <a:extLst>
+            <a:ext uri="{909E8E84-426E-40DD-AFC4-6F175D3DCCD1}">
+              <a14:hiddenFill xmlns:a14="http://schemas.microsoft.com/office/drawing/2010/main">
+                <a:solidFill>
+                  <a:schemeClr val="accent1"/>
+                </a:solidFill>
+              </a14:hiddenFill>
+            </a:ext>
+            <a:ext uri="{91240B29-F687-4F45-9708-019B960494DF}">
+              <a14:hiddenLine xmlns:a14="http://schemas.microsoft.com/office/drawing/2010/main" w="9525">
+                <a:solidFill>
+                  <a:schemeClr val="tx1"/>
+                </a:solidFill>
+                <a:miter lim="800000"/>
+                <a:headEnd/>
+                <a:tailEnd/>
+              </a14:hiddenLine>
+            </a:ext>
+          </a:extLst>
+        </p:spPr>
+      </p:pic>
+      <p:pic>
+        <p:nvPicPr>
+          <p:cNvPr id="1026" name="Picture 2"/>
+          <p:cNvPicPr>
+            <a:picLocks noChangeAspect="1" noChangeArrowheads="1"/>
+          </p:cNvPicPr>
+          <p:nvPr/>
+        </p:nvPicPr>
+        <p:blipFill>
+          <a:blip r:embed="rId4">
+            <a:extLst>
+              <a:ext uri="{28A0092B-C50C-407E-A947-70E740481C1C}">
+                <a14:useLocalDpi xmlns:a14="http://schemas.microsoft.com/office/drawing/2010/main" val="0"/>
+              </a:ext>
+            </a:extLst>
+          </a:blip>
+          <a:srcRect/>
+          <a:stretch>
+            <a:fillRect/>
+          </a:stretch>
+        </p:blipFill>
+        <p:spPr bwMode="auto">
+          <a:xfrm>
+            <a:off x="5085617" y="2895600"/>
+            <a:ext cx="4011490" cy="1695450"/>
+          </a:xfrm>
+          <a:prstGeom prst="rect">
+            <a:avLst/>
+          </a:prstGeom>
+          <a:noFill/>
+          <a:ln>
+            <a:noFill/>
+          </a:ln>
+          <a:extLst>
+            <a:ext uri="{909E8E84-426E-40DD-AFC4-6F175D3DCCD1}">
+              <a14:hiddenFill xmlns:a14="http://schemas.microsoft.com/office/drawing/2010/main">
+                <a:solidFill>
+                  <a:schemeClr val="accent1"/>
+                </a:solidFill>
+              </a14:hiddenFill>
+            </a:ext>
+            <a:ext uri="{91240B29-F687-4F45-9708-019B960494DF}">
+              <a14:hiddenLine xmlns:a14="http://schemas.microsoft.com/office/drawing/2010/main" w="9525">
+                <a:solidFill>
+                  <a:schemeClr val="tx1"/>
+                </a:solidFill>
+                <a:miter lim="800000"/>
+                <a:headEnd/>
+                <a:tailEnd/>
+              </a14:hiddenLine>
+            </a:ext>
+          </a:extLst>
+        </p:spPr>
+      </p:pic>
+      <p:pic>
+        <p:nvPicPr>
+          <p:cNvPr id="1027" name="Picture 3"/>
+          <p:cNvPicPr>
+            <a:picLocks noChangeAspect="1" noChangeArrowheads="1"/>
+          </p:cNvPicPr>
+          <p:nvPr/>
+        </p:nvPicPr>
+        <p:blipFill>
+          <a:blip r:embed="rId5">
+            <a:extLst>
+              <a:ext uri="{28A0092B-C50C-407E-A947-70E740481C1C}">
+                <a14:useLocalDpi xmlns:a14="http://schemas.microsoft.com/office/drawing/2010/main" val="0"/>
+              </a:ext>
+            </a:extLst>
+          </a:blip>
+          <a:srcRect/>
+          <a:stretch>
+            <a:fillRect/>
+          </a:stretch>
+        </p:blipFill>
+        <p:spPr bwMode="auto">
+          <a:xfrm>
+            <a:off x="1524000" y="4876800"/>
+            <a:ext cx="7315200" cy="1964453"/>
+          </a:xfrm>
+          <a:prstGeom prst="rect">
+            <a:avLst/>
+          </a:prstGeom>
+          <a:noFill/>
+          <a:ln>
+            <a:noFill/>
+          </a:ln>
+          <a:extLst>
+            <a:ext uri="{909E8E84-426E-40DD-AFC4-6F175D3DCCD1}">
+              <a14:hiddenFill xmlns:a14="http://schemas.microsoft.com/office/drawing/2010/main">
+                <a:solidFill>
+                  <a:schemeClr val="accent1"/>
+                </a:solidFill>
+              </a14:hiddenFill>
+            </a:ext>
+            <a:ext uri="{91240B29-F687-4F45-9708-019B960494DF}">
+              <a14:hiddenLine xmlns:a14="http://schemas.microsoft.com/office/drawing/2010/main" w="9525">
+                <a:solidFill>
+                  <a:schemeClr val="tx1"/>
+                </a:solidFill>
+                <a:miter lim="800000"/>
+                <a:headEnd/>
+                <a:tailEnd/>
+              </a14:hiddenLine>
+            </a:ext>
+          </a:extLst>
+        </p:spPr>
+      </p:pic>
+    </p:spTree>
+    <p:extLst>
+      <p:ext uri="{BB962C8B-B14F-4D97-AF65-F5344CB8AC3E}">
+        <p14:creationId xmlns:p14="http://schemas.microsoft.com/office/powerpoint/2010/main" val="1703630302"/>
+      </p:ext>
+    </p:extLst>
+  </p:cSld>
+  <p:clrMapOvr>
+    <a:masterClrMapping/>
+  </p:clrMapOvr>
+</p:sld>
+</file>
+
+<file path=ppt/slides/slide28.xml><?xml version="1.0" encoding="utf-8"?>
+<p:sld xmlns:a="http://schemas.openxmlformats.org/drawingml/2006/main" xmlns:r="http://schemas.openxmlformats.org/officeDocument/2006/relationships" xmlns:p="http://schemas.openxmlformats.org/presentationml/2006/main">
+  <p:cSld>
+    <p:spTree>
+      <p:nvGrpSpPr>
+        <p:cNvPr id="1" name=""/>
+        <p:cNvGrpSpPr/>
+        <p:nvPr/>
+      </p:nvGrpSpPr>
+      <p:grpSpPr>
+        <a:xfrm>
+          <a:off x="0" y="0"/>
+          <a:ext cx="0" cy="0"/>
+          <a:chOff x="0" y="0"/>
+          <a:chExt cx="0" cy="0"/>
+        </a:xfrm>
+      </p:grpSpPr>
+      <p:sp>
+        <p:nvSpPr>
+          <p:cNvPr id="2" name="Title 1"/>
+          <p:cNvSpPr>
+            <a:spLocks noGrp="1"/>
+          </p:cNvSpPr>
+          <p:nvPr>
+            <p:ph type="title"/>
+          </p:nvPr>
+        </p:nvSpPr>
+        <p:spPr>
+          <a:xfrm>
+            <a:off x="457200" y="0"/>
+            <a:ext cx="8229600" cy="381000"/>
+          </a:xfrm>
+        </p:spPr>
+        <p:txBody>
+          <a:bodyPr>
+            <a:normAutofit/>
+          </a:bodyPr>
+          <a:lstStyle/>
+          <a:p>
+            <a:r>
+              <a:rPr lang="en-US" sz="1600" smtClean="0"/>
+              <a:t>Now we are ready, let’s “worflowize” the jobs program</a:t>
+            </a:r>
+            <a:endParaRPr lang="en-US" sz="1600"/>
+          </a:p>
+        </p:txBody>
+      </p:sp>
+      <p:sp>
+        <p:nvSpPr>
+          <p:cNvPr id="3" name="Content Placeholder 2"/>
+          <p:cNvSpPr>
+            <a:spLocks noGrp="1"/>
+          </p:cNvSpPr>
+          <p:nvPr>
+            <p:ph idx="1"/>
+          </p:nvPr>
+        </p:nvSpPr>
+        <p:spPr>
+          <a:xfrm>
+            <a:off x="152400" y="457200"/>
+            <a:ext cx="8534400" cy="6324600"/>
+          </a:xfrm>
+        </p:spPr>
+        <p:txBody>
+          <a:bodyPr>
+            <a:normAutofit/>
+          </a:bodyPr>
+          <a:lstStyle/>
+          <a:p>
+            <a:pPr marL="0" indent="0">
+              <a:buNone/>
+            </a:pPr>
+            <a:endParaRPr lang="en-US" sz="1200"/>
+          </a:p>
+        </p:txBody>
+      </p:sp>
+    </p:spTree>
+    <p:extLst>
+      <p:ext uri="{BB962C8B-B14F-4D97-AF65-F5344CB8AC3E}">
+        <p14:creationId xmlns:p14="http://schemas.microsoft.com/office/powerpoint/2010/main" val="3625746256"/>
+      </p:ext>
+    </p:extLst>
+  </p:cSld>
+  <p:clrMapOvr>
+    <a:masterClrMapping/>
+  </p:clrMapOvr>
+</p:sld>
+</file>
+
 <file path=ppt/slides/slide3.xml><?xml version="1.0" encoding="utf-8"?>
 <p:sld xmlns:a="http://schemas.openxmlformats.org/drawingml/2006/main" xmlns:r="http://schemas.openxmlformats.org/officeDocument/2006/relationships" xmlns:p="http://schemas.openxmlformats.org/presentationml/2006/main">
   <p:cSld>
@@ -9932,10 +13803,10 @@
           </a:lstStyle>
           <a:p>
             <a:r>
-              <a:rPr lang="en-US" dirty="0" smtClean="0"/>
+              <a:rPr lang="en-US" smtClean="0"/>
               <a:t>This is the plan</a:t>
             </a:r>
-            <a:endParaRPr lang="en-US" dirty="0"/>
+            <a:endParaRPr lang="en-US"/>
           </a:p>
         </p:txBody>
       </p:sp>
@@ -10057,7 +13928,7 @@
           </a:lstStyle>
           <a:p>
             <a:r>
-              <a:rPr lang="en-US" sz="1800" b="1" dirty="0" smtClean="0">
+              <a:rPr lang="en-US" sz="1800" b="1" smtClean="0">
                 <a:solidFill>
                   <a:schemeClr val="tx1"/>
                 </a:solidFill>
@@ -10065,7 +13936,7 @@
               <a:t>1) </a:t>
             </a:r>
             <a:r>
-              <a:rPr lang="en-US" sz="1800" b="1" dirty="0" err="1" smtClean="0">
+              <a:rPr lang="en-US" sz="1800" b="1" err="1" smtClean="0">
                 <a:solidFill>
                   <a:schemeClr val="tx1"/>
                 </a:solidFill>
@@ -10073,7 +13944,7 @@
               <a:t>WorkFlow</a:t>
             </a:r>
             <a:r>
-              <a:rPr lang="en-US" sz="1800" b="1" dirty="0" smtClean="0">
+              <a:rPr lang="en-US" sz="1800" b="1" smtClean="0">
                 <a:solidFill>
                   <a:schemeClr val="tx1"/>
                 </a:solidFill>
@@ -10082,7 +13953,7 @@
             </a:r>
           </a:p>
           <a:p>
-            <a:endParaRPr lang="en-US" sz="1800" b="1" dirty="0" smtClean="0">
+            <a:endParaRPr lang="en-US" sz="1800" b="1" smtClean="0">
               <a:solidFill>
                 <a:schemeClr val="tx1"/>
               </a:solidFill>
@@ -10090,7 +13961,7 @@
           </a:p>
           <a:p>
             <a:r>
-              <a:rPr lang="en-US" sz="1800" b="1" dirty="0" smtClean="0">
+              <a:rPr lang="en-US" sz="1800" b="1" smtClean="0">
                 <a:solidFill>
                   <a:schemeClr val="tx1"/>
                 </a:solidFill>
@@ -10099,7 +13970,7 @@
             </a:r>
           </a:p>
           <a:p>
-            <a:endParaRPr lang="en-US" sz="1800" b="1" dirty="0" smtClean="0">
+            <a:endParaRPr lang="en-US" sz="1800" b="1" smtClean="0">
               <a:solidFill>
                 <a:schemeClr val="tx1"/>
               </a:solidFill>
@@ -10107,7 +13978,7 @@
           </a:p>
           <a:p>
             <a:r>
-              <a:rPr lang="en-US" sz="1800" b="1" dirty="0" smtClean="0">
+              <a:rPr lang="en-US" sz="1800" b="1" smtClean="0">
                 <a:solidFill>
                   <a:schemeClr val="tx1"/>
                 </a:solidFill>
@@ -10116,7 +13987,7 @@
             </a:r>
           </a:p>
           <a:p>
-            <a:endParaRPr lang="en-US" sz="1800" b="1" dirty="0" smtClean="0">
+            <a:endParaRPr lang="en-US" sz="1800" b="1" smtClean="0">
               <a:solidFill>
                 <a:schemeClr val="tx1"/>
               </a:solidFill>
@@ -10124,7 +13995,7 @@
           </a:p>
           <a:p>
             <a:r>
-              <a:rPr lang="en-US" sz="1800" b="1" dirty="0" smtClean="0">
+              <a:rPr lang="en-US" sz="1800" b="1" smtClean="0">
                 <a:solidFill>
                   <a:schemeClr val="tx1"/>
                 </a:solidFill>
@@ -10133,7 +14004,7 @@
             </a:r>
           </a:p>
           <a:p>
-            <a:endParaRPr lang="en-US" sz="1800" b="1" dirty="0" smtClean="0">
+            <a:endParaRPr lang="en-US" sz="1800" b="1" smtClean="0">
               <a:solidFill>
                 <a:schemeClr val="tx1"/>
               </a:solidFill>
@@ -10141,7 +14012,7 @@
           </a:p>
           <a:p>
             <a:r>
-              <a:rPr lang="en-US" sz="1800" b="1" dirty="0" smtClean="0">
+              <a:rPr lang="en-US" sz="1800" b="1" smtClean="0">
                 <a:solidFill>
                   <a:schemeClr val="tx1"/>
                 </a:solidFill>
@@ -10150,14 +14021,14 @@
             </a:r>
           </a:p>
           <a:p>
-            <a:endParaRPr lang="en-US" sz="1800" b="1" dirty="0">
+            <a:endParaRPr lang="en-US" sz="1800" b="1">
               <a:solidFill>
                 <a:schemeClr val="tx1"/>
               </a:solidFill>
             </a:endParaRPr>
           </a:p>
           <a:p>
-            <a:endParaRPr lang="en-US" sz="1800" b="1" dirty="0" smtClean="0">
+            <a:endParaRPr lang="en-US" sz="1800" b="1" smtClean="0">
               <a:solidFill>
                 <a:schemeClr val="tx1"/>
               </a:solidFill>
@@ -10165,14 +14036,14 @@
           </a:p>
           <a:p>
             <a:r>
-              <a:rPr lang="en-US" sz="1800" b="1" dirty="0" smtClean="0">
+              <a:rPr lang="en-US" sz="1800" b="1" smtClean="0">
                 <a:solidFill>
                   <a:schemeClr val="tx1"/>
                 </a:solidFill>
               </a:rPr>
               <a:t>Goodie</a:t>
             </a:r>
-            <a:endParaRPr lang="en-US" sz="1800" b="1" dirty="0">
+            <a:endParaRPr lang="en-US" sz="1800" b="1">
               <a:solidFill>
                 <a:schemeClr val="tx1"/>
               </a:solidFill>
@@ -10247,90 +14118,90 @@
           </a:lstStyle>
           <a:p>
             <a:r>
-              <a:rPr lang="en-US" sz="2800" b="1" dirty="0" err="1" smtClean="0"/>
+              <a:rPr lang="en-US" sz="2800" b="1" err="1" smtClean="0"/>
               <a:t>WorkFlow</a:t>
             </a:r>
             <a:r>
-              <a:rPr lang="en-US" sz="2800" b="1" dirty="0" smtClean="0"/>
+              <a:rPr lang="en-US" sz="2800" b="1" smtClean="0"/>
               <a:t> – what is it – book definition</a:t>
             </a:r>
           </a:p>
           <a:p>
             <a:r>
-              <a:rPr lang="en-US" sz="2000" dirty="0" smtClean="0"/>
+              <a:rPr lang="en-US" sz="2000" smtClean="0"/>
               <a:t/>
             </a:r>
             <a:br>
-              <a:rPr lang="en-US" sz="2000" dirty="0" smtClean="0"/>
+              <a:rPr lang="en-US" sz="2000" smtClean="0"/>
             </a:br>
             <a:r>
-              <a:rPr lang="en-US" sz="2000" dirty="0" smtClean="0"/>
+              <a:rPr lang="en-US" sz="2000" smtClean="0"/>
               <a:t>Windows PowerShell workflows are designed for scenarios </a:t>
             </a:r>
           </a:p>
           <a:p>
             <a:r>
-              <a:rPr lang="en-US" sz="2000" dirty="0" smtClean="0"/>
+              <a:rPr lang="en-US" sz="2000" smtClean="0"/>
               <a:t>where these attributes are required:</a:t>
             </a:r>
           </a:p>
           <a:p>
             <a:pPr algn="l"/>
             <a:r>
-              <a:rPr lang="en-US" sz="2000" dirty="0" smtClean="0"/>
+              <a:rPr lang="en-US" sz="2000" smtClean="0"/>
               <a:t/>
             </a:r>
             <a:br>
-              <a:rPr lang="en-US" sz="2000" dirty="0" smtClean="0"/>
+              <a:rPr lang="en-US" sz="2000" smtClean="0"/>
             </a:br>
             <a:r>
-              <a:rPr lang="en-US" sz="2000" dirty="0" smtClean="0"/>
+              <a:rPr lang="en-US" sz="2000" smtClean="0"/>
               <a:t>* </a:t>
             </a:r>
             <a:r>
-              <a:rPr lang="en-US" sz="2400" b="1" dirty="0" smtClean="0"/>
+              <a:rPr lang="en-US" sz="2400" b="1" smtClean="0"/>
               <a:t>Long-running activities.</a:t>
             </a:r>
           </a:p>
           <a:p>
             <a:pPr algn="l"/>
             <a:r>
-              <a:rPr lang="en-US" sz="2400" b="1" dirty="0" smtClean="0"/>
+              <a:rPr lang="en-US" sz="2400" b="1" smtClean="0"/>
               <a:t/>
             </a:r>
             <a:br>
-              <a:rPr lang="en-US" sz="2400" b="1" dirty="0" smtClean="0"/>
+              <a:rPr lang="en-US" sz="2400" b="1" smtClean="0"/>
             </a:br>
             <a:r>
-              <a:rPr lang="en-US" sz="2400" b="1" dirty="0" smtClean="0"/>
+              <a:rPr lang="en-US" sz="2400" b="1" smtClean="0"/>
               <a:t>* Repeatable activities.</a:t>
             </a:r>
           </a:p>
           <a:p>
             <a:pPr algn="l"/>
             <a:r>
-              <a:rPr lang="en-US" sz="2400" b="1" dirty="0" smtClean="0"/>
+              <a:rPr lang="en-US" sz="2400" b="1" smtClean="0"/>
               <a:t/>
             </a:r>
             <a:br>
-              <a:rPr lang="en-US" sz="2400" b="1" dirty="0" smtClean="0"/>
+              <a:rPr lang="en-US" sz="2400" b="1" smtClean="0"/>
             </a:br>
             <a:r>
-              <a:rPr lang="en-US" sz="2400" b="1" dirty="0" smtClean="0"/>
+              <a:rPr lang="en-US" sz="2400" b="1" smtClean="0"/>
               <a:t>* Frequently executed activities.</a:t>
             </a:r>
           </a:p>
           <a:p>
             <a:pPr algn="l"/>
             <a:r>
-              <a:rPr lang="en-US" sz="2400" b="1" dirty="0" smtClean="0"/>
+              <a:rPr lang="en-US" sz="2400" b="1" smtClean="0"/>
               <a:t/>
             </a:r>
             <a:br>
-              <a:rPr lang="en-US" sz="2400" b="1" dirty="0" smtClean="0"/>
+              <a:rPr lang="en-US" sz="2400" b="1" smtClean="0"/>
             </a:br>
             <a:r>
-              <a:rPr lang="en-US" sz="2400" b="1" dirty="0" smtClean="0">
+              <a:rPr lang="en-US" sz="2400" b="1" smtClean="0">
                 <a:solidFill>
                   <a:srgbClr val="C00000"/>
                 </a:solidFill>
@@ -10341,14 +14212,14 @@
           <a:p>
             <a:pPr algn="l"/>
             <a:r>
-              <a:rPr lang="en-US" sz="2400" b="1" dirty="0" smtClean="0"/>
+              <a:rPr lang="en-US" sz="2400" b="1" smtClean="0"/>
               <a:t/>
             </a:r>
             <a:br>
-              <a:rPr lang="en-US" sz="2400" b="1" dirty="0" smtClean="0"/>
+              <a:rPr lang="en-US" sz="2400" b="1" smtClean="0"/>
             </a:br>
             <a:r>
-              <a:rPr lang="en-US" sz="2400" b="1" dirty="0" smtClean="0">
+              <a:rPr lang="en-US" sz="2400" b="1" smtClean="0">
                 <a:solidFill>
                   <a:srgbClr val="C00000"/>
                 </a:solidFill>
@@ -10356,13 +14227,13 @@
               <a:t>* Interruptible activities that can be stopped and re-started, which includes surviving a reboot of the system against which the workflow is executing.</a:t>
             </a:r>
             <a:br>
-              <a:rPr lang="en-US" sz="2400" b="1" dirty="0" smtClean="0">
+              <a:rPr lang="en-US" sz="2400" b="1" smtClean="0">
                 <a:solidFill>
                   <a:srgbClr val="C00000"/>
                 </a:solidFill>
               </a:rPr>
             </a:br>
-            <a:endParaRPr lang="en-US" sz="2400" b="1" dirty="0">
+            <a:endParaRPr lang="en-US" sz="2400" b="1">
               <a:solidFill>
                 <a:srgbClr val="C00000"/>
               </a:solidFill>
@@ -10615,10 +14486,10 @@
           <a:lstStyle/>
           <a:p>
             <a:r>
-              <a:rPr lang="en-US" sz="1600" dirty="0" smtClean="0"/>
+              <a:rPr lang="en-US" sz="1600" smtClean="0"/>
               <a:t>Sample workflow , my HelloWorld version</a:t>
             </a:r>
-            <a:endParaRPr lang="en-US" sz="1600" dirty="0"/>
+            <a:endParaRPr lang="en-US" sz="1600"/>
           </a:p>
         </p:txBody>
       </p:sp>
@@ -10648,7 +14519,7 @@
               <a:buNone/>
             </a:pPr>
             <a:r>
-              <a:rPr lang="en-US" sz="1600" dirty="0" smtClean="0"/>
+              <a:rPr lang="en-US" sz="1600" smtClean="0"/>
               <a:t>Take home lessons:</a:t>
             </a:r>
           </a:p>
@@ -10656,14 +14527,14 @@
             <a:pPr marL="0" indent="0">
               <a:buNone/>
             </a:pPr>
-            <a:endParaRPr lang="en-US" sz="1600" dirty="0" smtClean="0"/>
+            <a:endParaRPr lang="en-US" sz="1600" smtClean="0"/>
           </a:p>
           <a:p>
             <a:pPr marL="0" indent="0">
               <a:buNone/>
             </a:pPr>
             <a:r>
-              <a:rPr lang="en-US" sz="1600" dirty="0" smtClean="0"/>
+              <a:rPr lang="en-US" sz="1600" smtClean="0"/>
               <a:t> Yes, workflows work as expected:</a:t>
             </a:r>
           </a:p>
@@ -10671,7 +14542,7 @@
             <a:pPr marL="0" indent="0">
               <a:buNone/>
             </a:pPr>
-            <a:endParaRPr lang="en-US" sz="1600" dirty="0"/>
+            <a:endParaRPr lang="en-US" sz="1600"/>
           </a:p>
           <a:p>
             <a:pPr>
@@ -10679,7 +14550,7 @@
               <a:buChar char="•"/>
             </a:pPr>
             <a:r>
-              <a:rPr lang="en-US" sz="1600" dirty="0" smtClean="0"/>
+              <a:rPr lang="en-US" sz="1600" smtClean="0"/>
               <a:t>The total time is the longest of the three “programs”</a:t>
             </a:r>
           </a:p>
@@ -10689,7 +14560,7 @@
               <a:buChar char="•"/>
             </a:pPr>
             <a:r>
-              <a:rPr lang="en-US" sz="1600" dirty="0" smtClean="0"/>
+              <a:rPr lang="en-US" sz="1600" smtClean="0"/>
               <a:t>You define a workflow like a function, and call it </a:t>
             </a:r>
           </a:p>
@@ -10699,15 +14570,15 @@
               <a:buChar char="•"/>
             </a:pPr>
             <a:r>
-              <a:rPr lang="en-US" sz="1600" dirty="0" smtClean="0"/>
+              <a:rPr lang="en-US" sz="1600" smtClean="0"/>
               <a:t>The </a:t>
             </a:r>
             <a:r>
-              <a:rPr lang="en-US" sz="1600" dirty="0" err="1" smtClean="0"/>
+              <a:rPr lang="en-US" sz="1600" err="1" smtClean="0"/>
               <a:t>InlineScripts</a:t>
             </a:r>
             <a:r>
-              <a:rPr lang="en-US" sz="1600" dirty="0" smtClean="0"/>
+              <a:rPr lang="en-US" sz="1600" smtClean="0"/>
               <a:t> are your friend</a:t>
             </a:r>
           </a:p>
@@ -10715,27 +14586,27 @@
             <a:pPr marL="0" indent="0">
               <a:buNone/>
             </a:pPr>
-            <a:endParaRPr lang="en-US" sz="1600" dirty="0" smtClean="0"/>
+            <a:endParaRPr lang="en-US" sz="1600" smtClean="0"/>
           </a:p>
           <a:p>
             <a:pPr marL="0" indent="0">
               <a:buNone/>
             </a:pPr>
-            <a:endParaRPr lang="en-US" sz="1600" dirty="0" smtClean="0"/>
+            <a:endParaRPr lang="en-US" sz="1600" smtClean="0"/>
           </a:p>
           <a:p>
             <a:pPr>
               <a:buFont typeface="Arial" charset="0"/>
               <a:buChar char="•"/>
             </a:pPr>
-            <a:endParaRPr lang="en-US" sz="1600" dirty="0"/>
+            <a:endParaRPr lang="en-US" sz="1600"/>
           </a:p>
           <a:p>
             <a:pPr>
               <a:buFont typeface="Arial" charset="0"/>
               <a:buChar char="•"/>
             </a:pPr>
-            <a:endParaRPr lang="en-US" sz="1600" dirty="0"/>
+            <a:endParaRPr lang="en-US" sz="1600"/>
           </a:p>
         </p:txBody>
       </p:sp>
@@ -10792,18 +14663,18 @@
           <a:lstStyle/>
           <a:p>
             <a:r>
-              <a:rPr lang="en-US" sz="1600" b="1" dirty="0" smtClean="0"/>
+              <a:rPr lang="en-US" sz="1600" b="1" smtClean="0"/>
               <a:t>First Things First - Scope and Visibility </a:t>
             </a:r>
             <a:r>
-              <a:rPr lang="en-US" sz="1600" dirty="0" smtClean="0"/>
+              <a:rPr lang="en-US" sz="1600" smtClean="0"/>
               <a:t/>
             </a:r>
             <a:br>
-              <a:rPr lang="en-US" sz="1600" dirty="0" smtClean="0"/>
+              <a:rPr lang="en-US" sz="1600" smtClean="0"/>
             </a:br>
             <a:r>
-              <a:rPr lang="en-US" sz="1600" b="1" dirty="0" smtClean="0">
+              <a:rPr lang="en-US" sz="1600" b="1" smtClean="0">
                 <a:solidFill>
                   <a:srgbClr val="00B050"/>
                 </a:solidFill>
@@ -10811,22 +14682,22 @@
               <a:t>Green</a:t>
             </a:r>
             <a:r>
-              <a:rPr lang="en-US" sz="1600" dirty="0" smtClean="0"/>
+              <a:rPr lang="en-US" sz="1600" smtClean="0"/>
               <a:t> – </a:t>
             </a:r>
             <a:r>
-              <a:rPr lang="en-US" sz="1600" dirty="0" err="1" smtClean="0"/>
+              <a:rPr lang="en-US" sz="1600" err="1" smtClean="0"/>
               <a:t>powershell</a:t>
             </a:r>
             <a:r>
-              <a:rPr lang="en-US" sz="1600" dirty="0" smtClean="0"/>
+              <a:rPr lang="en-US" sz="1600" smtClean="0"/>
               <a:t> business as usual area</a:t>
             </a:r>
             <a:br>
-              <a:rPr lang="en-US" sz="1600" dirty="0" smtClean="0"/>
+              <a:rPr lang="en-US" sz="1600" smtClean="0"/>
             </a:br>
             <a:r>
-              <a:rPr lang="en-US" sz="1600" b="1" dirty="0" smtClean="0">
+              <a:rPr lang="en-US" sz="1600" b="1" smtClean="0">
                 <a:solidFill>
                   <a:schemeClr val="accent6"/>
                 </a:solidFill>
@@ -10834,10 +14705,10 @@
               <a:t>Orange</a:t>
             </a:r>
             <a:r>
-              <a:rPr lang="en-US" sz="1600" dirty="0" smtClean="0"/>
+              <a:rPr lang="en-US" sz="1600" smtClean="0"/>
               <a:t>: workflow rules apply </a:t>
             </a:r>
-            <a:endParaRPr lang="en-US" sz="1600" dirty="0"/>
+            <a:endParaRPr lang="en-US" sz="1600"/>
           </a:p>
         </p:txBody>
       </p:sp>
@@ -10868,7 +14739,7 @@
           <a:p>
             <a:pPr algn="l"/>
             <a:r>
-              <a:rPr lang="en-US" sz="1200" b="0" dirty="0" smtClean="0">
+              <a:rPr lang="en-US" sz="1200" b="0" smtClean="0">
                 <a:solidFill>
                   <a:srgbClr val="569CD6"/>
                 </a:solidFill>
@@ -10878,7 +14749,7 @@
               <a:t>workflow</a:t>
             </a:r>
             <a:r>
-              <a:rPr lang="en-US" sz="1200" b="0" dirty="0" smtClean="0">
+              <a:rPr lang="en-US" sz="1200" b="0" smtClean="0">
                 <a:solidFill>
                   <a:srgbClr val="FFFFFF"/>
                 </a:solidFill>
@@ -10888,7 +14759,7 @@
               <a:t> </a:t>
             </a:r>
             <a:r>
-              <a:rPr lang="en-US" sz="1200" b="0" dirty="0" smtClean="0">
+              <a:rPr lang="en-US" sz="1200" b="0" smtClean="0">
                 <a:solidFill>
                   <a:srgbClr val="DCDCAA"/>
                 </a:solidFill>
@@ -10897,7 +14768,7 @@
               </a:rPr>
               <a:t>HelloWorld</a:t>
             </a:r>
-            <a:endParaRPr lang="en-US" sz="1200" b="0" dirty="0" smtClean="0">
+            <a:endParaRPr lang="en-US" sz="1200" b="0" smtClean="0">
               <a:solidFill>
                 <a:srgbClr val="FFFFFF"/>
               </a:solidFill>
@@ -10908,7 +14779,7 @@
           <a:p>
             <a:pPr algn="l"/>
             <a:r>
-              <a:rPr lang="en-US" sz="1200" b="0" dirty="0" smtClean="0">
+              <a:rPr lang="en-US" sz="1200" b="0" smtClean="0">
                 <a:solidFill>
                   <a:srgbClr val="FFFFFF"/>
                 </a:solidFill>
@@ -10920,7 +14791,7 @@
           </a:p>
           <a:p>
             <a:pPr algn="l"/>
-            <a:endParaRPr lang="en-US" sz="1200" b="0" dirty="0" smtClean="0">
+            <a:endParaRPr lang="en-US" sz="1200" b="0" smtClean="0">
               <a:solidFill>
                 <a:srgbClr val="FFFFFF"/>
               </a:solidFill>
@@ -10931,7 +14802,7 @@
           <a:p>
             <a:pPr algn="l"/>
             <a:r>
-              <a:rPr lang="en-US" sz="1200" b="0" dirty="0" smtClean="0">
+              <a:rPr lang="en-US" sz="1200" b="0" smtClean="0">
                 <a:solidFill>
                   <a:srgbClr val="FFFFFF"/>
                 </a:solidFill>
@@ -10941,7 +14812,7 @@
               <a:t>    </a:t>
             </a:r>
             <a:r>
-              <a:rPr lang="en-US" sz="1200" b="0" dirty="0" err="1" smtClean="0">
+              <a:rPr lang="en-US" sz="1200" b="0" err="1" smtClean="0">
                 <a:solidFill>
                   <a:srgbClr val="C586C0"/>
                 </a:solidFill>
@@ -10950,7 +14821,7 @@
               </a:rPr>
               <a:t>InlineScript</a:t>
             </a:r>
-            <a:endParaRPr lang="en-US" sz="1200" b="0" dirty="0" smtClean="0">
+            <a:endParaRPr lang="en-US" sz="1200" b="0" smtClean="0">
               <a:solidFill>
                 <a:srgbClr val="FFFFFF"/>
               </a:solidFill>
@@ -10961,7 +14832,7 @@
           <a:p>
             <a:pPr algn="l"/>
             <a:r>
-              <a:rPr lang="en-US" sz="1200" b="0" dirty="0" smtClean="0">
+              <a:rPr lang="en-US" sz="1200" b="0" smtClean="0">
                 <a:solidFill>
                   <a:srgbClr val="FFFFFF"/>
                 </a:solidFill>
@@ -10974,7 +14845,7 @@
           <a:p>
             <a:pPr algn="l"/>
             <a:r>
-              <a:rPr lang="en-US" sz="1200" b="0" dirty="0" smtClean="0">
+              <a:rPr lang="en-US" sz="1200" b="0" smtClean="0">
                 <a:solidFill>
                   <a:srgbClr val="FFFFFF"/>
                 </a:solidFill>
@@ -10984,7 +14855,7 @@
               <a:t>        </a:t>
             </a:r>
             <a:r>
-              <a:rPr lang="en-US" sz="1200" b="0" dirty="0" smtClean="0">
+              <a:rPr lang="en-US" sz="1200" b="0" smtClean="0">
                 <a:solidFill>
                   <a:srgbClr val="CE9178"/>
                 </a:solidFill>
@@ -10993,7 +14864,7 @@
               </a:rPr>
               <a:t>"Before starting parallel process"</a:t>
             </a:r>
-            <a:endParaRPr lang="en-US" sz="1200" b="0" dirty="0" smtClean="0">
+            <a:endParaRPr lang="en-US" sz="1200" b="0" smtClean="0">
               <a:solidFill>
                 <a:srgbClr val="FFFFFF"/>
               </a:solidFill>
@@ -11004,7 +14875,7 @@
           <a:p>
             <a:pPr algn="l"/>
             <a:r>
-              <a:rPr lang="en-US" sz="1200" b="0" dirty="0" smtClean="0">
+              <a:rPr lang="en-US" sz="1200" b="0" smtClean="0">
                 <a:solidFill>
                   <a:srgbClr val="FFFFFF"/>
                 </a:solidFill>
@@ -11014,7 +14885,7 @@
               <a:t>        </a:t>
             </a:r>
             <a:r>
-              <a:rPr lang="en-US" sz="1200" b="0" dirty="0" smtClean="0">
+              <a:rPr lang="en-US" sz="1200" b="0" smtClean="0">
                 <a:solidFill>
                   <a:srgbClr val="DCDCAA"/>
                 </a:solidFill>
@@ -11023,7 +14894,7 @@
               </a:rPr>
               <a:t>Get-Date</a:t>
             </a:r>
-            <a:endParaRPr lang="en-US" sz="1200" b="0" dirty="0" smtClean="0">
+            <a:endParaRPr lang="en-US" sz="1200" b="0" smtClean="0">
               <a:solidFill>
                 <a:srgbClr val="FFFFFF"/>
               </a:solidFill>
@@ -11034,7 +14905,7 @@
           <a:p>
             <a:pPr algn="l"/>
             <a:r>
-              <a:rPr lang="en-US" sz="1200" b="0" dirty="0" smtClean="0">
+              <a:rPr lang="en-US" sz="1200" b="0" smtClean="0">
                 <a:solidFill>
                   <a:srgbClr val="FFFFFF"/>
                 </a:solidFill>
@@ -11047,7 +14918,7 @@
           <a:p>
             <a:pPr algn="l"/>
             <a:r>
-              <a:rPr lang="en-US" sz="1200" b="0" dirty="0" smtClean="0">
+              <a:rPr lang="en-US" sz="1200" b="0" smtClean="0">
                 <a:solidFill>
                   <a:srgbClr val="FFFFFF"/>
                 </a:solidFill>
@@ -11057,7 +14928,7 @@
               <a:t/>
             </a:r>
             <a:br>
-              <a:rPr lang="en-US" sz="1200" b="0" dirty="0" smtClean="0">
+              <a:rPr lang="en-US" sz="1200" b="0" smtClean="0">
                 <a:solidFill>
                   <a:srgbClr val="FFFFFF"/>
                 </a:solidFill>
@@ -11066,7 +14937,7 @@
               </a:rPr>
             </a:br>
             <a:r>
-              <a:rPr lang="en-US" sz="1200" b="0" dirty="0" smtClean="0">
+              <a:rPr lang="en-US" sz="1200" b="0" smtClean="0">
                 <a:solidFill>
                   <a:srgbClr val="FFFFFF"/>
                 </a:solidFill>
@@ -11076,7 +14947,7 @@
               <a:t>    </a:t>
             </a:r>
             <a:r>
-              <a:rPr lang="en-US" sz="1200" b="0" dirty="0" smtClean="0">
+              <a:rPr lang="en-US" sz="1200" b="0" smtClean="0">
                 <a:solidFill>
                   <a:srgbClr val="C586C0"/>
                 </a:solidFill>
@@ -11086,7 +14957,7 @@
               <a:t>parallel</a:t>
             </a:r>
             <a:r>
-              <a:rPr lang="en-US" sz="1200" b="0" dirty="0" smtClean="0">
+              <a:rPr lang="en-US" sz="1200" b="0" smtClean="0">
                 <a:solidFill>
                   <a:srgbClr val="FFFFFF"/>
                 </a:solidFill>
@@ -11099,7 +14970,7 @@
           <a:p>
             <a:pPr algn="l"/>
             <a:r>
-              <a:rPr lang="en-US" sz="1200" b="0" dirty="0" smtClean="0">
+              <a:rPr lang="en-US" sz="1200" b="0" smtClean="0">
                 <a:solidFill>
                   <a:srgbClr val="FFFFFF"/>
                 </a:solidFill>
@@ -11112,7 +14983,7 @@
           <a:p>
             <a:pPr algn="l"/>
             <a:r>
-              <a:rPr lang="en-US" sz="1200" b="0" dirty="0" smtClean="0">
+              <a:rPr lang="en-US" sz="1200" b="0" smtClean="0">
                 <a:solidFill>
                   <a:srgbClr val="FFFFFF"/>
                 </a:solidFill>
@@ -11122,7 +14993,7 @@
               <a:t>        </a:t>
             </a:r>
             <a:r>
-              <a:rPr lang="en-US" sz="1200" b="0" dirty="0" smtClean="0">
+              <a:rPr lang="en-US" sz="1200" b="0" smtClean="0">
                 <a:solidFill>
                   <a:srgbClr val="DCDCAA"/>
                 </a:solidFill>
@@ -11132,7 +15003,7 @@
               <a:t>Start-Sleep</a:t>
             </a:r>
             <a:r>
-              <a:rPr lang="en-US" sz="1200" b="0" dirty="0" smtClean="0">
+              <a:rPr lang="en-US" sz="1200" b="0" smtClean="0">
                 <a:solidFill>
                   <a:srgbClr val="FFFFFF"/>
                 </a:solidFill>
@@ -11142,7 +15013,7 @@
               <a:t> </a:t>
             </a:r>
             <a:r>
-              <a:rPr lang="en-US" sz="1200" b="0" dirty="0" smtClean="0">
+              <a:rPr lang="en-US" sz="1200" b="0" smtClean="0">
                 <a:solidFill>
                   <a:srgbClr val="D4D4D4"/>
                 </a:solidFill>
@@ -11152,7 +15023,7 @@
               <a:t>-</a:t>
             </a:r>
             <a:r>
-              <a:rPr lang="en-US" sz="1200" b="0" dirty="0" smtClean="0">
+              <a:rPr lang="en-US" sz="1200" b="0" smtClean="0">
                 <a:solidFill>
                   <a:srgbClr val="FFFFFF"/>
                 </a:solidFill>
@@ -11162,7 +15033,7 @@
               <a:t>s </a:t>
             </a:r>
             <a:r>
-              <a:rPr lang="en-US" sz="1200" b="0" dirty="0" smtClean="0">
+              <a:rPr lang="en-US" sz="1200" b="0" smtClean="0">
                 <a:solidFill>
                   <a:srgbClr val="B5CEA8"/>
                 </a:solidFill>
@@ -11171,7 +15042,7 @@
               </a:rPr>
               <a:t>60</a:t>
             </a:r>
-            <a:endParaRPr lang="en-US" sz="1200" b="0" dirty="0" smtClean="0">
+            <a:endParaRPr lang="en-US" sz="1200" b="0" smtClean="0">
               <a:solidFill>
                 <a:srgbClr val="FFFFFF"/>
               </a:solidFill>
@@ -11182,7 +15053,7 @@
           <a:p>
             <a:pPr algn="l"/>
             <a:r>
-              <a:rPr lang="en-US" sz="1200" b="0" dirty="0" smtClean="0">
+              <a:rPr lang="en-US" sz="1200" b="0" smtClean="0">
                 <a:solidFill>
                   <a:srgbClr val="FFFFFF"/>
                 </a:solidFill>
@@ -11192,7 +15063,7 @@
               <a:t>        </a:t>
             </a:r>
             <a:r>
-              <a:rPr lang="en-US" sz="1200" b="0" dirty="0" smtClean="0">
+              <a:rPr lang="en-US" sz="1200" b="0" smtClean="0">
                 <a:solidFill>
                   <a:srgbClr val="DCDCAA"/>
                 </a:solidFill>
@@ -11202,7 +15073,7 @@
               <a:t>Start-Sleep</a:t>
             </a:r>
             <a:r>
-              <a:rPr lang="en-US" sz="1200" b="0" dirty="0" smtClean="0">
+              <a:rPr lang="en-US" sz="1200" b="0" smtClean="0">
                 <a:solidFill>
                   <a:srgbClr val="FFFFFF"/>
                 </a:solidFill>
@@ -11212,7 +15083,7 @@
               <a:t> </a:t>
             </a:r>
             <a:r>
-              <a:rPr lang="en-US" sz="1200" b="0" dirty="0" smtClean="0">
+              <a:rPr lang="en-US" sz="1200" b="0" smtClean="0">
                 <a:solidFill>
                   <a:srgbClr val="D4D4D4"/>
                 </a:solidFill>
@@ -11222,7 +15093,7 @@
               <a:t>-</a:t>
             </a:r>
             <a:r>
-              <a:rPr lang="en-US" sz="1200" b="0" dirty="0" smtClean="0">
+              <a:rPr lang="en-US" sz="1200" b="0" smtClean="0">
                 <a:solidFill>
                   <a:srgbClr val="FFFFFF"/>
                 </a:solidFill>
@@ -11232,7 +15103,7 @@
               <a:t>s </a:t>
             </a:r>
             <a:r>
-              <a:rPr lang="en-US" sz="1200" b="0" dirty="0" smtClean="0">
+              <a:rPr lang="en-US" sz="1200" b="0" smtClean="0">
                 <a:solidFill>
                   <a:srgbClr val="B5CEA8"/>
                 </a:solidFill>
@@ -11241,7 +15112,7 @@
               </a:rPr>
               <a:t>35</a:t>
             </a:r>
-            <a:endParaRPr lang="en-US" sz="1200" b="0" dirty="0" smtClean="0">
+            <a:endParaRPr lang="en-US" sz="1200" b="0" smtClean="0">
               <a:solidFill>
                 <a:srgbClr val="FFFFFF"/>
               </a:solidFill>
@@ -11252,7 +15123,7 @@
           <a:p>
             <a:pPr algn="l"/>
             <a:r>
-              <a:rPr lang="en-US" sz="1200" b="0" dirty="0" smtClean="0">
+              <a:rPr lang="en-US" sz="1200" b="0" smtClean="0">
                 <a:solidFill>
                   <a:srgbClr val="FFFFFF"/>
                 </a:solidFill>
@@ -11262,7 +15133,7 @@
               <a:t>        </a:t>
             </a:r>
             <a:r>
-              <a:rPr lang="en-US" sz="1200" b="0" dirty="0" smtClean="0">
+              <a:rPr lang="en-US" sz="1200" b="0" smtClean="0">
                 <a:solidFill>
                   <a:srgbClr val="DCDCAA"/>
                 </a:solidFill>
@@ -11272,7 +15143,7 @@
               <a:t>Start-Sleep</a:t>
             </a:r>
             <a:r>
-              <a:rPr lang="en-US" sz="1200" b="0" dirty="0" smtClean="0">
+              <a:rPr lang="en-US" sz="1200" b="0" smtClean="0">
                 <a:solidFill>
                   <a:srgbClr val="FFFFFF"/>
                 </a:solidFill>
@@ -11282,7 +15153,7 @@
               <a:t> </a:t>
             </a:r>
             <a:r>
-              <a:rPr lang="en-US" sz="1200" b="0" dirty="0" smtClean="0">
+              <a:rPr lang="en-US" sz="1200" b="0" smtClean="0">
                 <a:solidFill>
                   <a:srgbClr val="D4D4D4"/>
                 </a:solidFill>
@@ -11292,7 +15163,7 @@
               <a:t>-</a:t>
             </a:r>
             <a:r>
-              <a:rPr lang="en-US" sz="1200" b="0" dirty="0" smtClean="0">
+              <a:rPr lang="en-US" sz="1200" b="0" smtClean="0">
                 <a:solidFill>
                   <a:srgbClr val="FFFFFF"/>
                 </a:solidFill>
@@ -11302,7 +15173,7 @@
               <a:t>s </a:t>
             </a:r>
             <a:r>
-              <a:rPr lang="en-US" sz="1200" b="0" dirty="0" smtClean="0">
+              <a:rPr lang="en-US" sz="1200" b="0" smtClean="0">
                 <a:solidFill>
                   <a:srgbClr val="B5CEA8"/>
                 </a:solidFill>
@@ -11311,7 +15182,7 @@
               </a:rPr>
               <a:t>25</a:t>
             </a:r>
-            <a:endParaRPr lang="en-US" sz="1200" b="0" dirty="0" smtClean="0">
+            <a:endParaRPr lang="en-US" sz="1200" b="0" smtClean="0">
               <a:solidFill>
                 <a:srgbClr val="FFFFFF"/>
               </a:solidFill>
@@ -11322,7 +15193,7 @@
           <a:p>
             <a:pPr algn="l"/>
             <a:r>
-              <a:rPr lang="en-US" sz="1200" b="0" dirty="0" smtClean="0">
+              <a:rPr lang="en-US" sz="1200" b="0" smtClean="0">
                 <a:solidFill>
                   <a:srgbClr val="FFFFFF"/>
                 </a:solidFill>
@@ -11335,7 +15206,7 @@
           <a:p>
             <a:pPr algn="l"/>
             <a:r>
-              <a:rPr lang="en-US" sz="1200" b="0" dirty="0" smtClean="0">
+              <a:rPr lang="en-US" sz="1200" b="0" smtClean="0">
                 <a:solidFill>
                   <a:srgbClr val="FFFFFF"/>
                 </a:solidFill>
@@ -11345,7 +15216,7 @@
               <a:t/>
             </a:r>
             <a:br>
-              <a:rPr lang="en-US" sz="1200" b="0" dirty="0" smtClean="0">
+              <a:rPr lang="en-US" sz="1200" b="0" smtClean="0">
                 <a:solidFill>
                   <a:srgbClr val="FFFFFF"/>
                 </a:solidFill>
@@ -11354,7 +15225,7 @@
               </a:rPr>
             </a:br>
             <a:r>
-              <a:rPr lang="en-US" sz="1200" b="0" dirty="0" smtClean="0">
+              <a:rPr lang="en-US" sz="1200" b="0" smtClean="0">
                 <a:solidFill>
                   <a:srgbClr val="FFFFFF"/>
                 </a:solidFill>
@@ -11364,7 +15235,7 @@
               <a:t>    </a:t>
             </a:r>
             <a:r>
-              <a:rPr lang="en-US" sz="1200" b="0" dirty="0" err="1" smtClean="0">
+              <a:rPr lang="en-US" sz="1200" b="0" err="1" smtClean="0">
                 <a:solidFill>
                   <a:srgbClr val="C586C0"/>
                 </a:solidFill>
@@ -11373,7 +15244,7 @@
               </a:rPr>
               <a:t>InlineScript</a:t>
             </a:r>
-            <a:endParaRPr lang="en-US" sz="1200" b="0" dirty="0" smtClean="0">
+            <a:endParaRPr lang="en-US" sz="1200" b="0" smtClean="0">
               <a:solidFill>
                 <a:srgbClr val="FFFFFF"/>
               </a:solidFill>
@@ -11384,7 +15255,7 @@
           <a:p>
             <a:pPr algn="l"/>
             <a:r>
-              <a:rPr lang="en-US" sz="1200" b="0" dirty="0" smtClean="0">
+              <a:rPr lang="en-US" sz="1200" b="0" smtClean="0">
                 <a:solidFill>
                   <a:srgbClr val="FFFFFF"/>
                 </a:solidFill>
@@ -11397,7 +15268,7 @@
           <a:p>
             <a:pPr algn="l"/>
             <a:r>
-              <a:rPr lang="en-US" sz="1200" b="0" dirty="0" smtClean="0">
+              <a:rPr lang="en-US" sz="1200" b="0" smtClean="0">
                 <a:solidFill>
                   <a:srgbClr val="FFFFFF"/>
                 </a:solidFill>
@@ -11407,7 +15278,7 @@
               <a:t>        </a:t>
             </a:r>
             <a:r>
-              <a:rPr lang="en-US" sz="1200" b="0" dirty="0" smtClean="0">
+              <a:rPr lang="en-US" sz="1200" b="0" smtClean="0">
                 <a:solidFill>
                   <a:srgbClr val="CE9178"/>
                 </a:solidFill>
@@ -11416,7 +15287,7 @@
               </a:rPr>
               <a:t>"After completing parallel process"</a:t>
             </a:r>
-            <a:endParaRPr lang="en-US" sz="1200" b="0" dirty="0" smtClean="0">
+            <a:endParaRPr lang="en-US" sz="1200" b="0" smtClean="0">
               <a:solidFill>
                 <a:srgbClr val="FFFFFF"/>
               </a:solidFill>
@@ -11427,7 +15298,7 @@
           <a:p>
             <a:pPr algn="l"/>
             <a:r>
-              <a:rPr lang="en-US" sz="1200" b="0" dirty="0" smtClean="0">
+              <a:rPr lang="en-US" sz="1200" b="0" smtClean="0">
                 <a:solidFill>
                   <a:srgbClr val="FFFFFF"/>
                 </a:solidFill>
@@ -11437,7 +15308,7 @@
               <a:t>        </a:t>
             </a:r>
             <a:r>
-              <a:rPr lang="en-US" sz="1200" b="0" dirty="0" smtClean="0">
+              <a:rPr lang="en-US" sz="1200" b="0" smtClean="0">
                 <a:solidFill>
                   <a:srgbClr val="DCDCAA"/>
                 </a:solidFill>
@@ -11447,7 +15318,7 @@
               <a:t>Get-Date</a:t>
             </a:r>
             <a:r>
-              <a:rPr lang="en-US" sz="1200" b="0" dirty="0" smtClean="0">
+              <a:rPr lang="en-US" sz="1200" b="0" smtClean="0">
                 <a:solidFill>
                   <a:srgbClr val="FFFFFF"/>
                 </a:solidFill>
@@ -11460,7 +15331,7 @@
           <a:p>
             <a:pPr algn="l"/>
             <a:r>
-              <a:rPr lang="en-US" sz="1200" b="0" dirty="0" smtClean="0">
+              <a:rPr lang="en-US" sz="1200" b="0" smtClean="0">
                 <a:solidFill>
                   <a:srgbClr val="FFFFFF"/>
                 </a:solidFill>
@@ -11473,7 +15344,7 @@
           <a:p>
             <a:pPr algn="l"/>
             <a:r>
-              <a:rPr lang="en-US" sz="1200" b="0" dirty="0" smtClean="0">
+              <a:rPr lang="en-US" sz="1200" b="0" smtClean="0">
                 <a:solidFill>
                   <a:srgbClr val="FFFFFF"/>
                 </a:solidFill>
@@ -11484,7 +15355,7 @@
             </a:r>
           </a:p>
           <a:p>
-            <a:endParaRPr lang="en-US" sz="1200" dirty="0"/>
+            <a:endParaRPr lang="en-US" sz="1200"/>
           </a:p>
         </p:txBody>
       </p:sp>
@@ -11595,10 +15466,10 @@
           <a:lstStyle/>
           <a:p>
             <a:r>
-              <a:rPr lang="en-US" sz="1600" b="1" dirty="0" smtClean="0"/>
+              <a:rPr lang="en-US" sz="1600" b="1" smtClean="0"/>
               <a:t>Get used to weird things</a:t>
             </a:r>
-            <a:endParaRPr lang="en-US" sz="1600" b="1" dirty="0"/>
+            <a:endParaRPr lang="en-US" sz="1600" b="1"/>
           </a:p>
         </p:txBody>
       </p:sp>
@@ -11631,12 +15502,12 @@
           <a:lstStyle/>
           <a:p>
             <a:r>
-              <a:rPr lang="en-US" sz="1600" b="1" dirty="0" smtClean="0"/>
+              <a:rPr lang="en-US" sz="1600" b="1" smtClean="0"/>
               <a:t>So these are the suggestions:</a:t>
             </a:r>
           </a:p>
           <a:p>
-            <a:endParaRPr lang="en-US" sz="1600" b="1" dirty="0" smtClean="0"/>
+            <a:endParaRPr lang="en-US" sz="1600" b="1" smtClean="0"/>
           </a:p>
           <a:p>
             <a:pPr marL="285750" indent="-285750" algn="l">
@@ -11644,15 +15515,15 @@
               <a:buChar char="•"/>
             </a:pPr>
             <a:r>
-              <a:rPr lang="en-US" sz="1600" dirty="0" smtClean="0"/>
+              <a:rPr lang="en-US" sz="1600" smtClean="0"/>
               <a:t>In case of errors: use </a:t>
             </a:r>
             <a:r>
-              <a:rPr lang="en-US" sz="1600" dirty="0" err="1" smtClean="0"/>
+              <a:rPr lang="en-US" sz="1600" err="1" smtClean="0"/>
               <a:t>InlineScript</a:t>
             </a:r>
             <a:r>
-              <a:rPr lang="en-US" sz="1600" dirty="0" smtClean="0"/>
+              <a:rPr lang="en-US" sz="1600" smtClean="0"/>
               <a:t> when possible</a:t>
             </a:r>
           </a:p>
@@ -11662,14 +15533,14 @@
               <a:buChar char="•"/>
             </a:pPr>
             <a:r>
-              <a:rPr lang="en-US" sz="1600" dirty="0" smtClean="0"/>
+              <a:rPr lang="en-US" sz="1600" smtClean="0"/>
               <a:t>In case of doubt: use </a:t>
             </a:r>
             <a:r>
-              <a:rPr lang="en-US" sz="1600" dirty="0" err="1" smtClean="0"/>
+              <a:rPr lang="en-US" sz="1600" err="1" smtClean="0"/>
               <a:t>InlineScript</a:t>
             </a:r>
-            <a:endParaRPr lang="en-US" sz="1600" dirty="0" smtClean="0"/>
+            <a:endParaRPr lang="en-US" sz="1600" smtClean="0"/>
           </a:p>
           <a:p>
             <a:pPr marL="285750" indent="-285750" algn="l">
@@ -11677,20 +15548,20 @@
               <a:buChar char="•"/>
             </a:pPr>
             <a:r>
-              <a:rPr lang="en-US" sz="1600" dirty="0" smtClean="0"/>
+              <a:rPr lang="en-US" sz="1600" smtClean="0"/>
               <a:t>When inside Workflow: the error messages are quite detailed </a:t>
             </a:r>
             <a:r>
-              <a:rPr lang="en-US" sz="1600" dirty="0" smtClean="0">
+              <a:rPr lang="en-US" sz="1600" smtClean="0">
                 <a:sym typeface="Wingdings" panose="05000000000000000000" pitchFamily="2" charset="2"/>
               </a:rPr>
               <a:t>, learn from them</a:t>
             </a:r>
             <a:r>
-              <a:rPr lang="en-US" sz="1600" dirty="0" smtClean="0"/>
+              <a:rPr lang="en-US" sz="1600" smtClean="0"/>
               <a:t> </a:t>
             </a:r>
-            <a:endParaRPr lang="en-US" sz="1600" dirty="0"/>
+            <a:endParaRPr lang="en-US" sz="1600"/>
           </a:p>
         </p:txBody>
       </p:sp>
@@ -12252,10 +16123,10 @@
           </a:lstStyle>
           <a:p>
             <a:r>
-              <a:rPr lang="en-US" sz="1600" dirty="0" smtClean="0"/>
+              <a:rPr lang="en-US" sz="1600" smtClean="0"/>
               <a:t>This is nice</a:t>
             </a:r>
-            <a:endParaRPr lang="en-US" sz="1600" dirty="0"/>
+            <a:endParaRPr lang="en-US" sz="1600"/>
           </a:p>
         </p:txBody>
       </p:sp>
@@ -12298,10 +16169,10 @@
           </a:lstStyle>
           <a:p>
             <a:r>
-              <a:rPr lang="en-US" sz="1600" dirty="0" smtClean="0"/>
+              <a:rPr lang="en-US" sz="1600" smtClean="0"/>
               <a:t>This is naughty</a:t>
             </a:r>
-            <a:endParaRPr lang="en-US" sz="1600" dirty="0"/>
+            <a:endParaRPr lang="en-US" sz="1600"/>
           </a:p>
         </p:txBody>
       </p:sp>
